--- a/Redis技术分享——by顾汉杰.pptx
+++ b/Redis技术分享——by顾汉杰.pptx
@@ -5,7 +5,7 @@
     <p:sldMasterId id="2147483648" r:id="rId1"/>
   </p:sldMasterIdLst>
   <p:notesMasterIdLst>
-    <p:notesMasterId r:id="rId42"/>
+    <p:notesMasterId r:id="rId43"/>
   </p:notesMasterIdLst>
   <p:sldIdLst>
     <p:sldId id="256" r:id="rId2"/>
@@ -34,20 +34,21 @@
     <p:sldId id="271" r:id="rId25"/>
     <p:sldId id="273" r:id="rId26"/>
     <p:sldId id="275" r:id="rId27"/>
-    <p:sldId id="278" r:id="rId28"/>
-    <p:sldId id="280" r:id="rId29"/>
-    <p:sldId id="281" r:id="rId30"/>
-    <p:sldId id="282" r:id="rId31"/>
-    <p:sldId id="276" r:id="rId32"/>
-    <p:sldId id="277" r:id="rId33"/>
+    <p:sldId id="276" r:id="rId28"/>
+    <p:sldId id="277" r:id="rId29"/>
+    <p:sldId id="278" r:id="rId30"/>
+    <p:sldId id="280" r:id="rId31"/>
+    <p:sldId id="281" r:id="rId32"/>
+    <p:sldId id="282" r:id="rId33"/>
     <p:sldId id="295" r:id="rId34"/>
     <p:sldId id="284" r:id="rId35"/>
     <p:sldId id="296" r:id="rId36"/>
     <p:sldId id="285" r:id="rId37"/>
     <p:sldId id="286" r:id="rId38"/>
     <p:sldId id="287" r:id="rId39"/>
-    <p:sldId id="279" r:id="rId40"/>
-    <p:sldId id="257" r:id="rId41"/>
+    <p:sldId id="297" r:id="rId40"/>
+    <p:sldId id="279" r:id="rId41"/>
+    <p:sldId id="257" r:id="rId42"/>
   </p:sldIdLst>
   <p:sldSz cx="12192000" cy="6858000"/>
   <p:notesSz cx="6858000" cy="9144000"/>
@@ -146,6 +147,11 @@
       </a:defRPr>
     </a:lvl9pPr>
   </p:defaultTextStyle>
+  <p:extLst>
+    <p:ext uri="{EFAFB233-063F-42B5-8137-9DF3F51BA10A}">
+      <p15:sldGuideLst xmlns:p15="http://schemas.microsoft.com/office/powerpoint/2012/main"/>
+    </p:ext>
+  </p:extLst>
 </p:presentation>
 </file>
 
@@ -2116,18 +2122,46 @@
         </dgm:presLayoutVars>
       </dgm:prSet>
       <dgm:spPr/>
+      <dgm:t>
+        <a:bodyPr/>
+        <a:lstStyle/>
+        <a:p>
+          <a:endParaRPr lang="zh-CN" altLang="en-US"/>
+        </a:p>
+      </dgm:t>
     </dgm:pt>
     <dgm:pt modelId="{0EAE7577-A6E1-42A3-937E-E80DE6BDC5FF}" type="pres">
       <dgm:prSet presAssocID="{6B252652-5ADF-46B9-BF9B-B042C2496B7F}" presName="centerShape" presStyleLbl="node0" presStyleIdx="0" presStyleCnt="1"/>
       <dgm:spPr/>
+      <dgm:t>
+        <a:bodyPr/>
+        <a:lstStyle/>
+        <a:p>
+          <a:endParaRPr lang="zh-CN" altLang="en-US"/>
+        </a:p>
+      </dgm:t>
     </dgm:pt>
     <dgm:pt modelId="{7AA54442-0824-4F12-B500-703D9D157866}" type="pres">
       <dgm:prSet presAssocID="{9E4107A3-4B59-47AF-B5E8-857A216F2818}" presName="parTrans" presStyleLbl="sibTrans2D1" presStyleIdx="0" presStyleCnt="6"/>
       <dgm:spPr/>
+      <dgm:t>
+        <a:bodyPr/>
+        <a:lstStyle/>
+        <a:p>
+          <a:endParaRPr lang="zh-CN" altLang="en-US"/>
+        </a:p>
+      </dgm:t>
     </dgm:pt>
     <dgm:pt modelId="{8610BD1F-4C61-4E01-A99D-91A1B838A584}" type="pres">
       <dgm:prSet presAssocID="{9E4107A3-4B59-47AF-B5E8-857A216F2818}" presName="connectorText" presStyleLbl="sibTrans2D1" presStyleIdx="0" presStyleCnt="6"/>
       <dgm:spPr/>
+      <dgm:t>
+        <a:bodyPr/>
+        <a:lstStyle/>
+        <a:p>
+          <a:endParaRPr lang="zh-CN" altLang="en-US"/>
+        </a:p>
+      </dgm:t>
     </dgm:pt>
     <dgm:pt modelId="{EF316A87-B0A5-4A4A-8E98-8712B075E41E}" type="pres">
       <dgm:prSet presAssocID="{20C13526-4A2F-4D35-AC36-135DE9C2BFAD}" presName="node" presStyleLbl="node1" presStyleIdx="0" presStyleCnt="6">
@@ -2147,10 +2181,24 @@
     <dgm:pt modelId="{9F327213-2229-42A3-A037-6B36A144979C}" type="pres">
       <dgm:prSet presAssocID="{4AA1F4FB-22E4-4303-9A1A-56C89933D686}" presName="parTrans" presStyleLbl="sibTrans2D1" presStyleIdx="1" presStyleCnt="6"/>
       <dgm:spPr/>
+      <dgm:t>
+        <a:bodyPr/>
+        <a:lstStyle/>
+        <a:p>
+          <a:endParaRPr lang="zh-CN" altLang="en-US"/>
+        </a:p>
+      </dgm:t>
     </dgm:pt>
     <dgm:pt modelId="{DD8AA77D-B3EF-45B8-9CFB-1DCB8AED7CC2}" type="pres">
       <dgm:prSet presAssocID="{4AA1F4FB-22E4-4303-9A1A-56C89933D686}" presName="connectorText" presStyleLbl="sibTrans2D1" presStyleIdx="1" presStyleCnt="6"/>
       <dgm:spPr/>
+      <dgm:t>
+        <a:bodyPr/>
+        <a:lstStyle/>
+        <a:p>
+          <a:endParaRPr lang="zh-CN" altLang="en-US"/>
+        </a:p>
+      </dgm:t>
     </dgm:pt>
     <dgm:pt modelId="{555269E8-4B16-40B6-9E4E-14613EC4FA01}" type="pres">
       <dgm:prSet presAssocID="{779DCCF7-2F5D-4490-B046-CA035D23B4AD}" presName="node" presStyleLbl="node1" presStyleIdx="1" presStyleCnt="6">
@@ -2159,14 +2207,35 @@
         </dgm:presLayoutVars>
       </dgm:prSet>
       <dgm:spPr/>
+      <dgm:t>
+        <a:bodyPr/>
+        <a:lstStyle/>
+        <a:p>
+          <a:endParaRPr lang="zh-CN" altLang="en-US"/>
+        </a:p>
+      </dgm:t>
     </dgm:pt>
     <dgm:pt modelId="{67A43855-2F11-42A7-A36C-58562ACABCAB}" type="pres">
       <dgm:prSet presAssocID="{79FE1F04-F84F-4CE2-B395-B741C6444838}" presName="parTrans" presStyleLbl="sibTrans2D1" presStyleIdx="2" presStyleCnt="6"/>
       <dgm:spPr/>
+      <dgm:t>
+        <a:bodyPr/>
+        <a:lstStyle/>
+        <a:p>
+          <a:endParaRPr lang="zh-CN" altLang="en-US"/>
+        </a:p>
+      </dgm:t>
     </dgm:pt>
     <dgm:pt modelId="{D7DFE34D-C76E-49DC-B404-4A4DFF859BEC}" type="pres">
       <dgm:prSet presAssocID="{79FE1F04-F84F-4CE2-B395-B741C6444838}" presName="connectorText" presStyleLbl="sibTrans2D1" presStyleIdx="2" presStyleCnt="6"/>
       <dgm:spPr/>
+      <dgm:t>
+        <a:bodyPr/>
+        <a:lstStyle/>
+        <a:p>
+          <a:endParaRPr lang="zh-CN" altLang="en-US"/>
+        </a:p>
+      </dgm:t>
     </dgm:pt>
     <dgm:pt modelId="{DD5E7832-BC9F-438C-8B6C-9E44FD4E1FED}" type="pres">
       <dgm:prSet presAssocID="{7965BA96-23A2-467D-BCA6-D199B1257FA7}" presName="node" presStyleLbl="node1" presStyleIdx="2" presStyleCnt="6">
@@ -2186,10 +2255,24 @@
     <dgm:pt modelId="{64C4DCA4-7314-472C-9E37-8E484F13C357}" type="pres">
       <dgm:prSet presAssocID="{E429F364-6E7B-437E-AF30-8B55CEE113DA}" presName="parTrans" presStyleLbl="sibTrans2D1" presStyleIdx="3" presStyleCnt="6"/>
       <dgm:spPr/>
+      <dgm:t>
+        <a:bodyPr/>
+        <a:lstStyle/>
+        <a:p>
+          <a:endParaRPr lang="zh-CN" altLang="en-US"/>
+        </a:p>
+      </dgm:t>
     </dgm:pt>
     <dgm:pt modelId="{A04C7AEB-F0FE-4B3A-9B4B-50F5F5814608}" type="pres">
       <dgm:prSet presAssocID="{E429F364-6E7B-437E-AF30-8B55CEE113DA}" presName="connectorText" presStyleLbl="sibTrans2D1" presStyleIdx="3" presStyleCnt="6"/>
       <dgm:spPr/>
+      <dgm:t>
+        <a:bodyPr/>
+        <a:lstStyle/>
+        <a:p>
+          <a:endParaRPr lang="zh-CN" altLang="en-US"/>
+        </a:p>
+      </dgm:t>
     </dgm:pt>
     <dgm:pt modelId="{FFC3FFE9-E981-4AC7-9807-59E0394988CF}" type="pres">
       <dgm:prSet presAssocID="{373A7F29-2F2F-4782-B85A-19172ED41A16}" presName="node" presStyleLbl="node1" presStyleIdx="3" presStyleCnt="6">
@@ -2209,10 +2292,24 @@
     <dgm:pt modelId="{8BF1CC65-F180-4DD9-BB53-98C744322E4F}" type="pres">
       <dgm:prSet presAssocID="{DEEBC4E3-EA44-487B-8296-CA3437514360}" presName="parTrans" presStyleLbl="sibTrans2D1" presStyleIdx="4" presStyleCnt="6"/>
       <dgm:spPr/>
+      <dgm:t>
+        <a:bodyPr/>
+        <a:lstStyle/>
+        <a:p>
+          <a:endParaRPr lang="zh-CN" altLang="en-US"/>
+        </a:p>
+      </dgm:t>
     </dgm:pt>
     <dgm:pt modelId="{B7058A4C-76C8-4EAD-A21D-42B0CB66BE8A}" type="pres">
       <dgm:prSet presAssocID="{DEEBC4E3-EA44-487B-8296-CA3437514360}" presName="connectorText" presStyleLbl="sibTrans2D1" presStyleIdx="4" presStyleCnt="6"/>
       <dgm:spPr/>
+      <dgm:t>
+        <a:bodyPr/>
+        <a:lstStyle/>
+        <a:p>
+          <a:endParaRPr lang="zh-CN" altLang="en-US"/>
+        </a:p>
+      </dgm:t>
     </dgm:pt>
     <dgm:pt modelId="{145D976C-6194-47D4-AC17-A29F202ED7F6}" type="pres">
       <dgm:prSet presAssocID="{37288FF8-BF54-46DE-8D51-0C8C9A8F69F1}" presName="node" presStyleLbl="node1" presStyleIdx="4" presStyleCnt="6">
@@ -2232,10 +2329,24 @@
     <dgm:pt modelId="{F343BF18-59E4-430E-B292-493F0285F293}" type="pres">
       <dgm:prSet presAssocID="{5FF2BB14-199D-42C9-8FC1-A494FACE2588}" presName="parTrans" presStyleLbl="sibTrans2D1" presStyleIdx="5" presStyleCnt="6"/>
       <dgm:spPr/>
+      <dgm:t>
+        <a:bodyPr/>
+        <a:lstStyle/>
+        <a:p>
+          <a:endParaRPr lang="zh-CN" altLang="en-US"/>
+        </a:p>
+      </dgm:t>
     </dgm:pt>
     <dgm:pt modelId="{E1EBBF52-4EBD-4D86-8616-DCB6DFBE7EF2}" type="pres">
       <dgm:prSet presAssocID="{5FF2BB14-199D-42C9-8FC1-A494FACE2588}" presName="connectorText" presStyleLbl="sibTrans2D1" presStyleIdx="5" presStyleCnt="6"/>
       <dgm:spPr/>
+      <dgm:t>
+        <a:bodyPr/>
+        <a:lstStyle/>
+        <a:p>
+          <a:endParaRPr lang="zh-CN" altLang="en-US"/>
+        </a:p>
+      </dgm:t>
     </dgm:pt>
     <dgm:pt modelId="{28D03AD1-DD82-4BF5-A36E-9295213AD4E9}" type="pres">
       <dgm:prSet presAssocID="{EDB1A9EF-1E91-4A10-859C-5643FADEE796}" presName="node" presStyleLbl="node1" presStyleIdx="5" presStyleCnt="6">
@@ -2273,8 +2384,8 @@
     <dgm:cxn modelId="{B5D45711-CB61-4A95-A35D-FB13D25FC856}" type="presOf" srcId="{79FE1F04-F84F-4CE2-B395-B741C6444838}" destId="{67A43855-2F11-42A7-A36C-58562ACABCAB}" srcOrd="0" destOrd="0" presId="urn:microsoft.com/office/officeart/2005/8/layout/radial5"/>
     <dgm:cxn modelId="{008300EA-6CB0-4620-B4E4-61E54FCEC6A4}" type="presOf" srcId="{9E4107A3-4B59-47AF-B5E8-857A216F2818}" destId="{8610BD1F-4C61-4E01-A99D-91A1B838A584}" srcOrd="1" destOrd="0" presId="urn:microsoft.com/office/officeart/2005/8/layout/radial5"/>
     <dgm:cxn modelId="{A2D994C0-0EC5-4F43-B9F3-F4369E406954}" srcId="{6B252652-5ADF-46B9-BF9B-B042C2496B7F}" destId="{373A7F29-2F2F-4782-B85A-19172ED41A16}" srcOrd="3" destOrd="0" parTransId="{E429F364-6E7B-437E-AF30-8B55CEE113DA}" sibTransId="{0E5D4AC8-E65E-43B8-86E5-6ABE45533931}"/>
+    <dgm:cxn modelId="{7BB3E5DE-637B-40EB-A889-B597490322D9}" type="presOf" srcId="{37288FF8-BF54-46DE-8D51-0C8C9A8F69F1}" destId="{145D976C-6194-47D4-AC17-A29F202ED7F6}" srcOrd="0" destOrd="0" presId="urn:microsoft.com/office/officeart/2005/8/layout/radial5"/>
     <dgm:cxn modelId="{DF6EE8FB-D260-4D8C-8FB9-CC2796E0C03B}" type="presOf" srcId="{20C13526-4A2F-4D35-AC36-135DE9C2BFAD}" destId="{EF316A87-B0A5-4A4A-8E98-8712B075E41E}" srcOrd="0" destOrd="0" presId="urn:microsoft.com/office/officeart/2005/8/layout/radial5"/>
-    <dgm:cxn modelId="{7BB3E5DE-637B-40EB-A889-B597490322D9}" type="presOf" srcId="{37288FF8-BF54-46DE-8D51-0C8C9A8F69F1}" destId="{145D976C-6194-47D4-AC17-A29F202ED7F6}" srcOrd="0" destOrd="0" presId="urn:microsoft.com/office/officeart/2005/8/layout/radial5"/>
     <dgm:cxn modelId="{81057F1A-E0A3-4417-A0BA-C80EC82A8841}" type="presOf" srcId="{779DCCF7-2F5D-4490-B046-CA035D23B4AD}" destId="{555269E8-4B16-40B6-9E4E-14613EC4FA01}" srcOrd="0" destOrd="0" presId="urn:microsoft.com/office/officeart/2005/8/layout/radial5"/>
     <dgm:cxn modelId="{5F722503-D086-43E3-AFD7-50579424B651}" type="presOf" srcId="{4FF99956-917C-4703-98E9-684BD242C256}" destId="{7045EB22-6344-4CF3-94F0-E7AFEBE7590D}" srcOrd="0" destOrd="0" presId="urn:microsoft.com/office/officeart/2005/8/layout/radial5"/>
     <dgm:cxn modelId="{D4585687-4056-4C9F-BA07-49495AA47646}" srcId="{6B252652-5ADF-46B9-BF9B-B042C2496B7F}" destId="{7965BA96-23A2-467D-BCA6-D199B1257FA7}" srcOrd="2" destOrd="0" parTransId="{79FE1F04-F84F-4CE2-B395-B741C6444838}" sibTransId="{D186751D-D2A5-4711-BA5A-61CB6610A974}"/>
@@ -2618,6 +2729,13 @@
         </dgm:presLayoutVars>
       </dgm:prSet>
       <dgm:spPr/>
+      <dgm:t>
+        <a:bodyPr/>
+        <a:lstStyle/>
+        <a:p>
+          <a:endParaRPr lang="zh-CN" altLang="en-US"/>
+        </a:p>
+      </dgm:t>
     </dgm:pt>
     <dgm:pt modelId="{89E4841E-8B7B-4027-87B2-9FA8716E18C4}" type="pres">
       <dgm:prSet presAssocID="{CD30915F-96C7-452C-ABC2-7CC86A857200}" presName="centerShape" presStyleLbl="node0" presStyleIdx="0" presStyleCnt="1" custScaleY="54792" custLinFactNeighborX="-2243" custLinFactNeighborY="-16691"/>
@@ -2626,10 +2744,24 @@
           <a:avLst/>
         </a:prstGeom>
       </dgm:spPr>
+      <dgm:t>
+        <a:bodyPr/>
+        <a:lstStyle/>
+        <a:p>
+          <a:endParaRPr lang="zh-CN" altLang="en-US"/>
+        </a:p>
+      </dgm:t>
     </dgm:pt>
     <dgm:pt modelId="{000475DB-A88E-4503-801A-DA6DC7E83A9A}" type="pres">
       <dgm:prSet presAssocID="{038BF3F3-F858-4BD7-9A5A-A0494A4B966D}" presName="parTrans" presStyleLbl="bgSibTrans2D1" presStyleIdx="0" presStyleCnt="6" custScaleX="81334" custScaleY="92530"/>
       <dgm:spPr/>
+      <dgm:t>
+        <a:bodyPr/>
+        <a:lstStyle/>
+        <a:p>
+          <a:endParaRPr lang="zh-CN" altLang="en-US"/>
+        </a:p>
+      </dgm:t>
     </dgm:pt>
     <dgm:pt modelId="{10C869D6-EE0A-435C-AEE8-2E7C9B180CE0}" type="pres">
       <dgm:prSet presAssocID="{6E551A49-7383-4350-948D-842A839F6DF1}" presName="node" presStyleLbl="node1" presStyleIdx="0" presStyleCnt="6" custScaleX="82432" custScaleY="72435" custRadScaleRad="113869" custRadScaleInc="150720">
@@ -2653,6 +2785,13 @@
     <dgm:pt modelId="{A19A9881-9E9A-43F6-A341-6E165FF2211D}" type="pres">
       <dgm:prSet presAssocID="{E5FC1269-D84B-418E-B880-25BF6CA9E40C}" presName="parTrans" presStyleLbl="bgSibTrans2D1" presStyleIdx="1" presStyleCnt="6" custScaleX="82810" custScaleY="96627" custLinFactNeighborX="7000"/>
       <dgm:spPr/>
+      <dgm:t>
+        <a:bodyPr/>
+        <a:lstStyle/>
+        <a:p>
+          <a:endParaRPr lang="zh-CN" altLang="en-US"/>
+        </a:p>
+      </dgm:t>
     </dgm:pt>
     <dgm:pt modelId="{763FB4E4-22AA-41F3-B245-B0782FB962E6}" type="pres">
       <dgm:prSet presAssocID="{BA0955DE-8C44-4ABF-90DC-887794D26A11}" presName="node" presStyleLbl="node1" presStyleIdx="1" presStyleCnt="6" custScaleX="82432" custScaleY="72435" custRadScaleRad="99093" custRadScaleInc="-54378">
@@ -2676,6 +2815,13 @@
     <dgm:pt modelId="{D555D34C-063B-46E3-BCE7-41D044FF19C9}" type="pres">
       <dgm:prSet presAssocID="{6E0F264E-8A94-4DBB-BD50-EC8D2DEA6903}" presName="parTrans" presStyleLbl="bgSibTrans2D1" presStyleIdx="2" presStyleCnt="6" custScaleX="70912" custScaleY="88673"/>
       <dgm:spPr/>
+      <dgm:t>
+        <a:bodyPr/>
+        <a:lstStyle/>
+        <a:p>
+          <a:endParaRPr lang="zh-CN" altLang="en-US"/>
+        </a:p>
+      </dgm:t>
     </dgm:pt>
     <dgm:pt modelId="{A01E0EA4-5914-49C4-A008-69E0540FF494}" type="pres">
       <dgm:prSet presAssocID="{77B16D33-5943-4164-A974-860071455D29}" presName="node" presStyleLbl="node1" presStyleIdx="2" presStyleCnt="6" custScaleX="82432" custScaleY="72435" custRadScaleRad="80417" custRadScaleInc="-273557">
@@ -2703,6 +2849,13 @@
           <a:avLst/>
         </a:prstGeom>
       </dgm:spPr>
+      <dgm:t>
+        <a:bodyPr/>
+        <a:lstStyle/>
+        <a:p>
+          <a:endParaRPr lang="zh-CN" altLang="en-US"/>
+        </a:p>
+      </dgm:t>
     </dgm:pt>
     <dgm:pt modelId="{FC638E26-7369-4DDB-9221-21BD0B6C877B}" type="pres">
       <dgm:prSet presAssocID="{AE1EE965-F202-4E0A-9A5F-38B702518E8E}" presName="node" presStyleLbl="node1" presStyleIdx="3" presStyleCnt="6" custScaleX="83626" custScaleY="70858" custRadScaleRad="108983" custRadScaleInc="80443">
@@ -2730,6 +2883,13 @@
           <a:avLst/>
         </a:prstGeom>
       </dgm:spPr>
+      <dgm:t>
+        <a:bodyPr/>
+        <a:lstStyle/>
+        <a:p>
+          <a:endParaRPr lang="zh-CN" altLang="en-US"/>
+        </a:p>
+      </dgm:t>
     </dgm:pt>
     <dgm:pt modelId="{5802A834-1F4D-4A31-8D1F-C4871C4DCEEF}" type="pres">
       <dgm:prSet presAssocID="{B0D3889A-35DC-4B61-B5BB-0824CAB6B335}" presName="node" presStyleLbl="node1" presStyleIdx="4" presStyleCnt="6" custScaleX="83626" custScaleY="70858" custRadScaleRad="88739" custRadScaleInc="46342">
@@ -2742,6 +2902,13 @@
           <a:avLst/>
         </a:prstGeom>
       </dgm:spPr>
+      <dgm:t>
+        <a:bodyPr/>
+        <a:lstStyle/>
+        <a:p>
+          <a:endParaRPr lang="zh-CN" altLang="en-US"/>
+        </a:p>
+      </dgm:t>
     </dgm:pt>
     <dgm:pt modelId="{53F462A3-2C87-47D9-A26F-1B24435F4068}" type="pres">
       <dgm:prSet presAssocID="{F7FBBB7A-FB4D-4173-9C67-7E6531F89895}" presName="parTrans" presStyleLbl="bgSibTrans2D1" presStyleIdx="5" presStyleCnt="6" custScaleX="55547" custLinFactNeighborX="-17794" custRadScaleRad="24192" custRadScaleInc="-2147483648"/>
@@ -2750,6 +2917,13 @@
           <a:avLst/>
         </a:prstGeom>
       </dgm:spPr>
+      <dgm:t>
+        <a:bodyPr/>
+        <a:lstStyle/>
+        <a:p>
+          <a:endParaRPr lang="zh-CN" altLang="en-US"/>
+        </a:p>
+      </dgm:t>
     </dgm:pt>
     <dgm:pt modelId="{37403C11-0B53-4FAF-8F15-678D233D2123}" type="pres">
       <dgm:prSet presAssocID="{D7A1165D-697B-4572-9C88-51064067E638}" presName="node" presStyleLbl="node1" presStyleIdx="5" presStyleCnt="6" custScaleX="83626" custScaleY="70858" custRadScaleRad="73395" custRadScaleInc="36805">
@@ -2762,12 +2936,19 @@
           <a:avLst/>
         </a:prstGeom>
       </dgm:spPr>
+      <dgm:t>
+        <a:bodyPr/>
+        <a:lstStyle/>
+        <a:p>
+          <a:endParaRPr lang="zh-CN" altLang="en-US"/>
+        </a:p>
+      </dgm:t>
     </dgm:pt>
   </dgm:ptLst>
   <dgm:cxnLst>
     <dgm:cxn modelId="{40F2E8DF-7D47-40E4-9FD3-B0111CB350F2}" type="presOf" srcId="{038BF3F3-F858-4BD7-9A5A-A0494A4B966D}" destId="{000475DB-A88E-4503-801A-DA6DC7E83A9A}" srcOrd="0" destOrd="0" presId="urn:microsoft.com/office/officeart/2005/8/layout/radial4"/>
+    <dgm:cxn modelId="{AC54BE30-E0B9-4A9B-A3A6-65FB2484F2C5}" srcId="{CD30915F-96C7-452C-ABC2-7CC86A857200}" destId="{BA0955DE-8C44-4ABF-90DC-887794D26A11}" srcOrd="1" destOrd="0" parTransId="{E5FC1269-D84B-418E-B880-25BF6CA9E40C}" sibTransId="{B10ED091-BA85-4D4D-827F-85BB83E00D32}"/>
     <dgm:cxn modelId="{3B53AD67-6A18-4E4B-A463-1F76037A2B5E}" type="presOf" srcId="{D7A1165D-697B-4572-9C88-51064067E638}" destId="{37403C11-0B53-4FAF-8F15-678D233D2123}" srcOrd="0" destOrd="0" presId="urn:microsoft.com/office/officeart/2005/8/layout/radial4"/>
-    <dgm:cxn modelId="{AC54BE30-E0B9-4A9B-A3A6-65FB2484F2C5}" srcId="{CD30915F-96C7-452C-ABC2-7CC86A857200}" destId="{BA0955DE-8C44-4ABF-90DC-887794D26A11}" srcOrd="1" destOrd="0" parTransId="{E5FC1269-D84B-418E-B880-25BF6CA9E40C}" sibTransId="{B10ED091-BA85-4D4D-827F-85BB83E00D32}"/>
     <dgm:cxn modelId="{1B25DBB1-B4D9-4040-8221-60CC2359540C}" type="presOf" srcId="{B0D3889A-35DC-4B61-B5BB-0824CAB6B335}" destId="{5802A834-1F4D-4A31-8D1F-C4871C4DCEEF}" srcOrd="0" destOrd="0" presId="urn:microsoft.com/office/officeart/2005/8/layout/radial4"/>
     <dgm:cxn modelId="{0F3BF88B-6371-4EC5-92D8-68A317E1FD7A}" type="presOf" srcId="{5C972CD6-DDB7-40B2-AB4C-E1DC15BB1794}" destId="{4082F79D-CB09-4DAA-AF75-094213E887FA}" srcOrd="0" destOrd="0" presId="urn:microsoft.com/office/officeart/2005/8/layout/radial4"/>
     <dgm:cxn modelId="{6CEBA9F0-5D3A-4D15-AE44-89697F61A456}" srcId="{CD30915F-96C7-452C-ABC2-7CC86A857200}" destId="{77B16D33-5943-4164-A974-860071455D29}" srcOrd="2" destOrd="0" parTransId="{6E0F264E-8A94-4DBB-BD50-EC8D2DEA6903}" sibTransId="{DD74AC46-9D42-42B2-8D1F-15AB8FA03DFB}"/>
@@ -2818,931 +2999,6 @@
       <dsp:cNvGrpSpPr/>
     </dsp:nvGrpSpPr>
     <dsp:grpSpPr/>
-    <dsp:sp modelId="{0EAE7577-A6E1-42A3-937E-E80DE6BDC5FF}">
-      <dsp:nvSpPr>
-        <dsp:cNvPr id="0" name=""/>
-        <dsp:cNvSpPr/>
-      </dsp:nvSpPr>
-      <dsp:spPr>
-        <a:xfrm>
-          <a:off x="4803908" y="1974710"/>
-          <a:ext cx="1406349" cy="1406349"/>
-        </a:xfrm>
-        <a:prstGeom prst="ellipse">
-          <a:avLst/>
-        </a:prstGeom>
-        <a:solidFill>
-          <a:schemeClr val="accent1">
-            <a:hueOff val="0"/>
-            <a:satOff val="0"/>
-            <a:lumOff val="0"/>
-            <a:alphaOff val="0"/>
-          </a:schemeClr>
-        </a:solidFill>
-        <a:ln>
-          <a:noFill/>
-        </a:ln>
-        <a:effectLst/>
-        <a:sp3d extrusionH="152250" prstMaterial="matte">
-          <a:bevelT w="165100" prst="coolSlant"/>
-        </a:sp3d>
-      </dsp:spPr>
-      <dsp:style>
-        <a:lnRef idx="0">
-          <a:scrgbClr r="0" g="0" b="0"/>
-        </a:lnRef>
-        <a:fillRef idx="1">
-          <a:scrgbClr r="0" g="0" b="0"/>
-        </a:fillRef>
-        <a:effectRef idx="2">
-          <a:scrgbClr r="0" g="0" b="0"/>
-        </a:effectRef>
-        <a:fontRef idx="minor">
-          <a:schemeClr val="lt1"/>
-        </a:fontRef>
-      </dsp:style>
-      <dsp:txBody>
-        <a:bodyPr spcFirstLastPara="0" vert="horz" wrap="square" lIns="34290" tIns="34290" rIns="34290" bIns="34290" numCol="1" spcCol="1270" anchor="ctr" anchorCtr="0">
-          <a:noAutofit/>
-          <a:sp3d extrusionH="28000" prstMaterial="matte"/>
-        </a:bodyPr>
-        <a:lstStyle/>
-        <a:p>
-          <a:pPr lvl="0" algn="ctr" defTabSz="1200150">
-            <a:lnSpc>
-              <a:spcPct val="90000"/>
-            </a:lnSpc>
-            <a:spcBef>
-              <a:spcPct val="0"/>
-            </a:spcBef>
-            <a:spcAft>
-              <a:spcPct val="35000"/>
-            </a:spcAft>
-          </a:pPr>
-          <a:r>
-            <a:rPr lang="en-US" altLang="zh-CN" sz="2700" kern="1200" dirty="0" err="1" smtClean="0"/>
-            <a:t>Redis</a:t>
-          </a:r>
-          <a:r>
-            <a:rPr lang="en-US" altLang="zh-CN" sz="2700" kern="1200" dirty="0" smtClean="0"/>
-            <a:t> Server</a:t>
-          </a:r>
-          <a:endParaRPr lang="zh-CN" altLang="en-US" sz="2700" kern="1200" dirty="0"/>
-        </a:p>
-      </dsp:txBody>
-      <dsp:txXfrm>
-        <a:off x="5009863" y="2180665"/>
-        <a:ext cx="994439" cy="994439"/>
-      </dsp:txXfrm>
-    </dsp:sp>
-    <dsp:sp modelId="{7AA54442-0824-4F12-B500-703D9D157866}">
-      <dsp:nvSpPr>
-        <dsp:cNvPr id="0" name=""/>
-        <dsp:cNvSpPr/>
-      </dsp:nvSpPr>
-      <dsp:spPr>
-        <a:xfrm rot="16200000">
-          <a:off x="5357185" y="1461290"/>
-          <a:ext cx="299794" cy="478158"/>
-        </a:xfrm>
-        <a:prstGeom prst="rightArrow">
-          <a:avLst>
-            <a:gd name="adj1" fmla="val 60000"/>
-            <a:gd name="adj2" fmla="val 50000"/>
-          </a:avLst>
-        </a:prstGeom>
-        <a:solidFill>
-          <a:schemeClr val="accent2">
-            <a:hueOff val="0"/>
-            <a:satOff val="0"/>
-            <a:lumOff val="0"/>
-            <a:alphaOff val="0"/>
-          </a:schemeClr>
-        </a:solidFill>
-        <a:ln>
-          <a:noFill/>
-        </a:ln>
-        <a:effectLst/>
-        <a:sp3d z="-227350" prstMaterial="matte"/>
-      </dsp:spPr>
-      <dsp:style>
-        <a:lnRef idx="0">
-          <a:scrgbClr r="0" g="0" b="0"/>
-        </a:lnRef>
-        <a:fillRef idx="1">
-          <a:scrgbClr r="0" g="0" b="0"/>
-        </a:fillRef>
-        <a:effectRef idx="0">
-          <a:scrgbClr r="0" g="0" b="0"/>
-        </a:effectRef>
-        <a:fontRef idx="minor">
-          <a:schemeClr val="lt1"/>
-        </a:fontRef>
-      </dsp:style>
-      <dsp:txBody>
-        <a:bodyPr spcFirstLastPara="0" vert="horz" wrap="square" lIns="0" tIns="0" rIns="0" bIns="0" numCol="1" spcCol="1270" anchor="ctr" anchorCtr="0">
-          <a:noAutofit/>
-        </a:bodyPr>
-        <a:lstStyle/>
-        <a:p>
-          <a:pPr lvl="0" algn="ctr" defTabSz="800100">
-            <a:lnSpc>
-              <a:spcPct val="90000"/>
-            </a:lnSpc>
-            <a:spcBef>
-              <a:spcPct val="0"/>
-            </a:spcBef>
-            <a:spcAft>
-              <a:spcPct val="35000"/>
-            </a:spcAft>
-          </a:pPr>
-          <a:endParaRPr lang="zh-CN" altLang="en-US" sz="1800" kern="1200"/>
-        </a:p>
-      </dsp:txBody>
-      <dsp:txXfrm>
-        <a:off x="5402154" y="1601891"/>
-        <a:ext cx="209856" cy="286894"/>
-      </dsp:txXfrm>
-    </dsp:sp>
-    <dsp:sp modelId="{EF316A87-B0A5-4A4A-8E98-8712B075E41E}">
-      <dsp:nvSpPr>
-        <dsp:cNvPr id="0" name=""/>
-        <dsp:cNvSpPr/>
-      </dsp:nvSpPr>
-      <dsp:spPr>
-        <a:xfrm>
-          <a:off x="4803908" y="2710"/>
-          <a:ext cx="1406349" cy="1406349"/>
-        </a:xfrm>
-        <a:prstGeom prst="ellipse">
-          <a:avLst/>
-        </a:prstGeom>
-        <a:solidFill>
-          <a:schemeClr val="accent2">
-            <a:hueOff val="0"/>
-            <a:satOff val="0"/>
-            <a:lumOff val="0"/>
-            <a:alphaOff val="0"/>
-          </a:schemeClr>
-        </a:solidFill>
-        <a:ln>
-          <a:noFill/>
-        </a:ln>
-        <a:effectLst/>
-        <a:sp3d extrusionH="152250" prstMaterial="matte">
-          <a:bevelT w="165100" prst="coolSlant"/>
-        </a:sp3d>
-      </dsp:spPr>
-      <dsp:style>
-        <a:lnRef idx="0">
-          <a:scrgbClr r="0" g="0" b="0"/>
-        </a:lnRef>
-        <a:fillRef idx="1">
-          <a:scrgbClr r="0" g="0" b="0"/>
-        </a:fillRef>
-        <a:effectRef idx="2">
-          <a:scrgbClr r="0" g="0" b="0"/>
-        </a:effectRef>
-        <a:fontRef idx="minor">
-          <a:schemeClr val="lt1"/>
-        </a:fontRef>
-      </dsp:style>
-      <dsp:txBody>
-        <a:bodyPr spcFirstLastPara="0" vert="horz" wrap="square" lIns="22860" tIns="22860" rIns="22860" bIns="22860" numCol="1" spcCol="1270" anchor="ctr" anchorCtr="0">
-          <a:noAutofit/>
-          <a:sp3d extrusionH="28000" prstMaterial="matte"/>
-        </a:bodyPr>
-        <a:lstStyle/>
-        <a:p>
-          <a:pPr lvl="0" algn="ctr" defTabSz="800100">
-            <a:lnSpc>
-              <a:spcPct val="90000"/>
-            </a:lnSpc>
-            <a:spcBef>
-              <a:spcPct val="0"/>
-            </a:spcBef>
-            <a:spcAft>
-              <a:spcPct val="35000"/>
-            </a:spcAft>
-          </a:pPr>
-          <a:r>
-            <a:rPr lang="en-US" altLang="zh-CN" sz="1800" kern="1200" dirty="0" smtClean="0"/>
-            <a:t>Java</a:t>
-          </a:r>
-          <a:endParaRPr lang="zh-CN" altLang="en-US" sz="1800" kern="1200" dirty="0"/>
-        </a:p>
-      </dsp:txBody>
-      <dsp:txXfrm>
-        <a:off x="5009863" y="208665"/>
-        <a:ext cx="994439" cy="994439"/>
-      </dsp:txXfrm>
-    </dsp:sp>
-    <dsp:sp modelId="{9F327213-2229-42A3-A037-6B36A144979C}">
-      <dsp:nvSpPr>
-        <dsp:cNvPr id="0" name=""/>
-        <dsp:cNvSpPr/>
-      </dsp:nvSpPr>
-      <dsp:spPr>
-        <a:xfrm rot="19800000">
-          <a:off x="6203738" y="1950048"/>
-          <a:ext cx="299794" cy="478158"/>
-        </a:xfrm>
-        <a:prstGeom prst="rightArrow">
-          <a:avLst>
-            <a:gd name="adj1" fmla="val 60000"/>
-            <a:gd name="adj2" fmla="val 50000"/>
-          </a:avLst>
-        </a:prstGeom>
-        <a:solidFill>
-          <a:schemeClr val="accent3">
-            <a:hueOff val="0"/>
-            <a:satOff val="0"/>
-            <a:lumOff val="0"/>
-            <a:alphaOff val="0"/>
-          </a:schemeClr>
-        </a:solidFill>
-        <a:ln>
-          <a:noFill/>
-        </a:ln>
-        <a:effectLst/>
-        <a:sp3d z="-227350" prstMaterial="matte"/>
-      </dsp:spPr>
-      <dsp:style>
-        <a:lnRef idx="0">
-          <a:scrgbClr r="0" g="0" b="0"/>
-        </a:lnRef>
-        <a:fillRef idx="1">
-          <a:scrgbClr r="0" g="0" b="0"/>
-        </a:fillRef>
-        <a:effectRef idx="0">
-          <a:scrgbClr r="0" g="0" b="0"/>
-        </a:effectRef>
-        <a:fontRef idx="minor">
-          <a:schemeClr val="lt1"/>
-        </a:fontRef>
-      </dsp:style>
-      <dsp:txBody>
-        <a:bodyPr spcFirstLastPara="0" vert="horz" wrap="square" lIns="0" tIns="0" rIns="0" bIns="0" numCol="1" spcCol="1270" anchor="ctr" anchorCtr="0">
-          <a:noAutofit/>
-        </a:bodyPr>
-        <a:lstStyle/>
-        <a:p>
-          <a:pPr lvl="0" algn="ctr" defTabSz="800100">
-            <a:lnSpc>
-              <a:spcPct val="90000"/>
-            </a:lnSpc>
-            <a:spcBef>
-              <a:spcPct val="0"/>
-            </a:spcBef>
-            <a:spcAft>
-              <a:spcPct val="35000"/>
-            </a:spcAft>
-          </a:pPr>
-          <a:endParaRPr lang="zh-CN" altLang="en-US" sz="1800" kern="1200"/>
-        </a:p>
-      </dsp:txBody>
-      <dsp:txXfrm>
-        <a:off x="6209763" y="2068165"/>
-        <a:ext cx="209856" cy="286894"/>
-      </dsp:txXfrm>
-    </dsp:sp>
-    <dsp:sp modelId="{555269E8-4B16-40B6-9E4E-14613EC4FA01}">
-      <dsp:nvSpPr>
-        <dsp:cNvPr id="0" name=""/>
-        <dsp:cNvSpPr/>
-      </dsp:nvSpPr>
-      <dsp:spPr>
-        <a:xfrm>
-          <a:off x="6511710" y="988710"/>
-          <a:ext cx="1406349" cy="1406349"/>
-        </a:xfrm>
-        <a:prstGeom prst="ellipse">
-          <a:avLst/>
-        </a:prstGeom>
-        <a:solidFill>
-          <a:schemeClr val="accent3">
-            <a:hueOff val="0"/>
-            <a:satOff val="0"/>
-            <a:lumOff val="0"/>
-            <a:alphaOff val="0"/>
-          </a:schemeClr>
-        </a:solidFill>
-        <a:ln>
-          <a:noFill/>
-        </a:ln>
-        <a:effectLst/>
-        <a:sp3d extrusionH="152250" prstMaterial="matte">
-          <a:bevelT w="165100" prst="coolSlant"/>
-        </a:sp3d>
-      </dsp:spPr>
-      <dsp:style>
-        <a:lnRef idx="0">
-          <a:scrgbClr r="0" g="0" b="0"/>
-        </a:lnRef>
-        <a:fillRef idx="1">
-          <a:scrgbClr r="0" g="0" b="0"/>
-        </a:fillRef>
-        <a:effectRef idx="2">
-          <a:scrgbClr r="0" g="0" b="0"/>
-        </a:effectRef>
-        <a:fontRef idx="minor">
-          <a:schemeClr val="lt1"/>
-        </a:fontRef>
-      </dsp:style>
-      <dsp:txBody>
-        <a:bodyPr spcFirstLastPara="0" vert="horz" wrap="square" lIns="22860" tIns="22860" rIns="22860" bIns="22860" numCol="1" spcCol="1270" anchor="ctr" anchorCtr="0">
-          <a:noAutofit/>
-          <a:sp3d extrusionH="28000" prstMaterial="matte"/>
-        </a:bodyPr>
-        <a:lstStyle/>
-        <a:p>
-          <a:pPr lvl="0" algn="ctr" defTabSz="800100">
-            <a:lnSpc>
-              <a:spcPct val="90000"/>
-            </a:lnSpc>
-            <a:spcBef>
-              <a:spcPct val="0"/>
-            </a:spcBef>
-            <a:spcAft>
-              <a:spcPct val="35000"/>
-            </a:spcAft>
-          </a:pPr>
-          <a:r>
-            <a:rPr lang="en-US" altLang="zh-CN" sz="1800" kern="1200" dirty="0" smtClean="0"/>
-            <a:t>Python</a:t>
-          </a:r>
-          <a:endParaRPr lang="zh-CN" altLang="en-US" sz="1800" kern="1200" dirty="0"/>
-        </a:p>
-      </dsp:txBody>
-      <dsp:txXfrm>
-        <a:off x="6717665" y="1194665"/>
-        <a:ext cx="994439" cy="994439"/>
-      </dsp:txXfrm>
-    </dsp:sp>
-    <dsp:sp modelId="{67A43855-2F11-42A7-A36C-58562ACABCAB}">
-      <dsp:nvSpPr>
-        <dsp:cNvPr id="0" name=""/>
-        <dsp:cNvSpPr/>
-      </dsp:nvSpPr>
-      <dsp:spPr>
-        <a:xfrm rot="1800000">
-          <a:off x="6203738" y="2927563"/>
-          <a:ext cx="299794" cy="478158"/>
-        </a:xfrm>
-        <a:prstGeom prst="rightArrow">
-          <a:avLst>
-            <a:gd name="adj1" fmla="val 60000"/>
-            <a:gd name="adj2" fmla="val 50000"/>
-          </a:avLst>
-        </a:prstGeom>
-        <a:solidFill>
-          <a:schemeClr val="accent4">
-            <a:hueOff val="0"/>
-            <a:satOff val="0"/>
-            <a:lumOff val="0"/>
-            <a:alphaOff val="0"/>
-          </a:schemeClr>
-        </a:solidFill>
-        <a:ln>
-          <a:noFill/>
-        </a:ln>
-        <a:effectLst/>
-        <a:sp3d z="-227350" prstMaterial="matte"/>
-      </dsp:spPr>
-      <dsp:style>
-        <a:lnRef idx="0">
-          <a:scrgbClr r="0" g="0" b="0"/>
-        </a:lnRef>
-        <a:fillRef idx="1">
-          <a:scrgbClr r="0" g="0" b="0"/>
-        </a:fillRef>
-        <a:effectRef idx="0">
-          <a:scrgbClr r="0" g="0" b="0"/>
-        </a:effectRef>
-        <a:fontRef idx="minor">
-          <a:schemeClr val="lt1"/>
-        </a:fontRef>
-      </dsp:style>
-      <dsp:txBody>
-        <a:bodyPr spcFirstLastPara="0" vert="horz" wrap="square" lIns="0" tIns="0" rIns="0" bIns="0" numCol="1" spcCol="1270" anchor="ctr" anchorCtr="0">
-          <a:noAutofit/>
-        </a:bodyPr>
-        <a:lstStyle/>
-        <a:p>
-          <a:pPr lvl="0" algn="ctr" defTabSz="800100">
-            <a:lnSpc>
-              <a:spcPct val="90000"/>
-            </a:lnSpc>
-            <a:spcBef>
-              <a:spcPct val="0"/>
-            </a:spcBef>
-            <a:spcAft>
-              <a:spcPct val="35000"/>
-            </a:spcAft>
-          </a:pPr>
-          <a:endParaRPr lang="zh-CN" altLang="en-US" sz="1800" kern="1200"/>
-        </a:p>
-      </dsp:txBody>
-      <dsp:txXfrm>
-        <a:off x="6209763" y="3000711"/>
-        <a:ext cx="209856" cy="286894"/>
-      </dsp:txXfrm>
-    </dsp:sp>
-    <dsp:sp modelId="{DD5E7832-BC9F-438C-8B6C-9E44FD4E1FED}">
-      <dsp:nvSpPr>
-        <dsp:cNvPr id="0" name=""/>
-        <dsp:cNvSpPr/>
-      </dsp:nvSpPr>
-      <dsp:spPr>
-        <a:xfrm>
-          <a:off x="6511710" y="2960710"/>
-          <a:ext cx="1406349" cy="1406349"/>
-        </a:xfrm>
-        <a:prstGeom prst="ellipse">
-          <a:avLst/>
-        </a:prstGeom>
-        <a:solidFill>
-          <a:schemeClr val="accent4">
-            <a:hueOff val="0"/>
-            <a:satOff val="0"/>
-            <a:lumOff val="0"/>
-            <a:alphaOff val="0"/>
-          </a:schemeClr>
-        </a:solidFill>
-        <a:ln>
-          <a:noFill/>
-        </a:ln>
-        <a:effectLst/>
-        <a:sp3d extrusionH="152250" prstMaterial="matte">
-          <a:bevelT w="165100" prst="coolSlant"/>
-        </a:sp3d>
-      </dsp:spPr>
-      <dsp:style>
-        <a:lnRef idx="0">
-          <a:scrgbClr r="0" g="0" b="0"/>
-        </a:lnRef>
-        <a:fillRef idx="1">
-          <a:scrgbClr r="0" g="0" b="0"/>
-        </a:fillRef>
-        <a:effectRef idx="2">
-          <a:scrgbClr r="0" g="0" b="0"/>
-        </a:effectRef>
-        <a:fontRef idx="minor">
-          <a:schemeClr val="lt1"/>
-        </a:fontRef>
-      </dsp:style>
-      <dsp:txBody>
-        <a:bodyPr spcFirstLastPara="0" vert="horz" wrap="square" lIns="22860" tIns="22860" rIns="22860" bIns="22860" numCol="1" spcCol="1270" anchor="ctr" anchorCtr="0">
-          <a:noAutofit/>
-          <a:sp3d extrusionH="28000" prstMaterial="matte"/>
-        </a:bodyPr>
-        <a:lstStyle/>
-        <a:p>
-          <a:pPr lvl="0" algn="ctr" defTabSz="800100">
-            <a:lnSpc>
-              <a:spcPct val="90000"/>
-            </a:lnSpc>
-            <a:spcBef>
-              <a:spcPct val="0"/>
-            </a:spcBef>
-            <a:spcAft>
-              <a:spcPct val="35000"/>
-            </a:spcAft>
-          </a:pPr>
-          <a:r>
-            <a:rPr lang="en-US" altLang="zh-CN" sz="1800" kern="1200" dirty="0" smtClean="0"/>
-            <a:t>….</a:t>
-          </a:r>
-          <a:endParaRPr lang="zh-CN" altLang="en-US" sz="1800" kern="1200" dirty="0"/>
-        </a:p>
-      </dsp:txBody>
-      <dsp:txXfrm>
-        <a:off x="6717665" y="3166665"/>
-        <a:ext cx="994439" cy="994439"/>
-      </dsp:txXfrm>
-    </dsp:sp>
-    <dsp:sp modelId="{64C4DCA4-7314-472C-9E37-8E484F13C357}">
-      <dsp:nvSpPr>
-        <dsp:cNvPr id="0" name=""/>
-        <dsp:cNvSpPr/>
-      </dsp:nvSpPr>
-      <dsp:spPr>
-        <a:xfrm rot="5400000">
-          <a:off x="5357185" y="3416321"/>
-          <a:ext cx="299794" cy="478158"/>
-        </a:xfrm>
-        <a:prstGeom prst="rightArrow">
-          <a:avLst>
-            <a:gd name="adj1" fmla="val 60000"/>
-            <a:gd name="adj2" fmla="val 50000"/>
-          </a:avLst>
-        </a:prstGeom>
-        <a:solidFill>
-          <a:schemeClr val="accent5">
-            <a:hueOff val="0"/>
-            <a:satOff val="0"/>
-            <a:lumOff val="0"/>
-            <a:alphaOff val="0"/>
-          </a:schemeClr>
-        </a:solidFill>
-        <a:ln>
-          <a:noFill/>
-        </a:ln>
-        <a:effectLst/>
-        <a:sp3d z="-227350" prstMaterial="matte"/>
-      </dsp:spPr>
-      <dsp:style>
-        <a:lnRef idx="0">
-          <a:scrgbClr r="0" g="0" b="0"/>
-        </a:lnRef>
-        <a:fillRef idx="1">
-          <a:scrgbClr r="0" g="0" b="0"/>
-        </a:fillRef>
-        <a:effectRef idx="0">
-          <a:scrgbClr r="0" g="0" b="0"/>
-        </a:effectRef>
-        <a:fontRef idx="minor">
-          <a:schemeClr val="lt1"/>
-        </a:fontRef>
-      </dsp:style>
-      <dsp:txBody>
-        <a:bodyPr spcFirstLastPara="0" vert="horz" wrap="square" lIns="0" tIns="0" rIns="0" bIns="0" numCol="1" spcCol="1270" anchor="ctr" anchorCtr="0">
-          <a:noAutofit/>
-        </a:bodyPr>
-        <a:lstStyle/>
-        <a:p>
-          <a:pPr lvl="0" algn="ctr" defTabSz="800100">
-            <a:lnSpc>
-              <a:spcPct val="90000"/>
-            </a:lnSpc>
-            <a:spcBef>
-              <a:spcPct val="0"/>
-            </a:spcBef>
-            <a:spcAft>
-              <a:spcPct val="35000"/>
-            </a:spcAft>
-          </a:pPr>
-          <a:endParaRPr lang="zh-CN" altLang="en-US" sz="1800" kern="1200"/>
-        </a:p>
-      </dsp:txBody>
-      <dsp:txXfrm>
-        <a:off x="5402154" y="3466984"/>
-        <a:ext cx="209856" cy="286894"/>
-      </dsp:txXfrm>
-    </dsp:sp>
-    <dsp:sp modelId="{FFC3FFE9-E981-4AC7-9807-59E0394988CF}">
-      <dsp:nvSpPr>
-        <dsp:cNvPr id="0" name=""/>
-        <dsp:cNvSpPr/>
-      </dsp:nvSpPr>
-      <dsp:spPr>
-        <a:xfrm>
-          <a:off x="4803908" y="3946710"/>
-          <a:ext cx="1406349" cy="1406349"/>
-        </a:xfrm>
-        <a:prstGeom prst="ellipse">
-          <a:avLst/>
-        </a:prstGeom>
-        <a:solidFill>
-          <a:schemeClr val="accent5">
-            <a:hueOff val="0"/>
-            <a:satOff val="0"/>
-            <a:lumOff val="0"/>
-            <a:alphaOff val="0"/>
-          </a:schemeClr>
-        </a:solidFill>
-        <a:ln>
-          <a:noFill/>
-        </a:ln>
-        <a:effectLst/>
-        <a:sp3d extrusionH="152250" prstMaterial="matte">
-          <a:bevelT w="165100" prst="coolSlant"/>
-        </a:sp3d>
-      </dsp:spPr>
-      <dsp:style>
-        <a:lnRef idx="0">
-          <a:scrgbClr r="0" g="0" b="0"/>
-        </a:lnRef>
-        <a:fillRef idx="1">
-          <a:scrgbClr r="0" g="0" b="0"/>
-        </a:fillRef>
-        <a:effectRef idx="2">
-          <a:scrgbClr r="0" g="0" b="0"/>
-        </a:effectRef>
-        <a:fontRef idx="minor">
-          <a:schemeClr val="lt1"/>
-        </a:fontRef>
-      </dsp:style>
-      <dsp:txBody>
-        <a:bodyPr spcFirstLastPara="0" vert="horz" wrap="square" lIns="22860" tIns="22860" rIns="22860" bIns="22860" numCol="1" spcCol="1270" anchor="ctr" anchorCtr="0">
-          <a:noAutofit/>
-          <a:sp3d extrusionH="28000" prstMaterial="matte"/>
-        </a:bodyPr>
-        <a:lstStyle/>
-        <a:p>
-          <a:pPr lvl="0" algn="ctr" defTabSz="800100">
-            <a:lnSpc>
-              <a:spcPct val="90000"/>
-            </a:lnSpc>
-            <a:spcBef>
-              <a:spcPct val="0"/>
-            </a:spcBef>
-            <a:spcAft>
-              <a:spcPct val="35000"/>
-            </a:spcAft>
-          </a:pPr>
-          <a:r>
-            <a:rPr lang="en-US" altLang="zh-CN" sz="1800" kern="1200" dirty="0" err="1" smtClean="0"/>
-            <a:t>Redis-Cli</a:t>
-          </a:r>
-          <a:endParaRPr lang="zh-CN" altLang="en-US" sz="1800" kern="1200" dirty="0"/>
-        </a:p>
-      </dsp:txBody>
-      <dsp:txXfrm>
-        <a:off x="5009863" y="4152665"/>
-        <a:ext cx="994439" cy="994439"/>
-      </dsp:txXfrm>
-    </dsp:sp>
-    <dsp:sp modelId="{8BF1CC65-F180-4DD9-BB53-98C744322E4F}">
-      <dsp:nvSpPr>
-        <dsp:cNvPr id="0" name=""/>
-        <dsp:cNvSpPr/>
-      </dsp:nvSpPr>
-      <dsp:spPr>
-        <a:xfrm rot="9000000">
-          <a:off x="4510632" y="2927563"/>
-          <a:ext cx="299794" cy="478158"/>
-        </a:xfrm>
-        <a:prstGeom prst="rightArrow">
-          <a:avLst>
-            <a:gd name="adj1" fmla="val 60000"/>
-            <a:gd name="adj2" fmla="val 50000"/>
-          </a:avLst>
-        </a:prstGeom>
-        <a:solidFill>
-          <a:schemeClr val="accent6">
-            <a:hueOff val="0"/>
-            <a:satOff val="0"/>
-            <a:lumOff val="0"/>
-            <a:alphaOff val="0"/>
-          </a:schemeClr>
-        </a:solidFill>
-        <a:ln>
-          <a:noFill/>
-        </a:ln>
-        <a:effectLst/>
-        <a:sp3d z="-227350" prstMaterial="matte"/>
-      </dsp:spPr>
-      <dsp:style>
-        <a:lnRef idx="0">
-          <a:scrgbClr r="0" g="0" b="0"/>
-        </a:lnRef>
-        <a:fillRef idx="1">
-          <a:scrgbClr r="0" g="0" b="0"/>
-        </a:fillRef>
-        <a:effectRef idx="0">
-          <a:scrgbClr r="0" g="0" b="0"/>
-        </a:effectRef>
-        <a:fontRef idx="minor">
-          <a:schemeClr val="lt1"/>
-        </a:fontRef>
-      </dsp:style>
-      <dsp:txBody>
-        <a:bodyPr spcFirstLastPara="0" vert="horz" wrap="square" lIns="0" tIns="0" rIns="0" bIns="0" numCol="1" spcCol="1270" anchor="ctr" anchorCtr="0">
-          <a:noAutofit/>
-        </a:bodyPr>
-        <a:lstStyle/>
-        <a:p>
-          <a:pPr lvl="0" algn="ctr" defTabSz="800100">
-            <a:lnSpc>
-              <a:spcPct val="90000"/>
-            </a:lnSpc>
-            <a:spcBef>
-              <a:spcPct val="0"/>
-            </a:spcBef>
-            <a:spcAft>
-              <a:spcPct val="35000"/>
-            </a:spcAft>
-          </a:pPr>
-          <a:endParaRPr lang="zh-CN" altLang="en-US" sz="1800" kern="1200"/>
-        </a:p>
-      </dsp:txBody>
-      <dsp:txXfrm rot="10800000">
-        <a:off x="4594545" y="3000711"/>
-        <a:ext cx="209856" cy="286894"/>
-      </dsp:txXfrm>
-    </dsp:sp>
-    <dsp:sp modelId="{145D976C-6194-47D4-AC17-A29F202ED7F6}">
-      <dsp:nvSpPr>
-        <dsp:cNvPr id="0" name=""/>
-        <dsp:cNvSpPr/>
-      </dsp:nvSpPr>
-      <dsp:spPr>
-        <a:xfrm>
-          <a:off x="3096106" y="2960710"/>
-          <a:ext cx="1406349" cy="1406349"/>
-        </a:xfrm>
-        <a:prstGeom prst="ellipse">
-          <a:avLst/>
-        </a:prstGeom>
-        <a:solidFill>
-          <a:schemeClr val="accent6">
-            <a:hueOff val="0"/>
-            <a:satOff val="0"/>
-            <a:lumOff val="0"/>
-            <a:alphaOff val="0"/>
-          </a:schemeClr>
-        </a:solidFill>
-        <a:ln>
-          <a:noFill/>
-        </a:ln>
-        <a:effectLst/>
-        <a:sp3d extrusionH="152250" prstMaterial="matte">
-          <a:bevelT w="165100" prst="coolSlant"/>
-        </a:sp3d>
-      </dsp:spPr>
-      <dsp:style>
-        <a:lnRef idx="0">
-          <a:scrgbClr r="0" g="0" b="0"/>
-        </a:lnRef>
-        <a:fillRef idx="1">
-          <a:scrgbClr r="0" g="0" b="0"/>
-        </a:fillRef>
-        <a:effectRef idx="2">
-          <a:scrgbClr r="0" g="0" b="0"/>
-        </a:effectRef>
-        <a:fontRef idx="minor">
-          <a:schemeClr val="lt1"/>
-        </a:fontRef>
-      </dsp:style>
-      <dsp:txBody>
-        <a:bodyPr spcFirstLastPara="0" vert="horz" wrap="square" lIns="22860" tIns="22860" rIns="22860" bIns="22860" numCol="1" spcCol="1270" anchor="ctr" anchorCtr="0">
-          <a:noAutofit/>
-          <a:sp3d extrusionH="28000" prstMaterial="matte"/>
-        </a:bodyPr>
-        <a:lstStyle/>
-        <a:p>
-          <a:pPr lvl="0" algn="ctr" defTabSz="800100">
-            <a:lnSpc>
-              <a:spcPct val="90000"/>
-            </a:lnSpc>
-            <a:spcBef>
-              <a:spcPct val="0"/>
-            </a:spcBef>
-            <a:spcAft>
-              <a:spcPct val="35000"/>
-            </a:spcAft>
-          </a:pPr>
-          <a:r>
-            <a:rPr lang="en-US" altLang="zh-CN" sz="1800" kern="1200" dirty="0" smtClean="0"/>
-            <a:t>JavaScript</a:t>
-          </a:r>
-          <a:endParaRPr lang="zh-CN" altLang="en-US" sz="1800" kern="1200" dirty="0"/>
-        </a:p>
-      </dsp:txBody>
-      <dsp:txXfrm>
-        <a:off x="3302061" y="3166665"/>
-        <a:ext cx="994439" cy="994439"/>
-      </dsp:txXfrm>
-    </dsp:sp>
-    <dsp:sp modelId="{F343BF18-59E4-430E-B292-493F0285F293}">
-      <dsp:nvSpPr>
-        <dsp:cNvPr id="0" name=""/>
-        <dsp:cNvSpPr/>
-      </dsp:nvSpPr>
-      <dsp:spPr>
-        <a:xfrm rot="12600000">
-          <a:off x="4510632" y="1950048"/>
-          <a:ext cx="299794" cy="478158"/>
-        </a:xfrm>
-        <a:prstGeom prst="rightArrow">
-          <a:avLst>
-            <a:gd name="adj1" fmla="val 60000"/>
-            <a:gd name="adj2" fmla="val 50000"/>
-          </a:avLst>
-        </a:prstGeom>
-        <a:solidFill>
-          <a:schemeClr val="tx2">
-            <a:lumMod val="60000"/>
-            <a:lumOff val="40000"/>
-          </a:schemeClr>
-        </a:solidFill>
-        <a:ln>
-          <a:noFill/>
-        </a:ln>
-        <a:effectLst/>
-        <a:sp3d z="-227350" prstMaterial="matte"/>
-      </dsp:spPr>
-      <dsp:style>
-        <a:lnRef idx="0">
-          <a:scrgbClr r="0" g="0" b="0"/>
-        </a:lnRef>
-        <a:fillRef idx="1">
-          <a:scrgbClr r="0" g="0" b="0"/>
-        </a:fillRef>
-        <a:effectRef idx="0">
-          <a:scrgbClr r="0" g="0" b="0"/>
-        </a:effectRef>
-        <a:fontRef idx="minor">
-          <a:schemeClr val="lt1"/>
-        </a:fontRef>
-      </dsp:style>
-      <dsp:txBody>
-        <a:bodyPr spcFirstLastPara="0" vert="horz" wrap="square" lIns="0" tIns="0" rIns="0" bIns="0" numCol="1" spcCol="1270" anchor="ctr" anchorCtr="0">
-          <a:noAutofit/>
-        </a:bodyPr>
-        <a:lstStyle/>
-        <a:p>
-          <a:pPr lvl="0" algn="ctr" defTabSz="800100">
-            <a:lnSpc>
-              <a:spcPct val="90000"/>
-            </a:lnSpc>
-            <a:spcBef>
-              <a:spcPct val="0"/>
-            </a:spcBef>
-            <a:spcAft>
-              <a:spcPct val="35000"/>
-            </a:spcAft>
-          </a:pPr>
-          <a:endParaRPr lang="zh-CN" altLang="en-US" sz="1800" kern="1200"/>
-        </a:p>
-      </dsp:txBody>
-      <dsp:txXfrm rot="10800000">
-        <a:off x="4594545" y="2068165"/>
-        <a:ext cx="209856" cy="286894"/>
-      </dsp:txXfrm>
-    </dsp:sp>
-    <dsp:sp modelId="{28D03AD1-DD82-4BF5-A36E-9295213AD4E9}">
-      <dsp:nvSpPr>
-        <dsp:cNvPr id="0" name=""/>
-        <dsp:cNvSpPr/>
-      </dsp:nvSpPr>
-      <dsp:spPr>
-        <a:xfrm>
-          <a:off x="3096106" y="988710"/>
-          <a:ext cx="1406349" cy="1406349"/>
-        </a:xfrm>
-        <a:prstGeom prst="ellipse">
-          <a:avLst/>
-        </a:prstGeom>
-        <a:solidFill>
-          <a:schemeClr val="tx2">
-            <a:lumMod val="60000"/>
-            <a:lumOff val="40000"/>
-          </a:schemeClr>
-        </a:solidFill>
-        <a:ln>
-          <a:noFill/>
-        </a:ln>
-        <a:effectLst/>
-        <a:sp3d extrusionH="152250" prstMaterial="matte">
-          <a:bevelT w="165100" prst="coolSlant"/>
-        </a:sp3d>
-      </dsp:spPr>
-      <dsp:style>
-        <a:lnRef idx="0">
-          <a:scrgbClr r="0" g="0" b="0"/>
-        </a:lnRef>
-        <a:fillRef idx="1">
-          <a:scrgbClr r="0" g="0" b="0"/>
-        </a:fillRef>
-        <a:effectRef idx="2">
-          <a:scrgbClr r="0" g="0" b="0"/>
-        </a:effectRef>
-        <a:fontRef idx="minor">
-          <a:schemeClr val="lt1"/>
-        </a:fontRef>
-      </dsp:style>
-      <dsp:txBody>
-        <a:bodyPr spcFirstLastPara="0" vert="horz" wrap="square" lIns="22860" tIns="22860" rIns="22860" bIns="22860" numCol="1" spcCol="1270" anchor="ctr" anchorCtr="0">
-          <a:noAutofit/>
-          <a:sp3d extrusionH="28000" prstMaterial="matte"/>
-        </a:bodyPr>
-        <a:lstStyle/>
-        <a:p>
-          <a:pPr lvl="0" algn="ctr" defTabSz="800100">
-            <a:lnSpc>
-              <a:spcPct val="90000"/>
-            </a:lnSpc>
-            <a:spcBef>
-              <a:spcPct val="0"/>
-            </a:spcBef>
-            <a:spcAft>
-              <a:spcPct val="35000"/>
-            </a:spcAft>
-          </a:pPr>
-          <a:r>
-            <a:rPr lang="en-US" altLang="zh-CN" sz="1800" kern="1200" dirty="0" smtClean="0"/>
-            <a:t>PHP</a:t>
-          </a:r>
-          <a:endParaRPr lang="zh-CN" altLang="en-US" sz="1800" kern="1200" dirty="0"/>
-        </a:p>
-      </dsp:txBody>
-      <dsp:txXfrm>
-        <a:off x="3302061" y="1194665"/>
-        <a:ext cx="994439" cy="994439"/>
-      </dsp:txXfrm>
-    </dsp:sp>
   </dsp:spTree>
 </dsp:drawing>
 </file>
@@ -3755,808 +3011,6 @@
       <dsp:cNvGrpSpPr/>
     </dsp:nvGrpSpPr>
     <dsp:grpSpPr/>
-    <dsp:sp modelId="{89E4841E-8B7B-4027-87B2-9FA8716E18C4}">
-      <dsp:nvSpPr>
-        <dsp:cNvPr id="0" name=""/>
-        <dsp:cNvSpPr/>
-      </dsp:nvSpPr>
-      <dsp:spPr>
-        <a:xfrm>
-          <a:off x="3010679" y="1786687"/>
-          <a:ext cx="1758674" cy="963613"/>
-        </a:xfrm>
-        <a:prstGeom prst="roundRect">
-          <a:avLst/>
-        </a:prstGeom>
-        <a:solidFill>
-          <a:schemeClr val="accent1">
-            <a:hueOff val="0"/>
-            <a:satOff val="0"/>
-            <a:lumOff val="0"/>
-            <a:alphaOff val="0"/>
-          </a:schemeClr>
-        </a:solidFill>
-        <a:ln>
-          <a:noFill/>
-        </a:ln>
-        <a:effectLst/>
-        <a:sp3d extrusionH="152250" prstMaterial="matte">
-          <a:bevelT w="165100" prst="coolSlant"/>
-        </a:sp3d>
-      </dsp:spPr>
-      <dsp:style>
-        <a:lnRef idx="0">
-          <a:scrgbClr r="0" g="0" b="0"/>
-        </a:lnRef>
-        <a:fillRef idx="1">
-          <a:scrgbClr r="0" g="0" b="0"/>
-        </a:fillRef>
-        <a:effectRef idx="2">
-          <a:scrgbClr r="0" g="0" b="0"/>
-        </a:effectRef>
-        <a:fontRef idx="minor">
-          <a:schemeClr val="lt1"/>
-        </a:fontRef>
-      </dsp:style>
-      <dsp:txBody>
-        <a:bodyPr spcFirstLastPara="0" vert="horz" wrap="square" lIns="19685" tIns="19685" rIns="19685" bIns="19685" numCol="1" spcCol="1270" anchor="ctr" anchorCtr="0">
-          <a:noAutofit/>
-          <a:sp3d extrusionH="28000" prstMaterial="matte"/>
-        </a:bodyPr>
-        <a:lstStyle/>
-        <a:p>
-          <a:pPr lvl="0" algn="ctr" defTabSz="1377950">
-            <a:lnSpc>
-              <a:spcPct val="90000"/>
-            </a:lnSpc>
-            <a:spcBef>
-              <a:spcPct val="0"/>
-            </a:spcBef>
-            <a:spcAft>
-              <a:spcPct val="35000"/>
-            </a:spcAft>
-          </a:pPr>
-          <a:r>
-            <a:rPr lang="zh-CN" altLang="en-US" sz="3100" kern="1200" dirty="0" smtClean="0"/>
-            <a:t>任务队列</a:t>
-          </a:r>
-          <a:endParaRPr lang="zh-CN" altLang="en-US" sz="3100" kern="1200" dirty="0"/>
-        </a:p>
-      </dsp:txBody>
-      <dsp:txXfrm>
-        <a:off x="3057719" y="1833727"/>
-        <a:ext cx="1664594" cy="869533"/>
-      </dsp:txXfrm>
-    </dsp:sp>
-    <dsp:sp modelId="{000475DB-A88E-4503-801A-DA6DC7E83A9A}">
-      <dsp:nvSpPr>
-        <dsp:cNvPr id="0" name=""/>
-        <dsp:cNvSpPr/>
-      </dsp:nvSpPr>
-      <dsp:spPr>
-        <a:xfrm rot="12723875">
-          <a:off x="1899991" y="1198611"/>
-          <a:ext cx="1304633" cy="463781"/>
-        </a:xfrm>
-        <a:prstGeom prst="leftArrow">
-          <a:avLst>
-            <a:gd name="adj1" fmla="val 60000"/>
-            <a:gd name="adj2" fmla="val 50000"/>
-          </a:avLst>
-        </a:prstGeom>
-        <a:solidFill>
-          <a:schemeClr val="accent1">
-            <a:tint val="60000"/>
-            <a:hueOff val="0"/>
-            <a:satOff val="0"/>
-            <a:lumOff val="0"/>
-            <a:alphaOff val="0"/>
-          </a:schemeClr>
-        </a:solidFill>
-        <a:ln>
-          <a:noFill/>
-        </a:ln>
-        <a:effectLst/>
-        <a:sp3d z="-227350" prstMaterial="matte"/>
-      </dsp:spPr>
-      <dsp:style>
-        <a:lnRef idx="0">
-          <a:scrgbClr r="0" g="0" b="0"/>
-        </a:lnRef>
-        <a:fillRef idx="1">
-          <a:scrgbClr r="0" g="0" b="0"/>
-        </a:fillRef>
-        <a:effectRef idx="0">
-          <a:scrgbClr r="0" g="0" b="0"/>
-        </a:effectRef>
-        <a:fontRef idx="minor">
-          <a:schemeClr val="lt1"/>
-        </a:fontRef>
-      </dsp:style>
-    </dsp:sp>
-    <dsp:sp modelId="{10C869D6-EE0A-435C-AEE8-2E7C9B180CE0}">
-      <dsp:nvSpPr>
-        <dsp:cNvPr id="0" name=""/>
-        <dsp:cNvSpPr/>
-      </dsp:nvSpPr>
-      <dsp:spPr>
-        <a:xfrm>
-          <a:off x="1365235" y="648037"/>
-          <a:ext cx="1014797" cy="713381"/>
-        </a:xfrm>
-        <a:prstGeom prst="flowChartConnector">
-          <a:avLst/>
-        </a:prstGeom>
-        <a:solidFill>
-          <a:schemeClr val="accent1">
-            <a:hueOff val="0"/>
-            <a:satOff val="0"/>
-            <a:lumOff val="0"/>
-            <a:alphaOff val="0"/>
-          </a:schemeClr>
-        </a:solidFill>
-        <a:ln>
-          <a:noFill/>
-        </a:ln>
-        <a:effectLst/>
-        <a:sp3d extrusionH="152250" prstMaterial="matte">
-          <a:bevelT w="165100" prst="coolSlant"/>
-        </a:sp3d>
-      </dsp:spPr>
-      <dsp:style>
-        <a:lnRef idx="0">
-          <a:scrgbClr r="0" g="0" b="0"/>
-        </a:lnRef>
-        <a:fillRef idx="1">
-          <a:scrgbClr r="0" g="0" b="0"/>
-        </a:fillRef>
-        <a:effectRef idx="2">
-          <a:scrgbClr r="0" g="0" b="0"/>
-        </a:effectRef>
-        <a:fontRef idx="minor">
-          <a:schemeClr val="lt1"/>
-        </a:fontRef>
-      </dsp:style>
-      <dsp:txBody>
-        <a:bodyPr spcFirstLastPara="0" vert="horz" wrap="square" lIns="34290" tIns="34290" rIns="34290" bIns="34290" numCol="1" spcCol="1270" anchor="ctr" anchorCtr="0">
-          <a:noAutofit/>
-          <a:sp3d extrusionH="28000" prstMaterial="matte"/>
-        </a:bodyPr>
-        <a:lstStyle/>
-        <a:p>
-          <a:pPr lvl="0" algn="ctr" defTabSz="800100">
-            <a:lnSpc>
-              <a:spcPct val="90000"/>
-            </a:lnSpc>
-            <a:spcBef>
-              <a:spcPct val="0"/>
-            </a:spcBef>
-            <a:spcAft>
-              <a:spcPct val="35000"/>
-            </a:spcAft>
-          </a:pPr>
-          <a:r>
-            <a:rPr lang="zh-CN" altLang="en-US" sz="1800" kern="1200" dirty="0" smtClean="0"/>
-            <a:t>生产者</a:t>
-          </a:r>
-          <a:r>
-            <a:rPr lang="en-US" altLang="zh-CN" sz="1800" kern="1200" dirty="0" smtClean="0"/>
-            <a:t>1</a:t>
-          </a:r>
-          <a:endParaRPr lang="zh-CN" altLang="en-US" sz="1800" kern="1200" dirty="0"/>
-        </a:p>
-      </dsp:txBody>
-      <dsp:txXfrm>
-        <a:off x="1513849" y="752509"/>
-        <a:ext cx="717569" cy="504437"/>
-      </dsp:txXfrm>
-    </dsp:sp>
-    <dsp:sp modelId="{A19A9881-9E9A-43F6-A341-6E165FF2211D}">
-      <dsp:nvSpPr>
-        <dsp:cNvPr id="0" name=""/>
-        <dsp:cNvSpPr/>
-      </dsp:nvSpPr>
-      <dsp:spPr>
-        <a:xfrm rot="10799998">
-          <a:off x="1743080" y="2026336"/>
-          <a:ext cx="1163422" cy="484316"/>
-        </a:xfrm>
-        <a:prstGeom prst="leftArrow">
-          <a:avLst>
-            <a:gd name="adj1" fmla="val 60000"/>
-            <a:gd name="adj2" fmla="val 50000"/>
-          </a:avLst>
-        </a:prstGeom>
-        <a:solidFill>
-          <a:schemeClr val="accent1">
-            <a:tint val="60000"/>
-            <a:hueOff val="0"/>
-            <a:satOff val="0"/>
-            <a:lumOff val="0"/>
-            <a:alphaOff val="0"/>
-          </a:schemeClr>
-        </a:solidFill>
-        <a:ln>
-          <a:noFill/>
-        </a:ln>
-        <a:effectLst/>
-        <a:sp3d z="-227350" prstMaterial="matte"/>
-      </dsp:spPr>
-      <dsp:style>
-        <a:lnRef idx="0">
-          <a:scrgbClr r="0" g="0" b="0"/>
-        </a:lnRef>
-        <a:fillRef idx="1">
-          <a:scrgbClr r="0" g="0" b="0"/>
-        </a:fillRef>
-        <a:effectRef idx="0">
-          <a:scrgbClr r="0" g="0" b="0"/>
-        </a:effectRef>
-        <a:fontRef idx="minor">
-          <a:schemeClr val="lt1"/>
-        </a:fontRef>
-      </dsp:style>
-    </dsp:sp>
-    <dsp:sp modelId="{763FB4E4-22AA-41F3-B245-B0782FB962E6}">
-      <dsp:nvSpPr>
-        <dsp:cNvPr id="0" name=""/>
-        <dsp:cNvSpPr/>
-      </dsp:nvSpPr>
-      <dsp:spPr>
-        <a:xfrm>
-          <a:off x="1016582" y="1911804"/>
-          <a:ext cx="1014797" cy="713381"/>
-        </a:xfrm>
-        <a:prstGeom prst="flowChartConnector">
-          <a:avLst/>
-        </a:prstGeom>
-        <a:solidFill>
-          <a:schemeClr val="accent1">
-            <a:hueOff val="0"/>
-            <a:satOff val="0"/>
-            <a:lumOff val="0"/>
-            <a:alphaOff val="0"/>
-          </a:schemeClr>
-        </a:solidFill>
-        <a:ln>
-          <a:noFill/>
-        </a:ln>
-        <a:effectLst/>
-        <a:sp3d extrusionH="152250" prstMaterial="matte">
-          <a:bevelT w="165100" prst="coolSlant"/>
-        </a:sp3d>
-      </dsp:spPr>
-      <dsp:style>
-        <a:lnRef idx="0">
-          <a:scrgbClr r="0" g="0" b="0"/>
-        </a:lnRef>
-        <a:fillRef idx="1">
-          <a:scrgbClr r="0" g="0" b="0"/>
-        </a:fillRef>
-        <a:effectRef idx="2">
-          <a:scrgbClr r="0" g="0" b="0"/>
-        </a:effectRef>
-        <a:fontRef idx="minor">
-          <a:schemeClr val="lt1"/>
-        </a:fontRef>
-      </dsp:style>
-      <dsp:txBody>
-        <a:bodyPr spcFirstLastPara="0" vert="horz" wrap="square" lIns="34290" tIns="34290" rIns="34290" bIns="34290" numCol="1" spcCol="1270" anchor="ctr" anchorCtr="0">
-          <a:noAutofit/>
-          <a:sp3d extrusionH="28000" prstMaterial="matte"/>
-        </a:bodyPr>
-        <a:lstStyle/>
-        <a:p>
-          <a:pPr lvl="0" algn="ctr" defTabSz="800100">
-            <a:lnSpc>
-              <a:spcPct val="90000"/>
-            </a:lnSpc>
-            <a:spcBef>
-              <a:spcPct val="0"/>
-            </a:spcBef>
-            <a:spcAft>
-              <a:spcPct val="35000"/>
-            </a:spcAft>
-          </a:pPr>
-          <a:r>
-            <a:rPr lang="zh-CN" altLang="en-US" sz="1800" kern="1200" dirty="0" smtClean="0"/>
-            <a:t>生产者</a:t>
-          </a:r>
-          <a:r>
-            <a:rPr lang="en-US" altLang="zh-CN" sz="1800" kern="1200" dirty="0" smtClean="0"/>
-            <a:t>2</a:t>
-          </a:r>
-          <a:endParaRPr lang="zh-CN" altLang="en-US" sz="1800" kern="1200" dirty="0"/>
-        </a:p>
-      </dsp:txBody>
-      <dsp:txXfrm>
-        <a:off x="1165196" y="2016276"/>
-        <a:ext cx="717569" cy="504437"/>
-      </dsp:txXfrm>
-    </dsp:sp>
-    <dsp:sp modelId="{D555D34C-063B-46E3-BCE7-41D044FF19C9}">
-      <dsp:nvSpPr>
-        <dsp:cNvPr id="0" name=""/>
-        <dsp:cNvSpPr/>
-      </dsp:nvSpPr>
-      <dsp:spPr>
-        <a:xfrm rot="8854771">
-          <a:off x="2007164" y="2885285"/>
-          <a:ext cx="1123638" cy="444448"/>
-        </a:xfrm>
-        <a:prstGeom prst="leftArrow">
-          <a:avLst>
-            <a:gd name="adj1" fmla="val 60000"/>
-            <a:gd name="adj2" fmla="val 50000"/>
-          </a:avLst>
-        </a:prstGeom>
-        <a:solidFill>
-          <a:schemeClr val="accent1">
-            <a:tint val="60000"/>
-            <a:hueOff val="0"/>
-            <a:satOff val="0"/>
-            <a:lumOff val="0"/>
-            <a:alphaOff val="0"/>
-          </a:schemeClr>
-        </a:solidFill>
-        <a:ln>
-          <a:noFill/>
-        </a:ln>
-        <a:effectLst/>
-        <a:sp3d z="-227350" prstMaterial="matte"/>
-      </dsp:spPr>
-      <dsp:style>
-        <a:lnRef idx="0">
-          <a:scrgbClr r="0" g="0" b="0"/>
-        </a:lnRef>
-        <a:fillRef idx="1">
-          <a:scrgbClr r="0" g="0" b="0"/>
-        </a:fillRef>
-        <a:effectRef idx="0">
-          <a:scrgbClr r="0" g="0" b="0"/>
-        </a:effectRef>
-        <a:fontRef idx="minor">
-          <a:schemeClr val="lt1"/>
-        </a:fontRef>
-      </dsp:style>
-    </dsp:sp>
-    <dsp:sp modelId="{A01E0EA4-5914-49C4-A008-69E0540FF494}">
-      <dsp:nvSpPr>
-        <dsp:cNvPr id="0" name=""/>
-        <dsp:cNvSpPr/>
-      </dsp:nvSpPr>
-      <dsp:spPr>
-        <a:xfrm>
-          <a:off x="1392795" y="3175581"/>
-          <a:ext cx="1014797" cy="713381"/>
-        </a:xfrm>
-        <a:prstGeom prst="flowChartConnector">
-          <a:avLst/>
-        </a:prstGeom>
-        <a:solidFill>
-          <a:schemeClr val="accent1">
-            <a:hueOff val="0"/>
-            <a:satOff val="0"/>
-            <a:lumOff val="0"/>
-            <a:alphaOff val="0"/>
-          </a:schemeClr>
-        </a:solidFill>
-        <a:ln>
-          <a:noFill/>
-        </a:ln>
-        <a:effectLst/>
-        <a:sp3d extrusionH="152250" prstMaterial="matte">
-          <a:bevelT w="165100" prst="coolSlant"/>
-        </a:sp3d>
-      </dsp:spPr>
-      <dsp:style>
-        <a:lnRef idx="0">
-          <a:scrgbClr r="0" g="0" b="0"/>
-        </a:lnRef>
-        <a:fillRef idx="1">
-          <a:scrgbClr r="0" g="0" b="0"/>
-        </a:fillRef>
-        <a:effectRef idx="2">
-          <a:scrgbClr r="0" g="0" b="0"/>
-        </a:effectRef>
-        <a:fontRef idx="minor">
-          <a:schemeClr val="lt1"/>
-        </a:fontRef>
-      </dsp:style>
-      <dsp:txBody>
-        <a:bodyPr spcFirstLastPara="0" vert="horz" wrap="square" lIns="34290" tIns="34290" rIns="34290" bIns="34290" numCol="1" spcCol="1270" anchor="ctr" anchorCtr="0">
-          <a:noAutofit/>
-          <a:sp3d extrusionH="28000" prstMaterial="matte"/>
-        </a:bodyPr>
-        <a:lstStyle/>
-        <a:p>
-          <a:pPr lvl="0" algn="ctr" defTabSz="800100">
-            <a:lnSpc>
-              <a:spcPct val="90000"/>
-            </a:lnSpc>
-            <a:spcBef>
-              <a:spcPct val="0"/>
-            </a:spcBef>
-            <a:spcAft>
-              <a:spcPct val="35000"/>
-            </a:spcAft>
-          </a:pPr>
-          <a:r>
-            <a:rPr lang="zh-CN" altLang="en-US" sz="1800" kern="1200" dirty="0" smtClean="0"/>
-            <a:t>生产者</a:t>
-          </a:r>
-          <a:r>
-            <a:rPr lang="en-US" altLang="zh-CN" sz="1800" kern="1200" dirty="0" smtClean="0"/>
-            <a:t>3</a:t>
-          </a:r>
-          <a:endParaRPr lang="zh-CN" altLang="en-US" sz="1800" kern="1200" dirty="0"/>
-        </a:p>
-      </dsp:txBody>
-      <dsp:txXfrm>
-        <a:off x="1541409" y="3280053"/>
-        <a:ext cx="717569" cy="504437"/>
-      </dsp:txXfrm>
-    </dsp:sp>
-    <dsp:sp modelId="{54769709-43B4-4D0D-A58D-26AA355F4306}">
-      <dsp:nvSpPr>
-        <dsp:cNvPr id="0" name=""/>
-        <dsp:cNvSpPr/>
-      </dsp:nvSpPr>
-      <dsp:spPr>
-        <a:xfrm rot="19713643">
-          <a:off x="4514221" y="1181713"/>
-          <a:ext cx="910748" cy="501222"/>
-        </a:xfrm>
-        <a:prstGeom prst="rightArrow">
-          <a:avLst/>
-        </a:prstGeom>
-        <a:solidFill>
-          <a:schemeClr val="accent1">
-            <a:tint val="60000"/>
-            <a:hueOff val="0"/>
-            <a:satOff val="0"/>
-            <a:lumOff val="0"/>
-            <a:alphaOff val="0"/>
-          </a:schemeClr>
-        </a:solidFill>
-        <a:ln>
-          <a:noFill/>
-        </a:ln>
-        <a:effectLst/>
-        <a:sp3d z="-227350" prstMaterial="matte"/>
-      </dsp:spPr>
-      <dsp:style>
-        <a:lnRef idx="0">
-          <a:scrgbClr r="0" g="0" b="0"/>
-        </a:lnRef>
-        <a:fillRef idx="1">
-          <a:scrgbClr r="0" g="0" b="0"/>
-        </a:fillRef>
-        <a:effectRef idx="0">
-          <a:scrgbClr r="0" g="0" b="0"/>
-        </a:effectRef>
-        <a:fontRef idx="minor">
-          <a:schemeClr val="lt1"/>
-        </a:fontRef>
-      </dsp:style>
-    </dsp:sp>
-    <dsp:sp modelId="{FC638E26-7369-4DDB-9221-21BD0B6C877B}">
-      <dsp:nvSpPr>
-        <dsp:cNvPr id="0" name=""/>
-        <dsp:cNvSpPr/>
-      </dsp:nvSpPr>
-      <dsp:spPr>
-        <a:xfrm>
-          <a:off x="5442472" y="655796"/>
-          <a:ext cx="1029496" cy="697850"/>
-        </a:xfrm>
-        <a:prstGeom prst="flowChartConnector">
-          <a:avLst/>
-        </a:prstGeom>
-        <a:solidFill>
-          <a:schemeClr val="accent1">
-            <a:hueOff val="0"/>
-            <a:satOff val="0"/>
-            <a:lumOff val="0"/>
-            <a:alphaOff val="0"/>
-          </a:schemeClr>
-        </a:solidFill>
-        <a:ln>
-          <a:noFill/>
-        </a:ln>
-        <a:effectLst/>
-        <a:sp3d extrusionH="152250" prstMaterial="matte">
-          <a:bevelT w="165100" prst="coolSlant"/>
-        </a:sp3d>
-      </dsp:spPr>
-      <dsp:style>
-        <a:lnRef idx="0">
-          <a:scrgbClr r="0" g="0" b="0"/>
-        </a:lnRef>
-        <a:fillRef idx="1">
-          <a:scrgbClr r="0" g="0" b="0"/>
-        </a:fillRef>
-        <a:effectRef idx="2">
-          <a:scrgbClr r="0" g="0" b="0"/>
-        </a:effectRef>
-        <a:fontRef idx="minor">
-          <a:schemeClr val="lt1"/>
-        </a:fontRef>
-      </dsp:style>
-      <dsp:txBody>
-        <a:bodyPr spcFirstLastPara="0" vert="horz" wrap="square" lIns="28575" tIns="28575" rIns="28575" bIns="28575" numCol="1" spcCol="1270" anchor="ctr" anchorCtr="0">
-          <a:noAutofit/>
-          <a:sp3d extrusionH="28000" prstMaterial="matte"/>
-        </a:bodyPr>
-        <a:lstStyle/>
-        <a:p>
-          <a:pPr lvl="0" algn="ctr" defTabSz="666750">
-            <a:lnSpc>
-              <a:spcPct val="90000"/>
-            </a:lnSpc>
-            <a:spcBef>
-              <a:spcPct val="0"/>
-            </a:spcBef>
-            <a:spcAft>
-              <a:spcPct val="35000"/>
-            </a:spcAft>
-          </a:pPr>
-          <a:r>
-            <a:rPr lang="zh-CN" altLang="en-US" sz="1500" kern="1200" dirty="0" smtClean="0"/>
-            <a:t>消费者</a:t>
-          </a:r>
-          <a:r>
-            <a:rPr lang="en-US" altLang="zh-CN" sz="1500" kern="1200" dirty="0" smtClean="0"/>
-            <a:t>A</a:t>
-          </a:r>
-          <a:endParaRPr lang="zh-CN" altLang="en-US" sz="1500" kern="1200" dirty="0"/>
-        </a:p>
-      </dsp:txBody>
-      <dsp:txXfrm>
-        <a:off x="5593238" y="757994"/>
-        <a:ext cx="727964" cy="493454"/>
-      </dsp:txXfrm>
-    </dsp:sp>
-    <dsp:sp modelId="{4082F79D-CB09-4DAA-AF75-094213E887FA}">
-      <dsp:nvSpPr>
-        <dsp:cNvPr id="0" name=""/>
-        <dsp:cNvSpPr/>
-      </dsp:nvSpPr>
-      <dsp:spPr>
-        <a:xfrm rot="21599999">
-          <a:off x="4860424" y="2017882"/>
-          <a:ext cx="750915" cy="501222"/>
-        </a:xfrm>
-        <a:prstGeom prst="rightArrow">
-          <a:avLst/>
-        </a:prstGeom>
-        <a:solidFill>
-          <a:schemeClr val="accent1">
-            <a:tint val="60000"/>
-            <a:hueOff val="0"/>
-            <a:satOff val="0"/>
-            <a:lumOff val="0"/>
-            <a:alphaOff val="0"/>
-          </a:schemeClr>
-        </a:solidFill>
-        <a:ln>
-          <a:noFill/>
-        </a:ln>
-        <a:effectLst/>
-        <a:sp3d z="-227350" prstMaterial="matte"/>
-      </dsp:spPr>
-      <dsp:style>
-        <a:lnRef idx="0">
-          <a:scrgbClr r="0" g="0" b="0"/>
-        </a:lnRef>
-        <a:fillRef idx="1">
-          <a:scrgbClr r="0" g="0" b="0"/>
-        </a:fillRef>
-        <a:effectRef idx="0">
-          <a:scrgbClr r="0" g="0" b="0"/>
-        </a:effectRef>
-        <a:fontRef idx="minor">
-          <a:schemeClr val="lt1"/>
-        </a:fontRef>
-      </dsp:style>
-    </dsp:sp>
-    <dsp:sp modelId="{5802A834-1F4D-4A31-8D1F-C4871C4DCEEF}">
-      <dsp:nvSpPr>
-        <dsp:cNvPr id="0" name=""/>
-        <dsp:cNvSpPr/>
-      </dsp:nvSpPr>
-      <dsp:spPr>
-        <a:xfrm>
-          <a:off x="5685142" y="1919567"/>
-          <a:ext cx="1029496" cy="697850"/>
-        </a:xfrm>
-        <a:prstGeom prst="flowChartConnector">
-          <a:avLst/>
-        </a:prstGeom>
-        <a:solidFill>
-          <a:schemeClr val="accent1">
-            <a:hueOff val="0"/>
-            <a:satOff val="0"/>
-            <a:lumOff val="0"/>
-            <a:alphaOff val="0"/>
-          </a:schemeClr>
-        </a:solidFill>
-        <a:ln>
-          <a:noFill/>
-        </a:ln>
-        <a:effectLst/>
-        <a:sp3d extrusionH="152250" prstMaterial="matte">
-          <a:bevelT w="165100" prst="coolSlant"/>
-        </a:sp3d>
-      </dsp:spPr>
-      <dsp:style>
-        <a:lnRef idx="0">
-          <a:scrgbClr r="0" g="0" b="0"/>
-        </a:lnRef>
-        <a:fillRef idx="1">
-          <a:scrgbClr r="0" g="0" b="0"/>
-        </a:fillRef>
-        <a:effectRef idx="2">
-          <a:scrgbClr r="0" g="0" b="0"/>
-        </a:effectRef>
-        <a:fontRef idx="minor">
-          <a:schemeClr val="lt1"/>
-        </a:fontRef>
-      </dsp:style>
-      <dsp:txBody>
-        <a:bodyPr spcFirstLastPara="0" vert="horz" wrap="square" lIns="28575" tIns="28575" rIns="28575" bIns="28575" numCol="1" spcCol="1270" anchor="ctr" anchorCtr="0">
-          <a:noAutofit/>
-          <a:sp3d extrusionH="28000" prstMaterial="matte"/>
-        </a:bodyPr>
-        <a:lstStyle/>
-        <a:p>
-          <a:pPr lvl="0" algn="ctr" defTabSz="666750">
-            <a:lnSpc>
-              <a:spcPct val="90000"/>
-            </a:lnSpc>
-            <a:spcBef>
-              <a:spcPct val="0"/>
-            </a:spcBef>
-            <a:spcAft>
-              <a:spcPct val="35000"/>
-            </a:spcAft>
-          </a:pPr>
-          <a:r>
-            <a:rPr lang="zh-CN" altLang="en-US" sz="1500" kern="1200" dirty="0" smtClean="0"/>
-            <a:t>消费者</a:t>
-          </a:r>
-          <a:r>
-            <a:rPr lang="en-US" altLang="zh-CN" sz="1500" kern="1200" dirty="0" smtClean="0"/>
-            <a:t>B</a:t>
-          </a:r>
-          <a:endParaRPr lang="zh-CN" altLang="en-US" sz="1500" kern="1200" dirty="0"/>
-        </a:p>
-      </dsp:txBody>
-      <dsp:txXfrm>
-        <a:off x="5835908" y="2021765"/>
-        <a:ext cx="727964" cy="493454"/>
-      </dsp:txXfrm>
-    </dsp:sp>
-    <dsp:sp modelId="{53F462A3-2C87-47D9-A26F-1B24435F4068}">
-      <dsp:nvSpPr>
-        <dsp:cNvPr id="0" name=""/>
-        <dsp:cNvSpPr/>
-      </dsp:nvSpPr>
-      <dsp:spPr>
-        <a:xfrm rot="1907764">
-          <a:off x="4502725" y="2855097"/>
-          <a:ext cx="899367" cy="501222"/>
-        </a:xfrm>
-        <a:prstGeom prst="rightArrow">
-          <a:avLst/>
-        </a:prstGeom>
-        <a:solidFill>
-          <a:schemeClr val="accent1">
-            <a:tint val="60000"/>
-            <a:hueOff val="0"/>
-            <a:satOff val="0"/>
-            <a:lumOff val="0"/>
-            <a:alphaOff val="0"/>
-          </a:schemeClr>
-        </a:solidFill>
-        <a:ln>
-          <a:noFill/>
-        </a:ln>
-        <a:effectLst/>
-        <a:sp3d z="-227350" prstMaterial="matte"/>
-      </dsp:spPr>
-      <dsp:style>
-        <a:lnRef idx="0">
-          <a:scrgbClr r="0" g="0" b="0"/>
-        </a:lnRef>
-        <a:fillRef idx="1">
-          <a:scrgbClr r="0" g="0" b="0"/>
-        </a:fillRef>
-        <a:effectRef idx="0">
-          <a:scrgbClr r="0" g="0" b="0"/>
-        </a:effectRef>
-        <a:fontRef idx="minor">
-          <a:schemeClr val="lt1"/>
-        </a:fontRef>
-      </dsp:style>
-    </dsp:sp>
-    <dsp:sp modelId="{37403C11-0B53-4FAF-8F15-678D233D2123}">
-      <dsp:nvSpPr>
-        <dsp:cNvPr id="0" name=""/>
-        <dsp:cNvSpPr/>
-      </dsp:nvSpPr>
-      <dsp:spPr>
-        <a:xfrm>
-          <a:off x="5413829" y="3183336"/>
-          <a:ext cx="1029496" cy="697850"/>
-        </a:xfrm>
-        <a:prstGeom prst="flowChartConnector">
-          <a:avLst/>
-        </a:prstGeom>
-        <a:solidFill>
-          <a:schemeClr val="accent1">
-            <a:hueOff val="0"/>
-            <a:satOff val="0"/>
-            <a:lumOff val="0"/>
-            <a:alphaOff val="0"/>
-          </a:schemeClr>
-        </a:solidFill>
-        <a:ln>
-          <a:noFill/>
-        </a:ln>
-        <a:effectLst/>
-        <a:sp3d extrusionH="152250" prstMaterial="matte">
-          <a:bevelT w="165100" prst="coolSlant"/>
-        </a:sp3d>
-      </dsp:spPr>
-      <dsp:style>
-        <a:lnRef idx="0">
-          <a:scrgbClr r="0" g="0" b="0"/>
-        </a:lnRef>
-        <a:fillRef idx="1">
-          <a:scrgbClr r="0" g="0" b="0"/>
-        </a:fillRef>
-        <a:effectRef idx="2">
-          <a:scrgbClr r="0" g="0" b="0"/>
-        </a:effectRef>
-        <a:fontRef idx="minor">
-          <a:schemeClr val="lt1"/>
-        </a:fontRef>
-      </dsp:style>
-      <dsp:txBody>
-        <a:bodyPr spcFirstLastPara="0" vert="horz" wrap="square" lIns="28575" tIns="28575" rIns="28575" bIns="28575" numCol="1" spcCol="1270" anchor="ctr" anchorCtr="0">
-          <a:noAutofit/>
-          <a:sp3d extrusionH="28000" prstMaterial="matte"/>
-        </a:bodyPr>
-        <a:lstStyle/>
-        <a:p>
-          <a:pPr lvl="0" algn="ctr" defTabSz="666750">
-            <a:lnSpc>
-              <a:spcPct val="90000"/>
-            </a:lnSpc>
-            <a:spcBef>
-              <a:spcPct val="0"/>
-            </a:spcBef>
-            <a:spcAft>
-              <a:spcPct val="35000"/>
-            </a:spcAft>
-          </a:pPr>
-          <a:r>
-            <a:rPr lang="zh-CN" altLang="en-US" sz="1500" kern="1200" dirty="0" smtClean="0"/>
-            <a:t>消费者</a:t>
-          </a:r>
-          <a:r>
-            <a:rPr lang="en-US" altLang="zh-CN" sz="1500" kern="1200" dirty="0" smtClean="0"/>
-            <a:t>C</a:t>
-          </a:r>
-          <a:endParaRPr lang="zh-CN" altLang="en-US" sz="1500" kern="1200" dirty="0"/>
-        </a:p>
-      </dsp:txBody>
-      <dsp:txXfrm>
-        <a:off x="5564595" y="3285534"/>
-        <a:ext cx="727964" cy="493454"/>
-      </dsp:txXfrm>
-    </dsp:sp>
   </dsp:spTree>
 </dsp:drawing>
 </file>
@@ -7308,7 +5762,7 @@
           <a:p>
             <a:fld id="{98935EAC-656F-432A-82EB-26A9F0B4811E}" type="datetimeFigureOut">
               <a:rPr lang="zh-CN" altLang="en-US" smtClean="0"/>
-              <a:t>2015/10/22</a:t>
+              <a:t>2015/10/23</a:t>
             </a:fld>
             <a:endParaRPr lang="zh-CN" altLang="en-US"/>
           </a:p>
@@ -7733,7 +6187,7 @@
           <a:lstStyle/>
           <a:p>
             <a:r>
-              <a:rPr lang="zh-CN" altLang="en-US" sz="1200" b="0" i="0" u="none" strike="noStrike" kern="1200" baseline="0" dirty="0" smtClean="0">
+              <a:rPr lang="en-US" altLang="zh-CN" sz="1200" b="0" i="0" u="none" strike="noStrike" kern="1200" baseline="0" dirty="0" err="1" smtClean="0">
                 <a:solidFill>
                   <a:schemeClr val="tx1"/>
                 </a:solidFill>
@@ -7741,10 +6195,8 @@
                 <a:ea typeface="+mn-ea"/>
                 <a:cs typeface="+mn-cs"/>
               </a:rPr>
-              <a:t>使用任务队列有如下好处：</a:t>
-            </a:r>
-          </a:p>
-          <a:p>
+              <a:t>Redis</a:t>
+            </a:r>
             <a:r>
               <a:rPr lang="zh-CN" altLang="en-US" sz="1200" b="0" i="0" u="none" strike="noStrike" kern="1200" baseline="0" dirty="0" smtClean="0">
                 <a:solidFill>
@@ -7754,86 +6206,7 @@
                 <a:ea typeface="+mn-ea"/>
                 <a:cs typeface="+mn-cs"/>
               </a:rPr>
-              <a:t>（</a:t>
-            </a:r>
-            <a:r>
-              <a:rPr lang="en-US" altLang="zh-CN" sz="1200" b="0" i="0" u="none" strike="noStrike" kern="1200" baseline="0" dirty="0" smtClean="0">
-                <a:solidFill>
-                  <a:schemeClr val="tx1"/>
-                </a:solidFill>
-                <a:latin typeface="+mn-lt"/>
-                <a:ea typeface="+mn-ea"/>
-                <a:cs typeface="+mn-cs"/>
-              </a:rPr>
-              <a:t>1</a:t>
-            </a:r>
-            <a:r>
-              <a:rPr lang="zh-CN" altLang="en-US" sz="1200" b="0" i="0" u="none" strike="noStrike" kern="1200" baseline="0" dirty="0" smtClean="0">
-                <a:solidFill>
-                  <a:schemeClr val="tx1"/>
-                </a:solidFill>
-                <a:latin typeface="+mn-lt"/>
-                <a:ea typeface="+mn-ea"/>
-                <a:cs typeface="+mn-cs"/>
-              </a:rPr>
-              <a:t>）松散耦合。生产者和消费者无需知道彼此的实现细节，只需要约定好任务的描述格式。这使得生产者和消费者可以由不同的团队使用不同的编程语言编写。</a:t>
-            </a:r>
-          </a:p>
-          <a:p>
-            <a:r>
-              <a:rPr lang="zh-CN" altLang="en-US" sz="1200" b="0" i="0" u="none" strike="noStrike" kern="1200" baseline="0" dirty="0" smtClean="0">
-                <a:solidFill>
-                  <a:schemeClr val="tx1"/>
-                </a:solidFill>
-                <a:latin typeface="+mn-lt"/>
-                <a:ea typeface="+mn-ea"/>
-                <a:cs typeface="+mn-cs"/>
-              </a:rPr>
-              <a:t>（</a:t>
-            </a:r>
-            <a:r>
-              <a:rPr lang="en-US" altLang="zh-CN" sz="1200" b="0" i="0" u="none" strike="noStrike" kern="1200" baseline="0" dirty="0" smtClean="0">
-                <a:solidFill>
-                  <a:schemeClr val="tx1"/>
-                </a:solidFill>
-                <a:latin typeface="+mn-lt"/>
-                <a:ea typeface="+mn-ea"/>
-                <a:cs typeface="+mn-cs"/>
-              </a:rPr>
-              <a:t>2</a:t>
-            </a:r>
-            <a:r>
-              <a:rPr lang="zh-CN" altLang="en-US" sz="1200" b="0" i="0" u="none" strike="noStrike" kern="1200" baseline="0" dirty="0" smtClean="0">
-                <a:solidFill>
-                  <a:schemeClr val="tx1"/>
-                </a:solidFill>
-                <a:latin typeface="+mn-lt"/>
-                <a:ea typeface="+mn-ea"/>
-                <a:cs typeface="+mn-cs"/>
-              </a:rPr>
-              <a:t>）易于扩展消费者可以有多个，而且可以分布在不同的服务器中，如图</a:t>
-            </a:r>
-            <a:r>
-              <a:rPr lang="en-US" altLang="zh-CN" sz="1200" b="0" i="0" u="none" strike="noStrike" kern="1200" baseline="0" dirty="0" smtClean="0">
-                <a:solidFill>
-                  <a:schemeClr val="tx1"/>
-                </a:solidFill>
-                <a:latin typeface="+mn-lt"/>
-                <a:ea typeface="+mn-ea"/>
-                <a:cs typeface="+mn-cs"/>
-              </a:rPr>
-              <a:t>4-1</a:t>
-            </a:r>
-            <a:r>
-              <a:rPr lang="zh-CN" altLang="en-US" sz="1200" b="0" i="0" u="none" strike="noStrike" kern="1200" baseline="0" dirty="0" smtClean="0">
-                <a:solidFill>
-                  <a:schemeClr val="tx1"/>
-                </a:solidFill>
-                <a:latin typeface="+mn-lt"/>
-                <a:ea typeface="+mn-ea"/>
-                <a:cs typeface="+mn-cs"/>
-              </a:rPr>
-              <a:t>所示。借此可以轻易地降低单台服务器的负载。</a:t>
+              <a:t>的事务还能保证一个事务内的命令依次执行而不被其他命令插入。</a:t>
             </a:r>
             <a:endParaRPr lang="zh-CN" altLang="en-US" dirty="0"/>
           </a:p>
@@ -7856,7 +6229,7 @@
           <a:p>
             <a:fld id="{FCBFEC9C-B6FE-4227-BB9B-8B43BABBE420}" type="slidenum">
               <a:rPr lang="zh-CN" altLang="en-US" smtClean="0"/>
-              <a:t>29</a:t>
+              <a:t>27</a:t>
             </a:fld>
             <a:endParaRPr lang="zh-CN" altLang="en-US"/>
           </a:p>
@@ -7865,7 +6238,7 @@
     </p:spTree>
     <p:extLst>
       <p:ext uri="{BB962C8B-B14F-4D97-AF65-F5344CB8AC3E}">
-        <p14:creationId xmlns:p14="http://schemas.microsoft.com/office/powerpoint/2010/main" val="3913660063"/>
+        <p14:creationId xmlns:p14="http://schemas.microsoft.com/office/powerpoint/2010/main" val="3761795918"/>
       </p:ext>
     </p:extLst>
   </p:cSld>
@@ -7920,7 +6293,7 @@
           <a:lstStyle/>
           <a:p>
             <a:r>
-              <a:rPr lang="en-US" altLang="zh-CN" sz="1200" b="0" i="0" u="none" strike="noStrike" kern="1200" baseline="0" dirty="0" err="1" smtClean="0">
+              <a:rPr lang="zh-CN" altLang="en-US" sz="1200" b="0" i="0" u="none" strike="noStrike" kern="1200" baseline="0" dirty="0" smtClean="0">
                 <a:solidFill>
                   <a:schemeClr val="tx1"/>
                 </a:solidFill>
@@ -7928,8 +6301,10 @@
                 <a:ea typeface="+mn-ea"/>
                 <a:cs typeface="+mn-cs"/>
               </a:rPr>
-              <a:t>Redis</a:t>
-            </a:r>
+              <a:t>使用任务队列有如下好处：</a:t>
+            </a:r>
+          </a:p>
+          <a:p>
             <a:r>
               <a:rPr lang="zh-CN" altLang="en-US" sz="1200" b="0" i="0" u="none" strike="noStrike" kern="1200" baseline="0" dirty="0" smtClean="0">
                 <a:solidFill>
@@ -7939,7 +6314,86 @@
                 <a:ea typeface="+mn-ea"/>
                 <a:cs typeface="+mn-cs"/>
               </a:rPr>
-              <a:t>的事务还能保证一个事务内的命令依次执行而不被其他命令插入。</a:t>
+              <a:t>（</a:t>
+            </a:r>
+            <a:r>
+              <a:rPr lang="en-US" altLang="zh-CN" sz="1200" b="0" i="0" u="none" strike="noStrike" kern="1200" baseline="0" dirty="0" smtClean="0">
+                <a:solidFill>
+                  <a:schemeClr val="tx1"/>
+                </a:solidFill>
+                <a:latin typeface="+mn-lt"/>
+                <a:ea typeface="+mn-ea"/>
+                <a:cs typeface="+mn-cs"/>
+              </a:rPr>
+              <a:t>1</a:t>
+            </a:r>
+            <a:r>
+              <a:rPr lang="zh-CN" altLang="en-US" sz="1200" b="0" i="0" u="none" strike="noStrike" kern="1200" baseline="0" dirty="0" smtClean="0">
+                <a:solidFill>
+                  <a:schemeClr val="tx1"/>
+                </a:solidFill>
+                <a:latin typeface="+mn-lt"/>
+                <a:ea typeface="+mn-ea"/>
+                <a:cs typeface="+mn-cs"/>
+              </a:rPr>
+              <a:t>）松散耦合。生产者和消费者无需知道彼此的实现细节，只需要约定好任务的描述格式。这使得生产者和消费者可以由不同的团队使用不同的编程语言编写。</a:t>
+            </a:r>
+          </a:p>
+          <a:p>
+            <a:r>
+              <a:rPr lang="zh-CN" altLang="en-US" sz="1200" b="0" i="0" u="none" strike="noStrike" kern="1200" baseline="0" dirty="0" smtClean="0">
+                <a:solidFill>
+                  <a:schemeClr val="tx1"/>
+                </a:solidFill>
+                <a:latin typeface="+mn-lt"/>
+                <a:ea typeface="+mn-ea"/>
+                <a:cs typeface="+mn-cs"/>
+              </a:rPr>
+              <a:t>（</a:t>
+            </a:r>
+            <a:r>
+              <a:rPr lang="en-US" altLang="zh-CN" sz="1200" b="0" i="0" u="none" strike="noStrike" kern="1200" baseline="0" dirty="0" smtClean="0">
+                <a:solidFill>
+                  <a:schemeClr val="tx1"/>
+                </a:solidFill>
+                <a:latin typeface="+mn-lt"/>
+                <a:ea typeface="+mn-ea"/>
+                <a:cs typeface="+mn-cs"/>
+              </a:rPr>
+              <a:t>2</a:t>
+            </a:r>
+            <a:r>
+              <a:rPr lang="zh-CN" altLang="en-US" sz="1200" b="0" i="0" u="none" strike="noStrike" kern="1200" baseline="0" dirty="0" smtClean="0">
+                <a:solidFill>
+                  <a:schemeClr val="tx1"/>
+                </a:solidFill>
+                <a:latin typeface="+mn-lt"/>
+                <a:ea typeface="+mn-ea"/>
+                <a:cs typeface="+mn-cs"/>
+              </a:rPr>
+              <a:t>）易于扩展消费者可以有多个，而且可以分布在不同的服务器中，如图</a:t>
+            </a:r>
+            <a:r>
+              <a:rPr lang="en-US" altLang="zh-CN" sz="1200" b="0" i="0" u="none" strike="noStrike" kern="1200" baseline="0" dirty="0" smtClean="0">
+                <a:solidFill>
+                  <a:schemeClr val="tx1"/>
+                </a:solidFill>
+                <a:latin typeface="+mn-lt"/>
+                <a:ea typeface="+mn-ea"/>
+                <a:cs typeface="+mn-cs"/>
+              </a:rPr>
+              <a:t>4-1</a:t>
+            </a:r>
+            <a:r>
+              <a:rPr lang="zh-CN" altLang="en-US" sz="1200" b="0" i="0" u="none" strike="noStrike" kern="1200" baseline="0" dirty="0" smtClean="0">
+                <a:solidFill>
+                  <a:schemeClr val="tx1"/>
+                </a:solidFill>
+                <a:latin typeface="+mn-lt"/>
+                <a:ea typeface="+mn-ea"/>
+                <a:cs typeface="+mn-cs"/>
+              </a:rPr>
+              <a:t>所示。借此可以轻易地降低单台服务器的负载。</a:t>
             </a:r>
             <a:endParaRPr lang="zh-CN" altLang="en-US" dirty="0"/>
           </a:p>
@@ -7971,7 +6425,7 @@
     </p:spTree>
     <p:extLst>
       <p:ext uri="{BB962C8B-B14F-4D97-AF65-F5344CB8AC3E}">
-        <p14:creationId xmlns:p14="http://schemas.microsoft.com/office/powerpoint/2010/main" val="3761795918"/>
+        <p14:creationId xmlns:p14="http://schemas.microsoft.com/office/powerpoint/2010/main" val="3913660063"/>
       </p:ext>
     </p:extLst>
   </p:cSld>
@@ -8860,181 +7314,97 @@
           <a:lstStyle/>
           <a:p>
             <a:r>
-              <a:rPr lang="en-US" altLang="zh-CN" dirty="0" err="1" smtClean="0"/>
-              <a:t>Redis</a:t>
-            </a:r>
-            <a:r>
-              <a:rPr lang="zh-CN" altLang="en-US" dirty="0" smtClean="0"/>
-              <a:t>多数据库：</a:t>
+              <a:rPr lang="zh-CN" altLang="en-US" dirty="0" smtClean="0"/>
+              <a:t>为了避免单点故障，我们希望将数据库复制多个副本以部署在不同的服务器上，即使有一台服务器出现故障其他服务器依然可以继续提供服务。</a:t>
             </a:r>
             <a:endParaRPr lang="en-US" altLang="zh-CN" dirty="0" smtClean="0"/>
           </a:p>
           <a:p>
-            <a:r>
-              <a:rPr lang="zh-CN" altLang="en-US" dirty="0" smtClean="0"/>
-              <a:t>一个</a:t>
-            </a:r>
-            <a:r>
-              <a:rPr lang="en-US" altLang="zh-CN" dirty="0" err="1" smtClean="0"/>
-              <a:t>Redis</a:t>
-            </a:r>
-            <a:r>
-              <a:rPr lang="zh-CN" altLang="en-US" dirty="0" smtClean="0"/>
-              <a:t>实例提供了多个用来存储数据的字典，客户端可以指定将数据存储在哪个字典中。这与我们熟知的在一个关系数据库实例中可以创建多个数据库（</a:t>
+            <a:pPr marL="0" marR="0" indent="0" algn="l" defTabSz="914400" rtl="0" eaLnBrk="1" fontAlgn="auto" latinLnBrk="0" hangingPunct="1">
+              <a:lnSpc>
+                <a:spcPct val="100000"/>
+              </a:lnSpc>
+              <a:spcBef>
+                <a:spcPts val="0"/>
+              </a:spcBef>
+              <a:spcAft>
+                <a:spcPts val="0"/>
+              </a:spcAft>
+              <a:buClrTx/>
+              <a:buSzTx/>
+              <a:buFontTx/>
+              <a:buNone/>
+              <a:tabLst/>
+              <a:defRPr/>
+            </a:pPr>
+            <a:r>
+              <a:rPr lang="zh-CN" altLang="en-US" dirty="0" smtClean="0"/>
+              <a:t>一个主数据库可以拥有多个从数据库，而一个从数据库只能拥有一个主数据库。</a:t>
+            </a:r>
+            <a:endParaRPr lang="en-US" altLang="zh-CN" dirty="0" smtClean="0"/>
+          </a:p>
+          <a:p>
+            <a:pPr marL="0" marR="0" indent="0" algn="l" defTabSz="914400" rtl="0" eaLnBrk="1" fontAlgn="auto" latinLnBrk="0" hangingPunct="1">
+              <a:lnSpc>
+                <a:spcPct val="100000"/>
+              </a:lnSpc>
+              <a:spcBef>
+                <a:spcPts val="0"/>
+              </a:spcBef>
+              <a:spcAft>
+                <a:spcPts val="0"/>
+              </a:spcAft>
+              <a:buClrTx/>
+              <a:buSzTx/>
+              <a:buFontTx/>
+              <a:buNone/>
+              <a:tabLst/>
+              <a:defRPr/>
+            </a:pPr>
+            <a:r>
+              <a:rPr lang="zh-CN" altLang="en-US" dirty="0" smtClean="0"/>
+              <a:t>同步后的数据库分为两类，一类是主数据库（</a:t>
             </a:r>
             <a:r>
               <a:rPr lang="en-US" altLang="zh-CN" dirty="0" smtClean="0"/>
-              <a:t>schema</a:t>
-            </a:r>
-            <a:r>
-              <a:rPr lang="zh-CN" altLang="en-US" dirty="0" smtClean="0"/>
-              <a:t>）类似，所以可以将其中的每个字典都理解成一个独立的数据库。</a:t>
+              <a:t>master</a:t>
+            </a:r>
+            <a:r>
+              <a:rPr lang="zh-CN" altLang="en-US" dirty="0" smtClean="0"/>
+              <a:t>），一类是从数据库（</a:t>
+            </a:r>
+            <a:r>
+              <a:rPr lang="en-US" altLang="zh-CN" dirty="0" smtClean="0"/>
+              <a:t>slave</a:t>
+            </a:r>
+            <a:r>
+              <a:rPr lang="zh-CN" altLang="en-US" dirty="0" smtClean="0"/>
+              <a:t>）。主数据库可以进行读写操作，当发生写操作时自动将数据同步给从数据库。而从数据库一般是只读的，并接受主数据库同步过来的数据。</a:t>
             </a:r>
             <a:endParaRPr lang="en-US" altLang="zh-CN" dirty="0" smtClean="0"/>
           </a:p>
           <a:p>
-            <a:r>
-              <a:rPr lang="en-US" altLang="zh-CN" dirty="0" err="1" smtClean="0"/>
-              <a:t>Redis</a:t>
-            </a:r>
-            <a:r>
-              <a:rPr lang="zh-CN" altLang="en-US" dirty="0" smtClean="0"/>
-              <a:t>多数据库以数字编号命名，从</a:t>
-            </a:r>
-            <a:r>
-              <a:rPr lang="en-US" altLang="zh-CN" dirty="0" smtClean="0"/>
-              <a:t>0</a:t>
-            </a:r>
-            <a:r>
-              <a:rPr lang="zh-CN" altLang="en-US" dirty="0" smtClean="0"/>
-              <a:t>开始递增，默认支持</a:t>
-            </a:r>
-            <a:r>
-              <a:rPr lang="en-US" altLang="zh-CN" dirty="0" smtClean="0"/>
-              <a:t>16</a:t>
-            </a:r>
-            <a:r>
-              <a:rPr lang="zh-CN" altLang="en-US" dirty="0" smtClean="0"/>
-              <a:t>个库。</a:t>
-            </a:r>
+            <a:pPr marL="0" marR="0" indent="0" algn="l" defTabSz="914400" rtl="0" eaLnBrk="1" fontAlgn="auto" latinLnBrk="0" hangingPunct="1">
+              <a:lnSpc>
+                <a:spcPct val="100000"/>
+              </a:lnSpc>
+              <a:spcBef>
+                <a:spcPts val="0"/>
+              </a:spcBef>
+              <a:spcAft>
+                <a:spcPts val="0"/>
+              </a:spcAft>
+              <a:buClrTx/>
+              <a:buSzTx/>
+              <a:buFontTx/>
+              <a:buNone/>
+              <a:tabLst/>
+              <a:defRPr/>
+            </a:pPr>
             <a:endParaRPr lang="en-US" altLang="zh-CN" dirty="0" smtClean="0"/>
           </a:p>
           <a:p>
-            <a:r>
-              <a:rPr lang="zh-CN" altLang="en-US" dirty="0" smtClean="0"/>
-              <a:t>多个数据库之间并不是完全隔离的，比如</a:t>
-            </a:r>
-            <a:r>
-              <a:rPr lang="en-US" altLang="zh-CN" dirty="0" smtClean="0"/>
-              <a:t>FLUSHALL</a:t>
-            </a:r>
-            <a:r>
-              <a:rPr lang="zh-CN" altLang="en-US" dirty="0" smtClean="0"/>
-              <a:t>命令可以清空一个</a:t>
-            </a:r>
-            <a:r>
-              <a:rPr lang="en-US" altLang="zh-CN" dirty="0" err="1" smtClean="0"/>
-              <a:t>Redis</a:t>
-            </a:r>
-            <a:r>
-              <a:rPr lang="zh-CN" altLang="en-US" dirty="0" smtClean="0"/>
-              <a:t>实例中所有数据库中的数据。</a:t>
-            </a:r>
-            <a:endParaRPr lang="en-US" altLang="zh-CN" dirty="0" smtClean="0"/>
-          </a:p>
-          <a:p>
-            <a:r>
-              <a:rPr lang="zh-CN" altLang="en-US" dirty="0" smtClean="0"/>
-              <a:t>综上所述，这些数据库更像是一种命名空间，而不适宜存储不同应用程序的数据。比如可以使用</a:t>
-            </a:r>
-            <a:r>
-              <a:rPr lang="en-US" altLang="zh-CN" dirty="0" smtClean="0"/>
-              <a:t>0</a:t>
-            </a:r>
-            <a:r>
-              <a:rPr lang="zh-CN" altLang="en-US" dirty="0" smtClean="0"/>
-              <a:t>号数据库存储某个应用生产环境中的数据，使用</a:t>
-            </a:r>
-            <a:r>
-              <a:rPr lang="en-US" altLang="zh-CN" dirty="0" smtClean="0"/>
-              <a:t>1</a:t>
-            </a:r>
-            <a:r>
-              <a:rPr lang="zh-CN" altLang="en-US" dirty="0" smtClean="0"/>
-              <a:t>号数据库存储测试环境中的数据，但不适宜使用</a:t>
-            </a:r>
-            <a:r>
-              <a:rPr lang="en-US" altLang="zh-CN" dirty="0" smtClean="0"/>
-              <a:t>0</a:t>
-            </a:r>
-            <a:r>
-              <a:rPr lang="zh-CN" altLang="en-US" dirty="0" smtClean="0"/>
-              <a:t>号数据库存储</a:t>
-            </a:r>
-            <a:r>
-              <a:rPr lang="en-US" altLang="zh-CN" dirty="0" smtClean="0"/>
-              <a:t>A</a:t>
-            </a:r>
-            <a:r>
-              <a:rPr lang="zh-CN" altLang="en-US" dirty="0" smtClean="0"/>
-              <a:t>应用的数据而使用</a:t>
-            </a:r>
-            <a:r>
-              <a:rPr lang="en-US" altLang="zh-CN" dirty="0" smtClean="0"/>
-              <a:t>1</a:t>
-            </a:r>
-            <a:r>
-              <a:rPr lang="zh-CN" altLang="en-US" dirty="0" smtClean="0"/>
-              <a:t>号数据库存储</a:t>
-            </a:r>
-            <a:r>
-              <a:rPr lang="en-US" altLang="zh-CN" dirty="0" smtClean="0"/>
-              <a:t>B</a:t>
-            </a:r>
-            <a:r>
-              <a:rPr lang="zh-CN" altLang="en-US" dirty="0" smtClean="0"/>
-              <a:t>应用的数据，不同的应用应该使用不同的</a:t>
-            </a:r>
-            <a:r>
-              <a:rPr lang="en-US" altLang="zh-CN" dirty="0" err="1" smtClean="0"/>
-              <a:t>Redis</a:t>
-            </a:r>
-            <a:r>
-              <a:rPr lang="zh-CN" altLang="en-US" dirty="0" smtClean="0"/>
-              <a:t>实例存储数据。由于</a:t>
-            </a:r>
-            <a:r>
-              <a:rPr lang="en-US" altLang="zh-CN" dirty="0" err="1" smtClean="0"/>
-              <a:t>Redis</a:t>
-            </a:r>
-            <a:r>
-              <a:rPr lang="zh-CN" altLang="en-US" dirty="0" smtClean="0"/>
-              <a:t>非常轻量级，一个空</a:t>
-            </a:r>
-            <a:r>
-              <a:rPr lang="en-US" altLang="zh-CN" dirty="0" err="1" smtClean="0"/>
-              <a:t>Redis</a:t>
-            </a:r>
-            <a:r>
-              <a:rPr lang="zh-CN" altLang="en-US" dirty="0" smtClean="0"/>
-              <a:t>实例占用的内存只有</a:t>
-            </a:r>
-            <a:r>
-              <a:rPr lang="en-US" altLang="zh-CN" dirty="0" smtClean="0"/>
-              <a:t>1MB</a:t>
-            </a:r>
-            <a:r>
-              <a:rPr lang="zh-CN" altLang="en-US" dirty="0" smtClean="0"/>
-              <a:t>左右，所以不用担心多个</a:t>
-            </a:r>
-            <a:r>
-              <a:rPr lang="en-US" altLang="zh-CN" dirty="0" err="1" smtClean="0"/>
-              <a:t>Redis</a:t>
-            </a:r>
-            <a:r>
-              <a:rPr lang="zh-CN" altLang="en-US" dirty="0" smtClean="0"/>
-              <a:t>实例会额外占用很多内存。</a:t>
-            </a:r>
+            <a:endParaRPr lang="zh-CN" altLang="en-US" dirty="0"/>
           </a:p>
         </p:txBody>
       </p:sp>
@@ -9055,7 +7425,783 @@
           <a:p>
             <a:fld id="{FCBFEC9C-B6FE-4227-BB9B-8B43BABBE420}" type="slidenum">
               <a:rPr lang="zh-CN" altLang="en-US" smtClean="0"/>
+              <a:t>37</a:t>
+            </a:fld>
+            <a:endParaRPr lang="zh-CN" altLang="en-US"/>
+          </a:p>
+        </p:txBody>
+      </p:sp>
+    </p:spTree>
+    <p:extLst>
+      <p:ext uri="{BB962C8B-B14F-4D97-AF65-F5344CB8AC3E}">
+        <p14:creationId xmlns:p14="http://schemas.microsoft.com/office/powerpoint/2010/main" val="2520150339"/>
+      </p:ext>
+    </p:extLst>
+  </p:cSld>
+  <p:clrMapOvr>
+    <a:masterClrMapping/>
+  </p:clrMapOvr>
+</p:notes>
+</file>
+
+<file path=ppt/notesSlides/notesSlide15.xml><?xml version="1.0" encoding="utf-8"?>
+<p:notes xmlns:a="http://schemas.openxmlformats.org/drawingml/2006/main" xmlns:r="http://schemas.openxmlformats.org/officeDocument/2006/relationships" xmlns:p="http://schemas.openxmlformats.org/presentationml/2006/main">
+  <p:cSld>
+    <p:spTree>
+      <p:nvGrpSpPr>
+        <p:cNvPr id="1" name=""/>
+        <p:cNvGrpSpPr/>
+        <p:nvPr/>
+      </p:nvGrpSpPr>
+      <p:grpSpPr>
+        <a:xfrm>
+          <a:off x="0" y="0"/>
+          <a:ext cx="0" cy="0"/>
+          <a:chOff x="0" y="0"/>
+          <a:chExt cx="0" cy="0"/>
+        </a:xfrm>
+      </p:grpSpPr>
+      <p:sp>
+        <p:nvSpPr>
+          <p:cNvPr id="2" name="幻灯片图像占位符 1"/>
+          <p:cNvSpPr>
+            <a:spLocks noGrp="1" noRot="1" noChangeAspect="1"/>
+          </p:cNvSpPr>
+          <p:nvPr>
+            <p:ph type="sldImg"/>
+          </p:nvPr>
+        </p:nvSpPr>
+        <p:spPr/>
+      </p:sp>
+      <p:sp>
+        <p:nvSpPr>
+          <p:cNvPr id="3" name="备注占位符 2"/>
+          <p:cNvSpPr>
+            <a:spLocks noGrp="1"/>
+          </p:cNvSpPr>
+          <p:nvPr>
+            <p:ph type="body" idx="1"/>
+          </p:nvPr>
+        </p:nvSpPr>
+        <p:spPr/>
+        <p:txBody>
+          <a:bodyPr/>
+          <a:lstStyle/>
+          <a:p>
+            <a:r>
+              <a:rPr lang="en-US" altLang="zh-CN" sz="1200" b="0" i="0" u="none" strike="noStrike" kern="1200" baseline="0" dirty="0" err="1" smtClean="0">
+                <a:solidFill>
+                  <a:schemeClr val="tx1"/>
+                </a:solidFill>
+                <a:latin typeface="+mn-lt"/>
+                <a:ea typeface="+mn-ea"/>
+                <a:cs typeface="+mn-cs"/>
+              </a:rPr>
+              <a:t>redis</a:t>
+            </a:r>
+            <a:r>
+              <a:rPr lang="en-US" altLang="zh-CN" sz="1200" b="0" i="0" u="none" strike="noStrike" kern="1200" baseline="0" dirty="0" smtClean="0">
+                <a:solidFill>
+                  <a:schemeClr val="tx1"/>
+                </a:solidFill>
+                <a:latin typeface="+mn-lt"/>
+                <a:ea typeface="+mn-ea"/>
+                <a:cs typeface="+mn-cs"/>
+              </a:rPr>
+              <a:t> </a:t>
+            </a:r>
+            <a:r>
+              <a:rPr lang="zh-CN" altLang="en-US" sz="1200" b="0" i="0" u="none" strike="noStrike" kern="1200" baseline="0" dirty="0" smtClean="0">
+                <a:solidFill>
+                  <a:schemeClr val="tx1"/>
+                </a:solidFill>
+                <a:latin typeface="+mn-lt"/>
+                <a:ea typeface="+mn-ea"/>
+                <a:cs typeface="+mn-cs"/>
+              </a:rPr>
+              <a:t>没有使用操作系统提供的虚拟内存机制而是自己在实现了自己的虚拟内存机制，主要的理由有两点</a:t>
+            </a:r>
+            <a:r>
+              <a:rPr lang="en-US" altLang="zh-CN" sz="1200" b="0" i="0" u="none" strike="noStrike" kern="1200" baseline="0" dirty="0" smtClean="0">
+                <a:solidFill>
+                  <a:schemeClr val="tx1"/>
+                </a:solidFill>
+                <a:latin typeface="+mn-lt"/>
+                <a:ea typeface="+mn-ea"/>
+                <a:cs typeface="+mn-cs"/>
+              </a:rPr>
+              <a:t>: </a:t>
+            </a:r>
+          </a:p>
+          <a:p>
+            <a:r>
+              <a:rPr lang="en-US" altLang="zh-CN" sz="1200" b="0" i="0" u="none" strike="noStrike" kern="1200" baseline="0" dirty="0" smtClean="0">
+                <a:solidFill>
+                  <a:schemeClr val="tx1"/>
+                </a:solidFill>
+                <a:latin typeface="+mn-lt"/>
+                <a:ea typeface="+mn-ea"/>
+                <a:cs typeface="+mn-cs"/>
+              </a:rPr>
+              <a:t>1</a:t>
+            </a:r>
+            <a:r>
+              <a:rPr lang="zh-CN" altLang="en-US" sz="1200" b="0" i="0" u="none" strike="noStrike" kern="1200" baseline="0" dirty="0" smtClean="0">
+                <a:solidFill>
+                  <a:schemeClr val="tx1"/>
+                </a:solidFill>
+                <a:latin typeface="+mn-lt"/>
+                <a:ea typeface="+mn-ea"/>
+                <a:cs typeface="+mn-cs"/>
+              </a:rPr>
+              <a:t>、操作系统的虚拟内存是已</a:t>
+            </a:r>
+            <a:r>
+              <a:rPr lang="en-US" altLang="zh-CN" sz="1200" b="0" i="0" u="none" strike="noStrike" kern="1200" baseline="0" dirty="0" smtClean="0">
+                <a:solidFill>
+                  <a:schemeClr val="tx1"/>
+                </a:solidFill>
+                <a:latin typeface="+mn-lt"/>
+                <a:ea typeface="+mn-ea"/>
+                <a:cs typeface="+mn-cs"/>
+              </a:rPr>
+              <a:t>4k </a:t>
+            </a:r>
+            <a:r>
+              <a:rPr lang="zh-CN" altLang="en-US" sz="1200" b="0" i="0" u="none" strike="noStrike" kern="1200" baseline="0" dirty="0" smtClean="0">
+                <a:solidFill>
+                  <a:schemeClr val="tx1"/>
+                </a:solidFill>
+                <a:latin typeface="+mn-lt"/>
+                <a:ea typeface="+mn-ea"/>
+                <a:cs typeface="+mn-cs"/>
+              </a:rPr>
+              <a:t>页面为最小单位进行交换的。而</a:t>
+            </a:r>
+            <a:r>
+              <a:rPr lang="en-US" altLang="zh-CN" sz="1200" b="0" i="0" u="none" strike="noStrike" kern="1200" baseline="0" dirty="0" err="1" smtClean="0">
+                <a:solidFill>
+                  <a:schemeClr val="tx1"/>
+                </a:solidFill>
+                <a:latin typeface="+mn-lt"/>
+                <a:ea typeface="+mn-ea"/>
+                <a:cs typeface="+mn-cs"/>
+              </a:rPr>
+              <a:t>redis</a:t>
+            </a:r>
+            <a:r>
+              <a:rPr lang="en-US" altLang="zh-CN" sz="1200" b="0" i="0" u="none" strike="noStrike" kern="1200" baseline="0" dirty="0" smtClean="0">
+                <a:solidFill>
+                  <a:schemeClr val="tx1"/>
+                </a:solidFill>
+                <a:latin typeface="+mn-lt"/>
+                <a:ea typeface="+mn-ea"/>
+                <a:cs typeface="+mn-cs"/>
+              </a:rPr>
+              <a:t> </a:t>
+            </a:r>
+            <a:r>
+              <a:rPr lang="zh-CN" altLang="en-US" sz="1200" b="0" i="0" u="none" strike="noStrike" kern="1200" baseline="0" dirty="0" smtClean="0">
+                <a:solidFill>
+                  <a:schemeClr val="tx1"/>
+                </a:solidFill>
+                <a:latin typeface="+mn-lt"/>
+                <a:ea typeface="+mn-ea"/>
+                <a:cs typeface="+mn-cs"/>
+              </a:rPr>
+              <a:t>的大多数对象都远小于</a:t>
+            </a:r>
+            <a:r>
+              <a:rPr lang="en-US" altLang="zh-CN" sz="1200" b="0" i="0" u="none" strike="noStrike" kern="1200" baseline="0" dirty="0" smtClean="0">
+                <a:solidFill>
+                  <a:schemeClr val="tx1"/>
+                </a:solidFill>
+                <a:latin typeface="+mn-lt"/>
+                <a:ea typeface="+mn-ea"/>
+                <a:cs typeface="+mn-cs"/>
+              </a:rPr>
+              <a:t>4k</a:t>
+            </a:r>
+            <a:r>
+              <a:rPr lang="zh-CN" altLang="en-US" sz="1200" b="0" i="0" u="none" strike="noStrike" kern="1200" baseline="0" dirty="0" smtClean="0">
+                <a:solidFill>
+                  <a:schemeClr val="tx1"/>
+                </a:solidFill>
+                <a:latin typeface="+mn-lt"/>
+                <a:ea typeface="+mn-ea"/>
+                <a:cs typeface="+mn-cs"/>
+              </a:rPr>
+              <a:t>，所以一个操作系统页面上可能有多个</a:t>
+            </a:r>
+            <a:r>
+              <a:rPr lang="en-US" altLang="zh-CN" sz="1200" b="0" i="0" u="none" strike="noStrike" kern="1200" baseline="0" dirty="0" err="1" smtClean="0">
+                <a:solidFill>
+                  <a:schemeClr val="tx1"/>
+                </a:solidFill>
+                <a:latin typeface="+mn-lt"/>
+                <a:ea typeface="+mn-ea"/>
+                <a:cs typeface="+mn-cs"/>
+              </a:rPr>
+              <a:t>redis</a:t>
+            </a:r>
+            <a:r>
+              <a:rPr lang="en-US" altLang="zh-CN" sz="1200" b="0" i="0" u="none" strike="noStrike" kern="1200" baseline="0" dirty="0" smtClean="0">
+                <a:solidFill>
+                  <a:schemeClr val="tx1"/>
+                </a:solidFill>
+                <a:latin typeface="+mn-lt"/>
+                <a:ea typeface="+mn-ea"/>
+                <a:cs typeface="+mn-cs"/>
+              </a:rPr>
+              <a:t> </a:t>
+            </a:r>
+            <a:r>
+              <a:rPr lang="zh-CN" altLang="en-US" sz="1200" b="0" i="0" u="none" strike="noStrike" kern="1200" baseline="0" dirty="0" smtClean="0">
+                <a:solidFill>
+                  <a:schemeClr val="tx1"/>
+                </a:solidFill>
+                <a:latin typeface="+mn-lt"/>
+                <a:ea typeface="+mn-ea"/>
+                <a:cs typeface="+mn-cs"/>
+              </a:rPr>
+              <a:t>对象。另外</a:t>
+            </a:r>
+            <a:r>
+              <a:rPr lang="en-US" altLang="zh-CN" sz="1200" b="0" i="0" u="none" strike="noStrike" kern="1200" baseline="0" dirty="0" err="1" smtClean="0">
+                <a:solidFill>
+                  <a:schemeClr val="tx1"/>
+                </a:solidFill>
+                <a:latin typeface="+mn-lt"/>
+                <a:ea typeface="+mn-ea"/>
+                <a:cs typeface="+mn-cs"/>
+              </a:rPr>
+              <a:t>redis</a:t>
+            </a:r>
+            <a:r>
+              <a:rPr lang="en-US" altLang="zh-CN" sz="1200" b="0" i="0" u="none" strike="noStrike" kern="1200" baseline="0" dirty="0" smtClean="0">
+                <a:solidFill>
+                  <a:schemeClr val="tx1"/>
+                </a:solidFill>
+                <a:latin typeface="+mn-lt"/>
+                <a:ea typeface="+mn-ea"/>
+                <a:cs typeface="+mn-cs"/>
+              </a:rPr>
+              <a:t> </a:t>
+            </a:r>
+            <a:r>
+              <a:rPr lang="zh-CN" altLang="en-US" sz="1200" b="0" i="0" u="none" strike="noStrike" kern="1200" baseline="0" dirty="0" smtClean="0">
+                <a:solidFill>
+                  <a:schemeClr val="tx1"/>
+                </a:solidFill>
+                <a:latin typeface="+mn-lt"/>
+                <a:ea typeface="+mn-ea"/>
+                <a:cs typeface="+mn-cs"/>
+              </a:rPr>
+              <a:t>的集合对象类型如</a:t>
+            </a:r>
+            <a:r>
+              <a:rPr lang="en-US" altLang="zh-CN" sz="1200" b="0" i="0" u="none" strike="noStrike" kern="1200" baseline="0" dirty="0" err="1" smtClean="0">
+                <a:solidFill>
+                  <a:schemeClr val="tx1"/>
+                </a:solidFill>
+                <a:latin typeface="+mn-lt"/>
+                <a:ea typeface="+mn-ea"/>
+                <a:cs typeface="+mn-cs"/>
+              </a:rPr>
+              <a:t>list,set</a:t>
+            </a:r>
+            <a:r>
+              <a:rPr lang="en-US" altLang="zh-CN" sz="1200" b="0" i="0" u="none" strike="noStrike" kern="1200" baseline="0" dirty="0" smtClean="0">
+                <a:solidFill>
+                  <a:schemeClr val="tx1"/>
+                </a:solidFill>
+                <a:latin typeface="+mn-lt"/>
+                <a:ea typeface="+mn-ea"/>
+                <a:cs typeface="+mn-cs"/>
+              </a:rPr>
+              <a:t> </a:t>
+            </a:r>
+            <a:r>
+              <a:rPr lang="zh-CN" altLang="en-US" sz="1200" b="0" i="0" u="none" strike="noStrike" kern="1200" baseline="0" dirty="0" smtClean="0">
+                <a:solidFill>
+                  <a:schemeClr val="tx1"/>
+                </a:solidFill>
+                <a:latin typeface="+mn-lt"/>
+                <a:ea typeface="+mn-ea"/>
+                <a:cs typeface="+mn-cs"/>
+              </a:rPr>
+              <a:t>可能存在与多个操作系统页面上。最终可能造成只有</a:t>
+            </a:r>
+            <a:r>
+              <a:rPr lang="en-US" altLang="zh-CN" sz="1200" b="0" i="0" u="none" strike="noStrike" kern="1200" baseline="0" dirty="0" smtClean="0">
+                <a:solidFill>
+                  <a:schemeClr val="tx1"/>
+                </a:solidFill>
+                <a:latin typeface="+mn-lt"/>
+                <a:ea typeface="+mn-ea"/>
+                <a:cs typeface="+mn-cs"/>
+              </a:rPr>
+              <a:t>10%key </a:t>
+            </a:r>
+            <a:r>
+              <a:rPr lang="zh-CN" altLang="en-US" sz="1200" b="0" i="0" u="none" strike="noStrike" kern="1200" baseline="0" dirty="0" smtClean="0">
+                <a:solidFill>
+                  <a:schemeClr val="tx1"/>
+                </a:solidFill>
+                <a:latin typeface="+mn-lt"/>
+                <a:ea typeface="+mn-ea"/>
+                <a:cs typeface="+mn-cs"/>
+              </a:rPr>
+              <a:t>被经常访问，但是所有操作系统页面都会被操作系统认为是活跃的，这样只有内存真正耗尽时操作系统才会交换页面。 </a:t>
+            </a:r>
+          </a:p>
+          <a:p>
+            <a:r>
+              <a:rPr lang="en-US" altLang="zh-CN" sz="1200" b="0" i="0" u="none" strike="noStrike" kern="1200" baseline="0" dirty="0" smtClean="0">
+                <a:solidFill>
+                  <a:schemeClr val="tx1"/>
+                </a:solidFill>
+                <a:latin typeface="+mn-lt"/>
+                <a:ea typeface="+mn-ea"/>
+                <a:cs typeface="+mn-cs"/>
+              </a:rPr>
+              <a:t>2</a:t>
+            </a:r>
+            <a:r>
+              <a:rPr lang="zh-CN" altLang="en-US" sz="1200" b="0" i="0" u="none" strike="noStrike" kern="1200" baseline="0" dirty="0" smtClean="0">
+                <a:solidFill>
+                  <a:schemeClr val="tx1"/>
+                </a:solidFill>
+                <a:latin typeface="+mn-lt"/>
+                <a:ea typeface="+mn-ea"/>
+                <a:cs typeface="+mn-cs"/>
+              </a:rPr>
+              <a:t>、相比于操作系统的交换方式，</a:t>
+            </a:r>
+            <a:r>
+              <a:rPr lang="en-US" altLang="zh-CN" sz="1200" b="0" i="0" u="none" strike="noStrike" kern="1200" baseline="0" dirty="0" err="1" smtClean="0">
+                <a:solidFill>
+                  <a:schemeClr val="tx1"/>
+                </a:solidFill>
+                <a:latin typeface="+mn-lt"/>
+                <a:ea typeface="+mn-ea"/>
+                <a:cs typeface="+mn-cs"/>
+              </a:rPr>
+              <a:t>redis</a:t>
+            </a:r>
+            <a:r>
+              <a:rPr lang="en-US" altLang="zh-CN" sz="1200" b="0" i="0" u="none" strike="noStrike" kern="1200" baseline="0" dirty="0" smtClean="0">
+                <a:solidFill>
+                  <a:schemeClr val="tx1"/>
+                </a:solidFill>
+                <a:latin typeface="+mn-lt"/>
+                <a:ea typeface="+mn-ea"/>
+                <a:cs typeface="+mn-cs"/>
+              </a:rPr>
+              <a:t> </a:t>
+            </a:r>
+            <a:r>
+              <a:rPr lang="zh-CN" altLang="en-US" sz="1200" b="0" i="0" u="none" strike="noStrike" kern="1200" baseline="0" dirty="0" smtClean="0">
+                <a:solidFill>
+                  <a:schemeClr val="tx1"/>
+                </a:solidFill>
+                <a:latin typeface="+mn-lt"/>
+                <a:ea typeface="+mn-ea"/>
+                <a:cs typeface="+mn-cs"/>
+              </a:rPr>
+              <a:t>可以将被交换到磁盘的对象进行压缩</a:t>
+            </a:r>
+            <a:r>
+              <a:rPr lang="en-US" altLang="zh-CN" sz="1200" b="0" i="0" u="none" strike="noStrike" kern="1200" baseline="0" dirty="0" smtClean="0">
+                <a:solidFill>
+                  <a:schemeClr val="tx1"/>
+                </a:solidFill>
+                <a:latin typeface="+mn-lt"/>
+                <a:ea typeface="+mn-ea"/>
+                <a:cs typeface="+mn-cs"/>
+              </a:rPr>
+              <a:t>,</a:t>
+            </a:r>
+            <a:r>
+              <a:rPr lang="zh-CN" altLang="en-US" sz="1200" b="0" i="0" u="none" strike="noStrike" kern="1200" baseline="0" dirty="0" smtClean="0">
+                <a:solidFill>
+                  <a:schemeClr val="tx1"/>
+                </a:solidFill>
+                <a:latin typeface="+mn-lt"/>
+                <a:ea typeface="+mn-ea"/>
+                <a:cs typeface="+mn-cs"/>
+              </a:rPr>
+              <a:t>保存到磁盘的对象可以去除指针和对象元数据信息，一般压缩后的对象会比内存中的对象小</a:t>
+            </a:r>
+            <a:r>
+              <a:rPr lang="en-US" altLang="zh-CN" sz="1200" b="0" i="0" u="none" strike="noStrike" kern="1200" baseline="0" dirty="0" smtClean="0">
+                <a:solidFill>
+                  <a:schemeClr val="tx1"/>
+                </a:solidFill>
+                <a:latin typeface="+mn-lt"/>
+                <a:ea typeface="+mn-ea"/>
+                <a:cs typeface="+mn-cs"/>
+              </a:rPr>
+              <a:t>10 </a:t>
+            </a:r>
+            <a:r>
+              <a:rPr lang="zh-CN" altLang="en-US" sz="1200" b="0" i="0" u="none" strike="noStrike" kern="1200" baseline="0" dirty="0" smtClean="0">
+                <a:solidFill>
+                  <a:schemeClr val="tx1"/>
+                </a:solidFill>
+                <a:latin typeface="+mn-lt"/>
+                <a:ea typeface="+mn-ea"/>
+                <a:cs typeface="+mn-cs"/>
+              </a:rPr>
+              <a:t>倍，这样</a:t>
+            </a:r>
+            <a:r>
+              <a:rPr lang="en-US" altLang="zh-CN" sz="1200" b="0" i="0" u="none" strike="noStrike" kern="1200" baseline="0" dirty="0" err="1" smtClean="0">
+                <a:solidFill>
+                  <a:schemeClr val="tx1"/>
+                </a:solidFill>
+                <a:latin typeface="+mn-lt"/>
+                <a:ea typeface="+mn-ea"/>
+                <a:cs typeface="+mn-cs"/>
+              </a:rPr>
+              <a:t>redis</a:t>
+            </a:r>
+            <a:r>
+              <a:rPr lang="en-US" altLang="zh-CN" sz="1200" b="0" i="0" u="none" strike="noStrike" kern="1200" baseline="0" dirty="0" smtClean="0">
+                <a:solidFill>
+                  <a:schemeClr val="tx1"/>
+                </a:solidFill>
+                <a:latin typeface="+mn-lt"/>
+                <a:ea typeface="+mn-ea"/>
+                <a:cs typeface="+mn-cs"/>
+              </a:rPr>
+              <a:t> </a:t>
+            </a:r>
+            <a:r>
+              <a:rPr lang="zh-CN" altLang="en-US" sz="1200" b="0" i="0" u="none" strike="noStrike" kern="1200" baseline="0" dirty="0" smtClean="0">
+                <a:solidFill>
+                  <a:schemeClr val="tx1"/>
+                </a:solidFill>
+                <a:latin typeface="+mn-lt"/>
+                <a:ea typeface="+mn-ea"/>
+                <a:cs typeface="+mn-cs"/>
+              </a:rPr>
+              <a:t>的虚拟内存会比操作系统虚拟内存能少做很多</a:t>
+            </a:r>
+            <a:r>
+              <a:rPr lang="en-US" altLang="zh-CN" sz="1200" b="0" i="0" u="none" strike="noStrike" kern="1200" baseline="0" dirty="0" err="1" smtClean="0">
+                <a:solidFill>
+                  <a:schemeClr val="tx1"/>
+                </a:solidFill>
+                <a:latin typeface="+mn-lt"/>
+                <a:ea typeface="+mn-ea"/>
+                <a:cs typeface="+mn-cs"/>
+              </a:rPr>
+              <a:t>io</a:t>
+            </a:r>
+            <a:r>
+              <a:rPr lang="en-US" altLang="zh-CN" sz="1200" b="0" i="0" u="none" strike="noStrike" kern="1200" baseline="0" dirty="0" smtClean="0">
+                <a:solidFill>
+                  <a:schemeClr val="tx1"/>
+                </a:solidFill>
+                <a:latin typeface="+mn-lt"/>
+                <a:ea typeface="+mn-ea"/>
+                <a:cs typeface="+mn-cs"/>
+              </a:rPr>
+              <a:t> </a:t>
+            </a:r>
+            <a:r>
+              <a:rPr lang="zh-CN" altLang="en-US" sz="1200" b="0" i="0" u="none" strike="noStrike" kern="1200" baseline="0" dirty="0" smtClean="0">
+                <a:solidFill>
+                  <a:schemeClr val="tx1"/>
+                </a:solidFill>
+                <a:latin typeface="+mn-lt"/>
+                <a:ea typeface="+mn-ea"/>
+                <a:cs typeface="+mn-cs"/>
+              </a:rPr>
+              <a:t>操作。 </a:t>
+            </a:r>
+            <a:endParaRPr lang="zh-CN" altLang="en-US" dirty="0"/>
+          </a:p>
+        </p:txBody>
+      </p:sp>
+      <p:sp>
+        <p:nvSpPr>
+          <p:cNvPr id="4" name="灯片编号占位符 3"/>
+          <p:cNvSpPr>
+            <a:spLocks noGrp="1"/>
+          </p:cNvSpPr>
+          <p:nvPr>
+            <p:ph type="sldNum" sz="quarter" idx="10"/>
+          </p:nvPr>
+        </p:nvSpPr>
+        <p:spPr/>
+        <p:txBody>
+          <a:bodyPr/>
+          <a:lstStyle/>
+          <a:p>
+            <a:fld id="{FCBFEC9C-B6FE-4227-BB9B-8B43BABBE420}" type="slidenum">
+              <a:rPr lang="zh-CN" altLang="en-US" smtClean="0"/>
               <a:t>39</a:t>
+            </a:fld>
+            <a:endParaRPr lang="zh-CN" altLang="en-US"/>
+          </a:p>
+        </p:txBody>
+      </p:sp>
+    </p:spTree>
+    <p:extLst>
+      <p:ext uri="{BB962C8B-B14F-4D97-AF65-F5344CB8AC3E}">
+        <p14:creationId xmlns:p14="http://schemas.microsoft.com/office/powerpoint/2010/main" val="1350496948"/>
+      </p:ext>
+    </p:extLst>
+  </p:cSld>
+  <p:clrMapOvr>
+    <a:masterClrMapping/>
+  </p:clrMapOvr>
+</p:notes>
+</file>
+
+<file path=ppt/notesSlides/notesSlide16.xml><?xml version="1.0" encoding="utf-8"?>
+<p:notes xmlns:a="http://schemas.openxmlformats.org/drawingml/2006/main" xmlns:r="http://schemas.openxmlformats.org/officeDocument/2006/relationships" xmlns:p="http://schemas.openxmlformats.org/presentationml/2006/main">
+  <p:cSld>
+    <p:spTree>
+      <p:nvGrpSpPr>
+        <p:cNvPr id="1" name=""/>
+        <p:cNvGrpSpPr/>
+        <p:nvPr/>
+      </p:nvGrpSpPr>
+      <p:grpSpPr>
+        <a:xfrm>
+          <a:off x="0" y="0"/>
+          <a:ext cx="0" cy="0"/>
+          <a:chOff x="0" y="0"/>
+          <a:chExt cx="0" cy="0"/>
+        </a:xfrm>
+      </p:grpSpPr>
+      <p:sp>
+        <p:nvSpPr>
+          <p:cNvPr id="2" name="幻灯片图像占位符 1"/>
+          <p:cNvSpPr>
+            <a:spLocks noGrp="1" noRot="1" noChangeAspect="1"/>
+          </p:cNvSpPr>
+          <p:nvPr>
+            <p:ph type="sldImg"/>
+          </p:nvPr>
+        </p:nvSpPr>
+        <p:spPr/>
+      </p:sp>
+      <p:sp>
+        <p:nvSpPr>
+          <p:cNvPr id="3" name="备注占位符 2"/>
+          <p:cNvSpPr>
+            <a:spLocks noGrp="1"/>
+          </p:cNvSpPr>
+          <p:nvPr>
+            <p:ph type="body" idx="1"/>
+          </p:nvPr>
+        </p:nvSpPr>
+        <p:spPr/>
+        <p:txBody>
+          <a:bodyPr/>
+          <a:lstStyle/>
+          <a:p>
+            <a:r>
+              <a:rPr lang="en-US" altLang="zh-CN" dirty="0" err="1" smtClean="0"/>
+              <a:t>Redis</a:t>
+            </a:r>
+            <a:r>
+              <a:rPr lang="zh-CN" altLang="en-US" dirty="0" smtClean="0"/>
+              <a:t>多数据库：</a:t>
+            </a:r>
+            <a:endParaRPr lang="en-US" altLang="zh-CN" dirty="0" smtClean="0"/>
+          </a:p>
+          <a:p>
+            <a:r>
+              <a:rPr lang="zh-CN" altLang="en-US" dirty="0" smtClean="0"/>
+              <a:t>一个</a:t>
+            </a:r>
+            <a:r>
+              <a:rPr lang="en-US" altLang="zh-CN" dirty="0" err="1" smtClean="0"/>
+              <a:t>Redis</a:t>
+            </a:r>
+            <a:r>
+              <a:rPr lang="zh-CN" altLang="en-US" dirty="0" smtClean="0"/>
+              <a:t>实例提供了多个用来存储数据的字典，客户端可以指定将数据存储在哪个字典中。这与我们熟知的在一个关系数据库实例中可以创建多个数据库（</a:t>
+            </a:r>
+            <a:r>
+              <a:rPr lang="en-US" altLang="zh-CN" dirty="0" smtClean="0"/>
+              <a:t>schema</a:t>
+            </a:r>
+            <a:r>
+              <a:rPr lang="zh-CN" altLang="en-US" dirty="0" smtClean="0"/>
+              <a:t>）类似，所以可以将其中的每个字典都理解成一个独立的数据库。</a:t>
+            </a:r>
+            <a:endParaRPr lang="en-US" altLang="zh-CN" dirty="0" smtClean="0"/>
+          </a:p>
+          <a:p>
+            <a:r>
+              <a:rPr lang="en-US" altLang="zh-CN" dirty="0" err="1" smtClean="0"/>
+              <a:t>Redis</a:t>
+            </a:r>
+            <a:r>
+              <a:rPr lang="zh-CN" altLang="en-US" dirty="0" smtClean="0"/>
+              <a:t>多数据库以数字编号命名，从</a:t>
+            </a:r>
+            <a:r>
+              <a:rPr lang="en-US" altLang="zh-CN" dirty="0" smtClean="0"/>
+              <a:t>0</a:t>
+            </a:r>
+            <a:r>
+              <a:rPr lang="zh-CN" altLang="en-US" dirty="0" smtClean="0"/>
+              <a:t>开始递增，默认支持</a:t>
+            </a:r>
+            <a:r>
+              <a:rPr lang="en-US" altLang="zh-CN" dirty="0" smtClean="0"/>
+              <a:t>16</a:t>
+            </a:r>
+            <a:r>
+              <a:rPr lang="zh-CN" altLang="en-US" dirty="0" smtClean="0"/>
+              <a:t>个库。</a:t>
+            </a:r>
+            <a:endParaRPr lang="en-US" altLang="zh-CN" dirty="0" smtClean="0"/>
+          </a:p>
+          <a:p>
+            <a:r>
+              <a:rPr lang="zh-CN" altLang="en-US" dirty="0" smtClean="0"/>
+              <a:t>多个数据库之间并不是完全隔离的，比如</a:t>
+            </a:r>
+            <a:r>
+              <a:rPr lang="en-US" altLang="zh-CN" dirty="0" smtClean="0"/>
+              <a:t>FLUSHALL</a:t>
+            </a:r>
+            <a:r>
+              <a:rPr lang="zh-CN" altLang="en-US" dirty="0" smtClean="0"/>
+              <a:t>命令可以清空一个</a:t>
+            </a:r>
+            <a:r>
+              <a:rPr lang="en-US" altLang="zh-CN" dirty="0" err="1" smtClean="0"/>
+              <a:t>Redis</a:t>
+            </a:r>
+            <a:r>
+              <a:rPr lang="zh-CN" altLang="en-US" dirty="0" smtClean="0"/>
+              <a:t>实例中所有数据库中的数据。</a:t>
+            </a:r>
+            <a:endParaRPr lang="en-US" altLang="zh-CN" dirty="0" smtClean="0"/>
+          </a:p>
+          <a:p>
+            <a:r>
+              <a:rPr lang="zh-CN" altLang="en-US" dirty="0" smtClean="0"/>
+              <a:t>综上所述，这些数据库更像是一种命名空间，而不适宜存储不同应用程序的数据。比如可以使用</a:t>
+            </a:r>
+            <a:r>
+              <a:rPr lang="en-US" altLang="zh-CN" dirty="0" smtClean="0"/>
+              <a:t>0</a:t>
+            </a:r>
+            <a:r>
+              <a:rPr lang="zh-CN" altLang="en-US" dirty="0" smtClean="0"/>
+              <a:t>号数据库存储某个应用生产环境中的数据，使用</a:t>
+            </a:r>
+            <a:r>
+              <a:rPr lang="en-US" altLang="zh-CN" dirty="0" smtClean="0"/>
+              <a:t>1</a:t>
+            </a:r>
+            <a:r>
+              <a:rPr lang="zh-CN" altLang="en-US" dirty="0" smtClean="0"/>
+              <a:t>号数据库存储测试环境中的数据，但不适宜使用</a:t>
+            </a:r>
+            <a:r>
+              <a:rPr lang="en-US" altLang="zh-CN" dirty="0" smtClean="0"/>
+              <a:t>0</a:t>
+            </a:r>
+            <a:r>
+              <a:rPr lang="zh-CN" altLang="en-US" dirty="0" smtClean="0"/>
+              <a:t>号数据库存储</a:t>
+            </a:r>
+            <a:r>
+              <a:rPr lang="en-US" altLang="zh-CN" dirty="0" smtClean="0"/>
+              <a:t>A</a:t>
+            </a:r>
+            <a:r>
+              <a:rPr lang="zh-CN" altLang="en-US" dirty="0" smtClean="0"/>
+              <a:t>应用的数据而使用</a:t>
+            </a:r>
+            <a:r>
+              <a:rPr lang="en-US" altLang="zh-CN" dirty="0" smtClean="0"/>
+              <a:t>1</a:t>
+            </a:r>
+            <a:r>
+              <a:rPr lang="zh-CN" altLang="en-US" dirty="0" smtClean="0"/>
+              <a:t>号数据库存储</a:t>
+            </a:r>
+            <a:r>
+              <a:rPr lang="en-US" altLang="zh-CN" dirty="0" smtClean="0"/>
+              <a:t>B</a:t>
+            </a:r>
+            <a:r>
+              <a:rPr lang="zh-CN" altLang="en-US" dirty="0" smtClean="0"/>
+              <a:t>应用的数据，不同的应用应该使用不同的</a:t>
+            </a:r>
+            <a:r>
+              <a:rPr lang="en-US" altLang="zh-CN" dirty="0" err="1" smtClean="0"/>
+              <a:t>Redis</a:t>
+            </a:r>
+            <a:r>
+              <a:rPr lang="zh-CN" altLang="en-US" dirty="0" smtClean="0"/>
+              <a:t>实例存储数据。由于</a:t>
+            </a:r>
+            <a:r>
+              <a:rPr lang="en-US" altLang="zh-CN" dirty="0" err="1" smtClean="0"/>
+              <a:t>Redis</a:t>
+            </a:r>
+            <a:r>
+              <a:rPr lang="zh-CN" altLang="en-US" dirty="0" smtClean="0"/>
+              <a:t>非常轻量级，一个空</a:t>
+            </a:r>
+            <a:r>
+              <a:rPr lang="en-US" altLang="zh-CN" dirty="0" err="1" smtClean="0"/>
+              <a:t>Redis</a:t>
+            </a:r>
+            <a:r>
+              <a:rPr lang="zh-CN" altLang="en-US" dirty="0" smtClean="0"/>
+              <a:t>实例占用的内存只有</a:t>
+            </a:r>
+            <a:r>
+              <a:rPr lang="en-US" altLang="zh-CN" dirty="0" smtClean="0"/>
+              <a:t>1MB</a:t>
+            </a:r>
+            <a:r>
+              <a:rPr lang="zh-CN" altLang="en-US" dirty="0" smtClean="0"/>
+              <a:t>左右，所以不用担心多个</a:t>
+            </a:r>
+            <a:r>
+              <a:rPr lang="en-US" altLang="zh-CN" dirty="0" err="1" smtClean="0"/>
+              <a:t>Redis</a:t>
+            </a:r>
+            <a:r>
+              <a:rPr lang="zh-CN" altLang="en-US" dirty="0" smtClean="0"/>
+              <a:t>实例会额外占用很多内存。</a:t>
+            </a:r>
+          </a:p>
+        </p:txBody>
+      </p:sp>
+      <p:sp>
+        <p:nvSpPr>
+          <p:cNvPr id="4" name="灯片编号占位符 3"/>
+          <p:cNvSpPr>
+            <a:spLocks noGrp="1"/>
+          </p:cNvSpPr>
+          <p:nvPr>
+            <p:ph type="sldNum" sz="quarter" idx="10"/>
+          </p:nvPr>
+        </p:nvSpPr>
+        <p:spPr/>
+        <p:txBody>
+          <a:bodyPr/>
+          <a:lstStyle/>
+          <a:p>
+            <a:fld id="{FCBFEC9C-B6FE-4227-BB9B-8B43BABBE420}" type="slidenum">
+              <a:rPr lang="zh-CN" altLang="en-US" smtClean="0"/>
+              <a:t>40</a:t>
             </a:fld>
             <a:endParaRPr lang="zh-CN" altLang="en-US"/>
           </a:p>
@@ -10447,7 +9593,7 @@
           <a:p>
             <a:fld id="{6677AD21-0B47-4E9C-A9F9-D49722186093}" type="datetimeFigureOut">
               <a:rPr lang="zh-CN" altLang="en-US" smtClean="0"/>
-              <a:t>2015/10/22</a:t>
+              <a:t>2015/10/23</a:t>
             </a:fld>
             <a:endParaRPr lang="zh-CN" altLang="en-US"/>
           </a:p>
@@ -10617,7 +9763,7 @@
           <a:p>
             <a:fld id="{6677AD21-0B47-4E9C-A9F9-D49722186093}" type="datetimeFigureOut">
               <a:rPr lang="zh-CN" altLang="en-US" smtClean="0"/>
-              <a:t>2015/10/22</a:t>
+              <a:t>2015/10/23</a:t>
             </a:fld>
             <a:endParaRPr lang="zh-CN" altLang="en-US"/>
           </a:p>
@@ -10797,7 +9943,7 @@
           <a:p>
             <a:fld id="{6677AD21-0B47-4E9C-A9F9-D49722186093}" type="datetimeFigureOut">
               <a:rPr lang="zh-CN" altLang="en-US" smtClean="0"/>
-              <a:t>2015/10/22</a:t>
+              <a:t>2015/10/23</a:t>
             </a:fld>
             <a:endParaRPr lang="zh-CN" altLang="en-US"/>
           </a:p>
@@ -10967,7 +10113,7 @@
           <a:p>
             <a:fld id="{6677AD21-0B47-4E9C-A9F9-D49722186093}" type="datetimeFigureOut">
               <a:rPr lang="zh-CN" altLang="en-US" smtClean="0"/>
-              <a:t>2015/10/22</a:t>
+              <a:t>2015/10/23</a:t>
             </a:fld>
             <a:endParaRPr lang="zh-CN" altLang="en-US"/>
           </a:p>
@@ -11213,7 +10359,7 @@
           <a:p>
             <a:fld id="{6677AD21-0B47-4E9C-A9F9-D49722186093}" type="datetimeFigureOut">
               <a:rPr lang="zh-CN" altLang="en-US" smtClean="0"/>
-              <a:t>2015/10/22</a:t>
+              <a:t>2015/10/23</a:t>
             </a:fld>
             <a:endParaRPr lang="zh-CN" altLang="en-US"/>
           </a:p>
@@ -11445,7 +10591,7 @@
           <a:p>
             <a:fld id="{6677AD21-0B47-4E9C-A9F9-D49722186093}" type="datetimeFigureOut">
               <a:rPr lang="zh-CN" altLang="en-US" smtClean="0"/>
-              <a:t>2015/10/22</a:t>
+              <a:t>2015/10/23</a:t>
             </a:fld>
             <a:endParaRPr lang="zh-CN" altLang="en-US"/>
           </a:p>
@@ -11812,7 +10958,7 @@
           <a:p>
             <a:fld id="{6677AD21-0B47-4E9C-A9F9-D49722186093}" type="datetimeFigureOut">
               <a:rPr lang="zh-CN" altLang="en-US" smtClean="0"/>
-              <a:t>2015/10/22</a:t>
+              <a:t>2015/10/23</a:t>
             </a:fld>
             <a:endParaRPr lang="zh-CN" altLang="en-US"/>
           </a:p>
@@ -11930,7 +11076,7 @@
           <a:p>
             <a:fld id="{6677AD21-0B47-4E9C-A9F9-D49722186093}" type="datetimeFigureOut">
               <a:rPr lang="zh-CN" altLang="en-US" smtClean="0"/>
-              <a:t>2015/10/22</a:t>
+              <a:t>2015/10/23</a:t>
             </a:fld>
             <a:endParaRPr lang="zh-CN" altLang="en-US"/>
           </a:p>
@@ -12025,7 +11171,7 @@
           <a:p>
             <a:fld id="{6677AD21-0B47-4E9C-A9F9-D49722186093}" type="datetimeFigureOut">
               <a:rPr lang="zh-CN" altLang="en-US" smtClean="0"/>
-              <a:t>2015/10/22</a:t>
+              <a:t>2015/10/23</a:t>
             </a:fld>
             <a:endParaRPr lang="zh-CN" altLang="en-US"/>
           </a:p>
@@ -12302,7 +11448,7 @@
           <a:p>
             <a:fld id="{6677AD21-0B47-4E9C-A9F9-D49722186093}" type="datetimeFigureOut">
               <a:rPr lang="zh-CN" altLang="en-US" smtClean="0"/>
-              <a:t>2015/10/22</a:t>
+              <a:t>2015/10/23</a:t>
             </a:fld>
             <a:endParaRPr lang="zh-CN" altLang="en-US"/>
           </a:p>
@@ -12555,7 +11701,7 @@
           <a:p>
             <a:fld id="{6677AD21-0B47-4E9C-A9F9-D49722186093}" type="datetimeFigureOut">
               <a:rPr lang="zh-CN" altLang="en-US" smtClean="0"/>
-              <a:t>2015/10/22</a:t>
+              <a:t>2015/10/23</a:t>
             </a:fld>
             <a:endParaRPr lang="zh-CN" altLang="en-US"/>
           </a:p>
@@ -12768,7 +11914,7 @@
           <a:p>
             <a:fld id="{6677AD21-0B47-4E9C-A9F9-D49722186093}" type="datetimeFigureOut">
               <a:rPr lang="zh-CN" altLang="en-US" smtClean="0"/>
-              <a:t>2015/10/22</a:t>
+              <a:t>2015/10/23</a:t>
             </a:fld>
             <a:endParaRPr lang="zh-CN" altLang="en-US"/>
           </a:p>
@@ -13966,7 +13112,7 @@
           <a:p>
             <a:r>
               <a:rPr lang="zh-CN" altLang="en-US" dirty="0" smtClean="0"/>
-              <a:t>（</a:t>
+              <a:t>  （</a:t>
             </a:r>
             <a:r>
               <a:rPr lang="en-US" altLang="zh-CN" dirty="0" smtClean="0"/>
@@ -13980,7 +13126,7 @@
           <a:p>
             <a:r>
               <a:rPr lang="zh-CN" altLang="en-US" dirty="0" smtClean="0"/>
-              <a:t>（</a:t>
+              <a:t>  （</a:t>
             </a:r>
             <a:r>
               <a:rPr lang="en-US" altLang="zh-CN" dirty="0" smtClean="0"/>
@@ -14005,7 +13151,7 @@
           <a:p>
             <a:r>
               <a:rPr lang="zh-CN" altLang="en-US" dirty="0" smtClean="0"/>
-              <a:t>（</a:t>
+              <a:t>  （</a:t>
             </a:r>
             <a:r>
               <a:rPr lang="en-US" altLang="zh-CN" dirty="0" smtClean="0"/>
@@ -14013,13 +13159,13 @@
             </a:r>
             <a:r>
               <a:rPr lang="zh-CN" altLang="en-US" dirty="0" smtClean="0"/>
-              <a:t>）列表类型是通过链表实现的，获取靠近两端的数据速度极快，而当元素增多后，访问中间数据的速度会较慢，所以它更加适合实现如“新鲜事”或“日志”这样很少访问中间元素的应用。</a:t>
-            </a:r>
-          </a:p>
-          <a:p>
-            <a:r>
-              <a:rPr lang="zh-CN" altLang="en-US" dirty="0" smtClean="0"/>
-              <a:t>（</a:t>
+              <a:t>）列表类型是通过链表实现的，获取靠近两端的数据速度极快，而当元素增多后，访问中间数据的    速度会较慢，所以它更加适合实现如“新鲜事”或“日志”这样很少访问中间元素的应用。</a:t>
+            </a:r>
+          </a:p>
+          <a:p>
+            <a:r>
+              <a:rPr lang="zh-CN" altLang="en-US" dirty="0" smtClean="0"/>
+              <a:t>  （</a:t>
             </a:r>
             <a:r>
               <a:rPr lang="en-US" altLang="zh-CN" dirty="0" smtClean="0"/>
@@ -14049,7 +13195,7 @@
           <a:p>
             <a:r>
               <a:rPr lang="zh-CN" altLang="en-US" dirty="0" smtClean="0"/>
-              <a:t>（</a:t>
+              <a:t>  （</a:t>
             </a:r>
             <a:r>
               <a:rPr lang="en-US" altLang="zh-CN" dirty="0" smtClean="0"/>
@@ -14063,7 +13209,7 @@
           <a:p>
             <a:r>
               <a:rPr lang="zh-CN" altLang="en-US" dirty="0" smtClean="0"/>
-              <a:t>（</a:t>
+              <a:t>  （</a:t>
             </a:r>
             <a:r>
               <a:rPr lang="en-US" altLang="zh-CN" dirty="0" smtClean="0"/>
@@ -14190,7 +13336,7 @@
         </p:blipFill>
         <p:spPr>
           <a:xfrm>
-            <a:off x="3143250" y="3233738"/>
+            <a:off x="1407756" y="3078552"/>
             <a:ext cx="5905500" cy="2943225"/>
           </a:xfrm>
           <a:prstGeom prst="rect">
@@ -14198,6 +13344,215 @@
           </a:prstGeom>
         </p:spPr>
       </p:pic>
+      <p:sp>
+        <p:nvSpPr>
+          <p:cNvPr id="9" name="Rectangle 4"/>
+          <p:cNvSpPr>
+            <a:spLocks noChangeArrowheads="1"/>
+          </p:cNvSpPr>
+          <p:nvPr/>
+        </p:nvSpPr>
+        <p:spPr bwMode="auto">
+          <a:xfrm>
+            <a:off x="7882812" y="3655067"/>
+            <a:ext cx="3207620" cy="1790193"/>
+          </a:xfrm>
+          <a:prstGeom prst="rect">
+            <a:avLst/>
+          </a:prstGeom>
+          <a:solidFill>
+            <a:srgbClr val="FEFEFE"/>
+          </a:solidFill>
+          <a:ln w="19050">
+            <a:solidFill>
+              <a:schemeClr val="accent3"/>
+            </a:solidFill>
+            <a:prstDash val="dash"/>
+            <a:miter lim="800000"/>
+            <a:headEnd/>
+            <a:tailEnd/>
+          </a:ln>
+          <a:effectLst/>
+          <a:extLst>
+            <a:ext uri="{AF507438-7753-43E0-B8FC-AC1667EBCBE1}">
+              <a14:hiddenEffects xmlns:a14="http://schemas.microsoft.com/office/drawing/2010/main">
+                <a:effectLst>
+                  <a:outerShdw dist="35921" dir="2700000" algn="ctr" rotWithShape="0">
+                    <a:schemeClr val="bg2"/>
+                  </a:outerShdw>
+                </a:effectLst>
+              </a14:hiddenEffects>
+            </a:ext>
+          </a:extLst>
+        </p:spPr>
+        <p:txBody>
+          <a:bodyPr vert="horz" wrap="square" lIns="0" tIns="63480" rIns="0" bIns="63480" numCol="1" anchor="ctr" anchorCtr="0" compatLnSpc="1">
+            <a:prstTxWarp prst="textNoShape">
+              <a:avLst/>
+            </a:prstTxWarp>
+            <a:spAutoFit/>
+          </a:bodyPr>
+          <a:lstStyle/>
+          <a:p>
+            <a:pPr marL="0" marR="0" lvl="0" indent="0" algn="l" defTabSz="914400" rtl="0" eaLnBrk="0" fontAlgn="base" latinLnBrk="0" hangingPunct="0">
+              <a:lnSpc>
+                <a:spcPct val="100000"/>
+              </a:lnSpc>
+              <a:spcBef>
+                <a:spcPct val="0"/>
+              </a:spcBef>
+              <a:spcAft>
+                <a:spcPct val="0"/>
+              </a:spcAft>
+              <a:buClrTx/>
+              <a:buSzTx/>
+              <a:buFontTx/>
+              <a:buNone/>
+              <a:tabLst/>
+            </a:pPr>
+            <a:r>
+              <a:rPr lang="en-US" altLang="zh-CN" dirty="0" smtClean="0"/>
+              <a:t>#</a:t>
+            </a:r>
+            <a:r>
+              <a:rPr lang="zh-CN" altLang="en-US" dirty="0" smtClean="0"/>
+              <a:t>内部编码自动转换条件：</a:t>
+            </a:r>
+            <a:endParaRPr lang="en-US" altLang="zh-CN" dirty="0" smtClean="0"/>
+          </a:p>
+          <a:p>
+            <a:pPr marL="0" marR="0" lvl="0" indent="0" algn="l" defTabSz="914400" rtl="0" eaLnBrk="0" fontAlgn="base" latinLnBrk="0" hangingPunct="0">
+              <a:lnSpc>
+                <a:spcPct val="100000"/>
+              </a:lnSpc>
+              <a:spcBef>
+                <a:spcPct val="0"/>
+              </a:spcBef>
+              <a:spcAft>
+                <a:spcPct val="0"/>
+              </a:spcAft>
+              <a:buClrTx/>
+              <a:buSzTx/>
+              <a:buFontTx/>
+              <a:buNone/>
+              <a:tabLst/>
+            </a:pPr>
+            <a:r>
+              <a:rPr lang="zh-CN" altLang="zh-CN" dirty="0" smtClean="0"/>
+              <a:t>hash</a:t>
+            </a:r>
+            <a:r>
+              <a:rPr lang="zh-CN" altLang="zh-CN" dirty="0"/>
+              <a:t>-max-zipmap-entries 64 </a:t>
+            </a:r>
+            <a:endParaRPr lang="en-US" altLang="zh-CN" dirty="0"/>
+          </a:p>
+          <a:p>
+            <a:pPr marL="0" marR="0" lvl="0" indent="0" algn="l" defTabSz="914400" rtl="0" eaLnBrk="0" fontAlgn="base" latinLnBrk="0" hangingPunct="0">
+              <a:lnSpc>
+                <a:spcPct val="100000"/>
+              </a:lnSpc>
+              <a:spcBef>
+                <a:spcPct val="0"/>
+              </a:spcBef>
+              <a:spcAft>
+                <a:spcPct val="0"/>
+              </a:spcAft>
+              <a:buClrTx/>
+              <a:buSzTx/>
+              <a:buFontTx/>
+              <a:buNone/>
+              <a:tabLst/>
+            </a:pPr>
+            <a:r>
+              <a:rPr lang="zh-CN" altLang="zh-CN" dirty="0"/>
+              <a:t>hash-max-zipmap-value 512 </a:t>
+            </a:r>
+            <a:endParaRPr lang="en-US" altLang="zh-CN" dirty="0"/>
+          </a:p>
+          <a:p>
+            <a:pPr marL="0" marR="0" lvl="0" indent="0" algn="l" defTabSz="914400" rtl="0" eaLnBrk="0" fontAlgn="base" latinLnBrk="0" hangingPunct="0">
+              <a:lnSpc>
+                <a:spcPct val="100000"/>
+              </a:lnSpc>
+              <a:spcBef>
+                <a:spcPct val="0"/>
+              </a:spcBef>
+              <a:spcAft>
+                <a:spcPct val="0"/>
+              </a:spcAft>
+              <a:buClrTx/>
+              <a:buSzTx/>
+              <a:buFontTx/>
+              <a:buNone/>
+              <a:tabLst/>
+            </a:pPr>
+            <a:r>
+              <a:rPr lang="zh-CN" altLang="zh-CN" dirty="0"/>
+              <a:t>list-max-ziplist-entries 512 </a:t>
+            </a:r>
+            <a:endParaRPr lang="en-US" altLang="zh-CN" dirty="0"/>
+          </a:p>
+          <a:p>
+            <a:pPr marL="0" marR="0" lvl="0" indent="0" algn="l" defTabSz="914400" rtl="0" eaLnBrk="0" fontAlgn="base" latinLnBrk="0" hangingPunct="0">
+              <a:lnSpc>
+                <a:spcPct val="100000"/>
+              </a:lnSpc>
+              <a:spcBef>
+                <a:spcPct val="0"/>
+              </a:spcBef>
+              <a:spcAft>
+                <a:spcPct val="0"/>
+              </a:spcAft>
+              <a:buClrTx/>
+              <a:buSzTx/>
+              <a:buFontTx/>
+              <a:buNone/>
+              <a:tabLst/>
+            </a:pPr>
+            <a:r>
+              <a:rPr lang="zh-CN" altLang="zh-CN" dirty="0"/>
+              <a:t>list-max-ziplist-value 64 </a:t>
+            </a:r>
+            <a:endParaRPr lang="en-US" altLang="zh-CN" dirty="0"/>
+          </a:p>
+          <a:p>
+            <a:pPr marL="0" marR="0" lvl="0" indent="0" algn="l" defTabSz="914400" rtl="0" eaLnBrk="0" fontAlgn="base" latinLnBrk="0" hangingPunct="0">
+              <a:lnSpc>
+                <a:spcPct val="100000"/>
+              </a:lnSpc>
+              <a:spcBef>
+                <a:spcPct val="0"/>
+              </a:spcBef>
+              <a:spcAft>
+                <a:spcPct val="0"/>
+              </a:spcAft>
+              <a:buClrTx/>
+              <a:buSzTx/>
+              <a:buFontTx/>
+              <a:buNone/>
+              <a:tabLst/>
+            </a:pPr>
+            <a:r>
+              <a:rPr lang="zh-CN" altLang="zh-CN" dirty="0"/>
+              <a:t>set-max-intset-entries </a:t>
+            </a:r>
+            <a:r>
+              <a:rPr lang="zh-CN" altLang="zh-CN" dirty="0" smtClean="0"/>
+              <a:t>512</a:t>
+            </a:r>
+            <a:endParaRPr kumimoji="0" lang="zh-CN" altLang="zh-CN" i="0" u="none" strike="noStrike" cap="none" normalizeH="0" baseline="0" dirty="0" smtClean="0">
+              <a:ln>
+                <a:noFill/>
+              </a:ln>
+              <a:solidFill>
+                <a:schemeClr val="tx1"/>
+              </a:solidFill>
+              <a:effectLst/>
+            </a:endParaRPr>
+          </a:p>
+        </p:txBody>
+      </p:sp>
     </p:spTree>
     <p:extLst>
       <p:ext uri="{BB962C8B-B14F-4D97-AF65-F5344CB8AC3E}">
@@ -14619,11 +13974,17 @@
             <p:ph type="title"/>
           </p:nvPr>
         </p:nvSpPr>
-        <p:spPr/>
+        <p:spPr>
+          <a:xfrm>
+            <a:off x="838200" y="3338512"/>
+            <a:ext cx="10515600" cy="1325563"/>
+          </a:xfrm>
+        </p:spPr>
         <p:txBody>
           <a:bodyPr/>
           <a:lstStyle/>
           <a:p>
+            <a:pPr algn="ctr"/>
             <a:r>
               <a:rPr lang="zh-CN" altLang="en-US" dirty="0" smtClean="0"/>
               <a:t>命令篇</a:t>
@@ -14736,11 +14097,7 @@
             </a:r>
             <a:r>
               <a:rPr lang="zh-CN" altLang="en-US" dirty="0" smtClean="0"/>
-              <a:t>上的所有单条命令都是原子</a:t>
-            </a:r>
-            <a:r>
-              <a:rPr lang="zh-CN" altLang="en-US" dirty="0" smtClean="0"/>
-              <a:t>操作。</a:t>
+              <a:t>上的所有单条命令都是原子操作。</a:t>
             </a:r>
             <a:endParaRPr lang="en-US" altLang="zh-CN" dirty="0" smtClean="0"/>
           </a:p>
@@ -15321,11 +14678,17 @@
             <p:ph type="title"/>
           </p:nvPr>
         </p:nvSpPr>
-        <p:spPr/>
+        <p:spPr>
+          <a:xfrm>
+            <a:off x="838200" y="3338512"/>
+            <a:ext cx="10515600" cy="1325563"/>
+          </a:xfrm>
+        </p:spPr>
         <p:txBody>
           <a:bodyPr/>
           <a:lstStyle/>
           <a:p>
+            <a:pPr algn="ctr"/>
             <a:r>
               <a:rPr lang="zh-CN" altLang="en-US" dirty="0" smtClean="0"/>
               <a:t>实践篇</a:t>
@@ -16317,7 +15680,7 @@
         </p:blipFill>
         <p:spPr>
           <a:xfrm>
-            <a:off x="3223123" y="2760345"/>
+            <a:off x="5950754" y="2760343"/>
             <a:ext cx="5737997" cy="3861937"/>
           </a:xfrm>
           <a:prstGeom prst="rect">
@@ -16325,6 +15688,163 @@
           </a:prstGeom>
         </p:spPr>
       </p:pic>
+      <p:sp>
+        <p:nvSpPr>
+          <p:cNvPr id="5" name="文本框 4"/>
+          <p:cNvSpPr txBox="1"/>
+          <p:nvPr/>
+        </p:nvSpPr>
+        <p:spPr>
+          <a:xfrm>
+            <a:off x="1091060" y="3398651"/>
+            <a:ext cx="4606834" cy="2585323"/>
+          </a:xfrm>
+          <a:prstGeom prst="rect">
+            <a:avLst/>
+          </a:prstGeom>
+          <a:noFill/>
+          <a:ln w="19050">
+            <a:solidFill>
+              <a:schemeClr val="accent3"/>
+            </a:solidFill>
+            <a:prstDash val="dash"/>
+          </a:ln>
+        </p:spPr>
+        <p:txBody>
+          <a:bodyPr wrap="square" rtlCol="0">
+            <a:spAutoFit/>
+          </a:bodyPr>
+          <a:lstStyle/>
+          <a:p>
+            <a:r>
+              <a:rPr lang="en-US" altLang="zh-CN" b="1" dirty="0"/>
+              <a:t>SELECT </a:t>
+            </a:r>
+            <a:r>
+              <a:rPr lang="en-US" altLang="zh-CN" b="1" dirty="0" err="1"/>
+              <a:t>p.post_title</a:t>
+            </a:r>
+            <a:endParaRPr lang="en-US" altLang="zh-CN" b="1" dirty="0"/>
+          </a:p>
+          <a:p>
+            <a:r>
+              <a:rPr lang="en-US" altLang="zh-CN" b="1" dirty="0"/>
+              <a:t>FROM </a:t>
+            </a:r>
+            <a:r>
+              <a:rPr lang="en-US" altLang="zh-CN" b="1" dirty="0" err="1"/>
+              <a:t>posts_tags</a:t>
+            </a:r>
+            <a:r>
+              <a:rPr lang="en-US" altLang="zh-CN" b="1" dirty="0"/>
+              <a:t> </a:t>
+            </a:r>
+            <a:r>
+              <a:rPr lang="en-US" altLang="zh-CN" b="1" dirty="0" err="1"/>
+              <a:t>pt</a:t>
+            </a:r>
+            <a:r>
+              <a:rPr lang="en-US" altLang="zh-CN" b="1" dirty="0"/>
+              <a:t>,</a:t>
+            </a:r>
+          </a:p>
+          <a:p>
+            <a:r>
+              <a:rPr lang="en-US" altLang="zh-CN" b="1" dirty="0"/>
+              <a:t>posts p,</a:t>
+            </a:r>
+          </a:p>
+          <a:p>
+            <a:r>
+              <a:rPr lang="en-US" altLang="zh-CN" b="1" dirty="0"/>
+              <a:t>tags t</a:t>
+            </a:r>
+          </a:p>
+          <a:p>
+            <a:r>
+              <a:rPr lang="en-US" altLang="zh-CN" b="1" dirty="0"/>
+              <a:t>WHERE </a:t>
+            </a:r>
+            <a:r>
+              <a:rPr lang="en-US" altLang="zh-CN" b="1" dirty="0" err="1"/>
+              <a:t>pt.tag_id</a:t>
+            </a:r>
+            <a:r>
+              <a:rPr lang="en-US" altLang="zh-CN" b="1" dirty="0"/>
+              <a:t> = </a:t>
+            </a:r>
+            <a:r>
+              <a:rPr lang="en-US" altLang="zh-CN" b="1" dirty="0" err="1"/>
+              <a:t>t.tag_id</a:t>
+            </a:r>
+            <a:endParaRPr lang="en-US" altLang="zh-CN" b="1" dirty="0"/>
+          </a:p>
+          <a:p>
+            <a:r>
+              <a:rPr lang="en-US" altLang="zh-CN" b="1" dirty="0"/>
+              <a:t>AND (</a:t>
+            </a:r>
+            <a:r>
+              <a:rPr lang="en-US" altLang="zh-CN" b="1" dirty="0" err="1"/>
+              <a:t>t.tag_name</a:t>
+            </a:r>
+            <a:r>
+              <a:rPr lang="en-US" altLang="zh-CN" b="1" dirty="0"/>
+              <a:t> IN ('Java', 'MySQL', '</a:t>
+            </a:r>
+            <a:r>
+              <a:rPr lang="en-US" altLang="zh-CN" b="1" dirty="0" err="1"/>
+              <a:t>Redis</a:t>
+            </a:r>
+            <a:r>
+              <a:rPr lang="en-US" altLang="zh-CN" b="1" dirty="0"/>
+              <a:t>'))</a:t>
+            </a:r>
+          </a:p>
+          <a:p>
+            <a:r>
+              <a:rPr lang="en-US" altLang="zh-CN" b="1" dirty="0"/>
+              <a:t>AND </a:t>
+            </a:r>
+            <a:r>
+              <a:rPr lang="en-US" altLang="zh-CN" b="1" dirty="0" err="1"/>
+              <a:t>p.post_id</a:t>
+            </a:r>
+            <a:r>
+              <a:rPr lang="en-US" altLang="zh-CN" b="1" dirty="0"/>
+              <a:t> = </a:t>
+            </a:r>
+            <a:r>
+              <a:rPr lang="en-US" altLang="zh-CN" b="1" dirty="0" err="1"/>
+              <a:t>pt.post_id</a:t>
+            </a:r>
+            <a:endParaRPr lang="en-US" altLang="zh-CN" b="1" dirty="0"/>
+          </a:p>
+          <a:p>
+            <a:r>
+              <a:rPr lang="en-US" altLang="zh-CN" b="1" dirty="0"/>
+              <a:t>GROUP BY </a:t>
+            </a:r>
+            <a:r>
+              <a:rPr lang="en-US" altLang="zh-CN" b="1" dirty="0" err="1"/>
+              <a:t>p.post_id</a:t>
+            </a:r>
+            <a:r>
+              <a:rPr lang="en-US" altLang="zh-CN" b="1" dirty="0"/>
+              <a:t> HAVING COUNT(</a:t>
+            </a:r>
+            <a:r>
+              <a:rPr lang="en-US" altLang="zh-CN" b="1" dirty="0" err="1"/>
+              <a:t>p.post_id</a:t>
+            </a:r>
+            <a:r>
+              <a:rPr lang="en-US" altLang="zh-CN" b="1" dirty="0"/>
+              <a:t>)=3;</a:t>
+            </a:r>
+            <a:endParaRPr lang="zh-CN" altLang="en-US" dirty="0"/>
+          </a:p>
+        </p:txBody>
+      </p:sp>
     </p:spTree>
     <p:extLst>
       <p:ext uri="{BB962C8B-B14F-4D97-AF65-F5344CB8AC3E}">
@@ -16529,11 +16049,113 @@
             <a:endParaRPr lang="en-US" altLang="zh-CN" dirty="0" smtClean="0"/>
           </a:p>
           <a:p>
+            <a:r>
+              <a:rPr lang="en-US" altLang="zh-CN" dirty="0" smtClean="0"/>
+              <a:t>Top N</a:t>
+            </a:r>
+          </a:p>
+          <a:p>
+            <a:r>
+              <a:rPr lang="zh-CN" altLang="en-US" dirty="0"/>
+              <a:t>乐</a:t>
+            </a:r>
+            <a:r>
+              <a:rPr lang="zh-CN" altLang="en-US" dirty="0" smtClean="0"/>
+              <a:t>动力朋友圈排名</a:t>
+            </a:r>
+            <a:endParaRPr lang="en-US" altLang="zh-CN" dirty="0" smtClean="0"/>
+          </a:p>
+          <a:p>
+            <a:endParaRPr lang="en-US" altLang="zh-CN" dirty="0" smtClean="0"/>
+          </a:p>
+          <a:p>
             <a:pPr lvl="1"/>
             <a:endParaRPr lang="en-US" altLang="zh-CN" dirty="0" smtClean="0"/>
           </a:p>
         </p:txBody>
       </p:sp>
+      <p:pic>
+        <p:nvPicPr>
+          <p:cNvPr id="1026" name="Picture 2" descr="https://ss1.baidu.com/6ONXsjip0QIZ8tyhnq/it/u=2744023015,2956124695&amp;fm=58"/>
+          <p:cNvPicPr>
+            <a:picLocks noChangeAspect="1" noChangeArrowheads="1"/>
+          </p:cNvPicPr>
+          <p:nvPr/>
+        </p:nvPicPr>
+        <p:blipFill>
+          <a:blip r:embed="rId2">
+            <a:extLst>
+              <a:ext uri="{28A0092B-C50C-407E-A947-70E740481C1C}">
+                <a14:useLocalDpi xmlns:a14="http://schemas.microsoft.com/office/drawing/2010/main" val="0"/>
+              </a:ext>
+            </a:extLst>
+          </a:blip>
+          <a:srcRect/>
+          <a:stretch>
+            <a:fillRect/>
+          </a:stretch>
+        </p:blipFill>
+        <p:spPr bwMode="auto">
+          <a:xfrm>
+            <a:off x="4623072" y="3205706"/>
+            <a:ext cx="1152525" cy="1152526"/>
+          </a:xfrm>
+          <a:prstGeom prst="rect">
+            <a:avLst/>
+          </a:prstGeom>
+          <a:noFill/>
+          <a:extLst>
+            <a:ext uri="{909E8E84-426E-40DD-AFC4-6F175D3DCCD1}">
+              <a14:hiddenFill xmlns:a14="http://schemas.microsoft.com/office/drawing/2010/main">
+                <a:solidFill>
+                  <a:srgbClr val="FFFFFF"/>
+                </a:solidFill>
+              </a14:hiddenFill>
+            </a:ext>
+          </a:extLst>
+        </p:spPr>
+      </p:pic>
+      <p:pic>
+        <p:nvPicPr>
+          <p:cNvPr id="4" name="Picture 2" descr="乐动力"/>
+          <p:cNvPicPr>
+            <a:picLocks noChangeAspect="1" noChangeArrowheads="1"/>
+          </p:cNvPicPr>
+          <p:nvPr/>
+        </p:nvPicPr>
+        <p:blipFill>
+          <a:blip r:embed="rId3">
+            <a:extLst>
+              <a:ext uri="{28A0092B-C50C-407E-A947-70E740481C1C}">
+                <a14:useLocalDpi xmlns:a14="http://schemas.microsoft.com/office/drawing/2010/main" val="0"/>
+              </a:ext>
+            </a:extLst>
+          </a:blip>
+          <a:srcRect/>
+          <a:stretch>
+            <a:fillRect/>
+          </a:stretch>
+        </p:blipFill>
+        <p:spPr bwMode="auto">
+          <a:xfrm>
+            <a:off x="6688183" y="2913214"/>
+            <a:ext cx="2227851" cy="3713084"/>
+          </a:xfrm>
+          <a:prstGeom prst="rect">
+            <a:avLst/>
+          </a:prstGeom>
+          <a:noFill/>
+          <a:extLst>
+            <a:ext uri="{909E8E84-426E-40DD-AFC4-6F175D3DCCD1}">
+              <a14:hiddenFill xmlns:a14="http://schemas.microsoft.com/office/drawing/2010/main">
+                <a:solidFill>
+                  <a:srgbClr val="FFFFFF"/>
+                </a:solidFill>
+              </a14:hiddenFill>
+            </a:ext>
+          </a:extLst>
+        </p:spPr>
+      </p:pic>
     </p:spTree>
     <p:extLst>
       <p:ext uri="{BB962C8B-B14F-4D97-AF65-F5344CB8AC3E}">
@@ -16613,6 +16235,128 @@
                       </p:childTnLst>
                     </p:cTn>
                   </p:par>
+                  <p:par>
+                    <p:cTn id="8" fill="hold">
+                      <p:stCondLst>
+                        <p:cond delay="indefinite"/>
+                      </p:stCondLst>
+                      <p:childTnLst>
+                        <p:par>
+                          <p:cTn id="9" fill="hold">
+                            <p:stCondLst>
+                              <p:cond delay="0"/>
+                            </p:stCondLst>
+                            <p:childTnLst>
+                              <p:par>
+                                <p:cTn id="10" presetID="10" presetClass="entr" presetSubtype="0" fill="hold" nodeType="clickEffect">
+                                  <p:stCondLst>
+                                    <p:cond delay="0"/>
+                                  </p:stCondLst>
+                                  <p:childTnLst>
+                                    <p:set>
+                                      <p:cBhvr>
+                                        <p:cTn id="11" dur="1" fill="hold">
+                                          <p:stCondLst>
+                                            <p:cond delay="0"/>
+                                          </p:stCondLst>
+                                        </p:cTn>
+                                        <p:tgtEl>
+                                          <p:spTgt spid="3">
+                                            <p:txEl>
+                                              <p:pRg st="2" end="2"/>
+                                            </p:txEl>
+                                          </p:spTgt>
+                                        </p:tgtEl>
+                                        <p:attrNameLst>
+                                          <p:attrName>style.visibility</p:attrName>
+                                        </p:attrNameLst>
+                                      </p:cBhvr>
+                                      <p:to>
+                                        <p:strVal val="visible"/>
+                                      </p:to>
+                                    </p:set>
+                                    <p:animEffect transition="in" filter="fade">
+                                      <p:cBhvr>
+                                        <p:cTn id="12" dur="500"/>
+                                        <p:tgtEl>
+                                          <p:spTgt spid="3">
+                                            <p:txEl>
+                                              <p:pRg st="2" end="2"/>
+                                            </p:txEl>
+                                          </p:spTgt>
+                                        </p:tgtEl>
+                                      </p:cBhvr>
+                                    </p:animEffect>
+                                  </p:childTnLst>
+                                </p:cTn>
+                              </p:par>
+                            </p:childTnLst>
+                          </p:cTn>
+                        </p:par>
+                      </p:childTnLst>
+                    </p:cTn>
+                  </p:par>
+                  <p:par>
+                    <p:cTn id="13" fill="hold">
+                      <p:stCondLst>
+                        <p:cond delay="indefinite"/>
+                      </p:stCondLst>
+                      <p:childTnLst>
+                        <p:par>
+                          <p:cTn id="14" fill="hold">
+                            <p:stCondLst>
+                              <p:cond delay="0"/>
+                            </p:stCondLst>
+                            <p:childTnLst>
+                              <p:par>
+                                <p:cTn id="15" presetID="10" presetClass="entr" presetSubtype="0" fill="hold" nodeType="clickEffect">
+                                  <p:stCondLst>
+                                    <p:cond delay="0"/>
+                                  </p:stCondLst>
+                                  <p:childTnLst>
+                                    <p:set>
+                                      <p:cBhvr>
+                                        <p:cTn id="16" dur="1" fill="hold">
+                                          <p:stCondLst>
+                                            <p:cond delay="0"/>
+                                          </p:stCondLst>
+                                        </p:cTn>
+                                        <p:tgtEl>
+                                          <p:spTgt spid="3">
+                                            <p:txEl>
+                                              <p:pRg st="3" end="3"/>
+                                            </p:txEl>
+                                          </p:spTgt>
+                                        </p:tgtEl>
+                                        <p:attrNameLst>
+                                          <p:attrName>style.visibility</p:attrName>
+                                        </p:attrNameLst>
+                                      </p:cBhvr>
+                                      <p:to>
+                                        <p:strVal val="visible"/>
+                                      </p:to>
+                                    </p:set>
+                                    <p:animEffect transition="in" filter="fade">
+                                      <p:cBhvr>
+                                        <p:cTn id="17" dur="500"/>
+                                        <p:tgtEl>
+                                          <p:spTgt spid="3">
+                                            <p:txEl>
+                                              <p:pRg st="3" end="3"/>
+                                            </p:txEl>
+                                          </p:spTgt>
+                                        </p:tgtEl>
+                                      </p:cBhvr>
+                                    </p:animEffect>
+                                  </p:childTnLst>
+                                </p:cTn>
+                              </p:par>
+                            </p:childTnLst>
+                          </p:cTn>
+                        </p:par>
+                      </p:childTnLst>
+                    </p:cTn>
+                  </p:par>
                 </p:childTnLst>
               </p:cTn>
               <p:prevCondLst>
@@ -16671,10 +16415,788 @@
           <a:lstStyle/>
           <a:p>
             <a:r>
+              <a:rPr lang="en-US" altLang="zh-CN" dirty="0" err="1" smtClean="0"/>
+              <a:t>Redis</a:t>
+            </a:r>
+            <a:r>
+              <a:rPr lang="zh-CN" altLang="en-US" dirty="0"/>
+              <a:t>事务</a:t>
+            </a:r>
+          </a:p>
+        </p:txBody>
+      </p:sp>
+      <p:sp>
+        <p:nvSpPr>
+          <p:cNvPr id="3" name="内容占位符 2"/>
+          <p:cNvSpPr>
+            <a:spLocks noGrp="1"/>
+          </p:cNvSpPr>
+          <p:nvPr>
+            <p:ph idx="1"/>
+          </p:nvPr>
+        </p:nvSpPr>
+        <p:spPr/>
+        <p:txBody>
+          <a:bodyPr>
+            <a:normAutofit/>
+          </a:bodyPr>
+          <a:lstStyle/>
+          <a:p>
+            <a:r>
+              <a:rPr lang="en-US" altLang="zh-CN" sz="2400" dirty="0" err="1"/>
+              <a:t>Redis</a:t>
+            </a:r>
+            <a:r>
+              <a:rPr lang="zh-CN" altLang="en-US" sz="2400" dirty="0"/>
+              <a:t>中的事务（</a:t>
+            </a:r>
+            <a:r>
+              <a:rPr lang="en-US" altLang="zh-CN" sz="2400" dirty="0"/>
+              <a:t>transaction</a:t>
+            </a:r>
+            <a:r>
+              <a:rPr lang="zh-CN" altLang="en-US" sz="2400" dirty="0"/>
+              <a:t>）是一组命令的</a:t>
+            </a:r>
+            <a:r>
+              <a:rPr lang="zh-CN" altLang="en-US" sz="2400" dirty="0" smtClean="0"/>
+              <a:t>集合。</a:t>
+            </a:r>
+            <a:r>
+              <a:rPr lang="en-US" altLang="zh-CN" sz="2400" dirty="0" err="1" smtClean="0"/>
+              <a:t>Redis</a:t>
+            </a:r>
+            <a:r>
+              <a:rPr lang="zh-CN" altLang="en-US" sz="2400" dirty="0"/>
+              <a:t>保证</a:t>
+            </a:r>
+            <a:r>
+              <a:rPr lang="zh-CN" altLang="en-US" sz="2400" dirty="0" smtClean="0"/>
+              <a:t>一</a:t>
+            </a:r>
+            <a:r>
+              <a:rPr lang="zh-CN" altLang="en-US" sz="2400" dirty="0"/>
+              <a:t>个事务中的命令要么都执行，要么都不执行</a:t>
+            </a:r>
+            <a:r>
+              <a:rPr lang="zh-CN" altLang="en-US" sz="2400" dirty="0" smtClean="0"/>
+              <a:t>。</a:t>
+            </a:r>
+            <a:endParaRPr lang="en-US" altLang="zh-CN" sz="2400" dirty="0" smtClean="0"/>
+          </a:p>
+          <a:p>
+            <a:r>
+              <a:rPr lang="zh-CN" altLang="en-US" sz="2400" dirty="0" smtClean="0"/>
+              <a:t>原理</a:t>
+            </a:r>
+            <a:r>
+              <a:rPr lang="zh-CN" altLang="en-US" sz="2400" dirty="0"/>
+              <a:t>：</a:t>
+            </a:r>
+            <a:r>
+              <a:rPr lang="zh-CN" altLang="en-US" sz="2400" dirty="0" smtClean="0"/>
+              <a:t>先</a:t>
+            </a:r>
+            <a:r>
+              <a:rPr lang="zh-CN" altLang="en-US" sz="2400" dirty="0"/>
+              <a:t>将属于一个事务的命令发送给</a:t>
+            </a:r>
+            <a:r>
+              <a:rPr lang="en-US" altLang="zh-CN" sz="2400" dirty="0" err="1"/>
+              <a:t>Redis</a:t>
+            </a:r>
+            <a:r>
+              <a:rPr lang="zh-CN" altLang="en-US" sz="2400" dirty="0" smtClean="0"/>
+              <a:t>，待接收到</a:t>
+            </a:r>
+            <a:r>
+              <a:rPr lang="en-US" altLang="zh-CN" sz="2400" dirty="0" smtClean="0"/>
+              <a:t>EXEC</a:t>
+            </a:r>
+            <a:r>
+              <a:rPr lang="zh-CN" altLang="en-US" sz="2400" dirty="0" smtClean="0"/>
+              <a:t>命令后，再依次</a:t>
+            </a:r>
+            <a:r>
+              <a:rPr lang="zh-CN" altLang="en-US" sz="2400" dirty="0"/>
+              <a:t>执行这些命令。</a:t>
+            </a:r>
+          </a:p>
+          <a:p>
+            <a:r>
+              <a:rPr lang="zh-CN" altLang="en-US" sz="2400" dirty="0"/>
+              <a:t>例如</a:t>
+            </a:r>
+            <a:r>
+              <a:rPr lang="zh-CN" altLang="en-US" sz="2400" dirty="0" smtClean="0"/>
+              <a:t>：</a:t>
+            </a:r>
+            <a:endParaRPr lang="zh-CN" altLang="en-US" sz="2400" dirty="0"/>
+          </a:p>
+        </p:txBody>
+      </p:sp>
+      <p:sp>
+        <p:nvSpPr>
+          <p:cNvPr id="4" name="文本框 3"/>
+          <p:cNvSpPr txBox="1"/>
+          <p:nvPr/>
+        </p:nvSpPr>
+        <p:spPr>
+          <a:xfrm>
+            <a:off x="1838908" y="3833343"/>
+            <a:ext cx="4060371" cy="2585323"/>
+          </a:xfrm>
+          <a:prstGeom prst="rect">
+            <a:avLst/>
+          </a:prstGeom>
+          <a:noFill/>
+          <a:ln w="19050">
+            <a:solidFill>
+              <a:schemeClr val="accent3"/>
+            </a:solidFill>
+            <a:prstDash val="dash"/>
+          </a:ln>
+        </p:spPr>
+        <p:txBody>
+          <a:bodyPr wrap="square" rtlCol="0">
+            <a:spAutoFit/>
+          </a:bodyPr>
+          <a:lstStyle/>
+          <a:p>
+            <a:r>
+              <a:rPr lang="en-US" altLang="zh-CN" b="1" dirty="0" err="1" smtClean="0"/>
+              <a:t>redis</a:t>
+            </a:r>
+            <a:r>
+              <a:rPr lang="zh-CN" altLang="en-US" dirty="0" smtClean="0"/>
+              <a:t>＞</a:t>
+            </a:r>
+            <a:r>
+              <a:rPr lang="en-US" altLang="zh-CN" b="1" dirty="0" smtClean="0"/>
+              <a:t>MULTI</a:t>
+            </a:r>
+          </a:p>
+          <a:p>
+            <a:r>
+              <a:rPr lang="en-US" altLang="zh-CN" b="1" dirty="0" smtClean="0"/>
+              <a:t>OK</a:t>
+            </a:r>
+          </a:p>
+          <a:p>
+            <a:r>
+              <a:rPr lang="en-US" altLang="zh-CN" b="1" dirty="0" err="1" smtClean="0"/>
+              <a:t>redis</a:t>
+            </a:r>
+            <a:r>
+              <a:rPr lang="zh-CN" altLang="en-US" dirty="0" smtClean="0"/>
+              <a:t>＞</a:t>
+            </a:r>
+            <a:r>
+              <a:rPr lang="en-US" altLang="zh-CN" b="1" dirty="0" smtClean="0"/>
+              <a:t>SADD "user:1:following" 2</a:t>
+            </a:r>
+          </a:p>
+          <a:p>
+            <a:r>
+              <a:rPr lang="en-US" altLang="zh-CN" b="1" dirty="0" smtClean="0"/>
+              <a:t>QUEUED</a:t>
+            </a:r>
+          </a:p>
+          <a:p>
+            <a:r>
+              <a:rPr lang="en-US" altLang="zh-CN" b="1" dirty="0" err="1" smtClean="0"/>
+              <a:t>redis</a:t>
+            </a:r>
+            <a:r>
+              <a:rPr lang="zh-CN" altLang="en-US" dirty="0" smtClean="0"/>
+              <a:t>＞</a:t>
+            </a:r>
+            <a:r>
+              <a:rPr lang="en-US" altLang="zh-CN" b="1" dirty="0" smtClean="0"/>
+              <a:t>SADD "user:2:followers" 1</a:t>
+            </a:r>
+          </a:p>
+          <a:p>
+            <a:r>
+              <a:rPr lang="en-US" altLang="zh-CN" b="1" dirty="0" smtClean="0"/>
+              <a:t>QUEUED</a:t>
+            </a:r>
+          </a:p>
+          <a:p>
+            <a:r>
+              <a:rPr lang="en-US" altLang="zh-CN" b="1" dirty="0" err="1" smtClean="0"/>
+              <a:t>redis</a:t>
+            </a:r>
+            <a:r>
+              <a:rPr lang="zh-CN" altLang="en-US" dirty="0" smtClean="0"/>
+              <a:t>＞</a:t>
+            </a:r>
+            <a:r>
+              <a:rPr lang="en-US" altLang="zh-CN" b="1" dirty="0" smtClean="0"/>
+              <a:t>EXEC</a:t>
+            </a:r>
+          </a:p>
+          <a:p>
+            <a:r>
+              <a:rPr lang="en-US" altLang="zh-CN" b="1" dirty="0" smtClean="0"/>
+              <a:t>1) (integer) 1</a:t>
+            </a:r>
+          </a:p>
+          <a:p>
+            <a:r>
+              <a:rPr lang="en-US" altLang="zh-CN" b="1" dirty="0" smtClean="0"/>
+              <a:t>2) (integer) 1</a:t>
+            </a:r>
+            <a:endParaRPr lang="zh-CN" altLang="en-US" dirty="0"/>
+          </a:p>
+        </p:txBody>
+      </p:sp>
+    </p:spTree>
+    <p:extLst>
+      <p:ext uri="{BB962C8B-B14F-4D97-AF65-F5344CB8AC3E}">
+        <p14:creationId xmlns:p14="http://schemas.microsoft.com/office/powerpoint/2010/main" val="3564917977"/>
+      </p:ext>
+    </p:extLst>
+  </p:cSld>
+  <p:clrMapOvr>
+    <a:masterClrMapping/>
+  </p:clrMapOvr>
+  <p:timing>
+    <p:tnLst>
+      <p:par>
+        <p:cTn id="1" dur="indefinite" restart="never" nodeType="tmRoot"/>
+      </p:par>
+    </p:tnLst>
+  </p:timing>
+</p:sld>
+</file>
+
+<file path=ppt/slides/slide28.xml><?xml version="1.0" encoding="utf-8"?>
+<p:sld xmlns:a="http://schemas.openxmlformats.org/drawingml/2006/main" xmlns:r="http://schemas.openxmlformats.org/officeDocument/2006/relationships" xmlns:p="http://schemas.openxmlformats.org/presentationml/2006/main">
+  <p:cSld>
+    <p:spTree>
+      <p:nvGrpSpPr>
+        <p:cNvPr id="1" name=""/>
+        <p:cNvGrpSpPr/>
+        <p:nvPr/>
+      </p:nvGrpSpPr>
+      <p:grpSpPr>
+        <a:xfrm>
+          <a:off x="0" y="0"/>
+          <a:ext cx="0" cy="0"/>
+          <a:chOff x="0" y="0"/>
+          <a:chExt cx="0" cy="0"/>
+        </a:xfrm>
+      </p:grpSpPr>
+      <p:sp>
+        <p:nvSpPr>
+          <p:cNvPr id="2" name="标题 1"/>
+          <p:cNvSpPr>
+            <a:spLocks noGrp="1"/>
+          </p:cNvSpPr>
+          <p:nvPr>
+            <p:ph type="title"/>
+          </p:nvPr>
+        </p:nvSpPr>
+        <p:spPr/>
+        <p:txBody>
+          <a:bodyPr/>
+          <a:lstStyle/>
+          <a:p>
+            <a:r>
+              <a:rPr lang="en-US" altLang="zh-CN" dirty="0" err="1" smtClean="0"/>
+              <a:t>Redis</a:t>
+            </a:r>
+            <a:r>
+              <a:rPr lang="zh-CN" altLang="en-US" dirty="0" smtClean="0"/>
+              <a:t>事务</a:t>
+            </a:r>
+            <a:endParaRPr lang="zh-CN" altLang="en-US" dirty="0"/>
+          </a:p>
+        </p:txBody>
+      </p:sp>
+      <p:sp>
+        <p:nvSpPr>
+          <p:cNvPr id="3" name="内容占位符 2"/>
+          <p:cNvSpPr>
+            <a:spLocks noGrp="1"/>
+          </p:cNvSpPr>
+          <p:nvPr>
+            <p:ph idx="1"/>
+          </p:nvPr>
+        </p:nvSpPr>
+        <p:spPr>
+          <a:xfrm>
+            <a:off x="838201" y="1825625"/>
+            <a:ext cx="9052248" cy="4351338"/>
+          </a:xfrm>
+        </p:spPr>
+        <p:txBody>
+          <a:bodyPr>
+            <a:normAutofit/>
+          </a:bodyPr>
+          <a:lstStyle/>
+          <a:p>
+            <a:r>
+              <a:rPr lang="zh-CN" altLang="en-US" dirty="0" smtClean="0"/>
+              <a:t>错误处理</a:t>
+            </a:r>
+            <a:endParaRPr lang="en-US" altLang="zh-CN" dirty="0" smtClean="0"/>
+          </a:p>
+          <a:p>
+            <a:pPr marL="457200" lvl="1" indent="0">
+              <a:buNone/>
+            </a:pPr>
+            <a:r>
+              <a:rPr lang="zh-CN" altLang="en-US" dirty="0" smtClean="0"/>
+              <a:t>错误分语法错误（都不执行）和运行时错误（忽略错误命令，执行其余命令）</a:t>
+            </a:r>
+            <a:endParaRPr lang="en-US" altLang="zh-CN" dirty="0" smtClean="0"/>
+          </a:p>
+          <a:p>
+            <a:r>
+              <a:rPr lang="zh-CN" altLang="en-US" dirty="0" smtClean="0"/>
+              <a:t>事务回滚</a:t>
+            </a:r>
+            <a:endParaRPr lang="en-US" altLang="zh-CN" dirty="0" smtClean="0"/>
+          </a:p>
+          <a:p>
+            <a:pPr marL="457200" lvl="1" indent="0">
+              <a:buNone/>
+            </a:pPr>
+            <a:r>
+              <a:rPr lang="en-US" altLang="zh-CN" dirty="0" err="1"/>
+              <a:t>Redis</a:t>
+            </a:r>
+            <a:r>
+              <a:rPr lang="zh-CN" altLang="en-US" dirty="0"/>
+              <a:t>的事务没有关系</a:t>
+            </a:r>
+            <a:r>
+              <a:rPr lang="zh-CN" altLang="en-US" dirty="0" smtClean="0"/>
+              <a:t>数据库提供</a:t>
+            </a:r>
+            <a:r>
+              <a:rPr lang="zh-CN" altLang="en-US" dirty="0"/>
+              <a:t>的回滚（</a:t>
+            </a:r>
+            <a:r>
+              <a:rPr lang="en-US" altLang="zh-CN" dirty="0"/>
+              <a:t>rollback</a:t>
+            </a:r>
+            <a:r>
+              <a:rPr lang="zh-CN" altLang="en-US" dirty="0" smtClean="0"/>
+              <a:t>）功能，需要万能的</a:t>
+            </a:r>
+            <a:r>
+              <a:rPr lang="en-US" altLang="zh-CN" dirty="0" smtClean="0"/>
+              <a:t>coder</a:t>
+            </a:r>
+            <a:r>
+              <a:rPr lang="zh-CN" altLang="en-US" dirty="0" smtClean="0"/>
+              <a:t>收拾剩下的摊子</a:t>
+            </a:r>
+            <a:endParaRPr lang="en-US" altLang="zh-CN" dirty="0" smtClean="0"/>
+          </a:p>
+          <a:p>
+            <a:r>
+              <a:rPr lang="zh-CN" altLang="en-US" dirty="0"/>
+              <a:t>乐观</a:t>
+            </a:r>
+            <a:r>
+              <a:rPr lang="zh-CN" altLang="en-US" dirty="0" smtClean="0"/>
+              <a:t>锁（</a:t>
+            </a:r>
+            <a:r>
+              <a:rPr lang="en-US" altLang="zh-CN" dirty="0" smtClean="0"/>
+              <a:t>Watch</a:t>
+            </a:r>
+            <a:r>
+              <a:rPr lang="zh-CN" altLang="en-US" dirty="0" smtClean="0"/>
+              <a:t>）</a:t>
+            </a:r>
+            <a:endParaRPr lang="en-US" altLang="zh-CN" dirty="0" smtClean="0"/>
+          </a:p>
+          <a:p>
+            <a:pPr marL="457200" lvl="1" indent="0">
+              <a:buNone/>
+            </a:pPr>
+            <a:r>
+              <a:rPr lang="en-US" altLang="zh-CN" dirty="0"/>
+              <a:t>WATCH</a:t>
+            </a:r>
+            <a:r>
+              <a:rPr lang="zh-CN" altLang="en-US" dirty="0"/>
+              <a:t>命令可以监控一个或</a:t>
+            </a:r>
+            <a:r>
+              <a:rPr lang="zh-CN" altLang="en-US" dirty="0" smtClean="0"/>
+              <a:t>多个</a:t>
+            </a:r>
+            <a:r>
+              <a:rPr lang="zh-CN" altLang="en-US" dirty="0"/>
+              <a:t>键，一旦其中有一个键被修改（或删除），之后的事务就不会执行。监控一直持续到</a:t>
+            </a:r>
+            <a:r>
+              <a:rPr lang="en-US" altLang="zh-CN" dirty="0"/>
+              <a:t>EXEC</a:t>
+            </a:r>
+            <a:r>
+              <a:rPr lang="zh-CN" altLang="en-US" dirty="0" smtClean="0"/>
+              <a:t>命令</a:t>
+            </a:r>
+            <a:r>
+              <a:rPr lang="zh-CN" altLang="en-US" dirty="0"/>
+              <a:t>（事务中的命令是在</a:t>
+            </a:r>
+            <a:r>
+              <a:rPr lang="en-US" altLang="zh-CN" dirty="0"/>
+              <a:t>EXEC</a:t>
+            </a:r>
+            <a:r>
+              <a:rPr lang="zh-CN" altLang="en-US" dirty="0"/>
+              <a:t>之后才执行的，所以在</a:t>
+            </a:r>
+            <a:r>
+              <a:rPr lang="en-US" altLang="zh-CN" dirty="0"/>
+              <a:t>MULTI</a:t>
+            </a:r>
+            <a:r>
+              <a:rPr lang="zh-CN" altLang="en-US" dirty="0"/>
+              <a:t>命令后可以修改</a:t>
+            </a:r>
+            <a:r>
+              <a:rPr lang="en-US" altLang="zh-CN" dirty="0"/>
+              <a:t>WATCH</a:t>
+            </a:r>
+            <a:r>
+              <a:rPr lang="zh-CN" altLang="en-US" dirty="0"/>
+              <a:t>监控的</a:t>
+            </a:r>
+            <a:r>
+              <a:rPr lang="zh-CN" altLang="en-US" dirty="0" smtClean="0"/>
+              <a:t>键值</a:t>
+            </a:r>
+            <a:r>
+              <a:rPr lang="zh-CN" altLang="en-US" dirty="0"/>
+              <a:t>）</a:t>
+            </a:r>
+          </a:p>
+        </p:txBody>
+      </p:sp>
+      <p:sp>
+        <p:nvSpPr>
+          <p:cNvPr id="4" name="文本框 3"/>
+          <p:cNvSpPr txBox="1"/>
+          <p:nvPr/>
+        </p:nvSpPr>
+        <p:spPr>
+          <a:xfrm>
+            <a:off x="10048417" y="2206645"/>
+            <a:ext cx="2006735" cy="3970318"/>
+          </a:xfrm>
+          <a:prstGeom prst="rect">
+            <a:avLst/>
+          </a:prstGeom>
+          <a:noFill/>
+          <a:ln w="19050">
+            <a:solidFill>
+              <a:schemeClr val="accent3"/>
+            </a:solidFill>
+            <a:prstDash val="dash"/>
+          </a:ln>
+        </p:spPr>
+        <p:txBody>
+          <a:bodyPr wrap="square" rtlCol="0">
+            <a:spAutoFit/>
+          </a:bodyPr>
+          <a:lstStyle/>
+          <a:p>
+            <a:r>
+              <a:rPr lang="en-US" altLang="zh-CN" b="1" dirty="0" err="1"/>
+              <a:t>redis</a:t>
+            </a:r>
+            <a:r>
+              <a:rPr lang="zh-CN" altLang="en-US" dirty="0"/>
+              <a:t>＞</a:t>
+            </a:r>
+            <a:r>
+              <a:rPr lang="en-US" altLang="zh-CN" b="1" dirty="0"/>
+              <a:t>SET key 1</a:t>
+            </a:r>
+          </a:p>
+          <a:p>
+            <a:r>
+              <a:rPr lang="en-US" altLang="zh-CN" b="1" dirty="0"/>
+              <a:t>OK</a:t>
+            </a:r>
+          </a:p>
+          <a:p>
+            <a:r>
+              <a:rPr lang="en-US" altLang="zh-CN" b="1" dirty="0" err="1"/>
+              <a:t>redis</a:t>
+            </a:r>
+            <a:r>
+              <a:rPr lang="zh-CN" altLang="en-US" dirty="0"/>
+              <a:t>＞</a:t>
+            </a:r>
+            <a:r>
+              <a:rPr lang="en-US" altLang="zh-CN" b="1" dirty="0"/>
+              <a:t>WATCH key</a:t>
+            </a:r>
+          </a:p>
+          <a:p>
+            <a:r>
+              <a:rPr lang="en-US" altLang="zh-CN" b="1" dirty="0"/>
+              <a:t>OK</a:t>
+            </a:r>
+          </a:p>
+          <a:p>
+            <a:r>
+              <a:rPr lang="en-US" altLang="zh-CN" b="1" dirty="0" err="1"/>
+              <a:t>redis</a:t>
+            </a:r>
+            <a:r>
+              <a:rPr lang="zh-CN" altLang="en-US" dirty="0"/>
+              <a:t>＞</a:t>
+            </a:r>
+            <a:r>
+              <a:rPr lang="en-US" altLang="zh-CN" b="1" dirty="0"/>
+              <a:t>SET key 2</a:t>
+            </a:r>
+          </a:p>
+          <a:p>
+            <a:r>
+              <a:rPr lang="en-US" altLang="zh-CN" b="1" dirty="0"/>
+              <a:t>OK</a:t>
+            </a:r>
+          </a:p>
+          <a:p>
+            <a:r>
+              <a:rPr lang="en-US" altLang="zh-CN" b="1" dirty="0" err="1"/>
+              <a:t>redis</a:t>
+            </a:r>
+            <a:r>
+              <a:rPr lang="zh-CN" altLang="en-US" dirty="0"/>
+              <a:t>＞</a:t>
+            </a:r>
+            <a:r>
+              <a:rPr lang="en-US" altLang="zh-CN" b="1" dirty="0"/>
+              <a:t>MULTI</a:t>
+            </a:r>
+          </a:p>
+          <a:p>
+            <a:r>
+              <a:rPr lang="en-US" altLang="zh-CN" b="1" dirty="0"/>
+              <a:t>OK</a:t>
+            </a:r>
+          </a:p>
+          <a:p>
+            <a:r>
+              <a:rPr lang="en-US" altLang="zh-CN" b="1" dirty="0" err="1"/>
+              <a:t>redis</a:t>
+            </a:r>
+            <a:r>
+              <a:rPr lang="zh-CN" altLang="en-US" dirty="0"/>
+              <a:t>＞</a:t>
+            </a:r>
+            <a:r>
+              <a:rPr lang="en-US" altLang="zh-CN" b="1" dirty="0"/>
+              <a:t>SET key 3</a:t>
+            </a:r>
+          </a:p>
+          <a:p>
+            <a:r>
+              <a:rPr lang="en-US" altLang="zh-CN" b="1" dirty="0"/>
+              <a:t>QUEUED</a:t>
+            </a:r>
+          </a:p>
+          <a:p>
+            <a:r>
+              <a:rPr lang="en-US" altLang="zh-CN" b="1" dirty="0" err="1"/>
+              <a:t>redis</a:t>
+            </a:r>
+            <a:r>
+              <a:rPr lang="zh-CN" altLang="en-US" dirty="0"/>
+              <a:t>＞</a:t>
+            </a:r>
+            <a:r>
+              <a:rPr lang="en-US" altLang="zh-CN" b="1" dirty="0"/>
+              <a:t>EXEC</a:t>
+            </a:r>
+          </a:p>
+          <a:p>
+            <a:r>
+              <a:rPr lang="en-US" altLang="zh-CN" b="1" dirty="0"/>
+              <a:t>(nil)</a:t>
+            </a:r>
+          </a:p>
+          <a:p>
+            <a:r>
+              <a:rPr lang="en-US" altLang="zh-CN" b="1" dirty="0" err="1"/>
+              <a:t>redis</a:t>
+            </a:r>
+            <a:r>
+              <a:rPr lang="zh-CN" altLang="en-US" dirty="0"/>
+              <a:t>＞</a:t>
+            </a:r>
+            <a:r>
+              <a:rPr lang="en-US" altLang="zh-CN" b="1" dirty="0"/>
+              <a:t>GET key</a:t>
+            </a:r>
+          </a:p>
+          <a:p>
+            <a:r>
+              <a:rPr lang="en-US" altLang="zh-CN" b="1" dirty="0"/>
+              <a:t>"2"</a:t>
+            </a:r>
+            <a:endParaRPr lang="zh-CN" altLang="en-US" dirty="0"/>
+          </a:p>
+        </p:txBody>
+      </p:sp>
+    </p:spTree>
+    <p:extLst>
+      <p:ext uri="{BB962C8B-B14F-4D97-AF65-F5344CB8AC3E}">
+        <p14:creationId xmlns:p14="http://schemas.microsoft.com/office/powerpoint/2010/main" val="1454869746"/>
+      </p:ext>
+    </p:extLst>
+  </p:cSld>
+  <p:clrMapOvr>
+    <a:masterClrMapping/>
+  </p:clrMapOvr>
+  <mc:AlternateContent xmlns:mc="http://schemas.openxmlformats.org/markup-compatibility/2006" xmlns:p14="http://schemas.microsoft.com/office/powerpoint/2010/main">
+    <mc:Choice Requires="p14">
+      <p:transition p14:dur="0"/>
+    </mc:Choice>
+    <mc:Fallback xmlns="">
+      <p:transition/>
+    </mc:Fallback>
+  </mc:AlternateContent>
+  <p:timing>
+    <p:tnLst>
+      <p:par>
+        <p:cTn id="1" dur="indefinite" restart="never" nodeType="tmRoot">
+          <p:childTnLst>
+            <p:seq concurrent="1" nextAc="seek">
+              <p:cTn id="2" dur="indefinite" nodeType="mainSeq">
+                <p:childTnLst>
+                  <p:par>
+                    <p:cTn id="3" fill="hold">
+                      <p:stCondLst>
+                        <p:cond delay="indefinite"/>
+                      </p:stCondLst>
+                      <p:childTnLst>
+                        <p:par>
+                          <p:cTn id="4" fill="hold">
+                            <p:stCondLst>
+                              <p:cond delay="0"/>
+                            </p:stCondLst>
+                            <p:childTnLst>
+                              <p:par>
+                                <p:cTn id="5" presetID="10" presetClass="entr" presetSubtype="0" fill="hold" grpId="0" nodeType="clickEffect">
+                                  <p:stCondLst>
+                                    <p:cond delay="0"/>
+                                  </p:stCondLst>
+                                  <p:childTnLst>
+                                    <p:set>
+                                      <p:cBhvr>
+                                        <p:cTn id="6" dur="1" fill="hold">
+                                          <p:stCondLst>
+                                            <p:cond delay="0"/>
+                                          </p:stCondLst>
+                                        </p:cTn>
+                                        <p:tgtEl>
+                                          <p:spTgt spid="4"/>
+                                        </p:tgtEl>
+                                        <p:attrNameLst>
+                                          <p:attrName>style.visibility</p:attrName>
+                                        </p:attrNameLst>
+                                      </p:cBhvr>
+                                      <p:to>
+                                        <p:strVal val="visible"/>
+                                      </p:to>
+                                    </p:set>
+                                    <p:animEffect transition="in" filter="fade">
+                                      <p:cBhvr>
+                                        <p:cTn id="7" dur="500"/>
+                                        <p:tgtEl>
+                                          <p:spTgt spid="4"/>
+                                        </p:tgtEl>
+                                      </p:cBhvr>
+                                    </p:animEffect>
+                                  </p:childTnLst>
+                                </p:cTn>
+                              </p:par>
+                            </p:childTnLst>
+                          </p:cTn>
+                        </p:par>
+                      </p:childTnLst>
+                    </p:cTn>
+                  </p:par>
+                </p:childTnLst>
+              </p:cTn>
+              <p:prevCondLst>
+                <p:cond evt="onPrev" delay="0">
+                  <p:tgtEl>
+                    <p:sldTgt/>
+                  </p:tgtEl>
+                </p:cond>
+              </p:prevCondLst>
+              <p:nextCondLst>
+                <p:cond evt="onNext" delay="0">
+                  <p:tgtEl>
+                    <p:sldTgt/>
+                  </p:tgtEl>
+                </p:cond>
+              </p:nextCondLst>
+            </p:seq>
+          </p:childTnLst>
+        </p:cTn>
+      </p:par>
+    </p:tnLst>
+    <p:bldLst>
+      <p:bldP spid="4" grpId="0" animBg="1"/>
+    </p:bldLst>
+  </p:timing>
+</p:sld>
+</file>
+
+<file path=ppt/slides/slide29.xml><?xml version="1.0" encoding="utf-8"?>
+<p:sld xmlns:a="http://schemas.openxmlformats.org/drawingml/2006/main" xmlns:r="http://schemas.openxmlformats.org/officeDocument/2006/relationships" xmlns:p="http://schemas.openxmlformats.org/presentationml/2006/main">
+  <p:cSld>
+    <p:spTree>
+      <p:nvGrpSpPr>
+        <p:cNvPr id="1" name=""/>
+        <p:cNvGrpSpPr/>
+        <p:nvPr/>
+      </p:nvGrpSpPr>
+      <p:grpSpPr>
+        <a:xfrm>
+          <a:off x="0" y="0"/>
+          <a:ext cx="0" cy="0"/>
+          <a:chOff x="0" y="0"/>
+          <a:chExt cx="0" cy="0"/>
+        </a:xfrm>
+      </p:grpSpPr>
+      <p:sp>
+        <p:nvSpPr>
+          <p:cNvPr id="2" name="标题 1"/>
+          <p:cNvSpPr>
+            <a:spLocks noGrp="1"/>
+          </p:cNvSpPr>
+          <p:nvPr>
+            <p:ph type="title"/>
+          </p:nvPr>
+        </p:nvSpPr>
+        <p:spPr/>
+        <p:txBody>
+          <a:bodyPr/>
+          <a:lstStyle/>
+          <a:p>
+            <a:r>
               <a:rPr lang="zh-CN" altLang="en-US" dirty="0" smtClean="0"/>
               <a:t>实现访问频率限制</a:t>
             </a:r>
-            <a:endParaRPr lang="zh-CN" altLang="en-US" dirty="0" smtClean="0"/>
           </a:p>
         </p:txBody>
       </p:sp>
@@ -17846,11 +18368,6 @@
               </a:rPr>
               <a:t>    else</a:t>
             </a:r>
-            <a:endParaRPr lang="en-US" altLang="zh-CN" b="1" dirty="0" smtClean="0">
-              <a:solidFill>
-                <a:schemeClr val="accent2"/>
-              </a:solidFill>
-            </a:endParaRPr>
           </a:p>
           <a:p>
             <a:r>
@@ -17966,7 +18483,6 @@
               <a:rPr lang="en-US" altLang="zh-CN" b="1" dirty="0" smtClean="0"/>
               <a:t>99</a:t>
             </a:r>
-            <a:endParaRPr lang="en-US" altLang="zh-CN" b="1" dirty="0" smtClean="0"/>
           </a:p>
           <a:p>
             <a:r>
@@ -18192,616 +18708,6 @@
 </p:sld>
 </file>
 
-<file path=ppt/slides/slide28.xml><?xml version="1.0" encoding="utf-8"?>
-<p:sld xmlns:a="http://schemas.openxmlformats.org/drawingml/2006/main" xmlns:r="http://schemas.openxmlformats.org/officeDocument/2006/relationships" xmlns:p="http://schemas.openxmlformats.org/presentationml/2006/main">
-  <p:cSld>
-    <p:spTree>
-      <p:nvGrpSpPr>
-        <p:cNvPr id="1" name=""/>
-        <p:cNvGrpSpPr/>
-        <p:nvPr/>
-      </p:nvGrpSpPr>
-      <p:grpSpPr>
-        <a:xfrm>
-          <a:off x="0" y="0"/>
-          <a:ext cx="0" cy="0"/>
-          <a:chOff x="0" y="0"/>
-          <a:chExt cx="0" cy="0"/>
-        </a:xfrm>
-      </p:grpSpPr>
-      <p:sp>
-        <p:nvSpPr>
-          <p:cNvPr id="2" name="标题 1"/>
-          <p:cNvSpPr>
-            <a:spLocks noGrp="1"/>
-          </p:cNvSpPr>
-          <p:nvPr>
-            <p:ph type="title"/>
-          </p:nvPr>
-        </p:nvSpPr>
-        <p:spPr/>
-        <p:txBody>
-          <a:bodyPr/>
-          <a:lstStyle/>
-          <a:p>
-            <a:r>
-              <a:rPr lang="zh-CN" altLang="en-US" dirty="0" smtClean="0"/>
-              <a:t>缓存</a:t>
-            </a:r>
-            <a:endParaRPr lang="zh-CN" altLang="en-US" dirty="0"/>
-          </a:p>
-        </p:txBody>
-      </p:sp>
-      <p:sp>
-        <p:nvSpPr>
-          <p:cNvPr id="3" name="内容占位符 2"/>
-          <p:cNvSpPr>
-            <a:spLocks noGrp="1"/>
-          </p:cNvSpPr>
-          <p:nvPr>
-            <p:ph idx="1"/>
-          </p:nvPr>
-        </p:nvSpPr>
-        <p:spPr/>
-        <p:txBody>
-          <a:bodyPr/>
-          <a:lstStyle/>
-          <a:p>
-            <a:endParaRPr lang="en-US" altLang="zh-CN" dirty="0" smtClean="0"/>
-          </a:p>
-          <a:p>
-            <a:endParaRPr lang="en-US" altLang="zh-CN" dirty="0"/>
-          </a:p>
-          <a:p>
-            <a:endParaRPr lang="en-US" altLang="zh-CN" dirty="0" smtClean="0"/>
-          </a:p>
-          <a:p>
-            <a:pPr marL="0" indent="0">
-              <a:buNone/>
-            </a:pPr>
-            <a:r>
-              <a:rPr lang="zh-CN" altLang="en-US" dirty="0" smtClean="0"/>
-              <a:t>淘汰机制</a:t>
-            </a:r>
-            <a:endParaRPr lang="en-US" altLang="zh-CN" dirty="0" smtClean="0"/>
-          </a:p>
-          <a:p>
-            <a:pPr lvl="1"/>
-            <a:r>
-              <a:rPr lang="zh-CN" altLang="en-US" dirty="0" smtClean="0"/>
-              <a:t>使用</a:t>
-            </a:r>
-            <a:r>
-              <a:rPr lang="en-US" altLang="zh-CN" dirty="0" smtClean="0"/>
-              <a:t>EXPIRE</a:t>
-            </a:r>
-            <a:r>
-              <a:rPr lang="zh-CN" altLang="en-US" dirty="0" smtClean="0"/>
-              <a:t>命令设置缓存有效时间</a:t>
-            </a:r>
-            <a:endParaRPr lang="en-US" altLang="zh-CN" dirty="0" smtClean="0"/>
-          </a:p>
-          <a:p>
-            <a:pPr lvl="1"/>
-            <a:r>
-              <a:rPr lang="zh-CN" altLang="en-US" dirty="0" smtClean="0"/>
-              <a:t>设置</a:t>
-            </a:r>
-            <a:r>
-              <a:rPr lang="en-US" altLang="zh-CN" dirty="0" err="1" smtClean="0"/>
-              <a:t>maxmemory</a:t>
-            </a:r>
-            <a:r>
-              <a:rPr lang="zh-CN" altLang="en-US" dirty="0" smtClean="0"/>
-              <a:t>以及</a:t>
-            </a:r>
-            <a:r>
-              <a:rPr lang="en-US" altLang="zh-CN" dirty="0" err="1" smtClean="0"/>
-              <a:t>maxmemory</a:t>
-            </a:r>
-            <a:r>
-              <a:rPr lang="en-US" altLang="zh-CN" dirty="0" smtClean="0"/>
-              <a:t>-policy</a:t>
-            </a:r>
-            <a:r>
-              <a:rPr lang="zh-CN" altLang="en-US" dirty="0" smtClean="0"/>
-              <a:t>淘汰策略</a:t>
-            </a:r>
-            <a:endParaRPr lang="zh-CN" altLang="en-US" dirty="0"/>
-          </a:p>
-        </p:txBody>
-      </p:sp>
-      <p:sp>
-        <p:nvSpPr>
-          <p:cNvPr id="4" name="文本框 3"/>
-          <p:cNvSpPr txBox="1"/>
-          <p:nvPr/>
-        </p:nvSpPr>
-        <p:spPr>
-          <a:xfrm>
-            <a:off x="4084319" y="1307544"/>
-            <a:ext cx="4023360" cy="2031325"/>
-          </a:xfrm>
-          <a:prstGeom prst="rect">
-            <a:avLst/>
-          </a:prstGeom>
-          <a:noFill/>
-          <a:ln w="19050">
-            <a:solidFill>
-              <a:schemeClr val="accent3"/>
-            </a:solidFill>
-            <a:prstDash val="dash"/>
-          </a:ln>
-        </p:spPr>
-        <p:txBody>
-          <a:bodyPr wrap="square" rtlCol="0">
-            <a:spAutoFit/>
-          </a:bodyPr>
-          <a:lstStyle/>
-          <a:p>
-            <a:r>
-              <a:rPr lang="en-US" altLang="zh-CN" b="1" dirty="0">
-                <a:solidFill>
-                  <a:schemeClr val="accent1"/>
-                </a:solidFill>
-              </a:rPr>
-              <a:t>$</a:t>
-            </a:r>
-            <a:r>
-              <a:rPr lang="en-US" altLang="zh-CN" b="1" dirty="0" smtClean="0">
-                <a:solidFill>
-                  <a:schemeClr val="accent1"/>
-                </a:solidFill>
-              </a:rPr>
-              <a:t>rank </a:t>
-            </a:r>
-            <a:r>
-              <a:rPr lang="en-US" altLang="zh-CN" b="1" dirty="0" smtClean="0"/>
-              <a:t>= </a:t>
-            </a:r>
-            <a:r>
-              <a:rPr lang="en-US" altLang="zh-CN" b="1" dirty="0" smtClean="0">
-                <a:solidFill>
-                  <a:schemeClr val="accent2"/>
-                </a:solidFill>
-              </a:rPr>
-              <a:t>GET</a:t>
-            </a:r>
-            <a:r>
-              <a:rPr lang="en-US" altLang="zh-CN" b="1" dirty="0" smtClean="0"/>
-              <a:t> </a:t>
-            </a:r>
-            <a:r>
-              <a:rPr lang="en-US" altLang="zh-CN" b="1" dirty="0" err="1">
-                <a:solidFill>
-                  <a:schemeClr val="accent3"/>
-                </a:solidFill>
-              </a:rPr>
-              <a:t>cache:rank</a:t>
-            </a:r>
-            <a:endParaRPr lang="en-US" altLang="zh-CN" b="1" dirty="0">
-              <a:solidFill>
-                <a:schemeClr val="accent3"/>
-              </a:solidFill>
-            </a:endParaRPr>
-          </a:p>
-          <a:p>
-            <a:r>
-              <a:rPr lang="en-US" altLang="zh-CN" b="1" dirty="0">
-                <a:solidFill>
-                  <a:schemeClr val="accent2"/>
-                </a:solidFill>
-              </a:rPr>
-              <a:t>if</a:t>
-            </a:r>
-            <a:r>
-              <a:rPr lang="en-US" altLang="zh-CN" b="1" dirty="0"/>
-              <a:t> not </a:t>
-            </a:r>
-            <a:r>
-              <a:rPr lang="en-US" altLang="zh-CN" b="1" dirty="0" smtClean="0">
-                <a:solidFill>
-                  <a:schemeClr val="accent1"/>
-                </a:solidFill>
-              </a:rPr>
-              <a:t>$rank</a:t>
-            </a:r>
-            <a:endParaRPr lang="en-US" altLang="zh-CN" b="1" dirty="0">
-              <a:solidFill>
-                <a:schemeClr val="accent1"/>
-              </a:solidFill>
-            </a:endParaRPr>
-          </a:p>
-          <a:p>
-            <a:r>
-              <a:rPr lang="en-US" altLang="zh-CN" b="1" dirty="0" smtClean="0">
-                <a:solidFill>
-                  <a:schemeClr val="accent1"/>
-                </a:solidFill>
-              </a:rPr>
-              <a:t>    $rank </a:t>
-            </a:r>
-            <a:r>
-              <a:rPr lang="en-US" altLang="zh-CN" b="1" dirty="0" smtClean="0"/>
-              <a:t>= </a:t>
-            </a:r>
-            <a:r>
-              <a:rPr lang="zh-CN" altLang="en-US" dirty="0" smtClean="0"/>
-              <a:t>计算</a:t>
-            </a:r>
-            <a:r>
-              <a:rPr lang="zh-CN" altLang="en-US" dirty="0"/>
-              <a:t>排名</a:t>
-            </a:r>
-            <a:r>
-              <a:rPr lang="en-US" altLang="zh-CN" b="1" dirty="0"/>
-              <a:t>...</a:t>
-            </a:r>
-          </a:p>
-          <a:p>
-            <a:r>
-              <a:rPr lang="en-US" altLang="zh-CN" b="1" dirty="0" smtClean="0">
-                <a:solidFill>
-                  <a:schemeClr val="accent2"/>
-                </a:solidFill>
-              </a:rPr>
-              <a:t>    MULTI</a:t>
-            </a:r>
-            <a:endParaRPr lang="en-US" altLang="zh-CN" b="1" dirty="0">
-              <a:solidFill>
-                <a:schemeClr val="accent2"/>
-              </a:solidFill>
-            </a:endParaRPr>
-          </a:p>
-          <a:p>
-            <a:r>
-              <a:rPr lang="en-US" altLang="zh-CN" b="1" dirty="0" smtClean="0">
-                <a:solidFill>
-                  <a:schemeClr val="accent2"/>
-                </a:solidFill>
-              </a:rPr>
-              <a:t>        SET</a:t>
-            </a:r>
-            <a:r>
-              <a:rPr lang="en-US" altLang="zh-CN" b="1" dirty="0" smtClean="0"/>
-              <a:t> </a:t>
-            </a:r>
-            <a:r>
-              <a:rPr lang="en-US" altLang="zh-CN" b="1" dirty="0" err="1">
-                <a:solidFill>
-                  <a:schemeClr val="accent3"/>
-                </a:solidFill>
-              </a:rPr>
-              <a:t>cache:rank</a:t>
-            </a:r>
-            <a:r>
-              <a:rPr lang="en-US" altLang="zh-CN" b="1" dirty="0"/>
-              <a:t>, </a:t>
-            </a:r>
-            <a:r>
-              <a:rPr lang="en-US" altLang="zh-CN" b="1" dirty="0" smtClean="0">
-                <a:solidFill>
-                  <a:schemeClr val="accent1"/>
-                </a:solidFill>
-              </a:rPr>
-              <a:t>$rank</a:t>
-            </a:r>
-            <a:endParaRPr lang="en-US" altLang="zh-CN" b="1" dirty="0">
-              <a:solidFill>
-                <a:schemeClr val="accent1"/>
-              </a:solidFill>
-            </a:endParaRPr>
-          </a:p>
-          <a:p>
-            <a:r>
-              <a:rPr lang="en-US" altLang="zh-CN" b="1" dirty="0" smtClean="0">
-                <a:solidFill>
-                  <a:schemeClr val="accent2"/>
-                </a:solidFill>
-              </a:rPr>
-              <a:t>        EXPIRE</a:t>
-            </a:r>
-            <a:r>
-              <a:rPr lang="en-US" altLang="zh-CN" b="1" dirty="0" smtClean="0"/>
-              <a:t> </a:t>
-            </a:r>
-            <a:r>
-              <a:rPr lang="en-US" altLang="zh-CN" b="1" dirty="0" err="1">
-                <a:solidFill>
-                  <a:schemeClr val="accent3"/>
-                </a:solidFill>
-              </a:rPr>
-              <a:t>cache:rank</a:t>
-            </a:r>
-            <a:r>
-              <a:rPr lang="en-US" altLang="zh-CN" b="1" dirty="0"/>
-              <a:t>, 7200</a:t>
-            </a:r>
-          </a:p>
-          <a:p>
-            <a:r>
-              <a:rPr lang="en-US" altLang="zh-CN" b="1" dirty="0" smtClean="0">
-                <a:solidFill>
-                  <a:schemeClr val="accent2"/>
-                </a:solidFill>
-              </a:rPr>
-              <a:t>    EXEC</a:t>
-            </a:r>
-            <a:endParaRPr lang="zh-CN" altLang="en-US" dirty="0">
-              <a:solidFill>
-                <a:schemeClr val="accent2"/>
-              </a:solidFill>
-            </a:endParaRPr>
-          </a:p>
-        </p:txBody>
-      </p:sp>
-      <p:pic>
-        <p:nvPicPr>
-          <p:cNvPr id="5" name="图片 4"/>
-          <p:cNvPicPr>
-            <a:picLocks noChangeAspect="1"/>
-          </p:cNvPicPr>
-          <p:nvPr/>
-        </p:nvPicPr>
-        <p:blipFill>
-          <a:blip r:embed="rId2"/>
-          <a:stretch>
-            <a:fillRect/>
-          </a:stretch>
-        </p:blipFill>
-        <p:spPr>
-          <a:xfrm>
-            <a:off x="3157537" y="4702175"/>
-            <a:ext cx="5876925" cy="1609725"/>
-          </a:xfrm>
-          <a:prstGeom prst="rect">
-            <a:avLst/>
-          </a:prstGeom>
-        </p:spPr>
-      </p:pic>
-    </p:spTree>
-    <p:extLst>
-      <p:ext uri="{BB962C8B-B14F-4D97-AF65-F5344CB8AC3E}">
-        <p14:creationId xmlns:p14="http://schemas.microsoft.com/office/powerpoint/2010/main" val="2015730644"/>
-      </p:ext>
-    </p:extLst>
-  </p:cSld>
-  <p:clrMapOvr>
-    <a:masterClrMapping/>
-  </p:clrMapOvr>
-  <p:timing>
-    <p:tnLst>
-      <p:par>
-        <p:cTn id="1" dur="indefinite" restart="never" nodeType="tmRoot"/>
-      </p:par>
-    </p:tnLst>
-  </p:timing>
-</p:sld>
-</file>
-
-<file path=ppt/slides/slide29.xml><?xml version="1.0" encoding="utf-8"?>
-<p:sld xmlns:a="http://schemas.openxmlformats.org/drawingml/2006/main" xmlns:r="http://schemas.openxmlformats.org/officeDocument/2006/relationships" xmlns:p="http://schemas.openxmlformats.org/presentationml/2006/main">
-  <p:cSld>
-    <p:spTree>
-      <p:nvGrpSpPr>
-        <p:cNvPr id="1" name=""/>
-        <p:cNvGrpSpPr/>
-        <p:nvPr/>
-      </p:nvGrpSpPr>
-      <p:grpSpPr>
-        <a:xfrm>
-          <a:off x="0" y="0"/>
-          <a:ext cx="0" cy="0"/>
-          <a:chOff x="0" y="0"/>
-          <a:chExt cx="0" cy="0"/>
-        </a:xfrm>
-      </p:grpSpPr>
-      <p:sp>
-        <p:nvSpPr>
-          <p:cNvPr id="2" name="标题 1"/>
-          <p:cNvSpPr>
-            <a:spLocks noGrp="1"/>
-          </p:cNvSpPr>
-          <p:nvPr>
-            <p:ph type="title"/>
-          </p:nvPr>
-        </p:nvSpPr>
-        <p:spPr/>
-        <p:txBody>
-          <a:bodyPr/>
-          <a:lstStyle/>
-          <a:p>
-            <a:r>
-              <a:rPr lang="zh-CN" altLang="en-US" dirty="0" smtClean="0"/>
-              <a:t>任务队列</a:t>
-            </a:r>
-            <a:endParaRPr lang="zh-CN" altLang="en-US" dirty="0"/>
-          </a:p>
-        </p:txBody>
-      </p:sp>
-      <p:sp>
-        <p:nvSpPr>
-          <p:cNvPr id="3" name="内容占位符 2"/>
-          <p:cNvSpPr>
-            <a:spLocks noGrp="1"/>
-          </p:cNvSpPr>
-          <p:nvPr>
-            <p:ph idx="1"/>
-          </p:nvPr>
-        </p:nvSpPr>
-        <p:spPr/>
-        <p:txBody>
-          <a:bodyPr>
-            <a:normAutofit lnSpcReduction="10000"/>
-          </a:bodyPr>
-          <a:lstStyle/>
-          <a:p>
-            <a:r>
-              <a:rPr lang="zh-CN" altLang="en-US" dirty="0"/>
-              <a:t>队列</a:t>
-            </a:r>
-            <a:r>
-              <a:rPr lang="zh-CN" altLang="en-US" dirty="0" smtClean="0"/>
-              <a:t>使用</a:t>
-            </a:r>
-            <a:r>
-              <a:rPr lang="en-US" altLang="zh-CN" dirty="0" smtClean="0"/>
-              <a:t>List</a:t>
-            </a:r>
-            <a:r>
-              <a:rPr lang="zh-CN" altLang="en-US" dirty="0" smtClean="0"/>
-              <a:t>类型键，并使用如下命令：</a:t>
-            </a:r>
-            <a:endParaRPr lang="en-US" altLang="zh-CN" dirty="0" smtClean="0"/>
-          </a:p>
-          <a:p>
-            <a:endParaRPr lang="en-US" altLang="zh-CN" dirty="0" smtClean="0"/>
-          </a:p>
-          <a:p>
-            <a:endParaRPr lang="en-US" altLang="zh-CN" dirty="0"/>
-          </a:p>
-          <a:p>
-            <a:endParaRPr lang="en-US" altLang="zh-CN" dirty="0" smtClean="0"/>
-          </a:p>
-          <a:p>
-            <a:endParaRPr lang="en-US" altLang="zh-CN" dirty="0"/>
-          </a:p>
-          <a:p>
-            <a:endParaRPr lang="en-US" altLang="zh-CN" dirty="0" smtClean="0"/>
-          </a:p>
-          <a:p>
-            <a:endParaRPr lang="en-US" altLang="zh-CN" dirty="0"/>
-          </a:p>
-          <a:p>
-            <a:r>
-              <a:rPr lang="zh-CN" altLang="en-US" dirty="0" smtClean="0"/>
-              <a:t>优先级队列</a:t>
-            </a:r>
-            <a:endParaRPr lang="en-US" altLang="zh-CN" dirty="0" smtClean="0"/>
-          </a:p>
-          <a:p>
-            <a:pPr marL="457200" lvl="1" indent="0">
-              <a:buNone/>
-            </a:pPr>
-            <a:r>
-              <a:rPr lang="zh-CN" altLang="en-US" dirty="0" smtClean="0"/>
-              <a:t>利用</a:t>
-            </a:r>
-            <a:r>
-              <a:rPr lang="en-US" altLang="zh-CN" dirty="0" smtClean="0"/>
-              <a:t>BRPOP</a:t>
-            </a:r>
-            <a:r>
-              <a:rPr lang="zh-CN" altLang="en-US" dirty="0" smtClean="0"/>
-              <a:t>命令接收多队列</a:t>
-            </a:r>
-            <a:r>
-              <a:rPr lang="zh-CN" altLang="en-US" dirty="0" smtClean="0"/>
-              <a:t>的</a:t>
-            </a:r>
-            <a:r>
-              <a:rPr lang="zh-CN" altLang="en-US" dirty="0" smtClean="0"/>
-              <a:t>特性、利用有序列表给任务打分</a:t>
-            </a:r>
-            <a:endParaRPr lang="en-US" altLang="zh-CN" dirty="0" smtClean="0"/>
-          </a:p>
-        </p:txBody>
-      </p:sp>
-      <p:graphicFrame>
-        <p:nvGraphicFramePr>
-          <p:cNvPr id="5" name="图示 4"/>
-          <p:cNvGraphicFramePr/>
-          <p:nvPr>
-            <p:extLst>
-              <p:ext uri="{D42A27DB-BD31-4B8C-83A1-F6EECF244321}">
-                <p14:modId xmlns:p14="http://schemas.microsoft.com/office/powerpoint/2010/main" val="30118458"/>
-              </p:ext>
-            </p:extLst>
-          </p:nvPr>
-        </p:nvGraphicFramePr>
-        <p:xfrm>
-          <a:off x="2082800" y="1103499"/>
-          <a:ext cx="8026399" cy="3907080"/>
-        </p:xfrm>
-        <a:graphic>
-          <a:graphicData uri="http://schemas.openxmlformats.org/drawingml/2006/diagram">
-            <dgm:relIds xmlns:dgm="http://schemas.openxmlformats.org/drawingml/2006/diagram" xmlns:r="http://schemas.openxmlformats.org/officeDocument/2006/relationships" r:dm="rId3" r:lo="rId4" r:qs="rId5" r:cs="rId6"/>
-          </a:graphicData>
-        </a:graphic>
-      </p:graphicFrame>
-      <p:sp>
-        <p:nvSpPr>
-          <p:cNvPr id="8" name="矩形 7"/>
-          <p:cNvSpPr/>
-          <p:nvPr/>
-        </p:nvSpPr>
-        <p:spPr>
-          <a:xfrm>
-            <a:off x="1233456" y="2429062"/>
-            <a:ext cx="6096000" cy="1015663"/>
-          </a:xfrm>
-          <a:prstGeom prst="rect">
-            <a:avLst/>
-          </a:prstGeom>
-        </p:spPr>
-        <p:txBody>
-          <a:bodyPr>
-            <a:spAutoFit/>
-          </a:bodyPr>
-          <a:lstStyle/>
-          <a:p>
-            <a:pPr marL="342900" indent="-342900">
-              <a:buFont typeface="Arial" panose="020B0604020202020204" pitchFamily="34" charset="0"/>
-              <a:buChar char="•"/>
-            </a:pPr>
-            <a:r>
-              <a:rPr lang="en-US" altLang="zh-CN" sz="2000" b="1" dirty="0" smtClean="0"/>
-              <a:t>LPUSH</a:t>
-            </a:r>
-          </a:p>
-          <a:p>
-            <a:pPr marL="342900" indent="-342900">
-              <a:buFont typeface="Arial" panose="020B0604020202020204" pitchFamily="34" charset="0"/>
-              <a:buChar char="•"/>
-            </a:pPr>
-            <a:r>
-              <a:rPr lang="en-US" altLang="zh-CN" sz="2000" b="1" dirty="0" smtClean="0"/>
-              <a:t>RPOP</a:t>
-            </a:r>
-          </a:p>
-          <a:p>
-            <a:pPr marL="342900" indent="-342900">
-              <a:buFont typeface="Arial" panose="020B0604020202020204" pitchFamily="34" charset="0"/>
-              <a:buChar char="•"/>
-            </a:pPr>
-            <a:r>
-              <a:rPr lang="en-US" altLang="zh-CN" sz="2000" b="1" dirty="0" smtClean="0"/>
-              <a:t>BRPOP</a:t>
-            </a:r>
-            <a:endParaRPr lang="zh-CN" altLang="en-US" sz="2000" b="1" dirty="0"/>
-          </a:p>
-        </p:txBody>
-      </p:sp>
-    </p:spTree>
-    <p:extLst>
-      <p:ext uri="{BB962C8B-B14F-4D97-AF65-F5344CB8AC3E}">
-        <p14:creationId xmlns:p14="http://schemas.microsoft.com/office/powerpoint/2010/main" val="1678909700"/>
-      </p:ext>
-    </p:extLst>
-  </p:cSld>
-  <p:clrMapOvr>
-    <a:masterClrMapping/>
-  </p:clrMapOvr>
-  <p:timing>
-    <p:tnLst>
-      <p:par>
-        <p:cTn id="1" dur="indefinite" restart="never" nodeType="tmRoot"/>
-      </p:par>
-    </p:tnLst>
-  </p:timing>
-</p:sld>
-</file>
-
 <file path=ppt/slides/slide3.xml><?xml version="1.0" encoding="utf-8"?>
 <p:sld xmlns:a="http://schemas.openxmlformats.org/drawingml/2006/main" xmlns:r="http://schemas.openxmlformats.org/officeDocument/2006/relationships" xmlns:p="http://schemas.openxmlformats.org/presentationml/2006/main">
   <p:cSld>
@@ -18829,11 +18735,17 @@
             <p:ph type="title"/>
           </p:nvPr>
         </p:nvSpPr>
-        <p:spPr/>
+        <p:spPr>
+          <a:xfrm>
+            <a:off x="838200" y="3338512"/>
+            <a:ext cx="10515600" cy="1325563"/>
+          </a:xfrm>
+        </p:spPr>
         <p:txBody>
           <a:bodyPr/>
           <a:lstStyle/>
           <a:p>
+            <a:pPr algn="ctr"/>
             <a:r>
               <a:rPr lang="zh-CN" altLang="en-US" dirty="0" smtClean="0"/>
               <a:t>简介篇</a:t>
@@ -18914,26 +18826,10 @@
           <a:lstStyle/>
           <a:p>
             <a:r>
-              <a:rPr lang="zh-CN" altLang="en-US" dirty="0" smtClean="0">
-                <a:latin typeface="+mj-ea"/>
-              </a:rPr>
-              <a:t>“发布</a:t>
-            </a:r>
-            <a:r>
-              <a:rPr lang="en-US" altLang="zh-CN" dirty="0" smtClean="0">
-                <a:latin typeface="+mj-ea"/>
-              </a:rPr>
-              <a:t>-</a:t>
-            </a:r>
-            <a:r>
-              <a:rPr lang="zh-CN" altLang="en-US" dirty="0" smtClean="0">
-                <a:latin typeface="+mj-ea"/>
-              </a:rPr>
-              <a:t>订阅”</a:t>
-            </a:r>
-            <a:endParaRPr lang="zh-CN" altLang="en-US" dirty="0">
-              <a:latin typeface="+mj-ea"/>
-            </a:endParaRPr>
+              <a:rPr lang="zh-CN" altLang="en-US" dirty="0" smtClean="0"/>
+              <a:t>缓存</a:t>
+            </a:r>
+            <a:endParaRPr lang="zh-CN" altLang="en-US" dirty="0"/>
           </a:p>
         </p:txBody>
       </p:sp>
@@ -18952,78 +18848,322 @@
           <a:bodyPr/>
           <a:lstStyle/>
           <a:p>
+            <a:endParaRPr lang="en-US" altLang="zh-CN" dirty="0" smtClean="0"/>
+          </a:p>
+          <a:p>
+            <a:endParaRPr lang="en-US" altLang="zh-CN" dirty="0"/>
+          </a:p>
+          <a:p>
+            <a:endParaRPr lang="en-US" altLang="zh-CN" dirty="0" smtClean="0"/>
+          </a:p>
+          <a:p>
             <a:pPr marL="0" indent="0">
               <a:buNone/>
             </a:pPr>
             <a:r>
               <a:rPr lang="zh-CN" altLang="en-US" dirty="0" smtClean="0"/>
-              <a:t>“发布</a:t>
+              <a:t>淘汰机制</a:t>
+            </a:r>
+            <a:endParaRPr lang="en-US" altLang="zh-CN" dirty="0" smtClean="0"/>
+          </a:p>
+          <a:p>
+            <a:pPr lvl="1"/>
+            <a:r>
+              <a:rPr lang="zh-CN" altLang="en-US" dirty="0" smtClean="0"/>
+              <a:t>使用</a:t>
             </a:r>
             <a:r>
               <a:rPr lang="en-US" altLang="zh-CN" dirty="0" smtClean="0"/>
-              <a:t>/</a:t>
-            </a:r>
-            <a:r>
-              <a:rPr lang="zh-CN" altLang="en-US" dirty="0" smtClean="0"/>
-              <a:t>订阅”模式中包含两种角色，分别是发布者和订阅者。</a:t>
+              <a:t>EXPIRE</a:t>
+            </a:r>
+            <a:r>
+              <a:rPr lang="zh-CN" altLang="en-US" dirty="0" smtClean="0"/>
+              <a:t>命令设置缓存有效时间</a:t>
             </a:r>
             <a:endParaRPr lang="en-US" altLang="zh-CN" dirty="0" smtClean="0"/>
           </a:p>
           <a:p>
-            <a:pPr marL="0" indent="0">
-              <a:buNone/>
-            </a:pPr>
-            <a:r>
-              <a:rPr lang="zh-CN" altLang="en-US" dirty="0" smtClean="0"/>
-              <a:t>订阅者可以订阅一个或若干个频道（</a:t>
+            <a:pPr lvl="1"/>
+            <a:r>
+              <a:rPr lang="zh-CN" altLang="en-US" dirty="0" smtClean="0"/>
+              <a:t>设置</a:t>
+            </a:r>
+            <a:r>
+              <a:rPr lang="en-US" altLang="zh-CN" dirty="0" err="1" smtClean="0"/>
+              <a:t>maxmemory</a:t>
+            </a:r>
+            <a:r>
+              <a:rPr lang="zh-CN" altLang="en-US" dirty="0" smtClean="0"/>
+              <a:t>以及</a:t>
+            </a:r>
+            <a:r>
+              <a:rPr lang="en-US" altLang="zh-CN" dirty="0" err="1" smtClean="0"/>
+              <a:t>maxmemory</a:t>
             </a:r>
             <a:r>
               <a:rPr lang="en-US" altLang="zh-CN" dirty="0" smtClean="0"/>
-              <a:t>channel</a:t>
-            </a:r>
-            <a:r>
-              <a:rPr lang="zh-CN" altLang="en-US" dirty="0" smtClean="0"/>
-              <a:t>），而发布者可以向指定的频道发送消息，所有订阅此频道的订阅者都会收到此消息。</a:t>
-            </a:r>
-            <a:endParaRPr lang="en-US" altLang="zh-CN" dirty="0" smtClean="0"/>
-          </a:p>
-          <a:p>
-            <a:r>
-              <a:rPr lang="en-US" altLang="zh-CN" dirty="0" smtClean="0"/>
-              <a:t>PUBLISH</a:t>
-            </a:r>
-          </a:p>
-          <a:p>
-            <a:r>
-              <a:rPr lang="en-US" altLang="zh-CN" dirty="0" smtClean="0"/>
-              <a:t>SUBSCRIBE</a:t>
-            </a:r>
-          </a:p>
-          <a:p>
-            <a:r>
-              <a:rPr lang="en-US" altLang="zh-CN" dirty="0" smtClean="0"/>
-              <a:t>UNSUBSCRIBE</a:t>
-            </a:r>
-          </a:p>
-          <a:p>
-            <a:r>
-              <a:rPr lang="en-US" altLang="zh-CN" dirty="0" smtClean="0"/>
-              <a:t>PSUBSCRIBE</a:t>
-            </a:r>
-          </a:p>
-          <a:p>
-            <a:r>
-              <a:rPr lang="en-US" altLang="zh-CN" dirty="0" smtClean="0"/>
-              <a:t>PUNSUBSCRIBE</a:t>
+              <a:t>-policy</a:t>
+            </a:r>
+            <a:r>
+              <a:rPr lang="zh-CN" altLang="en-US" dirty="0" smtClean="0"/>
+              <a:t>淘汰策略</a:t>
             </a:r>
             <a:endParaRPr lang="zh-CN" altLang="en-US" dirty="0"/>
           </a:p>
         </p:txBody>
       </p:sp>
+      <p:sp>
+        <p:nvSpPr>
+          <p:cNvPr id="4" name="文本框 3"/>
+          <p:cNvSpPr txBox="1"/>
+          <p:nvPr/>
+        </p:nvSpPr>
+        <p:spPr>
+          <a:xfrm>
+            <a:off x="4084319" y="1307544"/>
+            <a:ext cx="4023360" cy="2031325"/>
+          </a:xfrm>
+          <a:prstGeom prst="rect">
+            <a:avLst/>
+          </a:prstGeom>
+          <a:noFill/>
+          <a:ln w="19050">
+            <a:solidFill>
+              <a:schemeClr val="accent3"/>
+            </a:solidFill>
+            <a:prstDash val="dash"/>
+          </a:ln>
+        </p:spPr>
+        <p:txBody>
+          <a:bodyPr wrap="square" rtlCol="0">
+            <a:spAutoFit/>
+          </a:bodyPr>
+          <a:lstStyle/>
+          <a:p>
+            <a:r>
+              <a:rPr lang="en-US" altLang="zh-CN" b="1" dirty="0">
+                <a:solidFill>
+                  <a:schemeClr val="accent1"/>
+                </a:solidFill>
+              </a:rPr>
+              <a:t>$</a:t>
+            </a:r>
+            <a:r>
+              <a:rPr lang="en-US" altLang="zh-CN" b="1" dirty="0" smtClean="0">
+                <a:solidFill>
+                  <a:schemeClr val="accent1"/>
+                </a:solidFill>
+              </a:rPr>
+              <a:t>rank </a:t>
+            </a:r>
+            <a:r>
+              <a:rPr lang="en-US" altLang="zh-CN" b="1" dirty="0" smtClean="0"/>
+              <a:t>= </a:t>
+            </a:r>
+            <a:r>
+              <a:rPr lang="en-US" altLang="zh-CN" b="1" dirty="0" smtClean="0">
+                <a:solidFill>
+                  <a:schemeClr val="accent2"/>
+                </a:solidFill>
+              </a:rPr>
+              <a:t>GET</a:t>
+            </a:r>
+            <a:r>
+              <a:rPr lang="en-US" altLang="zh-CN" b="1" dirty="0" smtClean="0"/>
+              <a:t> </a:t>
+            </a:r>
+            <a:r>
+              <a:rPr lang="en-US" altLang="zh-CN" b="1" dirty="0" err="1">
+                <a:solidFill>
+                  <a:schemeClr val="accent3"/>
+                </a:solidFill>
+              </a:rPr>
+              <a:t>cache:rank</a:t>
+            </a:r>
+            <a:endParaRPr lang="en-US" altLang="zh-CN" b="1" dirty="0">
+              <a:solidFill>
+                <a:schemeClr val="accent3"/>
+              </a:solidFill>
+            </a:endParaRPr>
+          </a:p>
+          <a:p>
+            <a:r>
+              <a:rPr lang="en-US" altLang="zh-CN" b="1" dirty="0">
+                <a:solidFill>
+                  <a:schemeClr val="accent2"/>
+                </a:solidFill>
+              </a:rPr>
+              <a:t>if</a:t>
+            </a:r>
+            <a:r>
+              <a:rPr lang="en-US" altLang="zh-CN" b="1" dirty="0"/>
+              <a:t> not </a:t>
+            </a:r>
+            <a:r>
+              <a:rPr lang="en-US" altLang="zh-CN" b="1" dirty="0" smtClean="0">
+                <a:solidFill>
+                  <a:schemeClr val="accent1"/>
+                </a:solidFill>
+              </a:rPr>
+              <a:t>$rank</a:t>
+            </a:r>
+            <a:endParaRPr lang="en-US" altLang="zh-CN" b="1" dirty="0">
+              <a:solidFill>
+                <a:schemeClr val="accent1"/>
+              </a:solidFill>
+            </a:endParaRPr>
+          </a:p>
+          <a:p>
+            <a:r>
+              <a:rPr lang="en-US" altLang="zh-CN" b="1" dirty="0" smtClean="0">
+                <a:solidFill>
+                  <a:schemeClr val="accent1"/>
+                </a:solidFill>
+              </a:rPr>
+              <a:t>    $rank </a:t>
+            </a:r>
+            <a:r>
+              <a:rPr lang="en-US" altLang="zh-CN" b="1" dirty="0" smtClean="0"/>
+              <a:t>= </a:t>
+            </a:r>
+            <a:r>
+              <a:rPr lang="zh-CN" altLang="en-US" dirty="0" smtClean="0"/>
+              <a:t>计算</a:t>
+            </a:r>
+            <a:r>
+              <a:rPr lang="zh-CN" altLang="en-US" dirty="0"/>
+              <a:t>排名</a:t>
+            </a:r>
+            <a:r>
+              <a:rPr lang="en-US" altLang="zh-CN" b="1" dirty="0"/>
+              <a:t>...</a:t>
+            </a:r>
+          </a:p>
+          <a:p>
+            <a:r>
+              <a:rPr lang="en-US" altLang="zh-CN" b="1" dirty="0" smtClean="0">
+                <a:solidFill>
+                  <a:schemeClr val="accent2"/>
+                </a:solidFill>
+              </a:rPr>
+              <a:t>    MULTI</a:t>
+            </a:r>
+            <a:endParaRPr lang="en-US" altLang="zh-CN" b="1" dirty="0">
+              <a:solidFill>
+                <a:schemeClr val="accent2"/>
+              </a:solidFill>
+            </a:endParaRPr>
+          </a:p>
+          <a:p>
+            <a:r>
+              <a:rPr lang="en-US" altLang="zh-CN" b="1" dirty="0" smtClean="0">
+                <a:solidFill>
+                  <a:schemeClr val="accent2"/>
+                </a:solidFill>
+              </a:rPr>
+              <a:t>        SET</a:t>
+            </a:r>
+            <a:r>
+              <a:rPr lang="en-US" altLang="zh-CN" b="1" dirty="0" smtClean="0"/>
+              <a:t> </a:t>
+            </a:r>
+            <a:r>
+              <a:rPr lang="en-US" altLang="zh-CN" b="1" dirty="0" err="1">
+                <a:solidFill>
+                  <a:schemeClr val="accent3"/>
+                </a:solidFill>
+              </a:rPr>
+              <a:t>cache:rank</a:t>
+            </a:r>
+            <a:r>
+              <a:rPr lang="en-US" altLang="zh-CN" b="1" dirty="0"/>
+              <a:t>, </a:t>
+            </a:r>
+            <a:r>
+              <a:rPr lang="en-US" altLang="zh-CN" b="1" dirty="0" smtClean="0">
+                <a:solidFill>
+                  <a:schemeClr val="accent1"/>
+                </a:solidFill>
+              </a:rPr>
+              <a:t>$rank</a:t>
+            </a:r>
+            <a:endParaRPr lang="en-US" altLang="zh-CN" b="1" dirty="0">
+              <a:solidFill>
+                <a:schemeClr val="accent1"/>
+              </a:solidFill>
+            </a:endParaRPr>
+          </a:p>
+          <a:p>
+            <a:r>
+              <a:rPr lang="en-US" altLang="zh-CN" b="1" dirty="0" smtClean="0">
+                <a:solidFill>
+                  <a:schemeClr val="accent2"/>
+                </a:solidFill>
+              </a:rPr>
+              <a:t>        EXPIRE</a:t>
+            </a:r>
+            <a:r>
+              <a:rPr lang="en-US" altLang="zh-CN" b="1" dirty="0" smtClean="0"/>
+              <a:t> </a:t>
+            </a:r>
+            <a:r>
+              <a:rPr lang="en-US" altLang="zh-CN" b="1" dirty="0" err="1">
+                <a:solidFill>
+                  <a:schemeClr val="accent3"/>
+                </a:solidFill>
+              </a:rPr>
+              <a:t>cache:rank</a:t>
+            </a:r>
+            <a:r>
+              <a:rPr lang="en-US" altLang="zh-CN" b="1" dirty="0"/>
+              <a:t>, 7200</a:t>
+            </a:r>
+          </a:p>
+          <a:p>
+            <a:r>
+              <a:rPr lang="en-US" altLang="zh-CN" b="1" dirty="0" smtClean="0">
+                <a:solidFill>
+                  <a:schemeClr val="accent2"/>
+                </a:solidFill>
+              </a:rPr>
+              <a:t>    EXEC</a:t>
+            </a:r>
+            <a:endParaRPr lang="zh-CN" altLang="en-US" dirty="0">
+              <a:solidFill>
+                <a:schemeClr val="accent2"/>
+              </a:solidFill>
+            </a:endParaRPr>
+          </a:p>
+        </p:txBody>
+      </p:sp>
+      <p:pic>
+        <p:nvPicPr>
+          <p:cNvPr id="5" name="图片 4"/>
+          <p:cNvPicPr>
+            <a:picLocks noChangeAspect="1"/>
+          </p:cNvPicPr>
+          <p:nvPr/>
+        </p:nvPicPr>
+        <p:blipFill>
+          <a:blip r:embed="rId2"/>
+          <a:stretch>
+            <a:fillRect/>
+          </a:stretch>
+        </p:blipFill>
+        <p:spPr>
+          <a:xfrm>
+            <a:off x="3157537" y="4702175"/>
+            <a:ext cx="5876925" cy="1609725"/>
+          </a:xfrm>
+          <a:prstGeom prst="rect">
+            <a:avLst/>
+          </a:prstGeom>
+        </p:spPr>
+      </p:pic>
     </p:spTree>
     <p:extLst>
       <p:ext uri="{BB962C8B-B14F-4D97-AF65-F5344CB8AC3E}">
-        <p14:creationId xmlns:p14="http://schemas.microsoft.com/office/powerpoint/2010/main" val="4066898496"/>
+        <p14:creationId xmlns:p14="http://schemas.microsoft.com/office/powerpoint/2010/main" val="2015730644"/>
       </p:ext>
     </p:extLst>
   </p:cSld>
@@ -19073,13 +19213,10 @@
           <a:lstStyle/>
           <a:p>
             <a:r>
-              <a:rPr lang="en-US" altLang="zh-CN" dirty="0" err="1" smtClean="0"/>
-              <a:t>Redis</a:t>
-            </a:r>
-            <a:r>
-              <a:rPr lang="zh-CN" altLang="en-US" dirty="0"/>
-              <a:t>事务</a:t>
-            </a:r>
+              <a:rPr lang="zh-CN" altLang="en-US" dirty="0" smtClean="0"/>
+              <a:t>任务队列</a:t>
+            </a:r>
+            <a:endParaRPr lang="zh-CN" altLang="en-US" dirty="0"/>
           </a:p>
         </p:txBody>
       </p:sp>
@@ -19096,223 +19233,152 @@
         <p:spPr/>
         <p:txBody>
           <a:bodyPr>
-            <a:normAutofit/>
+            <a:normAutofit lnSpcReduction="10000"/>
           </a:bodyPr>
           <a:lstStyle/>
           <a:p>
             <a:r>
-              <a:rPr lang="en-US" altLang="zh-CN" dirty="0" err="1"/>
-              <a:t>Redis</a:t>
-            </a:r>
-            <a:r>
               <a:rPr lang="zh-CN" altLang="en-US" dirty="0"/>
-              <a:t>中的事务（</a:t>
-            </a:r>
-            <a:r>
-              <a:rPr lang="en-US" altLang="zh-CN" dirty="0"/>
-              <a:t>transaction</a:t>
-            </a:r>
-            <a:r>
-              <a:rPr lang="zh-CN" altLang="en-US" dirty="0"/>
-              <a:t>）是一组命令的</a:t>
-            </a:r>
-            <a:r>
-              <a:rPr lang="zh-CN" altLang="en-US" dirty="0" smtClean="0"/>
-              <a:t>集合。</a:t>
-            </a:r>
-            <a:r>
-              <a:rPr lang="en-US" altLang="zh-CN" dirty="0" err="1" smtClean="0"/>
-              <a:t>Redis</a:t>
-            </a:r>
-            <a:r>
-              <a:rPr lang="zh-CN" altLang="en-US" dirty="0"/>
-              <a:t>保证</a:t>
-            </a:r>
-            <a:r>
-              <a:rPr lang="zh-CN" altLang="en-US" dirty="0" smtClean="0"/>
-              <a:t>一</a:t>
-            </a:r>
-            <a:r>
-              <a:rPr lang="zh-CN" altLang="en-US" dirty="0"/>
-              <a:t>个事务中的命令要么都执行，要么都不执行</a:t>
-            </a:r>
-            <a:r>
-              <a:rPr lang="zh-CN" altLang="en-US" dirty="0" smtClean="0"/>
-              <a:t>。</a:t>
+              <a:t>队列</a:t>
+            </a:r>
+            <a:r>
+              <a:rPr lang="zh-CN" altLang="en-US" dirty="0" smtClean="0"/>
+              <a:t>使用</a:t>
+            </a:r>
+            <a:r>
+              <a:rPr lang="en-US" altLang="zh-CN" dirty="0" smtClean="0"/>
+              <a:t>List</a:t>
+            </a:r>
+            <a:r>
+              <a:rPr lang="zh-CN" altLang="en-US" dirty="0" smtClean="0"/>
+              <a:t>类型键，并使用如下命令：</a:t>
             </a:r>
             <a:endParaRPr lang="en-US" altLang="zh-CN" dirty="0" smtClean="0"/>
           </a:p>
           <a:p>
-            <a:r>
-              <a:rPr lang="zh-CN" altLang="en-US" dirty="0" smtClean="0"/>
-              <a:t>原理</a:t>
-            </a:r>
-            <a:r>
-              <a:rPr lang="zh-CN" altLang="en-US" dirty="0"/>
-              <a:t>：</a:t>
-            </a:r>
-            <a:r>
-              <a:rPr lang="zh-CN" altLang="en-US" dirty="0" smtClean="0"/>
-              <a:t>先</a:t>
-            </a:r>
-            <a:r>
-              <a:rPr lang="zh-CN" altLang="en-US" dirty="0"/>
-              <a:t>将属于一个事务的命令发送给</a:t>
-            </a:r>
-            <a:r>
-              <a:rPr lang="en-US" altLang="zh-CN" dirty="0" err="1"/>
-              <a:t>Redis</a:t>
-            </a:r>
-            <a:r>
-              <a:rPr lang="zh-CN" altLang="en-US" dirty="0" smtClean="0"/>
-              <a:t>，待接收到</a:t>
+            <a:endParaRPr lang="en-US" altLang="zh-CN" dirty="0" smtClean="0"/>
+          </a:p>
+          <a:p>
+            <a:endParaRPr lang="en-US" altLang="zh-CN" dirty="0"/>
+          </a:p>
+          <a:p>
+            <a:endParaRPr lang="en-US" altLang="zh-CN" dirty="0" smtClean="0"/>
+          </a:p>
+          <a:p>
+            <a:endParaRPr lang="en-US" altLang="zh-CN" dirty="0"/>
+          </a:p>
+          <a:p>
+            <a:endParaRPr lang="en-US" altLang="zh-CN" dirty="0" smtClean="0"/>
+          </a:p>
+          <a:p>
+            <a:endParaRPr lang="en-US" altLang="zh-CN" dirty="0"/>
+          </a:p>
+          <a:p>
+            <a:r>
+              <a:rPr lang="zh-CN" altLang="en-US" dirty="0" smtClean="0"/>
+              <a:t>优先级队列</a:t>
+            </a:r>
+            <a:endParaRPr lang="en-US" altLang="zh-CN" dirty="0" smtClean="0"/>
+          </a:p>
+          <a:p>
+            <a:pPr marL="457200" lvl="1" indent="0">
+              <a:buNone/>
+            </a:pPr>
+            <a:r>
+              <a:rPr lang="zh-CN" altLang="en-US" dirty="0" smtClean="0"/>
+              <a:t>利用</a:t>
             </a:r>
             <a:r>
               <a:rPr lang="en-US" altLang="zh-CN" dirty="0" smtClean="0"/>
-              <a:t>EXEC</a:t>
-            </a:r>
-            <a:r>
-              <a:rPr lang="zh-CN" altLang="en-US" dirty="0" smtClean="0"/>
-              <a:t>命令后，再依次</a:t>
-            </a:r>
-            <a:r>
-              <a:rPr lang="zh-CN" altLang="en-US" dirty="0"/>
-              <a:t>执行这些命令。</a:t>
-            </a:r>
-          </a:p>
-          <a:p>
-            <a:r>
-              <a:rPr lang="zh-CN" altLang="en-US" dirty="0"/>
-              <a:t>例如</a:t>
-            </a:r>
-            <a:r>
-              <a:rPr lang="zh-CN" altLang="en-US" dirty="0" smtClean="0"/>
-              <a:t>：</a:t>
-            </a:r>
-            <a:endParaRPr lang="zh-CN" altLang="en-US" dirty="0"/>
+              <a:t>BRPOP</a:t>
+            </a:r>
+            <a:r>
+              <a:rPr lang="zh-CN" altLang="en-US" dirty="0" smtClean="0"/>
+              <a:t>命令接收多队列的特性、利用有序列表给任务打分</a:t>
+            </a:r>
+            <a:endParaRPr lang="en-US" altLang="zh-CN" dirty="0" smtClean="0"/>
           </a:p>
         </p:txBody>
       </p:sp>
+      <p:graphicFrame>
+        <p:nvGraphicFramePr>
+          <p:cNvPr id="5" name="图示 4"/>
+          <p:cNvGraphicFramePr/>
+          <p:nvPr>
+            <p:extLst>
+              <p:ext uri="{D42A27DB-BD31-4B8C-83A1-F6EECF244321}">
+                <p14:modId xmlns:p14="http://schemas.microsoft.com/office/powerpoint/2010/main" val="30118458"/>
+              </p:ext>
+            </p:extLst>
+          </p:nvPr>
+        </p:nvGraphicFramePr>
+        <p:xfrm>
+          <a:off x="2082800" y="1103499"/>
+          <a:ext cx="8026399" cy="3907080"/>
+        </p:xfrm>
+        <a:graphic>
+          <a:graphicData uri="http://schemas.openxmlformats.org/drawingml/2006/diagram">
+            <dgm:relIds xmlns:dgm="http://schemas.openxmlformats.org/drawingml/2006/diagram" xmlns:r="http://schemas.openxmlformats.org/officeDocument/2006/relationships" r:dm="rId3" r:lo="rId4" r:qs="rId5" r:cs="rId6"/>
+          </a:graphicData>
+        </a:graphic>
+      </p:graphicFrame>
       <p:sp>
         <p:nvSpPr>
-          <p:cNvPr id="4" name="文本框 3"/>
-          <p:cNvSpPr txBox="1"/>
+          <p:cNvPr id="8" name="矩形 7"/>
+          <p:cNvSpPr/>
           <p:nvPr/>
         </p:nvSpPr>
         <p:spPr>
           <a:xfrm>
-            <a:off x="1229308" y="4094600"/>
-            <a:ext cx="4060371" cy="2585323"/>
+            <a:off x="1233456" y="2429062"/>
+            <a:ext cx="6096000" cy="1015663"/>
           </a:xfrm>
           <a:prstGeom prst="rect">
             <a:avLst/>
           </a:prstGeom>
-          <a:noFill/>
-          <a:ln w="19050">
-            <a:solidFill>
-              <a:schemeClr val="accent3"/>
-            </a:solidFill>
-            <a:prstDash val="dash"/>
-          </a:ln>
         </p:spPr>
         <p:txBody>
-          <a:bodyPr wrap="square" rtlCol="0">
+          <a:bodyPr>
             <a:spAutoFit/>
           </a:bodyPr>
           <a:lstStyle/>
           <a:p>
-            <a:r>
-              <a:rPr lang="en-US" altLang="zh-CN" b="1" dirty="0" err="1" smtClean="0"/>
-              <a:t>redis</a:t>
-            </a:r>
-            <a:r>
-              <a:rPr lang="zh-CN" altLang="en-US" dirty="0" smtClean="0"/>
-              <a:t>＞</a:t>
-            </a:r>
-            <a:r>
-              <a:rPr lang="en-US" altLang="zh-CN" b="1" dirty="0" smtClean="0"/>
-              <a:t>MULTI</a:t>
-            </a:r>
-          </a:p>
-          <a:p>
-            <a:r>
-              <a:rPr lang="en-US" altLang="zh-CN" b="1" dirty="0" smtClean="0"/>
-              <a:t>OK</a:t>
-            </a:r>
-          </a:p>
-          <a:p>
-            <a:r>
-              <a:rPr lang="en-US" altLang="zh-CN" b="1" dirty="0" err="1" smtClean="0"/>
-              <a:t>redis</a:t>
-            </a:r>
-            <a:r>
-              <a:rPr lang="zh-CN" altLang="en-US" dirty="0" smtClean="0"/>
-              <a:t>＞</a:t>
-            </a:r>
-            <a:r>
-              <a:rPr lang="en-US" altLang="zh-CN" b="1" dirty="0" smtClean="0"/>
-              <a:t>SADD "user:1:following" 2</a:t>
-            </a:r>
-          </a:p>
-          <a:p>
-            <a:r>
-              <a:rPr lang="en-US" altLang="zh-CN" b="1" dirty="0" smtClean="0"/>
-              <a:t>QUEUED</a:t>
-            </a:r>
-          </a:p>
-          <a:p>
-            <a:r>
-              <a:rPr lang="en-US" altLang="zh-CN" b="1" dirty="0" err="1" smtClean="0"/>
-              <a:t>redis</a:t>
-            </a:r>
-            <a:r>
-              <a:rPr lang="zh-CN" altLang="en-US" dirty="0" smtClean="0"/>
-              <a:t>＞</a:t>
-            </a:r>
-            <a:r>
-              <a:rPr lang="en-US" altLang="zh-CN" b="1" dirty="0" smtClean="0"/>
-              <a:t>SADD "user:2:followers" 1</a:t>
-            </a:r>
-          </a:p>
-          <a:p>
-            <a:r>
-              <a:rPr lang="en-US" altLang="zh-CN" b="1" dirty="0" smtClean="0"/>
-              <a:t>QUEUED</a:t>
-            </a:r>
-          </a:p>
-          <a:p>
-            <a:r>
-              <a:rPr lang="en-US" altLang="zh-CN" b="1" dirty="0" err="1" smtClean="0"/>
-              <a:t>redis</a:t>
-            </a:r>
-            <a:r>
-              <a:rPr lang="zh-CN" altLang="en-US" dirty="0" smtClean="0"/>
-              <a:t>＞</a:t>
-            </a:r>
-            <a:r>
-              <a:rPr lang="en-US" altLang="zh-CN" b="1" dirty="0" smtClean="0"/>
-              <a:t>EXEC</a:t>
-            </a:r>
-          </a:p>
-          <a:p>
-            <a:r>
-              <a:rPr lang="en-US" altLang="zh-CN" b="1" dirty="0" smtClean="0"/>
-              <a:t>1) (integer) 1</a:t>
-            </a:r>
-          </a:p>
-          <a:p>
-            <a:r>
-              <a:rPr lang="en-US" altLang="zh-CN" b="1" dirty="0" smtClean="0"/>
-              <a:t>2) (integer) 1</a:t>
-            </a:r>
-            <a:endParaRPr lang="zh-CN" altLang="en-US" dirty="0"/>
+            <a:pPr marL="342900" indent="-342900">
+              <a:buFont typeface="Arial" panose="020B0604020202020204" pitchFamily="34" charset="0"/>
+              <a:buChar char="•"/>
+            </a:pPr>
+            <a:r>
+              <a:rPr lang="en-US" altLang="zh-CN" sz="2000" b="1" dirty="0" smtClean="0"/>
+              <a:t>LPUSH</a:t>
+            </a:r>
+          </a:p>
+          <a:p>
+            <a:pPr marL="342900" indent="-342900">
+              <a:buFont typeface="Arial" panose="020B0604020202020204" pitchFamily="34" charset="0"/>
+              <a:buChar char="•"/>
+            </a:pPr>
+            <a:r>
+              <a:rPr lang="en-US" altLang="zh-CN" sz="2000" b="1" dirty="0" smtClean="0"/>
+              <a:t>RPOP</a:t>
+            </a:r>
+          </a:p>
+          <a:p>
+            <a:pPr marL="342900" indent="-342900">
+              <a:buFont typeface="Arial" panose="020B0604020202020204" pitchFamily="34" charset="0"/>
+              <a:buChar char="•"/>
+            </a:pPr>
+            <a:r>
+              <a:rPr lang="en-US" altLang="zh-CN" sz="2000" b="1" dirty="0" smtClean="0"/>
+              <a:t>BRPOP</a:t>
+            </a:r>
+            <a:endParaRPr lang="zh-CN" altLang="en-US" sz="2000" b="1" dirty="0"/>
           </a:p>
         </p:txBody>
       </p:sp>
     </p:spTree>
     <p:extLst>
       <p:ext uri="{BB962C8B-B14F-4D97-AF65-F5344CB8AC3E}">
-        <p14:creationId xmlns:p14="http://schemas.microsoft.com/office/powerpoint/2010/main" val="3564917977"/>
+        <p14:creationId xmlns:p14="http://schemas.microsoft.com/office/powerpoint/2010/main" val="1678909700"/>
       </p:ext>
     </p:extLst>
   </p:cSld>
@@ -19362,14 +19428,26 @@
           <a:lstStyle/>
           <a:p>
             <a:r>
-              <a:rPr lang="en-US" altLang="zh-CN" dirty="0" err="1" smtClean="0"/>
-              <a:t>Redis</a:t>
-            </a:r>
-            <a:r>
-              <a:rPr lang="zh-CN" altLang="en-US" dirty="0" smtClean="0"/>
-              <a:t>事务</a:t>
-            </a:r>
-            <a:endParaRPr lang="zh-CN" altLang="en-US" dirty="0"/>
+              <a:rPr lang="zh-CN" altLang="en-US" dirty="0" smtClean="0">
+                <a:latin typeface="+mj-ea"/>
+              </a:rPr>
+              <a:t>“发布</a:t>
+            </a:r>
+            <a:r>
+              <a:rPr lang="en-US" altLang="zh-CN" dirty="0" smtClean="0">
+                <a:latin typeface="+mj-ea"/>
+              </a:rPr>
+              <a:t>-</a:t>
+            </a:r>
+            <a:r>
+              <a:rPr lang="zh-CN" altLang="en-US" dirty="0" smtClean="0">
+                <a:latin typeface="+mj-ea"/>
+              </a:rPr>
+              <a:t>订阅”</a:t>
+            </a:r>
+            <a:endParaRPr lang="zh-CN" altLang="en-US" dirty="0">
+              <a:latin typeface="+mj-ea"/>
+            </a:endParaRPr>
           </a:p>
         </p:txBody>
       </p:sp>
@@ -19383,330 +19461,74 @@
             <p:ph idx="1"/>
           </p:nvPr>
         </p:nvSpPr>
-        <p:spPr>
-          <a:xfrm>
-            <a:off x="838201" y="1825625"/>
-            <a:ext cx="9052248" cy="4351338"/>
-          </a:xfrm>
-        </p:spPr>
+        <p:spPr/>
         <p:txBody>
-          <a:bodyPr>
-            <a:normAutofit/>
-          </a:bodyPr>
+          <a:bodyPr/>
           <a:lstStyle/>
           <a:p>
-            <a:r>
-              <a:rPr lang="zh-CN" altLang="en-US" dirty="0" smtClean="0"/>
-              <a:t>错误处理</a:t>
-            </a:r>
-            <a:endParaRPr lang="en-US" altLang="zh-CN" dirty="0" smtClean="0"/>
-          </a:p>
-          <a:p>
-            <a:pPr marL="457200" lvl="1" indent="0">
+            <a:pPr marL="0" indent="0">
               <a:buNone/>
             </a:pPr>
             <a:r>
               <a:rPr lang="zh-CN" altLang="en-US" dirty="0" smtClean="0"/>
-              <a:t>错误分语法错误（都不执行）和运行时错误（忽略错误命令，执行其余命令）</a:t>
+              <a:t>“发布</a:t>
+            </a:r>
+            <a:r>
+              <a:rPr lang="en-US" altLang="zh-CN" dirty="0" smtClean="0"/>
+              <a:t>/</a:t>
+            </a:r>
+            <a:r>
+              <a:rPr lang="zh-CN" altLang="en-US" dirty="0" smtClean="0"/>
+              <a:t>订阅”模式中包含两种角色，分别是发布者和订阅者。</a:t>
             </a:r>
             <a:endParaRPr lang="en-US" altLang="zh-CN" dirty="0" smtClean="0"/>
           </a:p>
           <a:p>
-            <a:r>
-              <a:rPr lang="zh-CN" altLang="en-US" dirty="0" smtClean="0"/>
-              <a:t>事务回滚</a:t>
-            </a:r>
-            <a:endParaRPr lang="en-US" altLang="zh-CN" dirty="0" smtClean="0"/>
-          </a:p>
-          <a:p>
-            <a:pPr marL="457200" lvl="1" indent="0">
+            <a:pPr marL="0" indent="0">
               <a:buNone/>
             </a:pPr>
             <a:r>
-              <a:rPr lang="en-US" altLang="zh-CN" dirty="0" err="1"/>
-              <a:t>Redis</a:t>
-            </a:r>
-            <a:r>
-              <a:rPr lang="zh-CN" altLang="en-US" dirty="0"/>
-              <a:t>的事务没有关系</a:t>
-            </a:r>
-            <a:r>
-              <a:rPr lang="zh-CN" altLang="en-US" dirty="0" smtClean="0"/>
-              <a:t>数据库提供</a:t>
-            </a:r>
-            <a:r>
-              <a:rPr lang="zh-CN" altLang="en-US" dirty="0"/>
-              <a:t>的回滚（</a:t>
-            </a:r>
-            <a:r>
-              <a:rPr lang="en-US" altLang="zh-CN" dirty="0"/>
-              <a:t>rollback</a:t>
-            </a:r>
-            <a:r>
-              <a:rPr lang="zh-CN" altLang="en-US" dirty="0" smtClean="0"/>
-              <a:t>）功能，需要万能的</a:t>
+              <a:rPr lang="zh-CN" altLang="en-US" dirty="0" smtClean="0"/>
+              <a:t>订阅者可以订阅一个或若干个频道（</a:t>
             </a:r>
             <a:r>
               <a:rPr lang="en-US" altLang="zh-CN" dirty="0" smtClean="0"/>
-              <a:t>coder</a:t>
-            </a:r>
-            <a:r>
-              <a:rPr lang="zh-CN" altLang="en-US" dirty="0" smtClean="0"/>
-              <a:t>收拾剩下的摊子</a:t>
+              <a:t>channel</a:t>
+            </a:r>
+            <a:r>
+              <a:rPr lang="zh-CN" altLang="en-US" dirty="0" smtClean="0"/>
+              <a:t>），而发布者可以向指定的频道发送消息，所有订阅此频道的订阅者都会收到此消息。</a:t>
             </a:r>
             <a:endParaRPr lang="en-US" altLang="zh-CN" dirty="0" smtClean="0"/>
           </a:p>
           <a:p>
             <a:r>
-              <a:rPr lang="zh-CN" altLang="en-US" dirty="0"/>
-              <a:t>乐观</a:t>
-            </a:r>
-            <a:r>
-              <a:rPr lang="zh-CN" altLang="en-US" dirty="0" smtClean="0"/>
-              <a:t>锁（</a:t>
-            </a:r>
-            <a:r>
               <a:rPr lang="en-US" altLang="zh-CN" dirty="0" smtClean="0"/>
-              <a:t>Watch</a:t>
-            </a:r>
-            <a:r>
-              <a:rPr lang="zh-CN" altLang="en-US" dirty="0" smtClean="0"/>
-              <a:t>）</a:t>
-            </a:r>
-            <a:endParaRPr lang="en-US" altLang="zh-CN" dirty="0" smtClean="0"/>
-          </a:p>
-          <a:p>
-            <a:pPr marL="457200" lvl="1" indent="0">
-              <a:buNone/>
-            </a:pPr>
-            <a:r>
-              <a:rPr lang="en-US" altLang="zh-CN" dirty="0"/>
-              <a:t>WATCH</a:t>
-            </a:r>
-            <a:r>
-              <a:rPr lang="zh-CN" altLang="en-US" dirty="0"/>
-              <a:t>命令可以监控一个或</a:t>
-            </a:r>
-            <a:r>
-              <a:rPr lang="zh-CN" altLang="en-US" dirty="0" smtClean="0"/>
-              <a:t>多个</a:t>
-            </a:r>
-            <a:r>
-              <a:rPr lang="zh-CN" altLang="en-US" dirty="0"/>
-              <a:t>键，一旦其中有一个键被修改（或删除），之后的事务就不会执行。监控一直持续到</a:t>
-            </a:r>
-            <a:r>
-              <a:rPr lang="en-US" altLang="zh-CN" dirty="0"/>
-              <a:t>EXEC</a:t>
-            </a:r>
-            <a:r>
-              <a:rPr lang="zh-CN" altLang="en-US" dirty="0" smtClean="0"/>
-              <a:t>命令</a:t>
-            </a:r>
-            <a:r>
-              <a:rPr lang="zh-CN" altLang="en-US" dirty="0"/>
-              <a:t>（事务中的命令是在</a:t>
-            </a:r>
-            <a:r>
-              <a:rPr lang="en-US" altLang="zh-CN" dirty="0"/>
-              <a:t>EXEC</a:t>
-            </a:r>
-            <a:r>
-              <a:rPr lang="zh-CN" altLang="en-US" dirty="0"/>
-              <a:t>之后才执行的，所以在</a:t>
-            </a:r>
-            <a:r>
-              <a:rPr lang="en-US" altLang="zh-CN" dirty="0"/>
-              <a:t>MULTI</a:t>
-            </a:r>
-            <a:r>
-              <a:rPr lang="zh-CN" altLang="en-US" dirty="0"/>
-              <a:t>命令后可以修改</a:t>
-            </a:r>
-            <a:r>
-              <a:rPr lang="en-US" altLang="zh-CN" dirty="0"/>
-              <a:t>WATCH</a:t>
-            </a:r>
-            <a:r>
-              <a:rPr lang="zh-CN" altLang="en-US" dirty="0"/>
-              <a:t>监控的</a:t>
-            </a:r>
-            <a:r>
-              <a:rPr lang="zh-CN" altLang="en-US" dirty="0" smtClean="0"/>
-              <a:t>键值</a:t>
-            </a:r>
-            <a:r>
-              <a:rPr lang="zh-CN" altLang="en-US" dirty="0"/>
-              <a:t>）</a:t>
-            </a:r>
-          </a:p>
-        </p:txBody>
-      </p:sp>
-      <p:sp>
-        <p:nvSpPr>
-          <p:cNvPr id="4" name="文本框 3"/>
-          <p:cNvSpPr txBox="1"/>
-          <p:nvPr/>
-        </p:nvSpPr>
-        <p:spPr>
-          <a:xfrm>
-            <a:off x="10048417" y="2206645"/>
-            <a:ext cx="2006735" cy="3970318"/>
-          </a:xfrm>
-          <a:prstGeom prst="rect">
-            <a:avLst/>
-          </a:prstGeom>
-          <a:noFill/>
-          <a:ln w="19050">
-            <a:solidFill>
-              <a:schemeClr val="accent3"/>
-            </a:solidFill>
-            <a:prstDash val="dash"/>
-          </a:ln>
-        </p:spPr>
-        <p:txBody>
-          <a:bodyPr wrap="square" rtlCol="0">
-            <a:spAutoFit/>
-          </a:bodyPr>
-          <a:lstStyle/>
-          <a:p>
-            <a:r>
-              <a:rPr lang="en-US" altLang="zh-CN" b="1" dirty="0" err="1"/>
-              <a:t>redis</a:t>
-            </a:r>
-            <a:r>
-              <a:rPr lang="zh-CN" altLang="en-US" dirty="0"/>
-              <a:t>＞</a:t>
-            </a:r>
-            <a:r>
-              <a:rPr lang="en-US" altLang="zh-CN" b="1" dirty="0"/>
-              <a:t>SET key 1</a:t>
-            </a:r>
-          </a:p>
-          <a:p>
-            <a:r>
-              <a:rPr lang="en-US" altLang="zh-CN" b="1" dirty="0"/>
-              <a:t>OK</a:t>
-            </a:r>
-          </a:p>
-          <a:p>
-            <a:r>
-              <a:rPr lang="en-US" altLang="zh-CN" b="1" dirty="0" err="1"/>
-              <a:t>redis</a:t>
-            </a:r>
-            <a:r>
-              <a:rPr lang="zh-CN" altLang="en-US" dirty="0"/>
-              <a:t>＞</a:t>
-            </a:r>
-            <a:r>
-              <a:rPr lang="en-US" altLang="zh-CN" b="1" dirty="0"/>
-              <a:t>WATCH key</a:t>
-            </a:r>
-          </a:p>
-          <a:p>
-            <a:r>
-              <a:rPr lang="en-US" altLang="zh-CN" b="1" dirty="0"/>
-              <a:t>OK</a:t>
-            </a:r>
-          </a:p>
-          <a:p>
-            <a:r>
-              <a:rPr lang="en-US" altLang="zh-CN" b="1" dirty="0" err="1"/>
-              <a:t>redis</a:t>
-            </a:r>
-            <a:r>
-              <a:rPr lang="zh-CN" altLang="en-US" dirty="0"/>
-              <a:t>＞</a:t>
-            </a:r>
-            <a:r>
-              <a:rPr lang="en-US" altLang="zh-CN" b="1" dirty="0"/>
-              <a:t>SET key 2</a:t>
-            </a:r>
-          </a:p>
-          <a:p>
-            <a:r>
-              <a:rPr lang="en-US" altLang="zh-CN" b="1" dirty="0"/>
-              <a:t>OK</a:t>
-            </a:r>
-          </a:p>
-          <a:p>
-            <a:r>
-              <a:rPr lang="en-US" altLang="zh-CN" b="1" dirty="0" err="1"/>
-              <a:t>redis</a:t>
-            </a:r>
-            <a:r>
-              <a:rPr lang="zh-CN" altLang="en-US" dirty="0"/>
-              <a:t>＞</a:t>
-            </a:r>
-            <a:r>
-              <a:rPr lang="en-US" altLang="zh-CN" b="1" dirty="0"/>
-              <a:t>MULTI</a:t>
-            </a:r>
-          </a:p>
-          <a:p>
-            <a:r>
-              <a:rPr lang="en-US" altLang="zh-CN" b="1" dirty="0"/>
-              <a:t>OK</a:t>
-            </a:r>
-          </a:p>
-          <a:p>
-            <a:r>
-              <a:rPr lang="en-US" altLang="zh-CN" b="1" dirty="0" err="1"/>
-              <a:t>redis</a:t>
-            </a:r>
-            <a:r>
-              <a:rPr lang="zh-CN" altLang="en-US" dirty="0"/>
-              <a:t>＞</a:t>
-            </a:r>
-            <a:r>
-              <a:rPr lang="en-US" altLang="zh-CN" b="1" dirty="0"/>
-              <a:t>SET key 3</a:t>
-            </a:r>
-          </a:p>
-          <a:p>
-            <a:r>
-              <a:rPr lang="en-US" altLang="zh-CN" b="1" dirty="0"/>
-              <a:t>QUEUED</a:t>
-            </a:r>
-          </a:p>
-          <a:p>
-            <a:r>
-              <a:rPr lang="en-US" altLang="zh-CN" b="1" dirty="0" err="1"/>
-              <a:t>redis</a:t>
-            </a:r>
-            <a:r>
-              <a:rPr lang="zh-CN" altLang="en-US" dirty="0"/>
-              <a:t>＞</a:t>
-            </a:r>
-            <a:r>
-              <a:rPr lang="en-US" altLang="zh-CN" b="1" dirty="0"/>
-              <a:t>EXEC</a:t>
-            </a:r>
-          </a:p>
-          <a:p>
-            <a:r>
-              <a:rPr lang="en-US" altLang="zh-CN" b="1" dirty="0"/>
-              <a:t>(nil)</a:t>
-            </a:r>
-          </a:p>
-          <a:p>
-            <a:r>
-              <a:rPr lang="en-US" altLang="zh-CN" b="1" dirty="0" err="1"/>
-              <a:t>redis</a:t>
-            </a:r>
-            <a:r>
-              <a:rPr lang="zh-CN" altLang="en-US" dirty="0"/>
-              <a:t>＞</a:t>
-            </a:r>
-            <a:r>
-              <a:rPr lang="en-US" altLang="zh-CN" b="1" dirty="0"/>
-              <a:t>GET key</a:t>
-            </a:r>
-          </a:p>
-          <a:p>
-            <a:r>
-              <a:rPr lang="en-US" altLang="zh-CN" b="1" dirty="0"/>
-              <a:t>"2"</a:t>
+              <a:t>PUBLISH</a:t>
+            </a:r>
+          </a:p>
+          <a:p>
+            <a:r>
+              <a:rPr lang="en-US" altLang="zh-CN" dirty="0" smtClean="0"/>
+              <a:t>SUBSCRIBE</a:t>
+            </a:r>
+          </a:p>
+          <a:p>
+            <a:r>
+              <a:rPr lang="en-US" altLang="zh-CN" dirty="0" smtClean="0"/>
+              <a:t>UNSUBSCRIBE</a:t>
+            </a:r>
+          </a:p>
+          <a:p>
+            <a:r>
+              <a:rPr lang="en-US" altLang="zh-CN" dirty="0" smtClean="0"/>
+              <a:t>PSUBSCRIBE</a:t>
+            </a:r>
+          </a:p>
+          <a:p>
+            <a:r>
+              <a:rPr lang="en-US" altLang="zh-CN" dirty="0" smtClean="0"/>
+              <a:t>PUNSUBSCRIBE</a:t>
             </a:r>
             <a:endParaRPr lang="zh-CN" altLang="en-US" dirty="0"/>
           </a:p>
@@ -19715,106 +19537,19 @@
     </p:spTree>
     <p:extLst>
       <p:ext uri="{BB962C8B-B14F-4D97-AF65-F5344CB8AC3E}">
-        <p14:creationId xmlns:p14="http://schemas.microsoft.com/office/powerpoint/2010/main" val="1454869746"/>
+        <p14:creationId xmlns:p14="http://schemas.microsoft.com/office/powerpoint/2010/main" val="4066898496"/>
       </p:ext>
     </p:extLst>
   </p:cSld>
   <p:clrMapOvr>
     <a:masterClrMapping/>
   </p:clrMapOvr>
-  <mc:AlternateContent xmlns:mc="http://schemas.openxmlformats.org/markup-compatibility/2006">
-    <mc:Choice xmlns:p14="http://schemas.microsoft.com/office/powerpoint/2010/main" Requires="p14">
-      <p:transition p14:dur="0"/>
-    </mc:Choice>
-    <mc:Fallback>
-      <p:transition/>
-    </mc:Fallback>
-  </mc:AlternateContent>
   <p:timing>
     <p:tnLst>
       <p:par>
-        <p:cTn id="1" dur="indefinite" restart="never" nodeType="tmRoot">
-          <p:childTnLst>
-            <p:seq concurrent="1" nextAc="seek">
-              <p:cTn id="2" dur="indefinite" nodeType="mainSeq">
-                <p:childTnLst>
-                  <p:par>
-                    <p:cTn id="3" fill="hold">
-                      <p:stCondLst>
-                        <p:cond delay="indefinite"/>
-                      </p:stCondLst>
-                      <p:childTnLst>
-                        <p:par>
-                          <p:cTn id="4" fill="hold">
-                            <p:stCondLst>
-                              <p:cond delay="0"/>
-                            </p:stCondLst>
-                            <p:childTnLst>
-                              <p:par>
-                                <p:cTn id="5" presetID="10" presetClass="entr" presetSubtype="0" fill="hold" grpId="0" nodeType="clickEffect">
-                                  <p:stCondLst>
-                                    <p:cond delay="0"/>
-                                  </p:stCondLst>
-                                  <p:childTnLst>
-                                    <p:set>
-                                      <p:cBhvr>
-                                        <p:cTn id="6" dur="1" fill="hold">
-                                          <p:stCondLst>
-                                            <p:cond delay="0"/>
-                                          </p:stCondLst>
-                                        </p:cTn>
-                                        <p:tgtEl>
-                                          <p:spTgt spid="4"/>
-                                        </p:tgtEl>
-                                        <p:attrNameLst>
-                                          <p:attrName>style.visibility</p:attrName>
-                                        </p:attrNameLst>
-                                      </p:cBhvr>
-                                      <p:to>
-                                        <p:strVal val="visible"/>
-                                      </p:to>
-                                    </p:set>
-                                    <p:animEffect transition="in" filter="fade">
-                                      <p:cBhvr>
-                                        <p:cTn id="7" dur="500"/>
-                                        <p:tgtEl>
-                                          <p:spTgt spid="4"/>
-                                        </p:tgtEl>
-                                      </p:cBhvr>
-                                    </p:animEffect>
-                                  </p:childTnLst>
-                                </p:cTn>
-                              </p:par>
-                            </p:childTnLst>
-                          </p:cTn>
-                        </p:par>
-                      </p:childTnLst>
-                    </p:cTn>
-                  </p:par>
-                </p:childTnLst>
-              </p:cTn>
-              <p:prevCondLst>
-                <p:cond evt="onPrev" delay="0">
-                  <p:tgtEl>
-                    <p:sldTgt/>
-                  </p:tgtEl>
-                </p:cond>
-              </p:prevCondLst>
-              <p:nextCondLst>
-                <p:cond evt="onNext" delay="0">
-                  <p:tgtEl>
-                    <p:sldTgt/>
-                  </p:tgtEl>
-                </p:cond>
-              </p:nextCondLst>
-            </p:seq>
-          </p:childTnLst>
-        </p:cTn>
+        <p:cTn id="1" dur="indefinite" restart="never" nodeType="tmRoot"/>
       </p:par>
     </p:tnLst>
-    <p:bldLst>
-      <p:bldP spid="4" grpId="0" animBg="1"/>
-    </p:bldLst>
   </p:timing>
 </p:sld>
 </file>
@@ -19846,11 +19581,17 @@
             <p:ph type="title"/>
           </p:nvPr>
         </p:nvSpPr>
-        <p:spPr/>
+        <p:spPr>
+          <a:xfrm>
+            <a:off x="838200" y="3338512"/>
+            <a:ext cx="10515600" cy="1325563"/>
+          </a:xfrm>
+        </p:spPr>
         <p:txBody>
           <a:bodyPr/>
           <a:lstStyle/>
           <a:p>
+            <a:pPr algn="ctr"/>
             <a:r>
               <a:rPr lang="zh-CN" altLang="en-US" dirty="0" smtClean="0"/>
               <a:t>管理篇</a:t>
@@ -19984,7 +19725,7 @@
             </a:r>
             <a:r>
               <a:rPr lang="zh-CN" altLang="en-US" dirty="0" smtClean="0"/>
-              <a:t>）</a:t>
+              <a:t>，默认持久化方案）</a:t>
             </a:r>
             <a:endParaRPr lang="en-US" altLang="zh-CN" dirty="0" smtClean="0"/>
           </a:p>
@@ -20067,11 +19808,7 @@
             </a:r>
             <a:r>
               <a:rPr lang="en-US" altLang="zh-CN" dirty="0" smtClean="0"/>
-              <a:t>—</a:t>
-            </a:r>
-            <a:r>
-              <a:rPr lang="en-US" altLang="zh-CN" dirty="0" smtClean="0"/>
-              <a:t>RDB</a:t>
+              <a:t>—RDB</a:t>
             </a:r>
             <a:r>
               <a:rPr lang="zh-CN" altLang="en-US" dirty="0" smtClean="0"/>
@@ -20134,7 +19871,7 @@
             </a:pPr>
             <a:r>
               <a:rPr lang="zh-CN" altLang="en-US" sz="1800" dirty="0" smtClean="0"/>
-              <a:t>（</a:t>
+              <a:t>   （</a:t>
             </a:r>
             <a:r>
               <a:rPr lang="en-US" altLang="zh-CN" sz="1800" dirty="0" smtClean="0"/>
@@ -20167,7 +19904,7 @@
             </a:pPr>
             <a:r>
               <a:rPr lang="zh-CN" altLang="en-US" sz="1800" dirty="0" smtClean="0"/>
-              <a:t>（</a:t>
+              <a:t>   （</a:t>
             </a:r>
             <a:r>
               <a:rPr lang="en-US" altLang="zh-CN" sz="1800" dirty="0" smtClean="0"/>
@@ -20184,7 +19921,7 @@
             </a:pPr>
             <a:r>
               <a:rPr lang="zh-CN" altLang="en-US" sz="1800" dirty="0" smtClean="0"/>
-              <a:t>（</a:t>
+              <a:t>   （</a:t>
             </a:r>
             <a:r>
               <a:rPr lang="en-US" altLang="zh-CN" sz="1800" dirty="0" smtClean="0"/>
@@ -20321,7 +20058,7 @@
         </p:nvSpPr>
         <p:spPr>
           <a:xfrm>
-            <a:off x="1110189" y="5463215"/>
+            <a:off x="1266943" y="5388570"/>
             <a:ext cx="5430570" cy="923330"/>
           </a:xfrm>
           <a:prstGeom prst="rect">
@@ -20473,11 +20210,7 @@
             </a:r>
             <a:r>
               <a:rPr lang="en-US" altLang="zh-CN" dirty="0" smtClean="0"/>
-              <a:t>—</a:t>
-            </a:r>
-            <a:r>
-              <a:rPr lang="en-US" altLang="zh-CN" dirty="0" smtClean="0"/>
-              <a:t>AOF</a:t>
+              <a:t>—AOF</a:t>
             </a:r>
             <a:r>
               <a:rPr lang="zh-CN" altLang="en-US" dirty="0" smtClean="0"/>
@@ -20497,7 +20230,12 @@
             <p:ph idx="1"/>
           </p:nvPr>
         </p:nvSpPr>
-        <p:spPr/>
+        <p:spPr>
+          <a:xfrm>
+            <a:off x="838200" y="1825624"/>
+            <a:ext cx="10515600" cy="4592593"/>
+          </a:xfrm>
+        </p:spPr>
         <p:txBody>
           <a:bodyPr/>
           <a:lstStyle/>
@@ -20589,9 +20327,6 @@
             <a:endParaRPr lang="en-US" altLang="zh-CN" sz="2400" dirty="0" smtClean="0"/>
           </a:p>
           <a:p>
-            <a:endParaRPr lang="en-US" altLang="zh-CN" sz="2400" dirty="0"/>
-          </a:p>
-          <a:p>
             <a:r>
               <a:rPr lang="en-US" altLang="zh-CN" sz="2400" dirty="0" smtClean="0"/>
               <a:t>AOF</a:t>
@@ -20637,6 +20372,52 @@
             <a:endParaRPr lang="en-US" altLang="zh-CN" sz="2000" dirty="0" smtClean="0"/>
           </a:p>
           <a:p>
+            <a:r>
+              <a:rPr lang="en-US" altLang="zh-CN" sz="2400" dirty="0" err="1" smtClean="0"/>
+              <a:t>Redis</a:t>
+            </a:r>
+            <a:r>
+              <a:rPr lang="zh-CN" altLang="en-US" sz="2400" dirty="0" smtClean="0"/>
+              <a:t>重启数据恢复</a:t>
+            </a:r>
+            <a:endParaRPr lang="en-US" altLang="zh-CN" sz="2400" dirty="0" smtClean="0"/>
+          </a:p>
+          <a:p>
+            <a:pPr marL="457200" lvl="1" indent="0">
+              <a:buNone/>
+            </a:pPr>
+            <a:r>
+              <a:rPr lang="en-US" altLang="zh-CN" sz="2000" dirty="0" err="1" smtClean="0"/>
+              <a:t>Redis</a:t>
+            </a:r>
+            <a:r>
+              <a:rPr lang="zh-CN" altLang="en-US" sz="2000" dirty="0"/>
+              <a:t>允许同时开启</a:t>
+            </a:r>
+            <a:r>
+              <a:rPr lang="en-US" altLang="zh-CN" sz="2000" dirty="0"/>
+              <a:t>AOF</a:t>
+            </a:r>
+            <a:r>
+              <a:rPr lang="zh-CN" altLang="en-US" sz="2000" dirty="0"/>
+              <a:t>和</a:t>
+            </a:r>
+            <a:r>
+              <a:rPr lang="en-US" altLang="zh-CN" sz="2000" dirty="0"/>
+              <a:t>RDB</a:t>
+            </a:r>
+            <a:r>
+              <a:rPr lang="zh-CN" altLang="en-US" sz="2000" dirty="0" smtClean="0"/>
+              <a:t>，重启时优先使用</a:t>
+            </a:r>
+            <a:r>
+              <a:rPr lang="en-US" altLang="zh-CN" sz="2000" dirty="0" smtClean="0"/>
+              <a:t>AOF</a:t>
+            </a:r>
+            <a:r>
+              <a:rPr lang="zh-CN" altLang="en-US" sz="2000" dirty="0" smtClean="0"/>
+              <a:t>恢复数据。</a:t>
+            </a:r>
             <a:endParaRPr lang="zh-CN" altLang="en-US" dirty="0"/>
           </a:p>
         </p:txBody>
@@ -20649,7 +20430,7 @@
         </p:nvSpPr>
         <p:spPr>
           <a:xfrm>
-            <a:off x="1181877" y="3306769"/>
+            <a:off x="1417009" y="3132598"/>
             <a:ext cx="5547360" cy="923330"/>
           </a:xfrm>
           <a:prstGeom prst="rect">
@@ -20800,30 +20581,19 @@
             <p:ph idx="1"/>
           </p:nvPr>
         </p:nvSpPr>
-        <p:spPr/>
+        <p:spPr>
+          <a:xfrm>
+            <a:off x="838200" y="1825625"/>
+            <a:ext cx="10515600" cy="4888684"/>
+          </a:xfrm>
+        </p:spPr>
         <p:txBody>
           <a:bodyPr>
-            <a:normAutofit fontScale="92500" lnSpcReduction="20000"/>
+            <a:normAutofit lnSpcReduction="10000"/>
           </a:bodyPr>
           <a:lstStyle/>
           <a:p>
             <a:r>
-              <a:rPr lang="zh-CN" altLang="en-US" dirty="0"/>
-              <a:t>为了避免单点故障，我们希望将数据库复制多个副本以部署在不同的服务器上，即使</a:t>
-            </a:r>
-            <a:r>
-              <a:rPr lang="zh-CN" altLang="en-US" dirty="0" smtClean="0"/>
-              <a:t>有一</a:t>
-            </a:r>
-            <a:r>
-              <a:rPr lang="zh-CN" altLang="en-US" dirty="0"/>
-              <a:t>台服务器出现故障其他服务器依然可以继续提供服务</a:t>
-            </a:r>
-            <a:r>
-              <a:rPr lang="zh-CN" altLang="en-US" dirty="0" smtClean="0"/>
-              <a:t>。</a:t>
-            </a:r>
-            <a:r>
               <a:rPr lang="en-US" altLang="zh-CN" dirty="0" err="1"/>
               <a:t>Redis</a:t>
             </a:r>
@@ -20837,147 +20607,143 @@
             </a:r>
             <a:r>
               <a:rPr lang="zh-CN" altLang="en-US" dirty="0"/>
-              <a:t>）功能</a:t>
-            </a:r>
-            <a:r>
-              <a:rPr lang="zh-CN" altLang="en-US" dirty="0" smtClean="0"/>
-              <a:t>可以自动</a:t>
-            </a:r>
-            <a:r>
-              <a:rPr lang="zh-CN" altLang="en-US" dirty="0"/>
-              <a:t>实现同步的过程</a:t>
-            </a:r>
-            <a:r>
-              <a:rPr lang="zh-CN" altLang="en-US" dirty="0" smtClean="0"/>
-              <a:t>。</a:t>
+              <a:t>）功能可以自动实现同步的过程。</a:t>
+            </a:r>
+            <a:endParaRPr lang="en-US" altLang="zh-CN" dirty="0"/>
+          </a:p>
+          <a:p>
+            <a:r>
+              <a:rPr lang="zh-CN" altLang="en-US" dirty="0" smtClean="0"/>
+              <a:t>架构：</a:t>
             </a:r>
             <a:endParaRPr lang="en-US" altLang="zh-CN" dirty="0" smtClean="0"/>
           </a:p>
           <a:p>
-            <a:r>
-              <a:rPr lang="zh-CN" altLang="en-US" dirty="0"/>
-              <a:t>同步后的数据库分为两类，一类是主数据库（</a:t>
-            </a:r>
-            <a:r>
-              <a:rPr lang="en-US" altLang="zh-CN" dirty="0"/>
+            <a:pPr lvl="1">
+              <a:buFont typeface="Wingdings" panose="05000000000000000000" pitchFamily="2" charset="2"/>
+              <a:buChar char="Ø"/>
+            </a:pPr>
+            <a:r>
+              <a:rPr lang="zh-CN" altLang="en-US" dirty="0" smtClean="0"/>
+              <a:t>主数据库（</a:t>
+            </a:r>
+            <a:r>
+              <a:rPr lang="en-US" altLang="zh-CN" dirty="0" smtClean="0"/>
               <a:t>master</a:t>
             </a:r>
             <a:r>
-              <a:rPr lang="zh-CN" altLang="en-US" dirty="0"/>
-              <a:t>），一类是从数据库（</a:t>
-            </a:r>
-            <a:r>
-              <a:rPr lang="en-US" altLang="zh-CN" dirty="0"/>
+              <a:rPr lang="zh-CN" altLang="en-US" dirty="0" smtClean="0"/>
+              <a:t>，读写）</a:t>
+            </a:r>
+            <a:endParaRPr lang="en-US" altLang="zh-CN" dirty="0" smtClean="0"/>
+          </a:p>
+          <a:p>
+            <a:pPr lvl="1">
+              <a:buFont typeface="Wingdings" panose="05000000000000000000" pitchFamily="2" charset="2"/>
+              <a:buChar char="Ø"/>
+            </a:pPr>
+            <a:r>
+              <a:rPr lang="zh-CN" altLang="en-US" dirty="0" smtClean="0"/>
+              <a:t>从数据库（</a:t>
+            </a:r>
+            <a:r>
+              <a:rPr lang="en-US" altLang="zh-CN" dirty="0" smtClean="0"/>
               <a:t>slave</a:t>
             </a:r>
             <a:r>
-              <a:rPr lang="zh-CN" altLang="en-US" dirty="0"/>
-              <a:t>）。主</a:t>
-            </a:r>
-            <a:r>
-              <a:rPr lang="zh-CN" altLang="en-US" dirty="0" smtClean="0"/>
-              <a:t>数据库可以</a:t>
-            </a:r>
-            <a:r>
-              <a:rPr lang="zh-CN" altLang="en-US" dirty="0"/>
-              <a:t>进行读写操作，当发生写操作时自动将数据同步给从数据库。而从数据库一般是只读的</a:t>
-            </a:r>
-            <a:r>
-              <a:rPr lang="zh-CN" altLang="en-US" dirty="0" smtClean="0"/>
-              <a:t>，并</a:t>
-            </a:r>
-            <a:r>
-              <a:rPr lang="zh-CN" altLang="en-US" dirty="0"/>
-              <a:t>接受主数据库同步过来的数据。一个主数据库可以拥有多个从数据库，而一个从数据库</a:t>
-            </a:r>
-            <a:r>
-              <a:rPr lang="zh-CN" altLang="en-US" dirty="0" smtClean="0"/>
-              <a:t>只能</a:t>
-            </a:r>
-            <a:r>
-              <a:rPr lang="zh-CN" altLang="en-US" dirty="0"/>
-              <a:t>拥有一个主</a:t>
-            </a:r>
-            <a:r>
-              <a:rPr lang="zh-CN" altLang="en-US" dirty="0" smtClean="0"/>
-              <a:t>数据库。</a:t>
+              <a:rPr lang="zh-CN" altLang="en-US" dirty="0" smtClean="0"/>
+              <a:t>，只读）</a:t>
             </a:r>
             <a:endParaRPr lang="en-US" altLang="zh-CN" dirty="0" smtClean="0"/>
           </a:p>
           <a:p>
             <a:r>
-              <a:rPr lang="en-US" altLang="zh-CN" dirty="0" err="1" smtClean="0"/>
+              <a:rPr lang="zh-CN" altLang="en-US" dirty="0" smtClean="0"/>
+              <a:t>配置：</a:t>
+            </a:r>
+            <a:endParaRPr lang="en-US" altLang="zh-CN" dirty="0" smtClean="0"/>
+          </a:p>
+          <a:p>
+            <a:pPr marL="457200" lvl="1" indent="0">
+              <a:buNone/>
+            </a:pPr>
+            <a:endParaRPr lang="en-US" altLang="zh-CN" dirty="0" smtClean="0"/>
+          </a:p>
+          <a:p>
+            <a:endParaRPr lang="en-US" altLang="zh-CN" dirty="0"/>
+          </a:p>
+          <a:p>
+            <a:r>
+              <a:rPr lang="zh-CN" altLang="en-US" dirty="0" smtClean="0"/>
+              <a:t>原理：</a:t>
+            </a:r>
+            <a:endParaRPr lang="en-US" altLang="zh-CN" dirty="0" smtClean="0"/>
+          </a:p>
+          <a:p>
+            <a:pPr marL="457200" lvl="1" indent="0">
+              <a:buNone/>
+            </a:pPr>
+            <a:r>
+              <a:rPr lang="zh-CN" altLang="en-US" sz="2000" dirty="0" smtClean="0"/>
+              <a:t>当一个从数据库启动后，会向主数据库发送</a:t>
+            </a:r>
+            <a:r>
+              <a:rPr lang="en-US" altLang="zh-CN" sz="2000" dirty="0" smtClean="0"/>
+              <a:t>SYNC</a:t>
+            </a:r>
+            <a:r>
+              <a:rPr lang="zh-CN" altLang="en-US" sz="2000" dirty="0" smtClean="0"/>
+              <a:t>命令，主数据库接收到</a:t>
+            </a:r>
+            <a:r>
+              <a:rPr lang="en-US" altLang="zh-CN" sz="2000" dirty="0" smtClean="0"/>
+              <a:t>SYNC</a:t>
+            </a:r>
+            <a:r>
+              <a:rPr lang="zh-CN" altLang="en-US" sz="2000" dirty="0" smtClean="0"/>
+              <a:t>命令后会开始在后台保存快照（即</a:t>
+            </a:r>
+            <a:r>
+              <a:rPr lang="en-US" altLang="zh-CN" sz="2000" dirty="0" smtClean="0"/>
+              <a:t>RDB</a:t>
+            </a:r>
+            <a:r>
+              <a:rPr lang="zh-CN" altLang="en-US" sz="2000" dirty="0" smtClean="0"/>
+              <a:t>持久化的过程），并将保存期间接收到的命令缓存起来。当快照完成后，</a:t>
+            </a:r>
+            <a:r>
+              <a:rPr lang="en-US" altLang="zh-CN" sz="2000" dirty="0" err="1" smtClean="0"/>
               <a:t>Redis</a:t>
             </a:r>
             <a:r>
-              <a:rPr lang="zh-CN" altLang="en-US" dirty="0" smtClean="0"/>
-              <a:t>复制原理：</a:t>
-            </a:r>
-            <a:endParaRPr lang="en-US" altLang="zh-CN" dirty="0" smtClean="0"/>
-          </a:p>
-          <a:p>
-            <a:pPr lvl="1"/>
-            <a:r>
-              <a:rPr lang="zh-CN" altLang="en-US" dirty="0" smtClean="0"/>
-              <a:t>当一个从数据库启动后，会向主数据库发送</a:t>
-            </a:r>
-            <a:r>
-              <a:rPr lang="en-US" altLang="zh-CN" dirty="0" smtClean="0"/>
-              <a:t>SYNC</a:t>
-            </a:r>
-            <a:r>
-              <a:rPr lang="zh-CN" altLang="en-US" dirty="0" smtClean="0"/>
-              <a:t>命令，主数据库接收到</a:t>
-            </a:r>
-            <a:r>
-              <a:rPr lang="en-US" altLang="zh-CN" dirty="0" smtClean="0"/>
-              <a:t>SYNC</a:t>
-            </a:r>
-            <a:r>
-              <a:rPr lang="zh-CN" altLang="en-US" dirty="0" smtClean="0"/>
-              <a:t>命令后会开始在后台保存快照（即</a:t>
-            </a:r>
-            <a:r>
-              <a:rPr lang="en-US" altLang="zh-CN" dirty="0" smtClean="0"/>
+              <a:rPr lang="zh-CN" altLang="en-US" sz="2000" dirty="0" smtClean="0"/>
+              <a:t>会将快照文件和所有缓存的命令发送给从数据库。从数据库将</a:t>
+            </a:r>
+            <a:r>
+              <a:rPr lang="zh-CN" altLang="en-US" sz="2000" dirty="0"/>
+              <a:t>收到的内容写入到硬盘上的临时文件中，当写入完成</a:t>
+            </a:r>
+            <a:r>
+              <a:rPr lang="zh-CN" altLang="en-US" sz="2000" dirty="0" smtClean="0"/>
+              <a:t>后用</a:t>
+            </a:r>
+            <a:r>
+              <a:rPr lang="zh-CN" altLang="en-US" sz="2000" dirty="0"/>
+              <a:t>该临时文件替换</a:t>
+            </a:r>
+            <a:r>
+              <a:rPr lang="en-US" altLang="zh-CN" sz="2000" dirty="0"/>
               <a:t>RDB</a:t>
             </a:r>
             <a:r>
-              <a:rPr lang="zh-CN" altLang="en-US" dirty="0" smtClean="0"/>
-              <a:t>持久化的过程），并将保存期间接收到的命令缓存起来。当快照完成后，</a:t>
-            </a:r>
-            <a:r>
-              <a:rPr lang="en-US" altLang="zh-CN" dirty="0" err="1" smtClean="0"/>
-              <a:t>Redis</a:t>
-            </a:r>
-            <a:r>
-              <a:rPr lang="zh-CN" altLang="en-US" dirty="0" smtClean="0"/>
-              <a:t>会将快照文件和所有缓存的命令发送给从数据库。从数据库将</a:t>
-            </a:r>
-            <a:r>
-              <a:rPr lang="zh-CN" altLang="en-US" dirty="0"/>
-              <a:t>收到的内容写入到硬盘上的临时文件中，当写入完成</a:t>
-            </a:r>
-            <a:r>
-              <a:rPr lang="zh-CN" altLang="en-US" dirty="0" smtClean="0"/>
-              <a:t>后用</a:t>
-            </a:r>
-            <a:r>
-              <a:rPr lang="zh-CN" altLang="en-US" dirty="0"/>
-              <a:t>该临时文件替换</a:t>
-            </a:r>
-            <a:r>
-              <a:rPr lang="en-US" altLang="zh-CN" dirty="0"/>
-              <a:t>RDB</a:t>
-            </a:r>
-            <a:r>
-              <a:rPr lang="zh-CN" altLang="en-US" dirty="0"/>
+              <a:rPr lang="zh-CN" altLang="en-US" sz="2000" dirty="0"/>
               <a:t>快照</a:t>
             </a:r>
             <a:r>
-              <a:rPr lang="zh-CN" altLang="en-US" dirty="0" smtClean="0"/>
+              <a:rPr lang="zh-CN" altLang="en-US" sz="2000" dirty="0" smtClean="0"/>
               <a:t>文件，之后进行快照恢复并执行收到的缓存命令。</a:t>
             </a:r>
-            <a:endParaRPr lang="zh-CN" altLang="en-US" dirty="0"/>
+            <a:endParaRPr lang="zh-CN" altLang="en-US" sz="2000" dirty="0"/>
           </a:p>
         </p:txBody>
       </p:sp>
@@ -20990,21 +20756,85 @@
           <p:nvPr/>
         </p:nvPicPr>
         <p:blipFill>
-          <a:blip r:embed="rId2"/>
+          <a:blip r:embed="rId3"/>
           <a:stretch>
             <a:fillRect/>
           </a:stretch>
         </p:blipFill>
         <p:spPr>
           <a:xfrm>
-            <a:off x="3892050" y="2221095"/>
-            <a:ext cx="4162441" cy="3265306"/>
+            <a:off x="6670020" y="2545916"/>
+            <a:ext cx="2828356" cy="2218758"/>
           </a:xfrm>
           <a:prstGeom prst="rect">
             <a:avLst/>
           </a:prstGeom>
+          <a:effectLst/>
         </p:spPr>
       </p:pic>
+      <p:sp>
+        <p:nvSpPr>
+          <p:cNvPr id="4" name="文本框 3"/>
+          <p:cNvSpPr txBox="1"/>
+          <p:nvPr/>
+        </p:nvSpPr>
+        <p:spPr>
+          <a:xfrm>
+            <a:off x="1391506" y="3946801"/>
+            <a:ext cx="3423090" cy="646331"/>
+          </a:xfrm>
+          <a:prstGeom prst="rect">
+            <a:avLst/>
+          </a:prstGeom>
+          <a:noFill/>
+          <a:ln w="19050">
+            <a:solidFill>
+              <a:schemeClr val="accent3"/>
+            </a:solidFill>
+            <a:prstDash val="dash"/>
+          </a:ln>
+        </p:spPr>
+        <p:txBody>
+          <a:bodyPr wrap="square" rtlCol="0">
+            <a:spAutoFit/>
+          </a:bodyPr>
+          <a:lstStyle/>
+          <a:p>
+            <a:r>
+              <a:rPr lang="en-US" altLang="zh-CN" dirty="0"/>
+              <a:t>#</a:t>
+            </a:r>
+            <a:r>
+              <a:rPr lang="zh-CN" altLang="en-US" dirty="0"/>
+              <a:t>只需在从节点配置</a:t>
+            </a:r>
+            <a:r>
+              <a:rPr lang="en-US" altLang="zh-CN" dirty="0" err="1"/>
+              <a:t>slaveof</a:t>
+            </a:r>
+            <a:r>
+              <a:rPr lang="en-US" altLang="zh-CN" dirty="0"/>
+              <a:t> </a:t>
+            </a:r>
+            <a:r>
+              <a:rPr lang="zh-CN" altLang="en-US" dirty="0" smtClean="0"/>
+              <a:t>即可</a:t>
+            </a:r>
+            <a:endParaRPr lang="en-US" altLang="zh-CN" dirty="0" smtClean="0"/>
+          </a:p>
+          <a:p>
+            <a:r>
+              <a:rPr lang="en-US" altLang="zh-CN" dirty="0" err="1" smtClean="0"/>
+              <a:t>slaveof</a:t>
+            </a:r>
+            <a:r>
+              <a:rPr lang="en-US" altLang="zh-CN" dirty="0" smtClean="0"/>
+              <a:t> 172.20.16.3 6379 	</a:t>
+            </a:r>
+            <a:endParaRPr lang="en-US" altLang="zh-CN" dirty="0"/>
+          </a:p>
+        </p:txBody>
+      </p:sp>
     </p:spTree>
     <p:extLst>
       <p:ext uri="{BB962C8B-B14F-4D97-AF65-F5344CB8AC3E}">
@@ -21082,7 +20912,7 @@
         <p:spPr/>
         <p:txBody>
           <a:bodyPr>
-            <a:normAutofit lnSpcReduction="10000"/>
+            <a:normAutofit/>
           </a:bodyPr>
           <a:lstStyle/>
           <a:p>
@@ -21097,42 +20927,42 @@
               <a:buNone/>
             </a:pPr>
             <a:r>
-              <a:rPr lang="zh-CN" altLang="en-US" dirty="0"/>
+              <a:rPr lang="zh-CN" altLang="en-US" sz="2000" dirty="0"/>
               <a:t>通过复制可以实现读写分离以提高服务器的负载能力。在常见的场景中，读的频率</a:t>
             </a:r>
             <a:r>
-              <a:rPr lang="zh-CN" altLang="en-US" dirty="0" smtClean="0"/>
+              <a:rPr lang="zh-CN" altLang="en-US" sz="2000" dirty="0" smtClean="0"/>
               <a:t>大于写</a:t>
             </a:r>
             <a:r>
-              <a:rPr lang="zh-CN" altLang="en-US" dirty="0"/>
+              <a:rPr lang="zh-CN" altLang="en-US" sz="2000" dirty="0"/>
               <a:t>，当单机的</a:t>
             </a:r>
             <a:r>
-              <a:rPr lang="en-US" altLang="zh-CN" dirty="0" err="1"/>
+              <a:rPr lang="en-US" altLang="zh-CN" sz="2000" dirty="0" err="1"/>
               <a:t>Redis</a:t>
             </a:r>
             <a:r>
-              <a:rPr lang="zh-CN" altLang="en-US" dirty="0"/>
+              <a:rPr lang="zh-CN" altLang="en-US" sz="2000" dirty="0"/>
               <a:t>无法应付大量的读请求时（尤其是较耗资源的请求，比如</a:t>
             </a:r>
             <a:r>
-              <a:rPr lang="en-US" altLang="zh-CN" dirty="0"/>
+              <a:rPr lang="en-US" altLang="zh-CN" sz="2000" dirty="0"/>
               <a:t>SORT</a:t>
             </a:r>
             <a:r>
-              <a:rPr lang="zh-CN" altLang="en-US" dirty="0"/>
+              <a:rPr lang="zh-CN" altLang="en-US" sz="2000" dirty="0"/>
               <a:t>命令等）</a:t>
             </a:r>
             <a:r>
-              <a:rPr lang="zh-CN" altLang="en-US" dirty="0" smtClean="0"/>
+              <a:rPr lang="zh-CN" altLang="en-US" sz="2000" dirty="0" smtClean="0"/>
               <a:t>可以通过</a:t>
             </a:r>
             <a:r>
-              <a:rPr lang="zh-CN" altLang="en-US" dirty="0"/>
+              <a:rPr lang="zh-CN" altLang="en-US" sz="2000" dirty="0"/>
               <a:t>复制功能建立多个从数据库，主数据库只进行写操作，而从数据库负责读操作。</a:t>
             </a:r>
-            <a:endParaRPr lang="en-US" altLang="zh-CN" dirty="0"/>
+            <a:endParaRPr lang="en-US" altLang="zh-CN" sz="2000" dirty="0"/>
           </a:p>
           <a:p>
             <a:r>
@@ -21146,63 +20976,63 @@
               <a:buNone/>
             </a:pPr>
             <a:r>
-              <a:rPr lang="zh-CN" altLang="en-US" dirty="0"/>
+              <a:rPr lang="zh-CN" altLang="en-US" sz="2000" dirty="0"/>
               <a:t>另一个相对耗时的操作是持久化，为了提高性能，可以通过复制功能建立一个（或</a:t>
             </a:r>
             <a:r>
-              <a:rPr lang="zh-CN" altLang="en-US" dirty="0" smtClean="0"/>
+              <a:rPr lang="zh-CN" altLang="en-US" sz="2000" dirty="0" smtClean="0"/>
               <a:t>若干个</a:t>
             </a:r>
             <a:r>
-              <a:rPr lang="zh-CN" altLang="en-US" dirty="0"/>
+              <a:rPr lang="zh-CN" altLang="en-US" sz="2000" dirty="0"/>
               <a:t>）从数据库，并在从数据库中启用持久化，同时在主数据库禁用持久化。当从数据库崩溃</a:t>
             </a:r>
             <a:r>
-              <a:rPr lang="zh-CN" altLang="en-US" dirty="0" smtClean="0"/>
+              <a:rPr lang="zh-CN" altLang="en-US" sz="2000" dirty="0" smtClean="0"/>
               <a:t>时重</a:t>
             </a:r>
             <a:r>
-              <a:rPr lang="zh-CN" altLang="en-US" dirty="0"/>
+              <a:rPr lang="zh-CN" altLang="en-US" sz="2000" dirty="0"/>
               <a:t>启后主数据库会自动将数据同步过来，所以无需担心数据丢失。而当主数据库崩溃时，</a:t>
             </a:r>
             <a:r>
-              <a:rPr lang="zh-CN" altLang="en-US" dirty="0" smtClean="0"/>
+              <a:rPr lang="zh-CN" altLang="en-US" sz="2000" dirty="0" smtClean="0"/>
               <a:t>需要在</a:t>
             </a:r>
             <a:r>
-              <a:rPr lang="zh-CN" altLang="en-US" dirty="0"/>
+              <a:rPr lang="zh-CN" altLang="en-US" sz="2000" dirty="0"/>
               <a:t>从数据库中使用</a:t>
             </a:r>
             <a:r>
-              <a:rPr lang="en-US" altLang="zh-CN" dirty="0"/>
+              <a:rPr lang="en-US" altLang="zh-CN" sz="2000" dirty="0"/>
               <a:t>SLAVEOF NO ONE</a:t>
             </a:r>
             <a:r>
-              <a:rPr lang="zh-CN" altLang="en-US" dirty="0"/>
+              <a:rPr lang="zh-CN" altLang="en-US" sz="2000" dirty="0"/>
               <a:t>命令将从数据库提升成主数据库继续服务，并在原来</a:t>
             </a:r>
             <a:r>
-              <a:rPr lang="zh-CN" altLang="en-US" dirty="0" smtClean="0"/>
+              <a:rPr lang="zh-CN" altLang="en-US" sz="2000" dirty="0" smtClean="0"/>
               <a:t>的主</a:t>
             </a:r>
             <a:r>
-              <a:rPr lang="zh-CN" altLang="en-US" dirty="0"/>
+              <a:rPr lang="zh-CN" altLang="en-US" sz="2000" dirty="0"/>
               <a:t>数据库启动后使用</a:t>
             </a:r>
             <a:r>
-              <a:rPr lang="en-US" altLang="zh-CN" dirty="0"/>
+              <a:rPr lang="en-US" altLang="zh-CN" sz="2000" dirty="0"/>
               <a:t>SLAVEOF</a:t>
             </a:r>
             <a:r>
-              <a:rPr lang="zh-CN" altLang="en-US" dirty="0"/>
+              <a:rPr lang="zh-CN" altLang="en-US" sz="2000" dirty="0"/>
               <a:t>命令将其设置成新的主数据库的从数据库，即可将数据同步</a:t>
             </a:r>
             <a:r>
-              <a:rPr lang="zh-CN" altLang="en-US" dirty="0" smtClean="0"/>
+              <a:rPr lang="zh-CN" altLang="en-US" sz="2000" dirty="0" smtClean="0"/>
               <a:t>回来</a:t>
             </a:r>
             <a:r>
-              <a:rPr lang="zh-CN" altLang="en-US" dirty="0"/>
+              <a:rPr lang="zh-CN" altLang="en-US" sz="2000" dirty="0"/>
               <a:t>。</a:t>
             </a:r>
           </a:p>
@@ -21261,8 +21091,20 @@
           <a:lstStyle/>
           <a:p>
             <a:r>
+              <a:rPr lang="en-US" altLang="zh-CN" dirty="0" err="1" smtClean="0"/>
+              <a:t>Redis</a:t>
+            </a:r>
+            <a:r>
+              <a:rPr lang="zh-CN" altLang="en-US" dirty="0" smtClean="0"/>
+              <a:t>虚拟内存（</a:t>
+            </a:r>
+            <a:r>
               <a:rPr lang="en-US" altLang="zh-CN" dirty="0" smtClean="0"/>
-              <a:t>What’s more?</a:t>
+              <a:t>Deprecated since V2.6</a:t>
+            </a:r>
+            <a:r>
+              <a:rPr lang="zh-CN" altLang="en-US" dirty="0" smtClean="0"/>
+              <a:t>）</a:t>
             </a:r>
             <a:endParaRPr lang="zh-CN" altLang="en-US" dirty="0"/>
           </a:p>
@@ -21284,149 +21126,345 @@
           <a:lstStyle/>
           <a:p>
             <a:r>
+              <a:rPr lang="zh-CN" altLang="en-US" dirty="0" smtClean="0"/>
+              <a:t>原理：暂时</a:t>
+            </a:r>
+            <a:r>
+              <a:rPr lang="zh-CN" altLang="en-US" dirty="0"/>
+              <a:t>把不经常访问的数据从内存交换到磁盘</a:t>
+            </a:r>
+            <a:r>
+              <a:rPr lang="zh-CN" altLang="en-US" dirty="0" smtClean="0"/>
+              <a:t>中。</a:t>
+            </a:r>
+            <a:endParaRPr lang="en-US" altLang="zh-CN" dirty="0" smtClean="0"/>
+          </a:p>
+          <a:p>
+            <a:r>
+              <a:rPr lang="en-US" altLang="zh-CN" dirty="0" smtClean="0"/>
+              <a:t>Attentions</a:t>
+            </a:r>
+            <a:r>
+              <a:rPr lang="zh-CN" altLang="en-US" dirty="0" smtClean="0"/>
+              <a:t>：</a:t>
+            </a:r>
+            <a:endParaRPr lang="en-US" altLang="zh-CN" dirty="0" smtClean="0"/>
+          </a:p>
+          <a:p>
+            <a:pPr lvl="1"/>
+            <a:r>
               <a:rPr lang="en-US" altLang="zh-CN" dirty="0" err="1" smtClean="0"/>
               <a:t>Redis</a:t>
             </a:r>
             <a:r>
               <a:rPr lang="zh-CN" altLang="en-US" dirty="0" smtClean="0"/>
-              <a:t>安全（默认可信环境，做到环境隔离、</a:t>
+              <a:t>虚拟内存只对键值对的</a:t>
             </a:r>
             <a:r>
               <a:rPr lang="en-US" altLang="zh-CN" dirty="0" smtClean="0"/>
-              <a:t>IP</a:t>
-            </a:r>
-            <a:r>
-              <a:rPr lang="zh-CN" altLang="en-US" dirty="0" smtClean="0"/>
-              <a:t>绑定；</a:t>
-            </a:r>
-            <a:r>
-              <a:rPr lang="zh-CN" altLang="en-US" dirty="0" smtClean="0"/>
-              <a:t>小心</a:t>
-            </a:r>
-            <a:r>
-              <a:rPr lang="zh-CN" altLang="en-US" dirty="0" smtClean="0"/>
-              <a:t>密码穷举，</a:t>
+              <a:t>value</a:t>
+            </a:r>
+            <a:r>
+              <a:rPr lang="zh-CN" altLang="en-US" dirty="0" smtClean="0"/>
+              <a:t>设计，</a:t>
             </a:r>
             <a:r>
               <a:rPr lang="en-US" altLang="zh-CN" dirty="0" smtClean="0"/>
-              <a:t>1s</a:t>
-            </a:r>
-            <a:r>
-              <a:rPr lang="zh-CN" altLang="en-US" dirty="0" smtClean="0"/>
-              <a:t>可尝试</a:t>
+              <a:t>Key</a:t>
+            </a:r>
+            <a:r>
+              <a:rPr lang="zh-CN" altLang="en-US" dirty="0" smtClean="0"/>
+              <a:t>永远不会置换至</a:t>
             </a:r>
             <a:r>
               <a:rPr lang="en-US" altLang="zh-CN" dirty="0" smtClean="0"/>
-              <a:t>15</a:t>
-            </a:r>
-            <a:r>
-              <a:rPr lang="zh-CN" altLang="en-US" dirty="0" smtClean="0"/>
-              <a:t>万次）</a:t>
-            </a:r>
-            <a:endParaRPr lang="en-US" altLang="zh-CN" dirty="0" smtClean="0"/>
-          </a:p>
-          <a:p>
+              <a:t>swap</a:t>
+            </a:r>
+          </a:p>
+          <a:p>
+            <a:pPr lvl="1"/>
             <a:r>
               <a:rPr lang="en-US" altLang="zh-CN" dirty="0" err="1" smtClean="0"/>
               <a:t>Redis</a:t>
             </a:r>
             <a:r>
               <a:rPr lang="zh-CN" altLang="en-US" dirty="0" smtClean="0"/>
-              <a:t>的排序（</a:t>
+              <a:t>自己实现虚拟内存机制，未使用</a:t>
             </a:r>
             <a:r>
               <a:rPr lang="en-US" altLang="zh-CN" dirty="0" smtClean="0"/>
-              <a:t>Sort</a:t>
-            </a:r>
-            <a:r>
-              <a:rPr lang="zh-CN" altLang="en-US" dirty="0" smtClean="0"/>
-              <a:t>命令，耗费性能）</a:t>
+              <a:t>OS</a:t>
+            </a:r>
+            <a:r>
+              <a:rPr lang="zh-CN" altLang="en-US" dirty="0" smtClean="0"/>
+              <a:t>默认虚拟内存机制</a:t>
             </a:r>
             <a:endParaRPr lang="en-US" altLang="zh-CN" dirty="0" smtClean="0"/>
           </a:p>
           <a:p>
-            <a:r>
-              <a:rPr lang="en-US" altLang="zh-CN" dirty="0" err="1" smtClean="0"/>
-              <a:t>Redis</a:t>
-            </a:r>
-            <a:r>
-              <a:rPr lang="zh-CN" altLang="en-US" dirty="0" smtClean="0"/>
-              <a:t>脚本（减少网络开销、提供原子特性、功能复用，</a:t>
-            </a:r>
-            <a:r>
-              <a:rPr lang="en-US" altLang="zh-CN" dirty="0" err="1" smtClean="0"/>
-              <a:t>Lua</a:t>
-            </a:r>
-            <a:r>
-              <a:rPr lang="zh-CN" altLang="en-US" dirty="0" smtClean="0"/>
-              <a:t>脚本）</a:t>
+            <a:pPr lvl="1"/>
+            <a:r>
+              <a:rPr lang="zh-CN" altLang="en-US" dirty="0" smtClean="0"/>
+              <a:t>同</a:t>
+            </a:r>
+            <a:r>
+              <a:rPr lang="zh-CN" altLang="en-US" dirty="0"/>
+              <a:t>一个页面只能保存一个</a:t>
+            </a:r>
+            <a:r>
+              <a:rPr lang="zh-CN" altLang="en-US" dirty="0" smtClean="0"/>
+              <a:t>对象，一个对象可保存在多页中</a:t>
             </a:r>
             <a:endParaRPr lang="en-US" altLang="zh-CN" dirty="0" smtClean="0"/>
           </a:p>
           <a:p>
-            <a:r>
-              <a:rPr lang="zh-CN" altLang="en-US" dirty="0" smtClean="0"/>
-              <a:t>管道</a:t>
+            <a:pPr lvl="1"/>
+            <a:r>
+              <a:rPr lang="zh-CN" altLang="en-US" dirty="0" smtClean="0">
+                <a:solidFill>
+                  <a:schemeClr val="accent2"/>
+                </a:solidFill>
+              </a:rPr>
+              <a:t>由于内存陷阱、重启慢、程序复杂等原因，</a:t>
+            </a:r>
+            <a:r>
+              <a:rPr lang="en-US" altLang="zh-CN" dirty="0" smtClean="0">
+                <a:solidFill>
+                  <a:schemeClr val="accent2"/>
+                </a:solidFill>
+              </a:rPr>
+              <a:t>2.6</a:t>
+            </a:r>
+            <a:r>
+              <a:rPr lang="zh-CN" altLang="en-US" dirty="0" smtClean="0">
+                <a:solidFill>
+                  <a:schemeClr val="accent2"/>
+                </a:solidFill>
+              </a:rPr>
+              <a:t>以后已被废弃</a:t>
+            </a:r>
+            <a:endParaRPr lang="en-US" altLang="zh-CN" dirty="0" smtClean="0">
+              <a:solidFill>
+                <a:schemeClr val="accent2"/>
+              </a:solidFill>
+            </a:endParaRPr>
+          </a:p>
+          <a:p>
+            <a:r>
+              <a:rPr lang="zh-CN" altLang="en-US" dirty="0" smtClean="0"/>
+              <a:t>虚拟内存配置：</a:t>
+            </a:r>
+            <a:endParaRPr lang="zh-CN" altLang="en-US" dirty="0"/>
+          </a:p>
+        </p:txBody>
+      </p:sp>
+      <p:sp>
+        <p:nvSpPr>
+          <p:cNvPr id="4" name="文本框 3"/>
+          <p:cNvSpPr txBox="1"/>
+          <p:nvPr/>
+        </p:nvSpPr>
+        <p:spPr>
+          <a:xfrm>
+            <a:off x="1395238" y="4868725"/>
+            <a:ext cx="8485882" cy="1754326"/>
+          </a:xfrm>
+          <a:prstGeom prst="rect">
+            <a:avLst/>
+          </a:prstGeom>
+          <a:noFill/>
+          <a:ln w="19050">
+            <a:solidFill>
+              <a:schemeClr val="accent3"/>
+            </a:solidFill>
+            <a:prstDash val="dash"/>
+          </a:ln>
+        </p:spPr>
+        <p:txBody>
+          <a:bodyPr wrap="square" rtlCol="0">
+            <a:spAutoFit/>
+          </a:bodyPr>
+          <a:lstStyle/>
+          <a:p>
+            <a:r>
+              <a:rPr lang="en-US" altLang="zh-CN" dirty="0" err="1"/>
+              <a:t>vm</a:t>
+            </a:r>
+            <a:r>
+              <a:rPr lang="en-US" altLang="zh-CN" dirty="0"/>
+              <a:t>-enabled yes </a:t>
             </a:r>
             <a:r>
               <a:rPr lang="en-US" altLang="zh-CN" dirty="0" smtClean="0"/>
-              <a:t>Pipeline</a:t>
-            </a:r>
-            <a:r>
-              <a:rPr lang="zh-CN" altLang="en-US" dirty="0" smtClean="0"/>
-              <a:t>（批量请求，减少多次通信的往返时延）</a:t>
-            </a:r>
-            <a:endParaRPr lang="en-US" altLang="zh-CN" dirty="0" smtClean="0"/>
-          </a:p>
-          <a:p>
-            <a:r>
-              <a:rPr lang="en-US" altLang="zh-CN" dirty="0" err="1" smtClean="0"/>
-              <a:t>Redis</a:t>
-            </a:r>
-            <a:r>
-              <a:rPr lang="zh-CN" altLang="en-US" dirty="0" smtClean="0"/>
-              <a:t>通信协议（简单协议、统一请求协议）</a:t>
-            </a:r>
-            <a:endParaRPr lang="en-US" altLang="zh-CN" dirty="0" smtClean="0"/>
-          </a:p>
-          <a:p>
-            <a:r>
-              <a:rPr lang="en-US" altLang="zh-CN" dirty="0" err="1" smtClean="0"/>
-              <a:t>Redis</a:t>
-            </a:r>
-            <a:r>
-              <a:rPr lang="zh-CN" altLang="en-US" dirty="0" smtClean="0"/>
-              <a:t>多数据库（数字编码，默认</a:t>
+              <a:t>			#</a:t>
+            </a:r>
+            <a:r>
+              <a:rPr lang="zh-CN" altLang="en-US" dirty="0"/>
+              <a:t>开启</a:t>
+            </a:r>
+            <a:r>
+              <a:rPr lang="en-US" altLang="zh-CN" dirty="0" err="1"/>
+              <a:t>vm</a:t>
+            </a:r>
+            <a:r>
+              <a:rPr lang="en-US" altLang="zh-CN" dirty="0"/>
+              <a:t> </a:t>
+            </a:r>
+            <a:r>
+              <a:rPr lang="zh-CN" altLang="en-US" dirty="0"/>
+              <a:t>功能 </a:t>
+            </a:r>
+          </a:p>
+          <a:p>
+            <a:r>
+              <a:rPr lang="en-US" altLang="zh-CN" dirty="0" err="1"/>
+              <a:t>vm</a:t>
+            </a:r>
+            <a:r>
+              <a:rPr lang="en-US" altLang="zh-CN" dirty="0"/>
+              <a:t>-swap-file /</a:t>
+            </a:r>
+            <a:r>
+              <a:rPr lang="en-US" altLang="zh-CN" dirty="0" err="1"/>
+              <a:t>tmp</a:t>
+            </a:r>
+            <a:r>
+              <a:rPr lang="en-US" altLang="zh-CN" dirty="0"/>
+              <a:t>/</a:t>
+            </a:r>
+            <a:r>
+              <a:rPr lang="en-US" altLang="zh-CN" dirty="0" err="1"/>
+              <a:t>redis.swap</a:t>
+            </a:r>
+            <a:r>
+              <a:rPr lang="en-US" altLang="zh-CN" dirty="0"/>
+              <a:t> </a:t>
             </a:r>
             <a:r>
               <a:rPr lang="en-US" altLang="zh-CN" dirty="0" smtClean="0"/>
-              <a:t>16</a:t>
-            </a:r>
-            <a:r>
-              <a:rPr lang="zh-CN" altLang="en-US" dirty="0" smtClean="0"/>
-              <a:t>个，避免跨应用使用）</a:t>
-            </a:r>
-            <a:endParaRPr lang="zh-CN" altLang="en-US" dirty="0"/>
+              <a:t>	#</a:t>
+            </a:r>
+            <a:r>
+              <a:rPr lang="zh-CN" altLang="en-US" dirty="0"/>
+              <a:t>交换出来的</a:t>
+            </a:r>
+            <a:r>
+              <a:rPr lang="en-US" altLang="zh-CN" dirty="0"/>
+              <a:t>value </a:t>
+            </a:r>
+            <a:r>
+              <a:rPr lang="zh-CN" altLang="en-US" dirty="0"/>
+              <a:t>保存的文件路径 </a:t>
+            </a:r>
+          </a:p>
+          <a:p>
+            <a:r>
+              <a:rPr lang="en-US" altLang="zh-CN" dirty="0" err="1"/>
+              <a:t>vm</a:t>
+            </a:r>
+            <a:r>
+              <a:rPr lang="en-US" altLang="zh-CN" dirty="0"/>
+              <a:t>-max-memory 1000000 </a:t>
+            </a:r>
+            <a:r>
+              <a:rPr lang="en-US" altLang="zh-CN" dirty="0" smtClean="0"/>
+              <a:t>		#</a:t>
+            </a:r>
+            <a:r>
+              <a:rPr lang="en-US" altLang="zh-CN" dirty="0" err="1"/>
+              <a:t>redis</a:t>
+            </a:r>
+            <a:r>
+              <a:rPr lang="en-US" altLang="zh-CN" dirty="0"/>
+              <a:t> </a:t>
+            </a:r>
+            <a:r>
+              <a:rPr lang="zh-CN" altLang="en-US" dirty="0"/>
+              <a:t>使用的最大内存上限 </a:t>
+            </a:r>
+          </a:p>
+          <a:p>
+            <a:r>
+              <a:rPr lang="en-US" altLang="zh-CN" dirty="0" err="1"/>
+              <a:t>vm</a:t>
+            </a:r>
+            <a:r>
+              <a:rPr lang="en-US" altLang="zh-CN" dirty="0"/>
+              <a:t>-page-size 32 </a:t>
+            </a:r>
+            <a:r>
+              <a:rPr lang="en-US" altLang="zh-CN" dirty="0" smtClean="0"/>
+              <a:t>			#</a:t>
+            </a:r>
+            <a:r>
+              <a:rPr lang="zh-CN" altLang="en-US" dirty="0"/>
+              <a:t>每个页面的大小</a:t>
+            </a:r>
+            <a:r>
+              <a:rPr lang="en-US" altLang="zh-CN" dirty="0"/>
+              <a:t>32 </a:t>
+            </a:r>
+            <a:r>
+              <a:rPr lang="zh-CN" altLang="en-US" dirty="0"/>
+              <a:t>个字节 </a:t>
+            </a:r>
+          </a:p>
+          <a:p>
+            <a:r>
+              <a:rPr lang="en-US" altLang="zh-CN" dirty="0" err="1"/>
+              <a:t>vm</a:t>
+            </a:r>
+            <a:r>
+              <a:rPr lang="en-US" altLang="zh-CN" dirty="0"/>
+              <a:t>-pages 134217728 </a:t>
+            </a:r>
+            <a:r>
+              <a:rPr lang="en-US" altLang="zh-CN" dirty="0" smtClean="0"/>
+              <a:t>		#</a:t>
+            </a:r>
+            <a:r>
+              <a:rPr lang="zh-CN" altLang="en-US" dirty="0"/>
+              <a:t>最多使用多少页面 </a:t>
+            </a:r>
+          </a:p>
+          <a:p>
+            <a:r>
+              <a:rPr lang="en-US" altLang="zh-CN" dirty="0" err="1"/>
+              <a:t>vm</a:t>
+            </a:r>
+            <a:r>
+              <a:rPr lang="en-US" altLang="zh-CN" dirty="0"/>
+              <a:t>-max-threads </a:t>
+            </a:r>
+            <a:r>
+              <a:rPr lang="en-US" altLang="zh-CN" dirty="0" smtClean="0"/>
+              <a:t>4	 		#</a:t>
+            </a:r>
+            <a:r>
+              <a:rPr lang="zh-CN" altLang="en-US" dirty="0"/>
+              <a:t>用于执行</a:t>
+            </a:r>
+            <a:r>
+              <a:rPr lang="en-US" altLang="zh-CN" dirty="0"/>
+              <a:t>value </a:t>
+            </a:r>
+            <a:r>
+              <a:rPr lang="zh-CN" altLang="en-US" dirty="0"/>
+              <a:t>对象换入换出的工作线程数量</a:t>
+            </a:r>
           </a:p>
         </p:txBody>
       </p:sp>
     </p:spTree>
     <p:extLst>
       <p:ext uri="{BB962C8B-B14F-4D97-AF65-F5344CB8AC3E}">
-        <p14:creationId xmlns:p14="http://schemas.microsoft.com/office/powerpoint/2010/main" val="4134706103"/>
+        <p14:creationId xmlns:p14="http://schemas.microsoft.com/office/powerpoint/2010/main" val="2722744603"/>
       </p:ext>
     </p:extLst>
   </p:cSld>
   <p:clrMapOvr>
     <a:masterClrMapping/>
   </p:clrMapOvr>
-  <p:timing>
-    <p:tnLst>
-      <p:par>
-        <p:cTn id="1" dur="indefinite" restart="never" nodeType="tmRoot"/>
-      </p:par>
-    </p:tnLst>
-  </p:timing>
 </p:sld>
 </file>
 
@@ -21557,6 +21595,267 @@
           <a:lstStyle/>
           <a:p>
             <a:r>
+              <a:rPr lang="en-US" altLang="zh-CN" dirty="0" smtClean="0"/>
+              <a:t>What’s more?</a:t>
+            </a:r>
+            <a:endParaRPr lang="zh-CN" altLang="en-US" dirty="0"/>
+          </a:p>
+        </p:txBody>
+      </p:sp>
+      <p:sp>
+        <p:nvSpPr>
+          <p:cNvPr id="3" name="内容占位符 2"/>
+          <p:cNvSpPr>
+            <a:spLocks noGrp="1"/>
+          </p:cNvSpPr>
+          <p:nvPr>
+            <p:ph idx="1"/>
+          </p:nvPr>
+        </p:nvSpPr>
+        <p:spPr>
+          <a:xfrm>
+            <a:off x="838200" y="1825625"/>
+            <a:ext cx="10515600" cy="4714512"/>
+          </a:xfrm>
+        </p:spPr>
+        <p:txBody>
+          <a:bodyPr/>
+          <a:lstStyle/>
+          <a:p>
+            <a:r>
+              <a:rPr lang="en-US" altLang="zh-CN" dirty="0" err="1" smtClean="0"/>
+              <a:t>Redis</a:t>
+            </a:r>
+            <a:r>
+              <a:rPr lang="zh-CN" altLang="en-US" dirty="0" smtClean="0"/>
+              <a:t>安全（默认可信环境，做到环境隔离、</a:t>
+            </a:r>
+            <a:r>
+              <a:rPr lang="en-US" altLang="zh-CN" dirty="0" smtClean="0"/>
+              <a:t>IP</a:t>
+            </a:r>
+            <a:r>
+              <a:rPr lang="zh-CN" altLang="en-US" dirty="0" smtClean="0"/>
+              <a:t>绑定；小心密码穷举，</a:t>
+            </a:r>
+            <a:r>
+              <a:rPr lang="en-US" altLang="zh-CN" dirty="0" smtClean="0"/>
+              <a:t>1s</a:t>
+            </a:r>
+            <a:r>
+              <a:rPr lang="zh-CN" altLang="en-US" dirty="0" smtClean="0"/>
+              <a:t>可尝试</a:t>
+            </a:r>
+            <a:r>
+              <a:rPr lang="en-US" altLang="zh-CN" dirty="0" smtClean="0"/>
+              <a:t>15</a:t>
+            </a:r>
+            <a:r>
+              <a:rPr lang="zh-CN" altLang="en-US" dirty="0" smtClean="0"/>
+              <a:t>万次）</a:t>
+            </a:r>
+            <a:endParaRPr lang="en-US" altLang="zh-CN" dirty="0" smtClean="0"/>
+          </a:p>
+          <a:p>
+            <a:r>
+              <a:rPr lang="en-US" altLang="zh-CN" dirty="0" err="1" smtClean="0"/>
+              <a:t>Redis</a:t>
+            </a:r>
+            <a:r>
+              <a:rPr lang="zh-CN" altLang="en-US" dirty="0" smtClean="0"/>
+              <a:t>的排序（</a:t>
+            </a:r>
+            <a:r>
+              <a:rPr lang="en-US" altLang="zh-CN" dirty="0" smtClean="0"/>
+              <a:t>Sort</a:t>
+            </a:r>
+            <a:r>
+              <a:rPr lang="zh-CN" altLang="en-US" dirty="0" smtClean="0"/>
+              <a:t>命令，耗费性能）</a:t>
+            </a:r>
+            <a:endParaRPr lang="en-US" altLang="zh-CN" dirty="0" smtClean="0"/>
+          </a:p>
+          <a:p>
+            <a:r>
+              <a:rPr lang="en-US" altLang="zh-CN" dirty="0" err="1" smtClean="0"/>
+              <a:t>Redis</a:t>
+            </a:r>
+            <a:r>
+              <a:rPr lang="zh-CN" altLang="en-US" dirty="0" smtClean="0"/>
+              <a:t>脚本（减少网络开销、提供原子特性、功能复用，</a:t>
+            </a:r>
+            <a:r>
+              <a:rPr lang="en-US" altLang="zh-CN" dirty="0" err="1" smtClean="0"/>
+              <a:t>Lua</a:t>
+            </a:r>
+            <a:r>
+              <a:rPr lang="zh-CN" altLang="en-US" dirty="0" smtClean="0"/>
+              <a:t>脚本）</a:t>
+            </a:r>
+            <a:endParaRPr lang="en-US" altLang="zh-CN" dirty="0" smtClean="0"/>
+          </a:p>
+          <a:p>
+            <a:r>
+              <a:rPr lang="zh-CN" altLang="en-US" dirty="0" smtClean="0"/>
+              <a:t>管道</a:t>
+            </a:r>
+            <a:r>
+              <a:rPr lang="en-US" altLang="zh-CN" dirty="0" smtClean="0"/>
+              <a:t>Pipeline</a:t>
+            </a:r>
+            <a:r>
+              <a:rPr lang="zh-CN" altLang="en-US" dirty="0" smtClean="0"/>
+              <a:t>（批量请求，减少多次通信的往返时延）</a:t>
+            </a:r>
+            <a:endParaRPr lang="en-US" altLang="zh-CN" dirty="0" smtClean="0"/>
+          </a:p>
+          <a:p>
+            <a:r>
+              <a:rPr lang="en-US" altLang="zh-CN" dirty="0" err="1" smtClean="0"/>
+              <a:t>Redis</a:t>
+            </a:r>
+            <a:r>
+              <a:rPr lang="zh-CN" altLang="en-US" dirty="0" smtClean="0"/>
+              <a:t>通信协议（简单协议、统一请求协议）</a:t>
+            </a:r>
+            <a:endParaRPr lang="en-US" altLang="zh-CN" dirty="0" smtClean="0"/>
+          </a:p>
+          <a:p>
+            <a:r>
+              <a:rPr lang="en-US" altLang="zh-CN" dirty="0" err="1" smtClean="0"/>
+              <a:t>Redis</a:t>
+            </a:r>
+            <a:r>
+              <a:rPr lang="zh-CN" altLang="en-US" dirty="0" smtClean="0"/>
+              <a:t>多数据库（数字编码，默认</a:t>
+            </a:r>
+            <a:r>
+              <a:rPr lang="en-US" altLang="zh-CN" dirty="0" smtClean="0"/>
+              <a:t>16</a:t>
+            </a:r>
+            <a:r>
+              <a:rPr lang="zh-CN" altLang="en-US" dirty="0" smtClean="0"/>
+              <a:t>个，避免跨应用使用）</a:t>
+            </a:r>
+            <a:endParaRPr lang="en-US" altLang="zh-CN" dirty="0" smtClean="0"/>
+          </a:p>
+          <a:p>
+            <a:r>
+              <a:rPr lang="en-US" altLang="zh-CN" dirty="0" err="1" smtClean="0"/>
+              <a:t>RedisCluster</a:t>
+            </a:r>
+            <a:r>
+              <a:rPr lang="zh-CN" altLang="en-US" dirty="0" smtClean="0"/>
+              <a:t>（集群管理工具</a:t>
+            </a:r>
+            <a:r>
+              <a:rPr lang="en-US" altLang="zh-CN" dirty="0" smtClean="0"/>
+              <a:t>sentinel</a:t>
+            </a:r>
+            <a:r>
+              <a:rPr lang="zh-CN" altLang="en-US" dirty="0" smtClean="0"/>
+              <a:t>）</a:t>
+            </a:r>
+            <a:endParaRPr lang="en-US" altLang="zh-CN" dirty="0" smtClean="0"/>
+          </a:p>
+          <a:p>
+            <a:r>
+              <a:rPr lang="en-US" altLang="zh-CN" dirty="0" err="1" smtClean="0"/>
+              <a:t>Redis</a:t>
+            </a:r>
+            <a:r>
+              <a:rPr lang="zh-CN" altLang="en-US" dirty="0" smtClean="0"/>
+              <a:t>监控与管理（</a:t>
+            </a:r>
+            <a:r>
+              <a:rPr lang="en-US" altLang="zh-CN" dirty="0" err="1" smtClean="0"/>
+              <a:t>Redis</a:t>
+            </a:r>
+            <a:r>
+              <a:rPr lang="en-US" altLang="zh-CN" dirty="0" smtClean="0"/>
+              <a:t>-Live</a:t>
+            </a:r>
+            <a:r>
+              <a:rPr lang="zh-CN" altLang="en-US" dirty="0" smtClean="0"/>
+              <a:t>、</a:t>
+            </a:r>
+            <a:r>
+              <a:rPr lang="en-US" altLang="zh-CN" dirty="0" err="1" smtClean="0"/>
+              <a:t>Redis</a:t>
+            </a:r>
+            <a:r>
+              <a:rPr lang="en-US" altLang="zh-CN" dirty="0" smtClean="0"/>
+              <a:t>-Audit</a:t>
+            </a:r>
+            <a:r>
+              <a:rPr lang="zh-CN" altLang="en-US" dirty="0" smtClean="0"/>
+              <a:t>、</a:t>
+            </a:r>
+            <a:r>
+              <a:rPr lang="en-US" altLang="zh-CN" dirty="0" err="1" smtClean="0"/>
+              <a:t>phpRedisAdmin</a:t>
+            </a:r>
+            <a:r>
+              <a:rPr lang="zh-CN" altLang="en-US" dirty="0" smtClean="0"/>
+              <a:t>）</a:t>
+            </a:r>
+            <a:endParaRPr lang="zh-CN" altLang="en-US" dirty="0"/>
+          </a:p>
+        </p:txBody>
+      </p:sp>
+    </p:spTree>
+    <p:extLst>
+      <p:ext uri="{BB962C8B-B14F-4D97-AF65-F5344CB8AC3E}">
+        <p14:creationId xmlns:p14="http://schemas.microsoft.com/office/powerpoint/2010/main" val="4134706103"/>
+      </p:ext>
+    </p:extLst>
+  </p:cSld>
+  <p:clrMapOvr>
+    <a:masterClrMapping/>
+  </p:clrMapOvr>
+  <p:timing>
+    <p:tnLst>
+      <p:par>
+        <p:cTn id="1" dur="indefinite" restart="never" nodeType="tmRoot"/>
+      </p:par>
+    </p:tnLst>
+  </p:timing>
+</p:sld>
+</file>
+
+<file path=ppt/slides/slide41.xml><?xml version="1.0" encoding="utf-8"?>
+<p:sld xmlns:a="http://schemas.openxmlformats.org/drawingml/2006/main" xmlns:r="http://schemas.openxmlformats.org/officeDocument/2006/relationships" xmlns:p="http://schemas.openxmlformats.org/presentationml/2006/main">
+  <p:cSld>
+    <p:spTree>
+      <p:nvGrpSpPr>
+        <p:cNvPr id="1" name=""/>
+        <p:cNvGrpSpPr/>
+        <p:nvPr/>
+      </p:nvGrpSpPr>
+      <p:grpSpPr>
+        <a:xfrm>
+          <a:off x="0" y="0"/>
+          <a:ext cx="0" cy="0"/>
+          <a:chOff x="0" y="0"/>
+          <a:chExt cx="0" cy="0"/>
+        </a:xfrm>
+      </p:grpSpPr>
+      <p:sp>
+        <p:nvSpPr>
+          <p:cNvPr id="2" name="标题 1"/>
+          <p:cNvSpPr>
+            <a:spLocks noGrp="1"/>
+          </p:cNvSpPr>
+          <p:nvPr>
+            <p:ph type="title"/>
+          </p:nvPr>
+        </p:nvSpPr>
+        <p:spPr/>
+        <p:txBody>
+          <a:bodyPr/>
+          <a:lstStyle/>
+          <a:p>
+            <a:r>
               <a:rPr lang="zh-CN" altLang="en-US" dirty="0" smtClean="0"/>
               <a:t>参考文献</a:t>
             </a:r>
@@ -21587,22 +21886,99 @@
             </a:r>
             <a:r>
               <a:rPr lang="en-US" altLang="zh-CN" dirty="0" smtClean="0"/>
-              <a:t> </a:t>
+              <a:t>  </a:t>
+            </a:r>
+            <a:r>
+              <a:rPr lang="en-US" altLang="zh-CN" dirty="0" smtClean="0">
+                <a:hlinkClick r:id="rId2"/>
+              </a:rPr>
+              <a:t>http://redis.io</a:t>
             </a:r>
             <a:r>
               <a:rPr lang="en-US" altLang="zh-CN" dirty="0" smtClean="0"/>
               <a:t> </a:t>
             </a:r>
-            <a:r>
-              <a:rPr lang="en-US" altLang="zh-CN" dirty="0" smtClean="0">
-                <a:hlinkClick r:id="rId2"/>
-              </a:rPr>
-              <a:t>http://redis.io</a:t>
+          </a:p>
+          <a:p>
+            <a:r>
+              <a:rPr lang="en-US" altLang="zh-CN" dirty="0" smtClean="0"/>
+              <a:t>《 </a:t>
+            </a:r>
+            <a:r>
+              <a:rPr lang="en-US" altLang="zh-CN" dirty="0" err="1" smtClean="0"/>
+              <a:t>Redis</a:t>
+            </a:r>
+            <a:r>
+              <a:rPr lang="zh-CN" altLang="en-US" dirty="0" smtClean="0"/>
+              <a:t>入门指南</a:t>
+            </a:r>
+            <a:r>
+              <a:rPr lang="en-US" altLang="zh-CN" dirty="0" smtClean="0"/>
+              <a:t>》</a:t>
+            </a:r>
+          </a:p>
+          <a:p>
+            <a:r>
+              <a:rPr lang="en-US" altLang="zh-CN" dirty="0" smtClean="0"/>
+              <a:t>《</a:t>
+            </a:r>
+            <a:r>
+              <a:rPr lang="en-US" altLang="zh-CN" dirty="0" err="1" smtClean="0"/>
+              <a:t>Redis</a:t>
+            </a:r>
+            <a:r>
+              <a:rPr lang="zh-CN" altLang="en-US" dirty="0" smtClean="0"/>
+              <a:t>实战</a:t>
+            </a:r>
+            <a:r>
+              <a:rPr lang="en-US" altLang="zh-CN" dirty="0" smtClean="0"/>
+              <a:t>》</a:t>
+            </a:r>
+            <a:r>
+              <a:rPr lang="zh-CN" altLang="en-US" dirty="0" smtClean="0"/>
+              <a:t>红丸出品</a:t>
+            </a:r>
+            <a:endParaRPr lang="en-US" altLang="zh-CN" dirty="0" smtClean="0"/>
+          </a:p>
+          <a:p>
+            <a:r>
+              <a:rPr lang="en-US" altLang="zh-CN" dirty="0" smtClean="0"/>
+              <a:t>《 Little </a:t>
+            </a:r>
+            <a:r>
+              <a:rPr lang="en-US" altLang="zh-CN" dirty="0" err="1" smtClean="0"/>
+              <a:t>Redis</a:t>
+            </a:r>
+            <a:r>
+              <a:rPr lang="en-US" altLang="zh-CN" dirty="0" smtClean="0"/>
+              <a:t> Book 》</a:t>
+            </a:r>
+          </a:p>
+          <a:p>
+            <a:r>
+              <a:rPr lang="en-US" altLang="zh-CN" dirty="0" smtClean="0"/>
+              <a:t>《</a:t>
+            </a:r>
+            <a:r>
+              <a:rPr lang="zh-CN" altLang="en-US" dirty="0" smtClean="0"/>
+              <a:t> </a:t>
+            </a:r>
+            <a:r>
+              <a:rPr lang="en-US" altLang="zh-CN" dirty="0" err="1" smtClean="0"/>
+              <a:t>Redis</a:t>
             </a:r>
             <a:r>
               <a:rPr lang="en-US" altLang="zh-CN" dirty="0" smtClean="0"/>
               <a:t> </a:t>
             </a:r>
+            <a:r>
+              <a:rPr lang="zh-CN" altLang="en-US" dirty="0" smtClean="0"/>
+              <a:t>设计与实现（第一版） </a:t>
+            </a:r>
+            <a:r>
+              <a:rPr lang="en-US" altLang="zh-CN" dirty="0" smtClean="0"/>
+              <a:t>》</a:t>
+            </a:r>
           </a:p>
           <a:p>
             <a:r>
@@ -21610,123 +21986,39 @@
               <a:t>《 </a:t>
             </a:r>
             <a:r>
+              <a:rPr lang="en-US" altLang="zh-CN" dirty="0" err="1"/>
+              <a:t>R</a:t>
+            </a:r>
+            <a:r>
+              <a:rPr lang="en-US" altLang="zh-CN" dirty="0" err="1" smtClean="0"/>
+              <a:t>edis</a:t>
+            </a:r>
+            <a:r>
+              <a:rPr lang="zh-CN" altLang="en-US" dirty="0" smtClean="0"/>
+              <a:t>分享与交流</a:t>
+            </a:r>
+            <a:r>
+              <a:rPr lang="en-US" altLang="zh-CN" dirty="0" smtClean="0"/>
+              <a:t>》</a:t>
+            </a:r>
+          </a:p>
+          <a:p>
+            <a:r>
+              <a:rPr lang="en-US" altLang="zh-CN" dirty="0" smtClean="0"/>
+              <a:t>《 </a:t>
+            </a:r>
+            <a:r>
               <a:rPr lang="en-US" altLang="zh-CN" dirty="0" err="1" smtClean="0"/>
               <a:t>Redis</a:t>
             </a:r>
             <a:r>
               <a:rPr lang="zh-CN" altLang="en-US" dirty="0" smtClean="0"/>
-              <a:t>入门指南</a:t>
+              <a:t>源代码分析</a:t>
             </a:r>
             <a:r>
               <a:rPr lang="en-US" altLang="zh-CN" dirty="0" smtClean="0"/>
               <a:t>》</a:t>
             </a:r>
-            <a:endParaRPr lang="en-US" altLang="zh-CN" dirty="0" smtClean="0"/>
-          </a:p>
-          <a:p>
-            <a:r>
-              <a:rPr lang="en-US" altLang="zh-CN" dirty="0" smtClean="0"/>
-              <a:t>《</a:t>
-            </a:r>
-            <a:r>
-              <a:rPr lang="en-US" altLang="zh-CN" dirty="0" err="1" smtClean="0"/>
-              <a:t>Redis</a:t>
-            </a:r>
-            <a:r>
-              <a:rPr lang="zh-CN" altLang="en-US" dirty="0" smtClean="0"/>
-              <a:t>实战</a:t>
-            </a:r>
-            <a:r>
-              <a:rPr lang="en-US" altLang="zh-CN" dirty="0" smtClean="0"/>
-              <a:t>》</a:t>
-            </a:r>
-            <a:r>
-              <a:rPr lang="zh-CN" altLang="en-US" dirty="0" smtClean="0"/>
-              <a:t>红丸出品</a:t>
-            </a:r>
-            <a:endParaRPr lang="en-US" altLang="zh-CN" dirty="0" smtClean="0"/>
-          </a:p>
-          <a:p>
-            <a:r>
-              <a:rPr lang="en-US" altLang="zh-CN" dirty="0" smtClean="0"/>
-              <a:t>《 Little </a:t>
-            </a:r>
-            <a:r>
-              <a:rPr lang="en-US" altLang="zh-CN" dirty="0" err="1" smtClean="0"/>
-              <a:t>Redis</a:t>
-            </a:r>
-            <a:r>
-              <a:rPr lang="en-US" altLang="zh-CN" dirty="0" smtClean="0"/>
-              <a:t> Book 》</a:t>
-            </a:r>
-          </a:p>
-          <a:p>
-            <a:r>
-              <a:rPr lang="en-US" altLang="zh-CN" dirty="0" smtClean="0"/>
-              <a:t>《</a:t>
-            </a:r>
-            <a:r>
-              <a:rPr lang="zh-CN" altLang="en-US" dirty="0" smtClean="0"/>
-              <a:t> </a:t>
-            </a:r>
-            <a:r>
-              <a:rPr lang="en-US" altLang="zh-CN" dirty="0" err="1" smtClean="0"/>
-              <a:t>Redis</a:t>
-            </a:r>
-            <a:r>
-              <a:rPr lang="en-US" altLang="zh-CN" dirty="0" smtClean="0"/>
-              <a:t> </a:t>
-            </a:r>
-            <a:r>
-              <a:rPr lang="zh-CN" altLang="en-US" dirty="0" smtClean="0"/>
-              <a:t>设计与实现（第一版） </a:t>
-            </a:r>
-            <a:r>
-              <a:rPr lang="en-US" altLang="zh-CN" dirty="0" smtClean="0"/>
-              <a:t>》</a:t>
-            </a:r>
-            <a:endParaRPr lang="en-US" altLang="zh-CN" dirty="0" smtClean="0"/>
-          </a:p>
-          <a:p>
-            <a:r>
-              <a:rPr lang="en-US" altLang="zh-CN" dirty="0" smtClean="0"/>
-              <a:t>《 </a:t>
-            </a:r>
-            <a:r>
-              <a:rPr lang="en-US" altLang="zh-CN" dirty="0" err="1"/>
-              <a:t>R</a:t>
-            </a:r>
-            <a:r>
-              <a:rPr lang="en-US" altLang="zh-CN" dirty="0" err="1" smtClean="0"/>
-              <a:t>edis</a:t>
-            </a:r>
-            <a:r>
-              <a:rPr lang="zh-CN" altLang="en-US" dirty="0" smtClean="0"/>
-              <a:t>分享与交流</a:t>
-            </a:r>
-            <a:r>
-              <a:rPr lang="en-US" altLang="zh-CN" dirty="0" smtClean="0"/>
-              <a:t>》</a:t>
-            </a:r>
-          </a:p>
-          <a:p>
-            <a:r>
-              <a:rPr lang="en-US" altLang="zh-CN" dirty="0" smtClean="0"/>
-              <a:t>《 </a:t>
-            </a:r>
-            <a:r>
-              <a:rPr lang="en-US" altLang="zh-CN" dirty="0" err="1" smtClean="0"/>
-              <a:t>Redis</a:t>
-            </a:r>
-            <a:r>
-              <a:rPr lang="zh-CN" altLang="en-US" dirty="0" smtClean="0"/>
-              <a:t>源代码分析</a:t>
-            </a:r>
-            <a:r>
-              <a:rPr lang="en-US" altLang="zh-CN" dirty="0" smtClean="0"/>
-              <a:t>》</a:t>
-            </a:r>
-            <a:endParaRPr lang="en-US" altLang="zh-CN" dirty="0" smtClean="0"/>
           </a:p>
           <a:p>
             <a:endParaRPr lang="zh-CN" altLang="en-US" dirty="0"/>
@@ -21797,7 +22089,7 @@
             <a:fld id="{0C913308-F349-4B6D-A68A-DD1791B4A57B}" type="slidenum">
               <a:rPr lang="zh-CN" altLang="en-US" smtClean="0"/>
               <a:pPr/>
-              <a:t>40</a:t>
+              <a:t>41</a:t>
             </a:fld>
             <a:endParaRPr lang="zh-CN" altLang="en-US"/>
           </a:p>
@@ -21891,11 +22183,7 @@
           <a:p>
             <a:r>
               <a:rPr lang="zh-CN" altLang="en-US" dirty="0" smtClean="0"/>
-              <a:t>高效的</a:t>
-            </a:r>
-            <a:r>
-              <a:rPr lang="zh-CN" altLang="en-US" dirty="0" smtClean="0"/>
-              <a:t>内存存取</a:t>
+              <a:t>高效的内存存取</a:t>
             </a:r>
             <a:endParaRPr lang="en-US" altLang="zh-CN" dirty="0" smtClean="0"/>
           </a:p>
@@ -22090,11 +22378,17 @@
             <p:ph type="title"/>
           </p:nvPr>
         </p:nvSpPr>
-        <p:spPr/>
+        <p:spPr>
+          <a:xfrm>
+            <a:off x="838200" y="3338512"/>
+            <a:ext cx="10515600" cy="1325563"/>
+          </a:xfrm>
+        </p:spPr>
         <p:txBody>
           <a:bodyPr/>
           <a:lstStyle/>
           <a:p>
+            <a:pPr algn="ctr"/>
             <a:r>
               <a:rPr lang="zh-CN" altLang="en-US" dirty="0" smtClean="0"/>
               <a:t>数据类型篇</a:t>

--- a/Redis技术分享——by顾汉杰.pptx
+++ b/Redis技术分享——by顾汉杰.pptx
@@ -2999,6 +2999,931 @@
       <dsp:cNvGrpSpPr/>
     </dsp:nvGrpSpPr>
     <dsp:grpSpPr/>
+    <dsp:sp modelId="{0EAE7577-A6E1-42A3-937E-E80DE6BDC5FF}">
+      <dsp:nvSpPr>
+        <dsp:cNvPr id="0" name=""/>
+        <dsp:cNvSpPr/>
+      </dsp:nvSpPr>
+      <dsp:spPr>
+        <a:xfrm>
+          <a:off x="4803908" y="1974710"/>
+          <a:ext cx="1406349" cy="1406349"/>
+        </a:xfrm>
+        <a:prstGeom prst="ellipse">
+          <a:avLst/>
+        </a:prstGeom>
+        <a:solidFill>
+          <a:schemeClr val="accent1">
+            <a:hueOff val="0"/>
+            <a:satOff val="0"/>
+            <a:lumOff val="0"/>
+            <a:alphaOff val="0"/>
+          </a:schemeClr>
+        </a:solidFill>
+        <a:ln>
+          <a:noFill/>
+        </a:ln>
+        <a:effectLst/>
+        <a:sp3d extrusionH="152250" prstMaterial="matte">
+          <a:bevelT w="165100" prst="coolSlant"/>
+        </a:sp3d>
+      </dsp:spPr>
+      <dsp:style>
+        <a:lnRef idx="0">
+          <a:scrgbClr r="0" g="0" b="0"/>
+        </a:lnRef>
+        <a:fillRef idx="1">
+          <a:scrgbClr r="0" g="0" b="0"/>
+        </a:fillRef>
+        <a:effectRef idx="2">
+          <a:scrgbClr r="0" g="0" b="0"/>
+        </a:effectRef>
+        <a:fontRef idx="minor">
+          <a:schemeClr val="lt1"/>
+        </a:fontRef>
+      </dsp:style>
+      <dsp:txBody>
+        <a:bodyPr spcFirstLastPara="0" vert="horz" wrap="square" lIns="34290" tIns="34290" rIns="34290" bIns="34290" numCol="1" spcCol="1270" anchor="ctr" anchorCtr="0">
+          <a:noAutofit/>
+          <a:sp3d extrusionH="28000" prstMaterial="matte"/>
+        </a:bodyPr>
+        <a:lstStyle/>
+        <a:p>
+          <a:pPr lvl="0" algn="ctr" defTabSz="1200150">
+            <a:lnSpc>
+              <a:spcPct val="90000"/>
+            </a:lnSpc>
+            <a:spcBef>
+              <a:spcPct val="0"/>
+            </a:spcBef>
+            <a:spcAft>
+              <a:spcPct val="35000"/>
+            </a:spcAft>
+          </a:pPr>
+          <a:r>
+            <a:rPr lang="en-US" altLang="zh-CN" sz="2700" kern="1200" dirty="0" err="1" smtClean="0"/>
+            <a:t>Redis</a:t>
+          </a:r>
+          <a:r>
+            <a:rPr lang="en-US" altLang="zh-CN" sz="2700" kern="1200" dirty="0" smtClean="0"/>
+            <a:t> Server</a:t>
+          </a:r>
+          <a:endParaRPr lang="zh-CN" altLang="en-US" sz="2700" kern="1200" dirty="0"/>
+        </a:p>
+      </dsp:txBody>
+      <dsp:txXfrm>
+        <a:off x="5009863" y="2180665"/>
+        <a:ext cx="994439" cy="994439"/>
+      </dsp:txXfrm>
+    </dsp:sp>
+    <dsp:sp modelId="{7AA54442-0824-4F12-B500-703D9D157866}">
+      <dsp:nvSpPr>
+        <dsp:cNvPr id="0" name=""/>
+        <dsp:cNvSpPr/>
+      </dsp:nvSpPr>
+      <dsp:spPr>
+        <a:xfrm rot="16200000">
+          <a:off x="5357185" y="1461290"/>
+          <a:ext cx="299794" cy="478158"/>
+        </a:xfrm>
+        <a:prstGeom prst="rightArrow">
+          <a:avLst>
+            <a:gd name="adj1" fmla="val 60000"/>
+            <a:gd name="adj2" fmla="val 50000"/>
+          </a:avLst>
+        </a:prstGeom>
+        <a:solidFill>
+          <a:schemeClr val="accent2">
+            <a:hueOff val="0"/>
+            <a:satOff val="0"/>
+            <a:lumOff val="0"/>
+            <a:alphaOff val="0"/>
+          </a:schemeClr>
+        </a:solidFill>
+        <a:ln>
+          <a:noFill/>
+        </a:ln>
+        <a:effectLst/>
+        <a:sp3d z="-227350" prstMaterial="matte"/>
+      </dsp:spPr>
+      <dsp:style>
+        <a:lnRef idx="0">
+          <a:scrgbClr r="0" g="0" b="0"/>
+        </a:lnRef>
+        <a:fillRef idx="1">
+          <a:scrgbClr r="0" g="0" b="0"/>
+        </a:fillRef>
+        <a:effectRef idx="0">
+          <a:scrgbClr r="0" g="0" b="0"/>
+        </a:effectRef>
+        <a:fontRef idx="minor">
+          <a:schemeClr val="lt1"/>
+        </a:fontRef>
+      </dsp:style>
+      <dsp:txBody>
+        <a:bodyPr spcFirstLastPara="0" vert="horz" wrap="square" lIns="0" tIns="0" rIns="0" bIns="0" numCol="1" spcCol="1270" anchor="ctr" anchorCtr="0">
+          <a:noAutofit/>
+        </a:bodyPr>
+        <a:lstStyle/>
+        <a:p>
+          <a:pPr lvl="0" algn="ctr" defTabSz="800100">
+            <a:lnSpc>
+              <a:spcPct val="90000"/>
+            </a:lnSpc>
+            <a:spcBef>
+              <a:spcPct val="0"/>
+            </a:spcBef>
+            <a:spcAft>
+              <a:spcPct val="35000"/>
+            </a:spcAft>
+          </a:pPr>
+          <a:endParaRPr lang="zh-CN" altLang="en-US" sz="1800" kern="1200"/>
+        </a:p>
+      </dsp:txBody>
+      <dsp:txXfrm>
+        <a:off x="5402154" y="1601891"/>
+        <a:ext cx="209856" cy="286894"/>
+      </dsp:txXfrm>
+    </dsp:sp>
+    <dsp:sp modelId="{EF316A87-B0A5-4A4A-8E98-8712B075E41E}">
+      <dsp:nvSpPr>
+        <dsp:cNvPr id="0" name=""/>
+        <dsp:cNvSpPr/>
+      </dsp:nvSpPr>
+      <dsp:spPr>
+        <a:xfrm>
+          <a:off x="4803908" y="2710"/>
+          <a:ext cx="1406349" cy="1406349"/>
+        </a:xfrm>
+        <a:prstGeom prst="ellipse">
+          <a:avLst/>
+        </a:prstGeom>
+        <a:solidFill>
+          <a:schemeClr val="accent2">
+            <a:hueOff val="0"/>
+            <a:satOff val="0"/>
+            <a:lumOff val="0"/>
+            <a:alphaOff val="0"/>
+          </a:schemeClr>
+        </a:solidFill>
+        <a:ln>
+          <a:noFill/>
+        </a:ln>
+        <a:effectLst/>
+        <a:sp3d extrusionH="152250" prstMaterial="matte">
+          <a:bevelT w="165100" prst="coolSlant"/>
+        </a:sp3d>
+      </dsp:spPr>
+      <dsp:style>
+        <a:lnRef idx="0">
+          <a:scrgbClr r="0" g="0" b="0"/>
+        </a:lnRef>
+        <a:fillRef idx="1">
+          <a:scrgbClr r="0" g="0" b="0"/>
+        </a:fillRef>
+        <a:effectRef idx="2">
+          <a:scrgbClr r="0" g="0" b="0"/>
+        </a:effectRef>
+        <a:fontRef idx="minor">
+          <a:schemeClr val="lt1"/>
+        </a:fontRef>
+      </dsp:style>
+      <dsp:txBody>
+        <a:bodyPr spcFirstLastPara="0" vert="horz" wrap="square" lIns="22860" tIns="22860" rIns="22860" bIns="22860" numCol="1" spcCol="1270" anchor="ctr" anchorCtr="0">
+          <a:noAutofit/>
+          <a:sp3d extrusionH="28000" prstMaterial="matte"/>
+        </a:bodyPr>
+        <a:lstStyle/>
+        <a:p>
+          <a:pPr lvl="0" algn="ctr" defTabSz="800100">
+            <a:lnSpc>
+              <a:spcPct val="90000"/>
+            </a:lnSpc>
+            <a:spcBef>
+              <a:spcPct val="0"/>
+            </a:spcBef>
+            <a:spcAft>
+              <a:spcPct val="35000"/>
+            </a:spcAft>
+          </a:pPr>
+          <a:r>
+            <a:rPr lang="en-US" altLang="zh-CN" sz="1800" kern="1200" dirty="0" smtClean="0"/>
+            <a:t>Java</a:t>
+          </a:r>
+          <a:endParaRPr lang="zh-CN" altLang="en-US" sz="1800" kern="1200" dirty="0"/>
+        </a:p>
+      </dsp:txBody>
+      <dsp:txXfrm>
+        <a:off x="5009863" y="208665"/>
+        <a:ext cx="994439" cy="994439"/>
+      </dsp:txXfrm>
+    </dsp:sp>
+    <dsp:sp modelId="{9F327213-2229-42A3-A037-6B36A144979C}">
+      <dsp:nvSpPr>
+        <dsp:cNvPr id="0" name=""/>
+        <dsp:cNvSpPr/>
+      </dsp:nvSpPr>
+      <dsp:spPr>
+        <a:xfrm rot="19800000">
+          <a:off x="6203738" y="1950048"/>
+          <a:ext cx="299794" cy="478158"/>
+        </a:xfrm>
+        <a:prstGeom prst="rightArrow">
+          <a:avLst>
+            <a:gd name="adj1" fmla="val 60000"/>
+            <a:gd name="adj2" fmla="val 50000"/>
+          </a:avLst>
+        </a:prstGeom>
+        <a:solidFill>
+          <a:schemeClr val="accent3">
+            <a:hueOff val="0"/>
+            <a:satOff val="0"/>
+            <a:lumOff val="0"/>
+            <a:alphaOff val="0"/>
+          </a:schemeClr>
+        </a:solidFill>
+        <a:ln>
+          <a:noFill/>
+        </a:ln>
+        <a:effectLst/>
+        <a:sp3d z="-227350" prstMaterial="matte"/>
+      </dsp:spPr>
+      <dsp:style>
+        <a:lnRef idx="0">
+          <a:scrgbClr r="0" g="0" b="0"/>
+        </a:lnRef>
+        <a:fillRef idx="1">
+          <a:scrgbClr r="0" g="0" b="0"/>
+        </a:fillRef>
+        <a:effectRef idx="0">
+          <a:scrgbClr r="0" g="0" b="0"/>
+        </a:effectRef>
+        <a:fontRef idx="minor">
+          <a:schemeClr val="lt1"/>
+        </a:fontRef>
+      </dsp:style>
+      <dsp:txBody>
+        <a:bodyPr spcFirstLastPara="0" vert="horz" wrap="square" lIns="0" tIns="0" rIns="0" bIns="0" numCol="1" spcCol="1270" anchor="ctr" anchorCtr="0">
+          <a:noAutofit/>
+        </a:bodyPr>
+        <a:lstStyle/>
+        <a:p>
+          <a:pPr lvl="0" algn="ctr" defTabSz="800100">
+            <a:lnSpc>
+              <a:spcPct val="90000"/>
+            </a:lnSpc>
+            <a:spcBef>
+              <a:spcPct val="0"/>
+            </a:spcBef>
+            <a:spcAft>
+              <a:spcPct val="35000"/>
+            </a:spcAft>
+          </a:pPr>
+          <a:endParaRPr lang="zh-CN" altLang="en-US" sz="1800" kern="1200"/>
+        </a:p>
+      </dsp:txBody>
+      <dsp:txXfrm>
+        <a:off x="6209763" y="2068165"/>
+        <a:ext cx="209856" cy="286894"/>
+      </dsp:txXfrm>
+    </dsp:sp>
+    <dsp:sp modelId="{555269E8-4B16-40B6-9E4E-14613EC4FA01}">
+      <dsp:nvSpPr>
+        <dsp:cNvPr id="0" name=""/>
+        <dsp:cNvSpPr/>
+      </dsp:nvSpPr>
+      <dsp:spPr>
+        <a:xfrm>
+          <a:off x="6511710" y="988710"/>
+          <a:ext cx="1406349" cy="1406349"/>
+        </a:xfrm>
+        <a:prstGeom prst="ellipse">
+          <a:avLst/>
+        </a:prstGeom>
+        <a:solidFill>
+          <a:schemeClr val="accent3">
+            <a:hueOff val="0"/>
+            <a:satOff val="0"/>
+            <a:lumOff val="0"/>
+            <a:alphaOff val="0"/>
+          </a:schemeClr>
+        </a:solidFill>
+        <a:ln>
+          <a:noFill/>
+        </a:ln>
+        <a:effectLst/>
+        <a:sp3d extrusionH="152250" prstMaterial="matte">
+          <a:bevelT w="165100" prst="coolSlant"/>
+        </a:sp3d>
+      </dsp:spPr>
+      <dsp:style>
+        <a:lnRef idx="0">
+          <a:scrgbClr r="0" g="0" b="0"/>
+        </a:lnRef>
+        <a:fillRef idx="1">
+          <a:scrgbClr r="0" g="0" b="0"/>
+        </a:fillRef>
+        <a:effectRef idx="2">
+          <a:scrgbClr r="0" g="0" b="0"/>
+        </a:effectRef>
+        <a:fontRef idx="minor">
+          <a:schemeClr val="lt1"/>
+        </a:fontRef>
+      </dsp:style>
+      <dsp:txBody>
+        <a:bodyPr spcFirstLastPara="0" vert="horz" wrap="square" lIns="22860" tIns="22860" rIns="22860" bIns="22860" numCol="1" spcCol="1270" anchor="ctr" anchorCtr="0">
+          <a:noAutofit/>
+          <a:sp3d extrusionH="28000" prstMaterial="matte"/>
+        </a:bodyPr>
+        <a:lstStyle/>
+        <a:p>
+          <a:pPr lvl="0" algn="ctr" defTabSz="800100">
+            <a:lnSpc>
+              <a:spcPct val="90000"/>
+            </a:lnSpc>
+            <a:spcBef>
+              <a:spcPct val="0"/>
+            </a:spcBef>
+            <a:spcAft>
+              <a:spcPct val="35000"/>
+            </a:spcAft>
+          </a:pPr>
+          <a:r>
+            <a:rPr lang="en-US" altLang="zh-CN" sz="1800" kern="1200" dirty="0" smtClean="0"/>
+            <a:t>Python</a:t>
+          </a:r>
+          <a:endParaRPr lang="zh-CN" altLang="en-US" sz="1800" kern="1200" dirty="0"/>
+        </a:p>
+      </dsp:txBody>
+      <dsp:txXfrm>
+        <a:off x="6717665" y="1194665"/>
+        <a:ext cx="994439" cy="994439"/>
+      </dsp:txXfrm>
+    </dsp:sp>
+    <dsp:sp modelId="{67A43855-2F11-42A7-A36C-58562ACABCAB}">
+      <dsp:nvSpPr>
+        <dsp:cNvPr id="0" name=""/>
+        <dsp:cNvSpPr/>
+      </dsp:nvSpPr>
+      <dsp:spPr>
+        <a:xfrm rot="1800000">
+          <a:off x="6203738" y="2927563"/>
+          <a:ext cx="299794" cy="478158"/>
+        </a:xfrm>
+        <a:prstGeom prst="rightArrow">
+          <a:avLst>
+            <a:gd name="adj1" fmla="val 60000"/>
+            <a:gd name="adj2" fmla="val 50000"/>
+          </a:avLst>
+        </a:prstGeom>
+        <a:solidFill>
+          <a:schemeClr val="accent4">
+            <a:hueOff val="0"/>
+            <a:satOff val="0"/>
+            <a:lumOff val="0"/>
+            <a:alphaOff val="0"/>
+          </a:schemeClr>
+        </a:solidFill>
+        <a:ln>
+          <a:noFill/>
+        </a:ln>
+        <a:effectLst/>
+        <a:sp3d z="-227350" prstMaterial="matte"/>
+      </dsp:spPr>
+      <dsp:style>
+        <a:lnRef idx="0">
+          <a:scrgbClr r="0" g="0" b="0"/>
+        </a:lnRef>
+        <a:fillRef idx="1">
+          <a:scrgbClr r="0" g="0" b="0"/>
+        </a:fillRef>
+        <a:effectRef idx="0">
+          <a:scrgbClr r="0" g="0" b="0"/>
+        </a:effectRef>
+        <a:fontRef idx="minor">
+          <a:schemeClr val="lt1"/>
+        </a:fontRef>
+      </dsp:style>
+      <dsp:txBody>
+        <a:bodyPr spcFirstLastPara="0" vert="horz" wrap="square" lIns="0" tIns="0" rIns="0" bIns="0" numCol="1" spcCol="1270" anchor="ctr" anchorCtr="0">
+          <a:noAutofit/>
+        </a:bodyPr>
+        <a:lstStyle/>
+        <a:p>
+          <a:pPr lvl="0" algn="ctr" defTabSz="800100">
+            <a:lnSpc>
+              <a:spcPct val="90000"/>
+            </a:lnSpc>
+            <a:spcBef>
+              <a:spcPct val="0"/>
+            </a:spcBef>
+            <a:spcAft>
+              <a:spcPct val="35000"/>
+            </a:spcAft>
+          </a:pPr>
+          <a:endParaRPr lang="zh-CN" altLang="en-US" sz="1800" kern="1200"/>
+        </a:p>
+      </dsp:txBody>
+      <dsp:txXfrm>
+        <a:off x="6209763" y="3000711"/>
+        <a:ext cx="209856" cy="286894"/>
+      </dsp:txXfrm>
+    </dsp:sp>
+    <dsp:sp modelId="{DD5E7832-BC9F-438C-8B6C-9E44FD4E1FED}">
+      <dsp:nvSpPr>
+        <dsp:cNvPr id="0" name=""/>
+        <dsp:cNvSpPr/>
+      </dsp:nvSpPr>
+      <dsp:spPr>
+        <a:xfrm>
+          <a:off x="6511710" y="2960710"/>
+          <a:ext cx="1406349" cy="1406349"/>
+        </a:xfrm>
+        <a:prstGeom prst="ellipse">
+          <a:avLst/>
+        </a:prstGeom>
+        <a:solidFill>
+          <a:schemeClr val="accent4">
+            <a:hueOff val="0"/>
+            <a:satOff val="0"/>
+            <a:lumOff val="0"/>
+            <a:alphaOff val="0"/>
+          </a:schemeClr>
+        </a:solidFill>
+        <a:ln>
+          <a:noFill/>
+        </a:ln>
+        <a:effectLst/>
+        <a:sp3d extrusionH="152250" prstMaterial="matte">
+          <a:bevelT w="165100" prst="coolSlant"/>
+        </a:sp3d>
+      </dsp:spPr>
+      <dsp:style>
+        <a:lnRef idx="0">
+          <a:scrgbClr r="0" g="0" b="0"/>
+        </a:lnRef>
+        <a:fillRef idx="1">
+          <a:scrgbClr r="0" g="0" b="0"/>
+        </a:fillRef>
+        <a:effectRef idx="2">
+          <a:scrgbClr r="0" g="0" b="0"/>
+        </a:effectRef>
+        <a:fontRef idx="minor">
+          <a:schemeClr val="lt1"/>
+        </a:fontRef>
+      </dsp:style>
+      <dsp:txBody>
+        <a:bodyPr spcFirstLastPara="0" vert="horz" wrap="square" lIns="22860" tIns="22860" rIns="22860" bIns="22860" numCol="1" spcCol="1270" anchor="ctr" anchorCtr="0">
+          <a:noAutofit/>
+          <a:sp3d extrusionH="28000" prstMaterial="matte"/>
+        </a:bodyPr>
+        <a:lstStyle/>
+        <a:p>
+          <a:pPr lvl="0" algn="ctr" defTabSz="800100">
+            <a:lnSpc>
+              <a:spcPct val="90000"/>
+            </a:lnSpc>
+            <a:spcBef>
+              <a:spcPct val="0"/>
+            </a:spcBef>
+            <a:spcAft>
+              <a:spcPct val="35000"/>
+            </a:spcAft>
+          </a:pPr>
+          <a:r>
+            <a:rPr lang="en-US" altLang="zh-CN" sz="1800" kern="1200" dirty="0" smtClean="0"/>
+            <a:t>….</a:t>
+          </a:r>
+          <a:endParaRPr lang="zh-CN" altLang="en-US" sz="1800" kern="1200" dirty="0"/>
+        </a:p>
+      </dsp:txBody>
+      <dsp:txXfrm>
+        <a:off x="6717665" y="3166665"/>
+        <a:ext cx="994439" cy="994439"/>
+      </dsp:txXfrm>
+    </dsp:sp>
+    <dsp:sp modelId="{64C4DCA4-7314-472C-9E37-8E484F13C357}">
+      <dsp:nvSpPr>
+        <dsp:cNvPr id="0" name=""/>
+        <dsp:cNvSpPr/>
+      </dsp:nvSpPr>
+      <dsp:spPr>
+        <a:xfrm rot="5400000">
+          <a:off x="5357185" y="3416321"/>
+          <a:ext cx="299794" cy="478158"/>
+        </a:xfrm>
+        <a:prstGeom prst="rightArrow">
+          <a:avLst>
+            <a:gd name="adj1" fmla="val 60000"/>
+            <a:gd name="adj2" fmla="val 50000"/>
+          </a:avLst>
+        </a:prstGeom>
+        <a:solidFill>
+          <a:schemeClr val="accent5">
+            <a:hueOff val="0"/>
+            <a:satOff val="0"/>
+            <a:lumOff val="0"/>
+            <a:alphaOff val="0"/>
+          </a:schemeClr>
+        </a:solidFill>
+        <a:ln>
+          <a:noFill/>
+        </a:ln>
+        <a:effectLst/>
+        <a:sp3d z="-227350" prstMaterial="matte"/>
+      </dsp:spPr>
+      <dsp:style>
+        <a:lnRef idx="0">
+          <a:scrgbClr r="0" g="0" b="0"/>
+        </a:lnRef>
+        <a:fillRef idx="1">
+          <a:scrgbClr r="0" g="0" b="0"/>
+        </a:fillRef>
+        <a:effectRef idx="0">
+          <a:scrgbClr r="0" g="0" b="0"/>
+        </a:effectRef>
+        <a:fontRef idx="minor">
+          <a:schemeClr val="lt1"/>
+        </a:fontRef>
+      </dsp:style>
+      <dsp:txBody>
+        <a:bodyPr spcFirstLastPara="0" vert="horz" wrap="square" lIns="0" tIns="0" rIns="0" bIns="0" numCol="1" spcCol="1270" anchor="ctr" anchorCtr="0">
+          <a:noAutofit/>
+        </a:bodyPr>
+        <a:lstStyle/>
+        <a:p>
+          <a:pPr lvl="0" algn="ctr" defTabSz="800100">
+            <a:lnSpc>
+              <a:spcPct val="90000"/>
+            </a:lnSpc>
+            <a:spcBef>
+              <a:spcPct val="0"/>
+            </a:spcBef>
+            <a:spcAft>
+              <a:spcPct val="35000"/>
+            </a:spcAft>
+          </a:pPr>
+          <a:endParaRPr lang="zh-CN" altLang="en-US" sz="1800" kern="1200"/>
+        </a:p>
+      </dsp:txBody>
+      <dsp:txXfrm>
+        <a:off x="5402154" y="3466984"/>
+        <a:ext cx="209856" cy="286894"/>
+      </dsp:txXfrm>
+    </dsp:sp>
+    <dsp:sp modelId="{FFC3FFE9-E981-4AC7-9807-59E0394988CF}">
+      <dsp:nvSpPr>
+        <dsp:cNvPr id="0" name=""/>
+        <dsp:cNvSpPr/>
+      </dsp:nvSpPr>
+      <dsp:spPr>
+        <a:xfrm>
+          <a:off x="4803908" y="3946710"/>
+          <a:ext cx="1406349" cy="1406349"/>
+        </a:xfrm>
+        <a:prstGeom prst="ellipse">
+          <a:avLst/>
+        </a:prstGeom>
+        <a:solidFill>
+          <a:schemeClr val="accent5">
+            <a:hueOff val="0"/>
+            <a:satOff val="0"/>
+            <a:lumOff val="0"/>
+            <a:alphaOff val="0"/>
+          </a:schemeClr>
+        </a:solidFill>
+        <a:ln>
+          <a:noFill/>
+        </a:ln>
+        <a:effectLst/>
+        <a:sp3d extrusionH="152250" prstMaterial="matte">
+          <a:bevelT w="165100" prst="coolSlant"/>
+        </a:sp3d>
+      </dsp:spPr>
+      <dsp:style>
+        <a:lnRef idx="0">
+          <a:scrgbClr r="0" g="0" b="0"/>
+        </a:lnRef>
+        <a:fillRef idx="1">
+          <a:scrgbClr r="0" g="0" b="0"/>
+        </a:fillRef>
+        <a:effectRef idx="2">
+          <a:scrgbClr r="0" g="0" b="0"/>
+        </a:effectRef>
+        <a:fontRef idx="minor">
+          <a:schemeClr val="lt1"/>
+        </a:fontRef>
+      </dsp:style>
+      <dsp:txBody>
+        <a:bodyPr spcFirstLastPara="0" vert="horz" wrap="square" lIns="22860" tIns="22860" rIns="22860" bIns="22860" numCol="1" spcCol="1270" anchor="ctr" anchorCtr="0">
+          <a:noAutofit/>
+          <a:sp3d extrusionH="28000" prstMaterial="matte"/>
+        </a:bodyPr>
+        <a:lstStyle/>
+        <a:p>
+          <a:pPr lvl="0" algn="ctr" defTabSz="800100">
+            <a:lnSpc>
+              <a:spcPct val="90000"/>
+            </a:lnSpc>
+            <a:spcBef>
+              <a:spcPct val="0"/>
+            </a:spcBef>
+            <a:spcAft>
+              <a:spcPct val="35000"/>
+            </a:spcAft>
+          </a:pPr>
+          <a:r>
+            <a:rPr lang="en-US" altLang="zh-CN" sz="1800" kern="1200" dirty="0" err="1" smtClean="0"/>
+            <a:t>Redis-Cli</a:t>
+          </a:r>
+          <a:endParaRPr lang="zh-CN" altLang="en-US" sz="1800" kern="1200" dirty="0"/>
+        </a:p>
+      </dsp:txBody>
+      <dsp:txXfrm>
+        <a:off x="5009863" y="4152665"/>
+        <a:ext cx="994439" cy="994439"/>
+      </dsp:txXfrm>
+    </dsp:sp>
+    <dsp:sp modelId="{8BF1CC65-F180-4DD9-BB53-98C744322E4F}">
+      <dsp:nvSpPr>
+        <dsp:cNvPr id="0" name=""/>
+        <dsp:cNvSpPr/>
+      </dsp:nvSpPr>
+      <dsp:spPr>
+        <a:xfrm rot="9000000">
+          <a:off x="4510632" y="2927563"/>
+          <a:ext cx="299794" cy="478158"/>
+        </a:xfrm>
+        <a:prstGeom prst="rightArrow">
+          <a:avLst>
+            <a:gd name="adj1" fmla="val 60000"/>
+            <a:gd name="adj2" fmla="val 50000"/>
+          </a:avLst>
+        </a:prstGeom>
+        <a:solidFill>
+          <a:schemeClr val="accent6">
+            <a:hueOff val="0"/>
+            <a:satOff val="0"/>
+            <a:lumOff val="0"/>
+            <a:alphaOff val="0"/>
+          </a:schemeClr>
+        </a:solidFill>
+        <a:ln>
+          <a:noFill/>
+        </a:ln>
+        <a:effectLst/>
+        <a:sp3d z="-227350" prstMaterial="matte"/>
+      </dsp:spPr>
+      <dsp:style>
+        <a:lnRef idx="0">
+          <a:scrgbClr r="0" g="0" b="0"/>
+        </a:lnRef>
+        <a:fillRef idx="1">
+          <a:scrgbClr r="0" g="0" b="0"/>
+        </a:fillRef>
+        <a:effectRef idx="0">
+          <a:scrgbClr r="0" g="0" b="0"/>
+        </a:effectRef>
+        <a:fontRef idx="minor">
+          <a:schemeClr val="lt1"/>
+        </a:fontRef>
+      </dsp:style>
+      <dsp:txBody>
+        <a:bodyPr spcFirstLastPara="0" vert="horz" wrap="square" lIns="0" tIns="0" rIns="0" bIns="0" numCol="1" spcCol="1270" anchor="ctr" anchorCtr="0">
+          <a:noAutofit/>
+        </a:bodyPr>
+        <a:lstStyle/>
+        <a:p>
+          <a:pPr lvl="0" algn="ctr" defTabSz="800100">
+            <a:lnSpc>
+              <a:spcPct val="90000"/>
+            </a:lnSpc>
+            <a:spcBef>
+              <a:spcPct val="0"/>
+            </a:spcBef>
+            <a:spcAft>
+              <a:spcPct val="35000"/>
+            </a:spcAft>
+          </a:pPr>
+          <a:endParaRPr lang="zh-CN" altLang="en-US" sz="1800" kern="1200"/>
+        </a:p>
+      </dsp:txBody>
+      <dsp:txXfrm rot="10800000">
+        <a:off x="4594545" y="3000711"/>
+        <a:ext cx="209856" cy="286894"/>
+      </dsp:txXfrm>
+    </dsp:sp>
+    <dsp:sp modelId="{145D976C-6194-47D4-AC17-A29F202ED7F6}">
+      <dsp:nvSpPr>
+        <dsp:cNvPr id="0" name=""/>
+        <dsp:cNvSpPr/>
+      </dsp:nvSpPr>
+      <dsp:spPr>
+        <a:xfrm>
+          <a:off x="3096106" y="2960710"/>
+          <a:ext cx="1406349" cy="1406349"/>
+        </a:xfrm>
+        <a:prstGeom prst="ellipse">
+          <a:avLst/>
+        </a:prstGeom>
+        <a:solidFill>
+          <a:schemeClr val="accent6">
+            <a:hueOff val="0"/>
+            <a:satOff val="0"/>
+            <a:lumOff val="0"/>
+            <a:alphaOff val="0"/>
+          </a:schemeClr>
+        </a:solidFill>
+        <a:ln>
+          <a:noFill/>
+        </a:ln>
+        <a:effectLst/>
+        <a:sp3d extrusionH="152250" prstMaterial="matte">
+          <a:bevelT w="165100" prst="coolSlant"/>
+        </a:sp3d>
+      </dsp:spPr>
+      <dsp:style>
+        <a:lnRef idx="0">
+          <a:scrgbClr r="0" g="0" b="0"/>
+        </a:lnRef>
+        <a:fillRef idx="1">
+          <a:scrgbClr r="0" g="0" b="0"/>
+        </a:fillRef>
+        <a:effectRef idx="2">
+          <a:scrgbClr r="0" g="0" b="0"/>
+        </a:effectRef>
+        <a:fontRef idx="minor">
+          <a:schemeClr val="lt1"/>
+        </a:fontRef>
+      </dsp:style>
+      <dsp:txBody>
+        <a:bodyPr spcFirstLastPara="0" vert="horz" wrap="square" lIns="22860" tIns="22860" rIns="22860" bIns="22860" numCol="1" spcCol="1270" anchor="ctr" anchorCtr="0">
+          <a:noAutofit/>
+          <a:sp3d extrusionH="28000" prstMaterial="matte"/>
+        </a:bodyPr>
+        <a:lstStyle/>
+        <a:p>
+          <a:pPr lvl="0" algn="ctr" defTabSz="800100">
+            <a:lnSpc>
+              <a:spcPct val="90000"/>
+            </a:lnSpc>
+            <a:spcBef>
+              <a:spcPct val="0"/>
+            </a:spcBef>
+            <a:spcAft>
+              <a:spcPct val="35000"/>
+            </a:spcAft>
+          </a:pPr>
+          <a:r>
+            <a:rPr lang="en-US" altLang="zh-CN" sz="1800" kern="1200" dirty="0" smtClean="0"/>
+            <a:t>JavaScript</a:t>
+          </a:r>
+          <a:endParaRPr lang="zh-CN" altLang="en-US" sz="1800" kern="1200" dirty="0"/>
+        </a:p>
+      </dsp:txBody>
+      <dsp:txXfrm>
+        <a:off x="3302061" y="3166665"/>
+        <a:ext cx="994439" cy="994439"/>
+      </dsp:txXfrm>
+    </dsp:sp>
+    <dsp:sp modelId="{F343BF18-59E4-430E-B292-493F0285F293}">
+      <dsp:nvSpPr>
+        <dsp:cNvPr id="0" name=""/>
+        <dsp:cNvSpPr/>
+      </dsp:nvSpPr>
+      <dsp:spPr>
+        <a:xfrm rot="12600000">
+          <a:off x="4510632" y="1950048"/>
+          <a:ext cx="299794" cy="478158"/>
+        </a:xfrm>
+        <a:prstGeom prst="rightArrow">
+          <a:avLst>
+            <a:gd name="adj1" fmla="val 60000"/>
+            <a:gd name="adj2" fmla="val 50000"/>
+          </a:avLst>
+        </a:prstGeom>
+        <a:solidFill>
+          <a:schemeClr val="tx2">
+            <a:lumMod val="60000"/>
+            <a:lumOff val="40000"/>
+          </a:schemeClr>
+        </a:solidFill>
+        <a:ln>
+          <a:noFill/>
+        </a:ln>
+        <a:effectLst/>
+        <a:sp3d z="-227350" prstMaterial="matte"/>
+      </dsp:spPr>
+      <dsp:style>
+        <a:lnRef idx="0">
+          <a:scrgbClr r="0" g="0" b="0"/>
+        </a:lnRef>
+        <a:fillRef idx="1">
+          <a:scrgbClr r="0" g="0" b="0"/>
+        </a:fillRef>
+        <a:effectRef idx="0">
+          <a:scrgbClr r="0" g="0" b="0"/>
+        </a:effectRef>
+        <a:fontRef idx="minor">
+          <a:schemeClr val="lt1"/>
+        </a:fontRef>
+      </dsp:style>
+      <dsp:txBody>
+        <a:bodyPr spcFirstLastPara="0" vert="horz" wrap="square" lIns="0" tIns="0" rIns="0" bIns="0" numCol="1" spcCol="1270" anchor="ctr" anchorCtr="0">
+          <a:noAutofit/>
+        </a:bodyPr>
+        <a:lstStyle/>
+        <a:p>
+          <a:pPr lvl="0" algn="ctr" defTabSz="800100">
+            <a:lnSpc>
+              <a:spcPct val="90000"/>
+            </a:lnSpc>
+            <a:spcBef>
+              <a:spcPct val="0"/>
+            </a:spcBef>
+            <a:spcAft>
+              <a:spcPct val="35000"/>
+            </a:spcAft>
+          </a:pPr>
+          <a:endParaRPr lang="zh-CN" altLang="en-US" sz="1800" kern="1200"/>
+        </a:p>
+      </dsp:txBody>
+      <dsp:txXfrm rot="10800000">
+        <a:off x="4594545" y="2068165"/>
+        <a:ext cx="209856" cy="286894"/>
+      </dsp:txXfrm>
+    </dsp:sp>
+    <dsp:sp modelId="{28D03AD1-DD82-4BF5-A36E-9295213AD4E9}">
+      <dsp:nvSpPr>
+        <dsp:cNvPr id="0" name=""/>
+        <dsp:cNvSpPr/>
+      </dsp:nvSpPr>
+      <dsp:spPr>
+        <a:xfrm>
+          <a:off x="3096106" y="988710"/>
+          <a:ext cx="1406349" cy="1406349"/>
+        </a:xfrm>
+        <a:prstGeom prst="ellipse">
+          <a:avLst/>
+        </a:prstGeom>
+        <a:solidFill>
+          <a:schemeClr val="tx2">
+            <a:lumMod val="60000"/>
+            <a:lumOff val="40000"/>
+          </a:schemeClr>
+        </a:solidFill>
+        <a:ln>
+          <a:noFill/>
+        </a:ln>
+        <a:effectLst/>
+        <a:sp3d extrusionH="152250" prstMaterial="matte">
+          <a:bevelT w="165100" prst="coolSlant"/>
+        </a:sp3d>
+      </dsp:spPr>
+      <dsp:style>
+        <a:lnRef idx="0">
+          <a:scrgbClr r="0" g="0" b="0"/>
+        </a:lnRef>
+        <a:fillRef idx="1">
+          <a:scrgbClr r="0" g="0" b="0"/>
+        </a:fillRef>
+        <a:effectRef idx="2">
+          <a:scrgbClr r="0" g="0" b="0"/>
+        </a:effectRef>
+        <a:fontRef idx="minor">
+          <a:schemeClr val="lt1"/>
+        </a:fontRef>
+      </dsp:style>
+      <dsp:txBody>
+        <a:bodyPr spcFirstLastPara="0" vert="horz" wrap="square" lIns="22860" tIns="22860" rIns="22860" bIns="22860" numCol="1" spcCol="1270" anchor="ctr" anchorCtr="0">
+          <a:noAutofit/>
+          <a:sp3d extrusionH="28000" prstMaterial="matte"/>
+        </a:bodyPr>
+        <a:lstStyle/>
+        <a:p>
+          <a:pPr lvl="0" algn="ctr" defTabSz="800100">
+            <a:lnSpc>
+              <a:spcPct val="90000"/>
+            </a:lnSpc>
+            <a:spcBef>
+              <a:spcPct val="0"/>
+            </a:spcBef>
+            <a:spcAft>
+              <a:spcPct val="35000"/>
+            </a:spcAft>
+          </a:pPr>
+          <a:r>
+            <a:rPr lang="en-US" altLang="zh-CN" sz="1800" kern="1200" dirty="0" smtClean="0"/>
+            <a:t>PHP</a:t>
+          </a:r>
+          <a:endParaRPr lang="zh-CN" altLang="en-US" sz="1800" kern="1200" dirty="0"/>
+        </a:p>
+      </dsp:txBody>
+      <dsp:txXfrm>
+        <a:off x="3302061" y="1194665"/>
+        <a:ext cx="994439" cy="994439"/>
+      </dsp:txXfrm>
+    </dsp:sp>
   </dsp:spTree>
 </dsp:drawing>
 </file>
@@ -3011,6 +3936,808 @@
       <dsp:cNvGrpSpPr/>
     </dsp:nvGrpSpPr>
     <dsp:grpSpPr/>
+    <dsp:sp modelId="{89E4841E-8B7B-4027-87B2-9FA8716E18C4}">
+      <dsp:nvSpPr>
+        <dsp:cNvPr id="0" name=""/>
+        <dsp:cNvSpPr/>
+      </dsp:nvSpPr>
+      <dsp:spPr>
+        <a:xfrm>
+          <a:off x="3010679" y="1786687"/>
+          <a:ext cx="1758674" cy="963613"/>
+        </a:xfrm>
+        <a:prstGeom prst="roundRect">
+          <a:avLst/>
+        </a:prstGeom>
+        <a:solidFill>
+          <a:schemeClr val="accent1">
+            <a:hueOff val="0"/>
+            <a:satOff val="0"/>
+            <a:lumOff val="0"/>
+            <a:alphaOff val="0"/>
+          </a:schemeClr>
+        </a:solidFill>
+        <a:ln>
+          <a:noFill/>
+        </a:ln>
+        <a:effectLst/>
+        <a:sp3d extrusionH="152250" prstMaterial="matte">
+          <a:bevelT w="165100" prst="coolSlant"/>
+        </a:sp3d>
+      </dsp:spPr>
+      <dsp:style>
+        <a:lnRef idx="0">
+          <a:scrgbClr r="0" g="0" b="0"/>
+        </a:lnRef>
+        <a:fillRef idx="1">
+          <a:scrgbClr r="0" g="0" b="0"/>
+        </a:fillRef>
+        <a:effectRef idx="2">
+          <a:scrgbClr r="0" g="0" b="0"/>
+        </a:effectRef>
+        <a:fontRef idx="minor">
+          <a:schemeClr val="lt1"/>
+        </a:fontRef>
+      </dsp:style>
+      <dsp:txBody>
+        <a:bodyPr spcFirstLastPara="0" vert="horz" wrap="square" lIns="19685" tIns="19685" rIns="19685" bIns="19685" numCol="1" spcCol="1270" anchor="ctr" anchorCtr="0">
+          <a:noAutofit/>
+          <a:sp3d extrusionH="28000" prstMaterial="matte"/>
+        </a:bodyPr>
+        <a:lstStyle/>
+        <a:p>
+          <a:pPr lvl="0" algn="ctr" defTabSz="1377950">
+            <a:lnSpc>
+              <a:spcPct val="90000"/>
+            </a:lnSpc>
+            <a:spcBef>
+              <a:spcPct val="0"/>
+            </a:spcBef>
+            <a:spcAft>
+              <a:spcPct val="35000"/>
+            </a:spcAft>
+          </a:pPr>
+          <a:r>
+            <a:rPr lang="zh-CN" altLang="en-US" sz="3100" kern="1200" dirty="0" smtClean="0"/>
+            <a:t>任务队列</a:t>
+          </a:r>
+          <a:endParaRPr lang="zh-CN" altLang="en-US" sz="3100" kern="1200" dirty="0"/>
+        </a:p>
+      </dsp:txBody>
+      <dsp:txXfrm>
+        <a:off x="3057719" y="1833727"/>
+        <a:ext cx="1664594" cy="869533"/>
+      </dsp:txXfrm>
+    </dsp:sp>
+    <dsp:sp modelId="{000475DB-A88E-4503-801A-DA6DC7E83A9A}">
+      <dsp:nvSpPr>
+        <dsp:cNvPr id="0" name=""/>
+        <dsp:cNvSpPr/>
+      </dsp:nvSpPr>
+      <dsp:spPr>
+        <a:xfrm rot="12723875">
+          <a:off x="1899991" y="1198611"/>
+          <a:ext cx="1304633" cy="463781"/>
+        </a:xfrm>
+        <a:prstGeom prst="leftArrow">
+          <a:avLst>
+            <a:gd name="adj1" fmla="val 60000"/>
+            <a:gd name="adj2" fmla="val 50000"/>
+          </a:avLst>
+        </a:prstGeom>
+        <a:solidFill>
+          <a:schemeClr val="accent1">
+            <a:tint val="60000"/>
+            <a:hueOff val="0"/>
+            <a:satOff val="0"/>
+            <a:lumOff val="0"/>
+            <a:alphaOff val="0"/>
+          </a:schemeClr>
+        </a:solidFill>
+        <a:ln>
+          <a:noFill/>
+        </a:ln>
+        <a:effectLst/>
+        <a:sp3d z="-227350" prstMaterial="matte"/>
+      </dsp:spPr>
+      <dsp:style>
+        <a:lnRef idx="0">
+          <a:scrgbClr r="0" g="0" b="0"/>
+        </a:lnRef>
+        <a:fillRef idx="1">
+          <a:scrgbClr r="0" g="0" b="0"/>
+        </a:fillRef>
+        <a:effectRef idx="0">
+          <a:scrgbClr r="0" g="0" b="0"/>
+        </a:effectRef>
+        <a:fontRef idx="minor">
+          <a:schemeClr val="lt1"/>
+        </a:fontRef>
+      </dsp:style>
+    </dsp:sp>
+    <dsp:sp modelId="{10C869D6-EE0A-435C-AEE8-2E7C9B180CE0}">
+      <dsp:nvSpPr>
+        <dsp:cNvPr id="0" name=""/>
+        <dsp:cNvSpPr/>
+      </dsp:nvSpPr>
+      <dsp:spPr>
+        <a:xfrm>
+          <a:off x="1365235" y="648037"/>
+          <a:ext cx="1014797" cy="713381"/>
+        </a:xfrm>
+        <a:prstGeom prst="flowChartConnector">
+          <a:avLst/>
+        </a:prstGeom>
+        <a:solidFill>
+          <a:schemeClr val="accent1">
+            <a:hueOff val="0"/>
+            <a:satOff val="0"/>
+            <a:lumOff val="0"/>
+            <a:alphaOff val="0"/>
+          </a:schemeClr>
+        </a:solidFill>
+        <a:ln>
+          <a:noFill/>
+        </a:ln>
+        <a:effectLst/>
+        <a:sp3d extrusionH="152250" prstMaterial="matte">
+          <a:bevelT w="165100" prst="coolSlant"/>
+        </a:sp3d>
+      </dsp:spPr>
+      <dsp:style>
+        <a:lnRef idx="0">
+          <a:scrgbClr r="0" g="0" b="0"/>
+        </a:lnRef>
+        <a:fillRef idx="1">
+          <a:scrgbClr r="0" g="0" b="0"/>
+        </a:fillRef>
+        <a:effectRef idx="2">
+          <a:scrgbClr r="0" g="0" b="0"/>
+        </a:effectRef>
+        <a:fontRef idx="minor">
+          <a:schemeClr val="lt1"/>
+        </a:fontRef>
+      </dsp:style>
+      <dsp:txBody>
+        <a:bodyPr spcFirstLastPara="0" vert="horz" wrap="square" lIns="34290" tIns="34290" rIns="34290" bIns="34290" numCol="1" spcCol="1270" anchor="ctr" anchorCtr="0">
+          <a:noAutofit/>
+          <a:sp3d extrusionH="28000" prstMaterial="matte"/>
+        </a:bodyPr>
+        <a:lstStyle/>
+        <a:p>
+          <a:pPr lvl="0" algn="ctr" defTabSz="800100">
+            <a:lnSpc>
+              <a:spcPct val="90000"/>
+            </a:lnSpc>
+            <a:spcBef>
+              <a:spcPct val="0"/>
+            </a:spcBef>
+            <a:spcAft>
+              <a:spcPct val="35000"/>
+            </a:spcAft>
+          </a:pPr>
+          <a:r>
+            <a:rPr lang="zh-CN" altLang="en-US" sz="1800" kern="1200" dirty="0" smtClean="0"/>
+            <a:t>生产者</a:t>
+          </a:r>
+          <a:r>
+            <a:rPr lang="en-US" altLang="zh-CN" sz="1800" kern="1200" dirty="0" smtClean="0"/>
+            <a:t>1</a:t>
+          </a:r>
+          <a:endParaRPr lang="zh-CN" altLang="en-US" sz="1800" kern="1200" dirty="0"/>
+        </a:p>
+      </dsp:txBody>
+      <dsp:txXfrm>
+        <a:off x="1513849" y="752509"/>
+        <a:ext cx="717569" cy="504437"/>
+      </dsp:txXfrm>
+    </dsp:sp>
+    <dsp:sp modelId="{A19A9881-9E9A-43F6-A341-6E165FF2211D}">
+      <dsp:nvSpPr>
+        <dsp:cNvPr id="0" name=""/>
+        <dsp:cNvSpPr/>
+      </dsp:nvSpPr>
+      <dsp:spPr>
+        <a:xfrm rot="10799998">
+          <a:off x="1743080" y="2026336"/>
+          <a:ext cx="1163422" cy="484316"/>
+        </a:xfrm>
+        <a:prstGeom prst="leftArrow">
+          <a:avLst>
+            <a:gd name="adj1" fmla="val 60000"/>
+            <a:gd name="adj2" fmla="val 50000"/>
+          </a:avLst>
+        </a:prstGeom>
+        <a:solidFill>
+          <a:schemeClr val="accent1">
+            <a:tint val="60000"/>
+            <a:hueOff val="0"/>
+            <a:satOff val="0"/>
+            <a:lumOff val="0"/>
+            <a:alphaOff val="0"/>
+          </a:schemeClr>
+        </a:solidFill>
+        <a:ln>
+          <a:noFill/>
+        </a:ln>
+        <a:effectLst/>
+        <a:sp3d z="-227350" prstMaterial="matte"/>
+      </dsp:spPr>
+      <dsp:style>
+        <a:lnRef idx="0">
+          <a:scrgbClr r="0" g="0" b="0"/>
+        </a:lnRef>
+        <a:fillRef idx="1">
+          <a:scrgbClr r="0" g="0" b="0"/>
+        </a:fillRef>
+        <a:effectRef idx="0">
+          <a:scrgbClr r="0" g="0" b="0"/>
+        </a:effectRef>
+        <a:fontRef idx="minor">
+          <a:schemeClr val="lt1"/>
+        </a:fontRef>
+      </dsp:style>
+    </dsp:sp>
+    <dsp:sp modelId="{763FB4E4-22AA-41F3-B245-B0782FB962E6}">
+      <dsp:nvSpPr>
+        <dsp:cNvPr id="0" name=""/>
+        <dsp:cNvSpPr/>
+      </dsp:nvSpPr>
+      <dsp:spPr>
+        <a:xfrm>
+          <a:off x="1016582" y="1911804"/>
+          <a:ext cx="1014797" cy="713381"/>
+        </a:xfrm>
+        <a:prstGeom prst="flowChartConnector">
+          <a:avLst/>
+        </a:prstGeom>
+        <a:solidFill>
+          <a:schemeClr val="accent1">
+            <a:hueOff val="0"/>
+            <a:satOff val="0"/>
+            <a:lumOff val="0"/>
+            <a:alphaOff val="0"/>
+          </a:schemeClr>
+        </a:solidFill>
+        <a:ln>
+          <a:noFill/>
+        </a:ln>
+        <a:effectLst/>
+        <a:sp3d extrusionH="152250" prstMaterial="matte">
+          <a:bevelT w="165100" prst="coolSlant"/>
+        </a:sp3d>
+      </dsp:spPr>
+      <dsp:style>
+        <a:lnRef idx="0">
+          <a:scrgbClr r="0" g="0" b="0"/>
+        </a:lnRef>
+        <a:fillRef idx="1">
+          <a:scrgbClr r="0" g="0" b="0"/>
+        </a:fillRef>
+        <a:effectRef idx="2">
+          <a:scrgbClr r="0" g="0" b="0"/>
+        </a:effectRef>
+        <a:fontRef idx="minor">
+          <a:schemeClr val="lt1"/>
+        </a:fontRef>
+      </dsp:style>
+      <dsp:txBody>
+        <a:bodyPr spcFirstLastPara="0" vert="horz" wrap="square" lIns="34290" tIns="34290" rIns="34290" bIns="34290" numCol="1" spcCol="1270" anchor="ctr" anchorCtr="0">
+          <a:noAutofit/>
+          <a:sp3d extrusionH="28000" prstMaterial="matte"/>
+        </a:bodyPr>
+        <a:lstStyle/>
+        <a:p>
+          <a:pPr lvl="0" algn="ctr" defTabSz="800100">
+            <a:lnSpc>
+              <a:spcPct val="90000"/>
+            </a:lnSpc>
+            <a:spcBef>
+              <a:spcPct val="0"/>
+            </a:spcBef>
+            <a:spcAft>
+              <a:spcPct val="35000"/>
+            </a:spcAft>
+          </a:pPr>
+          <a:r>
+            <a:rPr lang="zh-CN" altLang="en-US" sz="1800" kern="1200" dirty="0" smtClean="0"/>
+            <a:t>生产者</a:t>
+          </a:r>
+          <a:r>
+            <a:rPr lang="en-US" altLang="zh-CN" sz="1800" kern="1200" dirty="0" smtClean="0"/>
+            <a:t>2</a:t>
+          </a:r>
+          <a:endParaRPr lang="zh-CN" altLang="en-US" sz="1800" kern="1200" dirty="0"/>
+        </a:p>
+      </dsp:txBody>
+      <dsp:txXfrm>
+        <a:off x="1165196" y="2016276"/>
+        <a:ext cx="717569" cy="504437"/>
+      </dsp:txXfrm>
+    </dsp:sp>
+    <dsp:sp modelId="{D555D34C-063B-46E3-BCE7-41D044FF19C9}">
+      <dsp:nvSpPr>
+        <dsp:cNvPr id="0" name=""/>
+        <dsp:cNvSpPr/>
+      </dsp:nvSpPr>
+      <dsp:spPr>
+        <a:xfrm rot="8854771">
+          <a:off x="2007164" y="2885285"/>
+          <a:ext cx="1123638" cy="444448"/>
+        </a:xfrm>
+        <a:prstGeom prst="leftArrow">
+          <a:avLst>
+            <a:gd name="adj1" fmla="val 60000"/>
+            <a:gd name="adj2" fmla="val 50000"/>
+          </a:avLst>
+        </a:prstGeom>
+        <a:solidFill>
+          <a:schemeClr val="accent1">
+            <a:tint val="60000"/>
+            <a:hueOff val="0"/>
+            <a:satOff val="0"/>
+            <a:lumOff val="0"/>
+            <a:alphaOff val="0"/>
+          </a:schemeClr>
+        </a:solidFill>
+        <a:ln>
+          <a:noFill/>
+        </a:ln>
+        <a:effectLst/>
+        <a:sp3d z="-227350" prstMaterial="matte"/>
+      </dsp:spPr>
+      <dsp:style>
+        <a:lnRef idx="0">
+          <a:scrgbClr r="0" g="0" b="0"/>
+        </a:lnRef>
+        <a:fillRef idx="1">
+          <a:scrgbClr r="0" g="0" b="0"/>
+        </a:fillRef>
+        <a:effectRef idx="0">
+          <a:scrgbClr r="0" g="0" b="0"/>
+        </a:effectRef>
+        <a:fontRef idx="minor">
+          <a:schemeClr val="lt1"/>
+        </a:fontRef>
+      </dsp:style>
+    </dsp:sp>
+    <dsp:sp modelId="{A01E0EA4-5914-49C4-A008-69E0540FF494}">
+      <dsp:nvSpPr>
+        <dsp:cNvPr id="0" name=""/>
+        <dsp:cNvSpPr/>
+      </dsp:nvSpPr>
+      <dsp:spPr>
+        <a:xfrm>
+          <a:off x="1392795" y="3175581"/>
+          <a:ext cx="1014797" cy="713381"/>
+        </a:xfrm>
+        <a:prstGeom prst="flowChartConnector">
+          <a:avLst/>
+        </a:prstGeom>
+        <a:solidFill>
+          <a:schemeClr val="accent1">
+            <a:hueOff val="0"/>
+            <a:satOff val="0"/>
+            <a:lumOff val="0"/>
+            <a:alphaOff val="0"/>
+          </a:schemeClr>
+        </a:solidFill>
+        <a:ln>
+          <a:noFill/>
+        </a:ln>
+        <a:effectLst/>
+        <a:sp3d extrusionH="152250" prstMaterial="matte">
+          <a:bevelT w="165100" prst="coolSlant"/>
+        </a:sp3d>
+      </dsp:spPr>
+      <dsp:style>
+        <a:lnRef idx="0">
+          <a:scrgbClr r="0" g="0" b="0"/>
+        </a:lnRef>
+        <a:fillRef idx="1">
+          <a:scrgbClr r="0" g="0" b="0"/>
+        </a:fillRef>
+        <a:effectRef idx="2">
+          <a:scrgbClr r="0" g="0" b="0"/>
+        </a:effectRef>
+        <a:fontRef idx="minor">
+          <a:schemeClr val="lt1"/>
+        </a:fontRef>
+      </dsp:style>
+      <dsp:txBody>
+        <a:bodyPr spcFirstLastPara="0" vert="horz" wrap="square" lIns="34290" tIns="34290" rIns="34290" bIns="34290" numCol="1" spcCol="1270" anchor="ctr" anchorCtr="0">
+          <a:noAutofit/>
+          <a:sp3d extrusionH="28000" prstMaterial="matte"/>
+        </a:bodyPr>
+        <a:lstStyle/>
+        <a:p>
+          <a:pPr lvl="0" algn="ctr" defTabSz="800100">
+            <a:lnSpc>
+              <a:spcPct val="90000"/>
+            </a:lnSpc>
+            <a:spcBef>
+              <a:spcPct val="0"/>
+            </a:spcBef>
+            <a:spcAft>
+              <a:spcPct val="35000"/>
+            </a:spcAft>
+          </a:pPr>
+          <a:r>
+            <a:rPr lang="zh-CN" altLang="en-US" sz="1800" kern="1200" dirty="0" smtClean="0"/>
+            <a:t>生产者</a:t>
+          </a:r>
+          <a:r>
+            <a:rPr lang="en-US" altLang="zh-CN" sz="1800" kern="1200" dirty="0" smtClean="0"/>
+            <a:t>3</a:t>
+          </a:r>
+          <a:endParaRPr lang="zh-CN" altLang="en-US" sz="1800" kern="1200" dirty="0"/>
+        </a:p>
+      </dsp:txBody>
+      <dsp:txXfrm>
+        <a:off x="1541409" y="3280053"/>
+        <a:ext cx="717569" cy="504437"/>
+      </dsp:txXfrm>
+    </dsp:sp>
+    <dsp:sp modelId="{54769709-43B4-4D0D-A58D-26AA355F4306}">
+      <dsp:nvSpPr>
+        <dsp:cNvPr id="0" name=""/>
+        <dsp:cNvSpPr/>
+      </dsp:nvSpPr>
+      <dsp:spPr>
+        <a:xfrm rot="19713643">
+          <a:off x="4514221" y="1181713"/>
+          <a:ext cx="910748" cy="501222"/>
+        </a:xfrm>
+        <a:prstGeom prst="rightArrow">
+          <a:avLst/>
+        </a:prstGeom>
+        <a:solidFill>
+          <a:schemeClr val="accent1">
+            <a:tint val="60000"/>
+            <a:hueOff val="0"/>
+            <a:satOff val="0"/>
+            <a:lumOff val="0"/>
+            <a:alphaOff val="0"/>
+          </a:schemeClr>
+        </a:solidFill>
+        <a:ln>
+          <a:noFill/>
+        </a:ln>
+        <a:effectLst/>
+        <a:sp3d z="-227350" prstMaterial="matte"/>
+      </dsp:spPr>
+      <dsp:style>
+        <a:lnRef idx="0">
+          <a:scrgbClr r="0" g="0" b="0"/>
+        </a:lnRef>
+        <a:fillRef idx="1">
+          <a:scrgbClr r="0" g="0" b="0"/>
+        </a:fillRef>
+        <a:effectRef idx="0">
+          <a:scrgbClr r="0" g="0" b="0"/>
+        </a:effectRef>
+        <a:fontRef idx="minor">
+          <a:schemeClr val="lt1"/>
+        </a:fontRef>
+      </dsp:style>
+    </dsp:sp>
+    <dsp:sp modelId="{FC638E26-7369-4DDB-9221-21BD0B6C877B}">
+      <dsp:nvSpPr>
+        <dsp:cNvPr id="0" name=""/>
+        <dsp:cNvSpPr/>
+      </dsp:nvSpPr>
+      <dsp:spPr>
+        <a:xfrm>
+          <a:off x="5442472" y="655796"/>
+          <a:ext cx="1029496" cy="697850"/>
+        </a:xfrm>
+        <a:prstGeom prst="flowChartConnector">
+          <a:avLst/>
+        </a:prstGeom>
+        <a:solidFill>
+          <a:schemeClr val="accent1">
+            <a:hueOff val="0"/>
+            <a:satOff val="0"/>
+            <a:lumOff val="0"/>
+            <a:alphaOff val="0"/>
+          </a:schemeClr>
+        </a:solidFill>
+        <a:ln>
+          <a:noFill/>
+        </a:ln>
+        <a:effectLst/>
+        <a:sp3d extrusionH="152250" prstMaterial="matte">
+          <a:bevelT w="165100" prst="coolSlant"/>
+        </a:sp3d>
+      </dsp:spPr>
+      <dsp:style>
+        <a:lnRef idx="0">
+          <a:scrgbClr r="0" g="0" b="0"/>
+        </a:lnRef>
+        <a:fillRef idx="1">
+          <a:scrgbClr r="0" g="0" b="0"/>
+        </a:fillRef>
+        <a:effectRef idx="2">
+          <a:scrgbClr r="0" g="0" b="0"/>
+        </a:effectRef>
+        <a:fontRef idx="minor">
+          <a:schemeClr val="lt1"/>
+        </a:fontRef>
+      </dsp:style>
+      <dsp:txBody>
+        <a:bodyPr spcFirstLastPara="0" vert="horz" wrap="square" lIns="28575" tIns="28575" rIns="28575" bIns="28575" numCol="1" spcCol="1270" anchor="ctr" anchorCtr="0">
+          <a:noAutofit/>
+          <a:sp3d extrusionH="28000" prstMaterial="matte"/>
+        </a:bodyPr>
+        <a:lstStyle/>
+        <a:p>
+          <a:pPr lvl="0" algn="ctr" defTabSz="666750">
+            <a:lnSpc>
+              <a:spcPct val="90000"/>
+            </a:lnSpc>
+            <a:spcBef>
+              <a:spcPct val="0"/>
+            </a:spcBef>
+            <a:spcAft>
+              <a:spcPct val="35000"/>
+            </a:spcAft>
+          </a:pPr>
+          <a:r>
+            <a:rPr lang="zh-CN" altLang="en-US" sz="1500" kern="1200" dirty="0" smtClean="0"/>
+            <a:t>消费者</a:t>
+          </a:r>
+          <a:r>
+            <a:rPr lang="en-US" altLang="zh-CN" sz="1500" kern="1200" dirty="0" smtClean="0"/>
+            <a:t>A</a:t>
+          </a:r>
+          <a:endParaRPr lang="zh-CN" altLang="en-US" sz="1500" kern="1200" dirty="0"/>
+        </a:p>
+      </dsp:txBody>
+      <dsp:txXfrm>
+        <a:off x="5593238" y="757994"/>
+        <a:ext cx="727964" cy="493454"/>
+      </dsp:txXfrm>
+    </dsp:sp>
+    <dsp:sp modelId="{4082F79D-CB09-4DAA-AF75-094213E887FA}">
+      <dsp:nvSpPr>
+        <dsp:cNvPr id="0" name=""/>
+        <dsp:cNvSpPr/>
+      </dsp:nvSpPr>
+      <dsp:spPr>
+        <a:xfrm rot="21599999">
+          <a:off x="4860424" y="2017882"/>
+          <a:ext cx="750915" cy="501222"/>
+        </a:xfrm>
+        <a:prstGeom prst="rightArrow">
+          <a:avLst/>
+        </a:prstGeom>
+        <a:solidFill>
+          <a:schemeClr val="accent1">
+            <a:tint val="60000"/>
+            <a:hueOff val="0"/>
+            <a:satOff val="0"/>
+            <a:lumOff val="0"/>
+            <a:alphaOff val="0"/>
+          </a:schemeClr>
+        </a:solidFill>
+        <a:ln>
+          <a:noFill/>
+        </a:ln>
+        <a:effectLst/>
+        <a:sp3d z="-227350" prstMaterial="matte"/>
+      </dsp:spPr>
+      <dsp:style>
+        <a:lnRef idx="0">
+          <a:scrgbClr r="0" g="0" b="0"/>
+        </a:lnRef>
+        <a:fillRef idx="1">
+          <a:scrgbClr r="0" g="0" b="0"/>
+        </a:fillRef>
+        <a:effectRef idx="0">
+          <a:scrgbClr r="0" g="0" b="0"/>
+        </a:effectRef>
+        <a:fontRef idx="minor">
+          <a:schemeClr val="lt1"/>
+        </a:fontRef>
+      </dsp:style>
+    </dsp:sp>
+    <dsp:sp modelId="{5802A834-1F4D-4A31-8D1F-C4871C4DCEEF}">
+      <dsp:nvSpPr>
+        <dsp:cNvPr id="0" name=""/>
+        <dsp:cNvSpPr/>
+      </dsp:nvSpPr>
+      <dsp:spPr>
+        <a:xfrm>
+          <a:off x="5685142" y="1919567"/>
+          <a:ext cx="1029496" cy="697850"/>
+        </a:xfrm>
+        <a:prstGeom prst="flowChartConnector">
+          <a:avLst/>
+        </a:prstGeom>
+        <a:solidFill>
+          <a:schemeClr val="accent1">
+            <a:hueOff val="0"/>
+            <a:satOff val="0"/>
+            <a:lumOff val="0"/>
+            <a:alphaOff val="0"/>
+          </a:schemeClr>
+        </a:solidFill>
+        <a:ln>
+          <a:noFill/>
+        </a:ln>
+        <a:effectLst/>
+        <a:sp3d extrusionH="152250" prstMaterial="matte">
+          <a:bevelT w="165100" prst="coolSlant"/>
+        </a:sp3d>
+      </dsp:spPr>
+      <dsp:style>
+        <a:lnRef idx="0">
+          <a:scrgbClr r="0" g="0" b="0"/>
+        </a:lnRef>
+        <a:fillRef idx="1">
+          <a:scrgbClr r="0" g="0" b="0"/>
+        </a:fillRef>
+        <a:effectRef idx="2">
+          <a:scrgbClr r="0" g="0" b="0"/>
+        </a:effectRef>
+        <a:fontRef idx="minor">
+          <a:schemeClr val="lt1"/>
+        </a:fontRef>
+      </dsp:style>
+      <dsp:txBody>
+        <a:bodyPr spcFirstLastPara="0" vert="horz" wrap="square" lIns="28575" tIns="28575" rIns="28575" bIns="28575" numCol="1" spcCol="1270" anchor="ctr" anchorCtr="0">
+          <a:noAutofit/>
+          <a:sp3d extrusionH="28000" prstMaterial="matte"/>
+        </a:bodyPr>
+        <a:lstStyle/>
+        <a:p>
+          <a:pPr lvl="0" algn="ctr" defTabSz="666750">
+            <a:lnSpc>
+              <a:spcPct val="90000"/>
+            </a:lnSpc>
+            <a:spcBef>
+              <a:spcPct val="0"/>
+            </a:spcBef>
+            <a:spcAft>
+              <a:spcPct val="35000"/>
+            </a:spcAft>
+          </a:pPr>
+          <a:r>
+            <a:rPr lang="zh-CN" altLang="en-US" sz="1500" kern="1200" dirty="0" smtClean="0"/>
+            <a:t>消费者</a:t>
+          </a:r>
+          <a:r>
+            <a:rPr lang="en-US" altLang="zh-CN" sz="1500" kern="1200" dirty="0" smtClean="0"/>
+            <a:t>B</a:t>
+          </a:r>
+          <a:endParaRPr lang="zh-CN" altLang="en-US" sz="1500" kern="1200" dirty="0"/>
+        </a:p>
+      </dsp:txBody>
+      <dsp:txXfrm>
+        <a:off x="5835908" y="2021765"/>
+        <a:ext cx="727964" cy="493454"/>
+      </dsp:txXfrm>
+    </dsp:sp>
+    <dsp:sp modelId="{53F462A3-2C87-47D9-A26F-1B24435F4068}">
+      <dsp:nvSpPr>
+        <dsp:cNvPr id="0" name=""/>
+        <dsp:cNvSpPr/>
+      </dsp:nvSpPr>
+      <dsp:spPr>
+        <a:xfrm rot="1907764">
+          <a:off x="4502725" y="2855097"/>
+          <a:ext cx="899367" cy="501222"/>
+        </a:xfrm>
+        <a:prstGeom prst="rightArrow">
+          <a:avLst/>
+        </a:prstGeom>
+        <a:solidFill>
+          <a:schemeClr val="accent1">
+            <a:tint val="60000"/>
+            <a:hueOff val="0"/>
+            <a:satOff val="0"/>
+            <a:lumOff val="0"/>
+            <a:alphaOff val="0"/>
+          </a:schemeClr>
+        </a:solidFill>
+        <a:ln>
+          <a:noFill/>
+        </a:ln>
+        <a:effectLst/>
+        <a:sp3d z="-227350" prstMaterial="matte"/>
+      </dsp:spPr>
+      <dsp:style>
+        <a:lnRef idx="0">
+          <a:scrgbClr r="0" g="0" b="0"/>
+        </a:lnRef>
+        <a:fillRef idx="1">
+          <a:scrgbClr r="0" g="0" b="0"/>
+        </a:fillRef>
+        <a:effectRef idx="0">
+          <a:scrgbClr r="0" g="0" b="0"/>
+        </a:effectRef>
+        <a:fontRef idx="minor">
+          <a:schemeClr val="lt1"/>
+        </a:fontRef>
+      </dsp:style>
+    </dsp:sp>
+    <dsp:sp modelId="{37403C11-0B53-4FAF-8F15-678D233D2123}">
+      <dsp:nvSpPr>
+        <dsp:cNvPr id="0" name=""/>
+        <dsp:cNvSpPr/>
+      </dsp:nvSpPr>
+      <dsp:spPr>
+        <a:xfrm>
+          <a:off x="5413829" y="3183336"/>
+          <a:ext cx="1029496" cy="697850"/>
+        </a:xfrm>
+        <a:prstGeom prst="flowChartConnector">
+          <a:avLst/>
+        </a:prstGeom>
+        <a:solidFill>
+          <a:schemeClr val="accent1">
+            <a:hueOff val="0"/>
+            <a:satOff val="0"/>
+            <a:lumOff val="0"/>
+            <a:alphaOff val="0"/>
+          </a:schemeClr>
+        </a:solidFill>
+        <a:ln>
+          <a:noFill/>
+        </a:ln>
+        <a:effectLst/>
+        <a:sp3d extrusionH="152250" prstMaterial="matte">
+          <a:bevelT w="165100" prst="coolSlant"/>
+        </a:sp3d>
+      </dsp:spPr>
+      <dsp:style>
+        <a:lnRef idx="0">
+          <a:scrgbClr r="0" g="0" b="0"/>
+        </a:lnRef>
+        <a:fillRef idx="1">
+          <a:scrgbClr r="0" g="0" b="0"/>
+        </a:fillRef>
+        <a:effectRef idx="2">
+          <a:scrgbClr r="0" g="0" b="0"/>
+        </a:effectRef>
+        <a:fontRef idx="minor">
+          <a:schemeClr val="lt1"/>
+        </a:fontRef>
+      </dsp:style>
+      <dsp:txBody>
+        <a:bodyPr spcFirstLastPara="0" vert="horz" wrap="square" lIns="28575" tIns="28575" rIns="28575" bIns="28575" numCol="1" spcCol="1270" anchor="ctr" anchorCtr="0">
+          <a:noAutofit/>
+          <a:sp3d extrusionH="28000" prstMaterial="matte"/>
+        </a:bodyPr>
+        <a:lstStyle/>
+        <a:p>
+          <a:pPr lvl="0" algn="ctr" defTabSz="666750">
+            <a:lnSpc>
+              <a:spcPct val="90000"/>
+            </a:lnSpc>
+            <a:spcBef>
+              <a:spcPct val="0"/>
+            </a:spcBef>
+            <a:spcAft>
+              <a:spcPct val="35000"/>
+            </a:spcAft>
+          </a:pPr>
+          <a:r>
+            <a:rPr lang="zh-CN" altLang="en-US" sz="1500" kern="1200" dirty="0" smtClean="0"/>
+            <a:t>消费者</a:t>
+          </a:r>
+          <a:r>
+            <a:rPr lang="en-US" altLang="zh-CN" sz="1500" kern="1200" dirty="0" smtClean="0"/>
+            <a:t>C</a:t>
+          </a:r>
+          <a:endParaRPr lang="zh-CN" altLang="en-US" sz="1500" kern="1200" dirty="0"/>
+        </a:p>
+      </dsp:txBody>
+      <dsp:txXfrm>
+        <a:off x="5564595" y="3285534"/>
+        <a:ext cx="727964" cy="493454"/>
+      </dsp:txXfrm>
+    </dsp:sp>
   </dsp:spTree>
 </dsp:drawing>
 </file>
@@ -8220,6 +9947,90 @@
 </p:notes>
 </file>
 
+<file path=ppt/notesSlides/notesSlide17.xml><?xml version="1.0" encoding="utf-8"?>
+<p:notes xmlns:a="http://schemas.openxmlformats.org/drawingml/2006/main" xmlns:r="http://schemas.openxmlformats.org/officeDocument/2006/relationships" xmlns:p="http://schemas.openxmlformats.org/presentationml/2006/main">
+  <p:cSld>
+    <p:spTree>
+      <p:nvGrpSpPr>
+        <p:cNvPr id="1" name=""/>
+        <p:cNvGrpSpPr/>
+        <p:nvPr/>
+      </p:nvGrpSpPr>
+      <p:grpSpPr>
+        <a:xfrm>
+          <a:off x="0" y="0"/>
+          <a:ext cx="0" cy="0"/>
+          <a:chOff x="0" y="0"/>
+          <a:chExt cx="0" cy="0"/>
+        </a:xfrm>
+      </p:grpSpPr>
+      <p:sp>
+        <p:nvSpPr>
+          <p:cNvPr id="2" name="幻灯片图像占位符 1"/>
+          <p:cNvSpPr>
+            <a:spLocks noGrp="1" noRot="1" noChangeAspect="1"/>
+          </p:cNvSpPr>
+          <p:nvPr>
+            <p:ph type="sldImg"/>
+          </p:nvPr>
+        </p:nvSpPr>
+        <p:spPr/>
+      </p:sp>
+      <p:sp>
+        <p:nvSpPr>
+          <p:cNvPr id="3" name="备注占位符 2"/>
+          <p:cNvSpPr>
+            <a:spLocks noGrp="1"/>
+          </p:cNvSpPr>
+          <p:nvPr>
+            <p:ph type="body" idx="1"/>
+          </p:nvPr>
+        </p:nvSpPr>
+        <p:spPr/>
+        <p:txBody>
+          <a:bodyPr/>
+          <a:lstStyle/>
+          <a:p>
+            <a:endParaRPr lang="zh-CN" altLang="en-US"/>
+          </a:p>
+        </p:txBody>
+      </p:sp>
+      <p:sp>
+        <p:nvSpPr>
+          <p:cNvPr id="4" name="灯片编号占位符 3"/>
+          <p:cNvSpPr>
+            <a:spLocks noGrp="1"/>
+          </p:cNvSpPr>
+          <p:nvPr>
+            <p:ph type="sldNum" sz="quarter" idx="10"/>
+          </p:nvPr>
+        </p:nvSpPr>
+        <p:spPr/>
+        <p:txBody>
+          <a:bodyPr/>
+          <a:lstStyle/>
+          <a:p>
+            <a:fld id="{FCBFEC9C-B6FE-4227-BB9B-8B43BABBE420}" type="slidenum">
+              <a:rPr lang="zh-CN" altLang="en-US" smtClean="0"/>
+              <a:t>41</a:t>
+            </a:fld>
+            <a:endParaRPr lang="zh-CN" altLang="en-US"/>
+          </a:p>
+        </p:txBody>
+      </p:sp>
+    </p:spTree>
+    <p:extLst>
+      <p:ext uri="{BB962C8B-B14F-4D97-AF65-F5344CB8AC3E}">
+        <p14:creationId xmlns:p14="http://schemas.microsoft.com/office/powerpoint/2010/main" val="483820909"/>
+      </p:ext>
+    </p:extLst>
+  </p:cSld>
+  <p:clrMapOvr>
+    <a:masterClrMapping/>
+  </p:clrMapOvr>
+</p:notes>
+</file>
+
 <file path=ppt/notesSlides/notesSlide2.xml><?xml version="1.0" encoding="utf-8"?>
 <p:notes xmlns:a="http://schemas.openxmlformats.org/drawingml/2006/main" xmlns:r="http://schemas.openxmlformats.org/officeDocument/2006/relationships" xmlns:p="http://schemas.openxmlformats.org/presentationml/2006/main">
   <p:cSld>
@@ -9591,29 +11402,33 @@
           <a:bodyPr/>
           <a:lstStyle/>
           <a:p>
-            <a:fld id="{6677AD21-0B47-4E9C-A9F9-D49722186093}" type="datetimeFigureOut">
+            <a:r>
+              <a:rPr lang="en-US" altLang="zh-CN" smtClean="0"/>
+              <a:t>2015-10-23</a:t>
+            </a:r>
+            <a:endParaRPr lang="zh-CN" altLang="en-US"/>
+          </a:p>
+        </p:txBody>
+      </p:sp>
+      <p:sp>
+        <p:nvSpPr>
+          <p:cNvPr id="5" name="页脚占位符 4"/>
+          <p:cNvSpPr>
+            <a:spLocks noGrp="1"/>
+          </p:cNvSpPr>
+          <p:nvPr>
+            <p:ph type="ftr" sz="quarter" idx="11"/>
+          </p:nvPr>
+        </p:nvSpPr>
+        <p:spPr/>
+        <p:txBody>
+          <a:bodyPr/>
+          <a:lstStyle/>
+          <a:p>
+            <a:r>
               <a:rPr lang="zh-CN" altLang="en-US" smtClean="0"/>
-              <a:t>2015/10/23</a:t>
-            </a:fld>
-            <a:endParaRPr lang="zh-CN" altLang="en-US"/>
-          </a:p>
-        </p:txBody>
-      </p:sp>
-      <p:sp>
-        <p:nvSpPr>
-          <p:cNvPr id="5" name="页脚占位符 4"/>
-          <p:cNvSpPr>
-            <a:spLocks noGrp="1"/>
-          </p:cNvSpPr>
-          <p:nvPr>
-            <p:ph type="ftr" sz="quarter" idx="11"/>
-          </p:nvPr>
-        </p:nvSpPr>
-        <p:spPr/>
-        <p:txBody>
-          <a:bodyPr/>
-          <a:lstStyle/>
-          <a:p>
+              <a:t>平安万里通基础产品研发部</a:t>
+            </a:r>
             <a:endParaRPr lang="zh-CN" altLang="en-US"/>
           </a:p>
         </p:txBody>
@@ -9761,29 +11576,33 @@
           <a:bodyPr/>
           <a:lstStyle/>
           <a:p>
-            <a:fld id="{6677AD21-0B47-4E9C-A9F9-D49722186093}" type="datetimeFigureOut">
+            <a:r>
+              <a:rPr lang="en-US" altLang="zh-CN" smtClean="0"/>
+              <a:t>2015-10-23</a:t>
+            </a:r>
+            <a:endParaRPr lang="zh-CN" altLang="en-US"/>
+          </a:p>
+        </p:txBody>
+      </p:sp>
+      <p:sp>
+        <p:nvSpPr>
+          <p:cNvPr id="5" name="页脚占位符 4"/>
+          <p:cNvSpPr>
+            <a:spLocks noGrp="1"/>
+          </p:cNvSpPr>
+          <p:nvPr>
+            <p:ph type="ftr" sz="quarter" idx="11"/>
+          </p:nvPr>
+        </p:nvSpPr>
+        <p:spPr/>
+        <p:txBody>
+          <a:bodyPr/>
+          <a:lstStyle/>
+          <a:p>
+            <a:r>
               <a:rPr lang="zh-CN" altLang="en-US" smtClean="0"/>
-              <a:t>2015/10/23</a:t>
-            </a:fld>
-            <a:endParaRPr lang="zh-CN" altLang="en-US"/>
-          </a:p>
-        </p:txBody>
-      </p:sp>
-      <p:sp>
-        <p:nvSpPr>
-          <p:cNvPr id="5" name="页脚占位符 4"/>
-          <p:cNvSpPr>
-            <a:spLocks noGrp="1"/>
-          </p:cNvSpPr>
-          <p:nvPr>
-            <p:ph type="ftr" sz="quarter" idx="11"/>
-          </p:nvPr>
-        </p:nvSpPr>
-        <p:spPr/>
-        <p:txBody>
-          <a:bodyPr/>
-          <a:lstStyle/>
-          <a:p>
+              <a:t>平安万里通基础产品研发部</a:t>
+            </a:r>
             <a:endParaRPr lang="zh-CN" altLang="en-US"/>
           </a:p>
         </p:txBody>
@@ -9941,29 +11760,33 @@
           <a:bodyPr/>
           <a:lstStyle/>
           <a:p>
-            <a:fld id="{6677AD21-0B47-4E9C-A9F9-D49722186093}" type="datetimeFigureOut">
+            <a:r>
+              <a:rPr lang="en-US" altLang="zh-CN" smtClean="0"/>
+              <a:t>2015-10-23</a:t>
+            </a:r>
+            <a:endParaRPr lang="zh-CN" altLang="en-US"/>
+          </a:p>
+        </p:txBody>
+      </p:sp>
+      <p:sp>
+        <p:nvSpPr>
+          <p:cNvPr id="5" name="页脚占位符 4"/>
+          <p:cNvSpPr>
+            <a:spLocks noGrp="1"/>
+          </p:cNvSpPr>
+          <p:nvPr>
+            <p:ph type="ftr" sz="quarter" idx="11"/>
+          </p:nvPr>
+        </p:nvSpPr>
+        <p:spPr/>
+        <p:txBody>
+          <a:bodyPr/>
+          <a:lstStyle/>
+          <a:p>
+            <a:r>
               <a:rPr lang="zh-CN" altLang="en-US" smtClean="0"/>
-              <a:t>2015/10/23</a:t>
-            </a:fld>
-            <a:endParaRPr lang="zh-CN" altLang="en-US"/>
-          </a:p>
-        </p:txBody>
-      </p:sp>
-      <p:sp>
-        <p:nvSpPr>
-          <p:cNvPr id="5" name="页脚占位符 4"/>
-          <p:cNvSpPr>
-            <a:spLocks noGrp="1"/>
-          </p:cNvSpPr>
-          <p:nvPr>
-            <p:ph type="ftr" sz="quarter" idx="11"/>
-          </p:nvPr>
-        </p:nvSpPr>
-        <p:spPr/>
-        <p:txBody>
-          <a:bodyPr/>
-          <a:lstStyle/>
-          <a:p>
+              <a:t>平安万里通基础产品研发部</a:t>
+            </a:r>
             <a:endParaRPr lang="zh-CN" altLang="en-US"/>
           </a:p>
         </p:txBody>
@@ -10111,29 +11934,33 @@
           <a:bodyPr/>
           <a:lstStyle/>
           <a:p>
-            <a:fld id="{6677AD21-0B47-4E9C-A9F9-D49722186093}" type="datetimeFigureOut">
+            <a:r>
+              <a:rPr lang="en-US" altLang="zh-CN" smtClean="0"/>
+              <a:t>2015-10-23</a:t>
+            </a:r>
+            <a:endParaRPr lang="zh-CN" altLang="en-US"/>
+          </a:p>
+        </p:txBody>
+      </p:sp>
+      <p:sp>
+        <p:nvSpPr>
+          <p:cNvPr id="5" name="页脚占位符 4"/>
+          <p:cNvSpPr>
+            <a:spLocks noGrp="1"/>
+          </p:cNvSpPr>
+          <p:nvPr>
+            <p:ph type="ftr" sz="quarter" idx="11"/>
+          </p:nvPr>
+        </p:nvSpPr>
+        <p:spPr/>
+        <p:txBody>
+          <a:bodyPr/>
+          <a:lstStyle/>
+          <a:p>
+            <a:r>
               <a:rPr lang="zh-CN" altLang="en-US" smtClean="0"/>
-              <a:t>2015/10/23</a:t>
-            </a:fld>
-            <a:endParaRPr lang="zh-CN" altLang="en-US"/>
-          </a:p>
-        </p:txBody>
-      </p:sp>
-      <p:sp>
-        <p:nvSpPr>
-          <p:cNvPr id="5" name="页脚占位符 4"/>
-          <p:cNvSpPr>
-            <a:spLocks noGrp="1"/>
-          </p:cNvSpPr>
-          <p:nvPr>
-            <p:ph type="ftr" sz="quarter" idx="11"/>
-          </p:nvPr>
-        </p:nvSpPr>
-        <p:spPr/>
-        <p:txBody>
-          <a:bodyPr/>
-          <a:lstStyle/>
-          <a:p>
+              <a:t>平安万里通基础产品研发部</a:t>
+            </a:r>
             <a:endParaRPr lang="zh-CN" altLang="en-US"/>
           </a:p>
         </p:txBody>
@@ -10357,29 +12184,33 @@
           <a:bodyPr/>
           <a:lstStyle/>
           <a:p>
-            <a:fld id="{6677AD21-0B47-4E9C-A9F9-D49722186093}" type="datetimeFigureOut">
+            <a:r>
+              <a:rPr lang="en-US" altLang="zh-CN" smtClean="0"/>
+              <a:t>2015-10-23</a:t>
+            </a:r>
+            <a:endParaRPr lang="zh-CN" altLang="en-US"/>
+          </a:p>
+        </p:txBody>
+      </p:sp>
+      <p:sp>
+        <p:nvSpPr>
+          <p:cNvPr id="5" name="页脚占位符 4"/>
+          <p:cNvSpPr>
+            <a:spLocks noGrp="1"/>
+          </p:cNvSpPr>
+          <p:nvPr>
+            <p:ph type="ftr" sz="quarter" idx="11"/>
+          </p:nvPr>
+        </p:nvSpPr>
+        <p:spPr/>
+        <p:txBody>
+          <a:bodyPr/>
+          <a:lstStyle/>
+          <a:p>
+            <a:r>
               <a:rPr lang="zh-CN" altLang="en-US" smtClean="0"/>
-              <a:t>2015/10/23</a:t>
-            </a:fld>
-            <a:endParaRPr lang="zh-CN" altLang="en-US"/>
-          </a:p>
-        </p:txBody>
-      </p:sp>
-      <p:sp>
-        <p:nvSpPr>
-          <p:cNvPr id="5" name="页脚占位符 4"/>
-          <p:cNvSpPr>
-            <a:spLocks noGrp="1"/>
-          </p:cNvSpPr>
-          <p:nvPr>
-            <p:ph type="ftr" sz="quarter" idx="11"/>
-          </p:nvPr>
-        </p:nvSpPr>
-        <p:spPr/>
-        <p:txBody>
-          <a:bodyPr/>
-          <a:lstStyle/>
-          <a:p>
+              <a:t>平安万里通基础产品研发部</a:t>
+            </a:r>
             <a:endParaRPr lang="zh-CN" altLang="en-US"/>
           </a:p>
         </p:txBody>
@@ -10589,29 +12420,33 @@
           <a:bodyPr/>
           <a:lstStyle/>
           <a:p>
-            <a:fld id="{6677AD21-0B47-4E9C-A9F9-D49722186093}" type="datetimeFigureOut">
+            <a:r>
+              <a:rPr lang="en-US" altLang="zh-CN" smtClean="0"/>
+              <a:t>2015-10-23</a:t>
+            </a:r>
+            <a:endParaRPr lang="zh-CN" altLang="en-US"/>
+          </a:p>
+        </p:txBody>
+      </p:sp>
+      <p:sp>
+        <p:nvSpPr>
+          <p:cNvPr id="6" name="页脚占位符 5"/>
+          <p:cNvSpPr>
+            <a:spLocks noGrp="1"/>
+          </p:cNvSpPr>
+          <p:nvPr>
+            <p:ph type="ftr" sz="quarter" idx="11"/>
+          </p:nvPr>
+        </p:nvSpPr>
+        <p:spPr/>
+        <p:txBody>
+          <a:bodyPr/>
+          <a:lstStyle/>
+          <a:p>
+            <a:r>
               <a:rPr lang="zh-CN" altLang="en-US" smtClean="0"/>
-              <a:t>2015/10/23</a:t>
-            </a:fld>
-            <a:endParaRPr lang="zh-CN" altLang="en-US"/>
-          </a:p>
-        </p:txBody>
-      </p:sp>
-      <p:sp>
-        <p:nvSpPr>
-          <p:cNvPr id="6" name="页脚占位符 5"/>
-          <p:cNvSpPr>
-            <a:spLocks noGrp="1"/>
-          </p:cNvSpPr>
-          <p:nvPr>
-            <p:ph type="ftr" sz="quarter" idx="11"/>
-          </p:nvPr>
-        </p:nvSpPr>
-        <p:spPr/>
-        <p:txBody>
-          <a:bodyPr/>
-          <a:lstStyle/>
-          <a:p>
+              <a:t>平安万里通基础产品研发部</a:t>
+            </a:r>
             <a:endParaRPr lang="zh-CN" altLang="en-US"/>
           </a:p>
         </p:txBody>
@@ -10956,29 +12791,33 @@
           <a:bodyPr/>
           <a:lstStyle/>
           <a:p>
-            <a:fld id="{6677AD21-0B47-4E9C-A9F9-D49722186093}" type="datetimeFigureOut">
+            <a:r>
+              <a:rPr lang="en-US" altLang="zh-CN" smtClean="0"/>
+              <a:t>2015-10-23</a:t>
+            </a:r>
+            <a:endParaRPr lang="zh-CN" altLang="en-US"/>
+          </a:p>
+        </p:txBody>
+      </p:sp>
+      <p:sp>
+        <p:nvSpPr>
+          <p:cNvPr id="8" name="页脚占位符 7"/>
+          <p:cNvSpPr>
+            <a:spLocks noGrp="1"/>
+          </p:cNvSpPr>
+          <p:nvPr>
+            <p:ph type="ftr" sz="quarter" idx="11"/>
+          </p:nvPr>
+        </p:nvSpPr>
+        <p:spPr/>
+        <p:txBody>
+          <a:bodyPr/>
+          <a:lstStyle/>
+          <a:p>
+            <a:r>
               <a:rPr lang="zh-CN" altLang="en-US" smtClean="0"/>
-              <a:t>2015/10/23</a:t>
-            </a:fld>
-            <a:endParaRPr lang="zh-CN" altLang="en-US"/>
-          </a:p>
-        </p:txBody>
-      </p:sp>
-      <p:sp>
-        <p:nvSpPr>
-          <p:cNvPr id="8" name="页脚占位符 7"/>
-          <p:cNvSpPr>
-            <a:spLocks noGrp="1"/>
-          </p:cNvSpPr>
-          <p:nvPr>
-            <p:ph type="ftr" sz="quarter" idx="11"/>
-          </p:nvPr>
-        </p:nvSpPr>
-        <p:spPr/>
-        <p:txBody>
-          <a:bodyPr/>
-          <a:lstStyle/>
-          <a:p>
+              <a:t>平安万里通基础产品研发部</a:t>
+            </a:r>
             <a:endParaRPr lang="zh-CN" altLang="en-US"/>
           </a:p>
         </p:txBody>
@@ -11074,29 +12913,33 @@
           <a:bodyPr/>
           <a:lstStyle/>
           <a:p>
-            <a:fld id="{6677AD21-0B47-4E9C-A9F9-D49722186093}" type="datetimeFigureOut">
+            <a:r>
+              <a:rPr lang="en-US" altLang="zh-CN" smtClean="0"/>
+              <a:t>2015-10-23</a:t>
+            </a:r>
+            <a:endParaRPr lang="zh-CN" altLang="en-US"/>
+          </a:p>
+        </p:txBody>
+      </p:sp>
+      <p:sp>
+        <p:nvSpPr>
+          <p:cNvPr id="4" name="页脚占位符 3"/>
+          <p:cNvSpPr>
+            <a:spLocks noGrp="1"/>
+          </p:cNvSpPr>
+          <p:nvPr>
+            <p:ph type="ftr" sz="quarter" idx="11"/>
+          </p:nvPr>
+        </p:nvSpPr>
+        <p:spPr/>
+        <p:txBody>
+          <a:bodyPr/>
+          <a:lstStyle/>
+          <a:p>
+            <a:r>
               <a:rPr lang="zh-CN" altLang="en-US" smtClean="0"/>
-              <a:t>2015/10/23</a:t>
-            </a:fld>
-            <a:endParaRPr lang="zh-CN" altLang="en-US"/>
-          </a:p>
-        </p:txBody>
-      </p:sp>
-      <p:sp>
-        <p:nvSpPr>
-          <p:cNvPr id="4" name="页脚占位符 3"/>
-          <p:cNvSpPr>
-            <a:spLocks noGrp="1"/>
-          </p:cNvSpPr>
-          <p:nvPr>
-            <p:ph type="ftr" sz="quarter" idx="11"/>
-          </p:nvPr>
-        </p:nvSpPr>
-        <p:spPr/>
-        <p:txBody>
-          <a:bodyPr/>
-          <a:lstStyle/>
-          <a:p>
+              <a:t>平安万里通基础产品研发部</a:t>
+            </a:r>
             <a:endParaRPr lang="zh-CN" altLang="en-US"/>
           </a:p>
         </p:txBody>
@@ -11169,29 +13012,33 @@
           <a:bodyPr/>
           <a:lstStyle/>
           <a:p>
-            <a:fld id="{6677AD21-0B47-4E9C-A9F9-D49722186093}" type="datetimeFigureOut">
+            <a:r>
+              <a:rPr lang="en-US" altLang="zh-CN" smtClean="0"/>
+              <a:t>2015-10-23</a:t>
+            </a:r>
+            <a:endParaRPr lang="zh-CN" altLang="en-US"/>
+          </a:p>
+        </p:txBody>
+      </p:sp>
+      <p:sp>
+        <p:nvSpPr>
+          <p:cNvPr id="3" name="页脚占位符 2"/>
+          <p:cNvSpPr>
+            <a:spLocks noGrp="1"/>
+          </p:cNvSpPr>
+          <p:nvPr>
+            <p:ph type="ftr" sz="quarter" idx="11"/>
+          </p:nvPr>
+        </p:nvSpPr>
+        <p:spPr/>
+        <p:txBody>
+          <a:bodyPr/>
+          <a:lstStyle/>
+          <a:p>
+            <a:r>
               <a:rPr lang="zh-CN" altLang="en-US" smtClean="0"/>
-              <a:t>2015/10/23</a:t>
-            </a:fld>
-            <a:endParaRPr lang="zh-CN" altLang="en-US"/>
-          </a:p>
-        </p:txBody>
-      </p:sp>
-      <p:sp>
-        <p:nvSpPr>
-          <p:cNvPr id="3" name="页脚占位符 2"/>
-          <p:cNvSpPr>
-            <a:spLocks noGrp="1"/>
-          </p:cNvSpPr>
-          <p:nvPr>
-            <p:ph type="ftr" sz="quarter" idx="11"/>
-          </p:nvPr>
-        </p:nvSpPr>
-        <p:spPr/>
-        <p:txBody>
-          <a:bodyPr/>
-          <a:lstStyle/>
-          <a:p>
+              <a:t>平安万里通基础产品研发部</a:t>
+            </a:r>
             <a:endParaRPr lang="zh-CN" altLang="en-US"/>
           </a:p>
         </p:txBody>
@@ -11446,29 +13293,33 @@
           <a:bodyPr/>
           <a:lstStyle/>
           <a:p>
-            <a:fld id="{6677AD21-0B47-4E9C-A9F9-D49722186093}" type="datetimeFigureOut">
+            <a:r>
+              <a:rPr lang="en-US" altLang="zh-CN" smtClean="0"/>
+              <a:t>2015-10-23</a:t>
+            </a:r>
+            <a:endParaRPr lang="zh-CN" altLang="en-US"/>
+          </a:p>
+        </p:txBody>
+      </p:sp>
+      <p:sp>
+        <p:nvSpPr>
+          <p:cNvPr id="6" name="页脚占位符 5"/>
+          <p:cNvSpPr>
+            <a:spLocks noGrp="1"/>
+          </p:cNvSpPr>
+          <p:nvPr>
+            <p:ph type="ftr" sz="quarter" idx="11"/>
+          </p:nvPr>
+        </p:nvSpPr>
+        <p:spPr/>
+        <p:txBody>
+          <a:bodyPr/>
+          <a:lstStyle/>
+          <a:p>
+            <a:r>
               <a:rPr lang="zh-CN" altLang="en-US" smtClean="0"/>
-              <a:t>2015/10/23</a:t>
-            </a:fld>
-            <a:endParaRPr lang="zh-CN" altLang="en-US"/>
-          </a:p>
-        </p:txBody>
-      </p:sp>
-      <p:sp>
-        <p:nvSpPr>
-          <p:cNvPr id="6" name="页脚占位符 5"/>
-          <p:cNvSpPr>
-            <a:spLocks noGrp="1"/>
-          </p:cNvSpPr>
-          <p:nvPr>
-            <p:ph type="ftr" sz="quarter" idx="11"/>
-          </p:nvPr>
-        </p:nvSpPr>
-        <p:spPr/>
-        <p:txBody>
-          <a:bodyPr/>
-          <a:lstStyle/>
-          <a:p>
+              <a:t>平安万里通基础产品研发部</a:t>
+            </a:r>
             <a:endParaRPr lang="zh-CN" altLang="en-US"/>
           </a:p>
         </p:txBody>
@@ -11699,29 +13550,33 @@
           <a:bodyPr/>
           <a:lstStyle/>
           <a:p>
-            <a:fld id="{6677AD21-0B47-4E9C-A9F9-D49722186093}" type="datetimeFigureOut">
+            <a:r>
+              <a:rPr lang="en-US" altLang="zh-CN" smtClean="0"/>
+              <a:t>2015-10-23</a:t>
+            </a:r>
+            <a:endParaRPr lang="zh-CN" altLang="en-US"/>
+          </a:p>
+        </p:txBody>
+      </p:sp>
+      <p:sp>
+        <p:nvSpPr>
+          <p:cNvPr id="6" name="页脚占位符 5"/>
+          <p:cNvSpPr>
+            <a:spLocks noGrp="1"/>
+          </p:cNvSpPr>
+          <p:nvPr>
+            <p:ph type="ftr" sz="quarter" idx="11"/>
+          </p:nvPr>
+        </p:nvSpPr>
+        <p:spPr/>
+        <p:txBody>
+          <a:bodyPr/>
+          <a:lstStyle/>
+          <a:p>
+            <a:r>
               <a:rPr lang="zh-CN" altLang="en-US" smtClean="0"/>
-              <a:t>2015/10/23</a:t>
-            </a:fld>
-            <a:endParaRPr lang="zh-CN" altLang="en-US"/>
-          </a:p>
-        </p:txBody>
-      </p:sp>
-      <p:sp>
-        <p:nvSpPr>
-          <p:cNvPr id="6" name="页脚占位符 5"/>
-          <p:cNvSpPr>
-            <a:spLocks noGrp="1"/>
-          </p:cNvSpPr>
-          <p:nvPr>
-            <p:ph type="ftr" sz="quarter" idx="11"/>
-          </p:nvPr>
-        </p:nvSpPr>
-        <p:spPr/>
-        <p:txBody>
-          <a:bodyPr/>
-          <a:lstStyle/>
-          <a:p>
+              <a:t>平安万里通基础产品研发部</a:t>
+            </a:r>
             <a:endParaRPr lang="zh-CN" altLang="en-US"/>
           </a:p>
         </p:txBody>
@@ -11766,7 +13621,7 @@
 <p:sldMaster xmlns:a="http://schemas.openxmlformats.org/drawingml/2006/main" xmlns:r="http://schemas.openxmlformats.org/officeDocument/2006/relationships" xmlns:p="http://schemas.openxmlformats.org/presentationml/2006/main">
   <p:cSld>
     <p:bg>
-      <p:bgRef idx="1001">
+      <p:bgRef idx="1003">
         <a:schemeClr val="bg1"/>
       </p:bgRef>
     </p:bg>
@@ -11912,10 +13767,10 @@
             </a:lvl1pPr>
           </a:lstStyle>
           <a:p>
-            <a:fld id="{6677AD21-0B47-4E9C-A9F9-D49722186093}" type="datetimeFigureOut">
-              <a:rPr lang="zh-CN" altLang="en-US" smtClean="0"/>
-              <a:t>2015/10/23</a:t>
-            </a:fld>
+            <a:r>
+              <a:rPr lang="en-US" altLang="zh-CN" smtClean="0"/>
+              <a:t>2015-10-23</a:t>
+            </a:r>
             <a:endParaRPr lang="zh-CN" altLang="en-US"/>
           </a:p>
         </p:txBody>
@@ -11953,6 +13808,10 @@
             </a:lvl1pPr>
           </a:lstStyle>
           <a:p>
+            <a:r>
+              <a:rPr lang="zh-CN" altLang="en-US" smtClean="0"/>
+              <a:t>平安万里通基础产品研发部</a:t>
+            </a:r>
             <a:endParaRPr lang="zh-CN" altLang="en-US"/>
           </a:p>
         </p:txBody>
@@ -12019,6 +13878,7 @@
     <p:sldLayoutId id="2147483658" r:id="rId10"/>
     <p:sldLayoutId id="2147483659" r:id="rId11"/>
   </p:sldLayoutIdLst>
+  <p:hf hdr="0"/>
   <p:txStyles>
     <p:titleStyle>
       <a:lvl1pPr algn="l" defTabSz="914400" rtl="0" eaLnBrk="1" latinLnBrk="0" hangingPunct="1">
@@ -12502,6 +14362,75 @@
           </a:p>
         </p:txBody>
       </p:sp>
+      <p:sp>
+        <p:nvSpPr>
+          <p:cNvPr id="5" name="日期占位符 4"/>
+          <p:cNvSpPr>
+            <a:spLocks noGrp="1"/>
+          </p:cNvSpPr>
+          <p:nvPr>
+            <p:ph type="dt" sz="half" idx="10"/>
+          </p:nvPr>
+        </p:nvSpPr>
+        <p:spPr/>
+        <p:txBody>
+          <a:bodyPr/>
+          <a:lstStyle/>
+          <a:p>
+            <a:r>
+              <a:rPr lang="en-US" altLang="zh-CN" smtClean="0"/>
+              <a:t>2015-10-23</a:t>
+            </a:r>
+            <a:endParaRPr lang="zh-CN" altLang="en-US"/>
+          </a:p>
+        </p:txBody>
+      </p:sp>
+      <p:sp>
+        <p:nvSpPr>
+          <p:cNvPr id="6" name="页脚占位符 5"/>
+          <p:cNvSpPr>
+            <a:spLocks noGrp="1"/>
+          </p:cNvSpPr>
+          <p:nvPr>
+            <p:ph type="ftr" sz="quarter" idx="11"/>
+          </p:nvPr>
+        </p:nvSpPr>
+        <p:spPr/>
+        <p:txBody>
+          <a:bodyPr/>
+          <a:lstStyle/>
+          <a:p>
+            <a:r>
+              <a:rPr lang="zh-CN" altLang="en-US" smtClean="0"/>
+              <a:t>平安万里通基础产品研发部</a:t>
+            </a:r>
+            <a:endParaRPr lang="zh-CN" altLang="en-US"/>
+          </a:p>
+        </p:txBody>
+      </p:sp>
+      <p:sp>
+        <p:nvSpPr>
+          <p:cNvPr id="7" name="灯片编号占位符 6"/>
+          <p:cNvSpPr>
+            <a:spLocks noGrp="1"/>
+          </p:cNvSpPr>
+          <p:nvPr>
+            <p:ph type="sldNum" sz="quarter" idx="12"/>
+          </p:nvPr>
+        </p:nvSpPr>
+        <p:spPr/>
+        <p:txBody>
+          <a:bodyPr/>
+          <a:lstStyle/>
+          <a:p>
+            <a:fld id="{2AF3E8BF-BB52-455C-853D-8557085D08F8}" type="slidenum">
+              <a:rPr lang="zh-CN" altLang="en-US" smtClean="0"/>
+              <a:t>1</a:t>
+            </a:fld>
+            <a:endParaRPr lang="zh-CN" altLang="en-US"/>
+          </a:p>
+        </p:txBody>
+      </p:sp>
     </p:spTree>
     <p:extLst>
       <p:ext uri="{BB962C8B-B14F-4D97-AF65-F5344CB8AC3E}">
@@ -12687,6 +14616,75 @@
           </a:prstGeom>
         </p:spPr>
       </p:pic>
+      <p:sp>
+        <p:nvSpPr>
+          <p:cNvPr id="5" name="日期占位符 4"/>
+          <p:cNvSpPr>
+            <a:spLocks noGrp="1"/>
+          </p:cNvSpPr>
+          <p:nvPr>
+            <p:ph type="dt" sz="half" idx="10"/>
+          </p:nvPr>
+        </p:nvSpPr>
+        <p:spPr/>
+        <p:txBody>
+          <a:bodyPr/>
+          <a:lstStyle/>
+          <a:p>
+            <a:r>
+              <a:rPr lang="en-US" altLang="zh-CN" smtClean="0"/>
+              <a:t>2015-10-23</a:t>
+            </a:r>
+            <a:endParaRPr lang="zh-CN" altLang="en-US"/>
+          </a:p>
+        </p:txBody>
+      </p:sp>
+      <p:sp>
+        <p:nvSpPr>
+          <p:cNvPr id="6" name="页脚占位符 5"/>
+          <p:cNvSpPr>
+            <a:spLocks noGrp="1"/>
+          </p:cNvSpPr>
+          <p:nvPr>
+            <p:ph type="ftr" sz="quarter" idx="11"/>
+          </p:nvPr>
+        </p:nvSpPr>
+        <p:spPr/>
+        <p:txBody>
+          <a:bodyPr/>
+          <a:lstStyle/>
+          <a:p>
+            <a:r>
+              <a:rPr lang="zh-CN" altLang="en-US" smtClean="0"/>
+              <a:t>平安万里通基础产品研发部</a:t>
+            </a:r>
+            <a:endParaRPr lang="zh-CN" altLang="en-US"/>
+          </a:p>
+        </p:txBody>
+      </p:sp>
+      <p:sp>
+        <p:nvSpPr>
+          <p:cNvPr id="7" name="灯片编号占位符 6"/>
+          <p:cNvSpPr>
+            <a:spLocks noGrp="1"/>
+          </p:cNvSpPr>
+          <p:nvPr>
+            <p:ph type="sldNum" sz="quarter" idx="12"/>
+          </p:nvPr>
+        </p:nvSpPr>
+        <p:spPr/>
+        <p:txBody>
+          <a:bodyPr/>
+          <a:lstStyle/>
+          <a:p>
+            <a:fld id="{2AF3E8BF-BB52-455C-853D-8557085D08F8}" type="slidenum">
+              <a:rPr lang="zh-CN" altLang="en-US" smtClean="0"/>
+              <a:t>10</a:t>
+            </a:fld>
+            <a:endParaRPr lang="zh-CN" altLang="en-US"/>
+          </a:p>
+        </p:txBody>
+      </p:sp>
     </p:spTree>
     <p:extLst>
       <p:ext uri="{BB962C8B-B14F-4D97-AF65-F5344CB8AC3E}">
@@ -12818,6 +14816,75 @@
           </a:p>
         </p:txBody>
       </p:sp>
+      <p:sp>
+        <p:nvSpPr>
+          <p:cNvPr id="4" name="日期占位符 3"/>
+          <p:cNvSpPr>
+            <a:spLocks noGrp="1"/>
+          </p:cNvSpPr>
+          <p:nvPr>
+            <p:ph type="dt" sz="half" idx="10"/>
+          </p:nvPr>
+        </p:nvSpPr>
+        <p:spPr/>
+        <p:txBody>
+          <a:bodyPr/>
+          <a:lstStyle/>
+          <a:p>
+            <a:r>
+              <a:rPr lang="en-US" altLang="zh-CN" smtClean="0"/>
+              <a:t>2015-10-23</a:t>
+            </a:r>
+            <a:endParaRPr lang="zh-CN" altLang="en-US"/>
+          </a:p>
+        </p:txBody>
+      </p:sp>
+      <p:sp>
+        <p:nvSpPr>
+          <p:cNvPr id="5" name="页脚占位符 4"/>
+          <p:cNvSpPr>
+            <a:spLocks noGrp="1"/>
+          </p:cNvSpPr>
+          <p:nvPr>
+            <p:ph type="ftr" sz="quarter" idx="11"/>
+          </p:nvPr>
+        </p:nvSpPr>
+        <p:spPr/>
+        <p:txBody>
+          <a:bodyPr/>
+          <a:lstStyle/>
+          <a:p>
+            <a:r>
+              <a:rPr lang="zh-CN" altLang="en-US" smtClean="0"/>
+              <a:t>平安万里通基础产品研发部</a:t>
+            </a:r>
+            <a:endParaRPr lang="zh-CN" altLang="en-US"/>
+          </a:p>
+        </p:txBody>
+      </p:sp>
+      <p:sp>
+        <p:nvSpPr>
+          <p:cNvPr id="6" name="灯片编号占位符 5"/>
+          <p:cNvSpPr>
+            <a:spLocks noGrp="1"/>
+          </p:cNvSpPr>
+          <p:nvPr>
+            <p:ph type="sldNum" sz="quarter" idx="12"/>
+          </p:nvPr>
+        </p:nvSpPr>
+        <p:spPr/>
+        <p:txBody>
+          <a:bodyPr/>
+          <a:lstStyle/>
+          <a:p>
+            <a:fld id="{2AF3E8BF-BB52-455C-853D-8557085D08F8}" type="slidenum">
+              <a:rPr lang="zh-CN" altLang="en-US" smtClean="0"/>
+              <a:t>11</a:t>
+            </a:fld>
+            <a:endParaRPr lang="zh-CN" altLang="en-US"/>
+          </a:p>
+        </p:txBody>
+      </p:sp>
     </p:spTree>
     <p:extLst>
       <p:ext uri="{BB962C8B-B14F-4D97-AF65-F5344CB8AC3E}">
@@ -12939,6 +15006,75 @@
           </a:p>
         </p:txBody>
       </p:sp>
+      <p:sp>
+        <p:nvSpPr>
+          <p:cNvPr id="4" name="日期占位符 3"/>
+          <p:cNvSpPr>
+            <a:spLocks noGrp="1"/>
+          </p:cNvSpPr>
+          <p:nvPr>
+            <p:ph type="dt" sz="half" idx="10"/>
+          </p:nvPr>
+        </p:nvSpPr>
+        <p:spPr/>
+        <p:txBody>
+          <a:bodyPr/>
+          <a:lstStyle/>
+          <a:p>
+            <a:r>
+              <a:rPr lang="en-US" altLang="zh-CN" smtClean="0"/>
+              <a:t>2015-10-23</a:t>
+            </a:r>
+            <a:endParaRPr lang="zh-CN" altLang="en-US"/>
+          </a:p>
+        </p:txBody>
+      </p:sp>
+      <p:sp>
+        <p:nvSpPr>
+          <p:cNvPr id="5" name="页脚占位符 4"/>
+          <p:cNvSpPr>
+            <a:spLocks noGrp="1"/>
+          </p:cNvSpPr>
+          <p:nvPr>
+            <p:ph type="ftr" sz="quarter" idx="11"/>
+          </p:nvPr>
+        </p:nvSpPr>
+        <p:spPr/>
+        <p:txBody>
+          <a:bodyPr/>
+          <a:lstStyle/>
+          <a:p>
+            <a:r>
+              <a:rPr lang="zh-CN" altLang="en-US" smtClean="0"/>
+              <a:t>平安万里通基础产品研发部</a:t>
+            </a:r>
+            <a:endParaRPr lang="zh-CN" altLang="en-US"/>
+          </a:p>
+        </p:txBody>
+      </p:sp>
+      <p:sp>
+        <p:nvSpPr>
+          <p:cNvPr id="6" name="灯片编号占位符 5"/>
+          <p:cNvSpPr>
+            <a:spLocks noGrp="1"/>
+          </p:cNvSpPr>
+          <p:nvPr>
+            <p:ph type="sldNum" sz="quarter" idx="12"/>
+          </p:nvPr>
+        </p:nvSpPr>
+        <p:spPr/>
+        <p:txBody>
+          <a:bodyPr/>
+          <a:lstStyle/>
+          <a:p>
+            <a:fld id="{2AF3E8BF-BB52-455C-853D-8557085D08F8}" type="slidenum">
+              <a:rPr lang="zh-CN" altLang="en-US" smtClean="0"/>
+              <a:t>12</a:t>
+            </a:fld>
+            <a:endParaRPr lang="zh-CN" altLang="en-US"/>
+          </a:p>
+        </p:txBody>
+      </p:sp>
     </p:spTree>
     <p:extLst>
       <p:ext uri="{BB962C8B-B14F-4D97-AF65-F5344CB8AC3E}">
@@ -13223,6 +15359,75 @@
           </a:p>
         </p:txBody>
       </p:sp>
+      <p:sp>
+        <p:nvSpPr>
+          <p:cNvPr id="5" name="日期占位符 4"/>
+          <p:cNvSpPr>
+            <a:spLocks noGrp="1"/>
+          </p:cNvSpPr>
+          <p:nvPr>
+            <p:ph type="dt" sz="half" idx="10"/>
+          </p:nvPr>
+        </p:nvSpPr>
+        <p:spPr/>
+        <p:txBody>
+          <a:bodyPr/>
+          <a:lstStyle/>
+          <a:p>
+            <a:r>
+              <a:rPr lang="en-US" altLang="zh-CN" smtClean="0"/>
+              <a:t>2015-10-23</a:t>
+            </a:r>
+            <a:endParaRPr lang="zh-CN" altLang="en-US"/>
+          </a:p>
+        </p:txBody>
+      </p:sp>
+      <p:sp>
+        <p:nvSpPr>
+          <p:cNvPr id="6" name="页脚占位符 5"/>
+          <p:cNvSpPr>
+            <a:spLocks noGrp="1"/>
+          </p:cNvSpPr>
+          <p:nvPr>
+            <p:ph type="ftr" sz="quarter" idx="11"/>
+          </p:nvPr>
+        </p:nvSpPr>
+        <p:spPr/>
+        <p:txBody>
+          <a:bodyPr/>
+          <a:lstStyle/>
+          <a:p>
+            <a:r>
+              <a:rPr lang="zh-CN" altLang="en-US" smtClean="0"/>
+              <a:t>平安万里通基础产品研发部</a:t>
+            </a:r>
+            <a:endParaRPr lang="zh-CN" altLang="en-US"/>
+          </a:p>
+        </p:txBody>
+      </p:sp>
+      <p:sp>
+        <p:nvSpPr>
+          <p:cNvPr id="7" name="灯片编号占位符 6"/>
+          <p:cNvSpPr>
+            <a:spLocks noGrp="1"/>
+          </p:cNvSpPr>
+          <p:nvPr>
+            <p:ph type="sldNum" sz="quarter" idx="12"/>
+          </p:nvPr>
+        </p:nvSpPr>
+        <p:spPr/>
+        <p:txBody>
+          <a:bodyPr/>
+          <a:lstStyle/>
+          <a:p>
+            <a:fld id="{2AF3E8BF-BB52-455C-853D-8557085D08F8}" type="slidenum">
+              <a:rPr lang="zh-CN" altLang="en-US" smtClean="0"/>
+              <a:t>13</a:t>
+            </a:fld>
+            <a:endParaRPr lang="zh-CN" altLang="en-US"/>
+          </a:p>
+        </p:txBody>
+      </p:sp>
     </p:spTree>
     <p:extLst>
       <p:ext uri="{BB962C8B-B14F-4D97-AF65-F5344CB8AC3E}">
@@ -13550,6 +15755,75 @@
               </a:solidFill>
               <a:effectLst/>
             </a:endParaRPr>
+          </a:p>
+        </p:txBody>
+      </p:sp>
+      <p:sp>
+        <p:nvSpPr>
+          <p:cNvPr id="5" name="日期占位符 4"/>
+          <p:cNvSpPr>
+            <a:spLocks noGrp="1"/>
+          </p:cNvSpPr>
+          <p:nvPr>
+            <p:ph type="dt" sz="half" idx="10"/>
+          </p:nvPr>
+        </p:nvSpPr>
+        <p:spPr/>
+        <p:txBody>
+          <a:bodyPr/>
+          <a:lstStyle/>
+          <a:p>
+            <a:r>
+              <a:rPr lang="en-US" altLang="zh-CN" smtClean="0"/>
+              <a:t>2015-10-23</a:t>
+            </a:r>
+            <a:endParaRPr lang="zh-CN" altLang="en-US"/>
+          </a:p>
+        </p:txBody>
+      </p:sp>
+      <p:sp>
+        <p:nvSpPr>
+          <p:cNvPr id="6" name="页脚占位符 5"/>
+          <p:cNvSpPr>
+            <a:spLocks noGrp="1"/>
+          </p:cNvSpPr>
+          <p:nvPr>
+            <p:ph type="ftr" sz="quarter" idx="11"/>
+          </p:nvPr>
+        </p:nvSpPr>
+        <p:spPr/>
+        <p:txBody>
+          <a:bodyPr/>
+          <a:lstStyle/>
+          <a:p>
+            <a:r>
+              <a:rPr lang="zh-CN" altLang="en-US" smtClean="0"/>
+              <a:t>平安万里通基础产品研发部</a:t>
+            </a:r>
+            <a:endParaRPr lang="zh-CN" altLang="en-US"/>
+          </a:p>
+        </p:txBody>
+      </p:sp>
+      <p:sp>
+        <p:nvSpPr>
+          <p:cNvPr id="7" name="灯片编号占位符 6"/>
+          <p:cNvSpPr>
+            <a:spLocks noGrp="1"/>
+          </p:cNvSpPr>
+          <p:nvPr>
+            <p:ph type="sldNum" sz="quarter" idx="12"/>
+          </p:nvPr>
+        </p:nvSpPr>
+        <p:spPr/>
+        <p:txBody>
+          <a:bodyPr/>
+          <a:lstStyle/>
+          <a:p>
+            <a:fld id="{2AF3E8BF-BB52-455C-853D-8557085D08F8}" type="slidenum">
+              <a:rPr lang="zh-CN" altLang="en-US" smtClean="0"/>
+              <a:t>14</a:t>
+            </a:fld>
+            <a:endParaRPr lang="zh-CN" altLang="en-US"/>
           </a:p>
         </p:txBody>
       </p:sp>
@@ -13680,6 +15954,75 @@
           </a:prstGeom>
         </p:spPr>
       </p:pic>
+      <p:sp>
+        <p:nvSpPr>
+          <p:cNvPr id="6" name="日期占位符 5"/>
+          <p:cNvSpPr>
+            <a:spLocks noGrp="1"/>
+          </p:cNvSpPr>
+          <p:nvPr>
+            <p:ph type="dt" sz="half" idx="10"/>
+          </p:nvPr>
+        </p:nvSpPr>
+        <p:spPr/>
+        <p:txBody>
+          <a:bodyPr/>
+          <a:lstStyle/>
+          <a:p>
+            <a:r>
+              <a:rPr lang="en-US" altLang="zh-CN" smtClean="0"/>
+              <a:t>2015-10-23</a:t>
+            </a:r>
+            <a:endParaRPr lang="zh-CN" altLang="en-US"/>
+          </a:p>
+        </p:txBody>
+      </p:sp>
+      <p:sp>
+        <p:nvSpPr>
+          <p:cNvPr id="7" name="页脚占位符 6"/>
+          <p:cNvSpPr>
+            <a:spLocks noGrp="1"/>
+          </p:cNvSpPr>
+          <p:nvPr>
+            <p:ph type="ftr" sz="quarter" idx="11"/>
+          </p:nvPr>
+        </p:nvSpPr>
+        <p:spPr/>
+        <p:txBody>
+          <a:bodyPr/>
+          <a:lstStyle/>
+          <a:p>
+            <a:r>
+              <a:rPr lang="zh-CN" altLang="en-US" smtClean="0"/>
+              <a:t>平安万里通基础产品研发部</a:t>
+            </a:r>
+            <a:endParaRPr lang="zh-CN" altLang="en-US"/>
+          </a:p>
+        </p:txBody>
+      </p:sp>
+      <p:sp>
+        <p:nvSpPr>
+          <p:cNvPr id="8" name="灯片编号占位符 7"/>
+          <p:cNvSpPr>
+            <a:spLocks noGrp="1"/>
+          </p:cNvSpPr>
+          <p:nvPr>
+            <p:ph type="sldNum" sz="quarter" idx="12"/>
+          </p:nvPr>
+        </p:nvSpPr>
+        <p:spPr/>
+        <p:txBody>
+          <a:bodyPr/>
+          <a:lstStyle/>
+          <a:p>
+            <a:fld id="{2AF3E8BF-BB52-455C-853D-8557085D08F8}" type="slidenum">
+              <a:rPr lang="zh-CN" altLang="en-US" smtClean="0"/>
+              <a:t>15</a:t>
+            </a:fld>
+            <a:endParaRPr lang="zh-CN" altLang="en-US"/>
+          </a:p>
+        </p:txBody>
+      </p:sp>
     </p:spTree>
     <p:extLst>
       <p:ext uri="{BB962C8B-B14F-4D97-AF65-F5344CB8AC3E}">
@@ -13807,6 +16150,75 @@
           </a:prstGeom>
         </p:spPr>
       </p:pic>
+      <p:sp>
+        <p:nvSpPr>
+          <p:cNvPr id="4" name="日期占位符 3"/>
+          <p:cNvSpPr>
+            <a:spLocks noGrp="1"/>
+          </p:cNvSpPr>
+          <p:nvPr>
+            <p:ph type="dt" sz="half" idx="10"/>
+          </p:nvPr>
+        </p:nvSpPr>
+        <p:spPr/>
+        <p:txBody>
+          <a:bodyPr/>
+          <a:lstStyle/>
+          <a:p>
+            <a:r>
+              <a:rPr lang="en-US" altLang="zh-CN" smtClean="0"/>
+              <a:t>2015-10-23</a:t>
+            </a:r>
+            <a:endParaRPr lang="zh-CN" altLang="en-US"/>
+          </a:p>
+        </p:txBody>
+      </p:sp>
+      <p:sp>
+        <p:nvSpPr>
+          <p:cNvPr id="5" name="页脚占位符 4"/>
+          <p:cNvSpPr>
+            <a:spLocks noGrp="1"/>
+          </p:cNvSpPr>
+          <p:nvPr>
+            <p:ph type="ftr" sz="quarter" idx="11"/>
+          </p:nvPr>
+        </p:nvSpPr>
+        <p:spPr/>
+        <p:txBody>
+          <a:bodyPr/>
+          <a:lstStyle/>
+          <a:p>
+            <a:r>
+              <a:rPr lang="zh-CN" altLang="en-US" smtClean="0"/>
+              <a:t>平安万里通基础产品研发部</a:t>
+            </a:r>
+            <a:endParaRPr lang="zh-CN" altLang="en-US"/>
+          </a:p>
+        </p:txBody>
+      </p:sp>
+      <p:sp>
+        <p:nvSpPr>
+          <p:cNvPr id="6" name="灯片编号占位符 5"/>
+          <p:cNvSpPr>
+            <a:spLocks noGrp="1"/>
+          </p:cNvSpPr>
+          <p:nvPr>
+            <p:ph type="sldNum" sz="quarter" idx="12"/>
+          </p:nvPr>
+        </p:nvSpPr>
+        <p:spPr/>
+        <p:txBody>
+          <a:bodyPr/>
+          <a:lstStyle/>
+          <a:p>
+            <a:fld id="{2AF3E8BF-BB52-455C-853D-8557085D08F8}" type="slidenum">
+              <a:rPr lang="zh-CN" altLang="en-US" smtClean="0"/>
+              <a:t>16</a:t>
+            </a:fld>
+            <a:endParaRPr lang="zh-CN" altLang="en-US"/>
+          </a:p>
+        </p:txBody>
+      </p:sp>
     </p:spTree>
     <p:extLst>
       <p:ext uri="{BB962C8B-B14F-4D97-AF65-F5344CB8AC3E}">
@@ -13927,6 +16339,75 @@
           </a:extLst>
         </p:spPr>
       </p:pic>
+      <p:sp>
+        <p:nvSpPr>
+          <p:cNvPr id="4" name="日期占位符 3"/>
+          <p:cNvSpPr>
+            <a:spLocks noGrp="1"/>
+          </p:cNvSpPr>
+          <p:nvPr>
+            <p:ph type="dt" sz="half" idx="10"/>
+          </p:nvPr>
+        </p:nvSpPr>
+        <p:spPr/>
+        <p:txBody>
+          <a:bodyPr/>
+          <a:lstStyle/>
+          <a:p>
+            <a:r>
+              <a:rPr lang="en-US" altLang="zh-CN" smtClean="0"/>
+              <a:t>2015-10-23</a:t>
+            </a:r>
+            <a:endParaRPr lang="zh-CN" altLang="en-US"/>
+          </a:p>
+        </p:txBody>
+      </p:sp>
+      <p:sp>
+        <p:nvSpPr>
+          <p:cNvPr id="5" name="页脚占位符 4"/>
+          <p:cNvSpPr>
+            <a:spLocks noGrp="1"/>
+          </p:cNvSpPr>
+          <p:nvPr>
+            <p:ph type="ftr" sz="quarter" idx="11"/>
+          </p:nvPr>
+        </p:nvSpPr>
+        <p:spPr/>
+        <p:txBody>
+          <a:bodyPr/>
+          <a:lstStyle/>
+          <a:p>
+            <a:r>
+              <a:rPr lang="zh-CN" altLang="en-US" smtClean="0"/>
+              <a:t>平安万里通基础产品研发部</a:t>
+            </a:r>
+            <a:endParaRPr lang="zh-CN" altLang="en-US"/>
+          </a:p>
+        </p:txBody>
+      </p:sp>
+      <p:sp>
+        <p:nvSpPr>
+          <p:cNvPr id="7" name="灯片编号占位符 6"/>
+          <p:cNvSpPr>
+            <a:spLocks noGrp="1"/>
+          </p:cNvSpPr>
+          <p:nvPr>
+            <p:ph type="sldNum" sz="quarter" idx="12"/>
+          </p:nvPr>
+        </p:nvSpPr>
+        <p:spPr/>
+        <p:txBody>
+          <a:bodyPr/>
+          <a:lstStyle/>
+          <a:p>
+            <a:fld id="{2AF3E8BF-BB52-455C-853D-8557085D08F8}" type="slidenum">
+              <a:rPr lang="zh-CN" altLang="en-US" smtClean="0"/>
+              <a:t>17</a:t>
+            </a:fld>
+            <a:endParaRPr lang="zh-CN" altLang="en-US"/>
+          </a:p>
+        </p:txBody>
+      </p:sp>
     </p:spTree>
     <p:extLst>
       <p:ext uri="{BB962C8B-B14F-4D97-AF65-F5344CB8AC3E}">
@@ -13976,7 +16457,7 @@
         </p:nvSpPr>
         <p:spPr>
           <a:xfrm>
-            <a:off x="838200" y="3338512"/>
+            <a:off x="838200" y="2424112"/>
             <a:ext cx="10515600" cy="1325563"/>
           </a:xfrm>
         </p:spPr>
@@ -13986,21 +16467,27 @@
           <a:p>
             <a:pPr algn="ctr"/>
             <a:r>
-              <a:rPr lang="zh-CN" altLang="en-US" dirty="0" smtClean="0"/>
+              <a:rPr lang="zh-CN" altLang="en-US" b="1" dirty="0" smtClean="0">
+                <a:latin typeface="幼圆" panose="02010509060101010101" pitchFamily="49" charset="-122"/>
+                <a:ea typeface="幼圆" panose="02010509060101010101" pitchFamily="49" charset="-122"/>
+              </a:rPr>
               <a:t>命令篇</a:t>
             </a:r>
-            <a:endParaRPr lang="zh-CN" altLang="en-US" dirty="0"/>
-          </a:p>
-        </p:txBody>
-      </p:sp>
-      <p:sp>
-        <p:nvSpPr>
-          <p:cNvPr id="3" name="内容占位符 2"/>
-          <p:cNvSpPr>
-            <a:spLocks noGrp="1"/>
-          </p:cNvSpPr>
-          <p:nvPr>
-            <p:ph idx="1"/>
+            <a:endParaRPr lang="zh-CN" altLang="en-US" b="1" dirty="0">
+              <a:latin typeface="幼圆" panose="02010509060101010101" pitchFamily="49" charset="-122"/>
+              <a:ea typeface="幼圆" panose="02010509060101010101" pitchFamily="49" charset="-122"/>
+            </a:endParaRPr>
+          </a:p>
+        </p:txBody>
+      </p:sp>
+      <p:sp>
+        <p:nvSpPr>
+          <p:cNvPr id="4" name="日期占位符 3"/>
+          <p:cNvSpPr>
+            <a:spLocks noGrp="1"/>
+          </p:cNvSpPr>
+          <p:nvPr>
+            <p:ph type="dt" sz="half" idx="10"/>
           </p:nvPr>
         </p:nvSpPr>
         <p:spPr/>
@@ -14008,7 +16495,57 @@
           <a:bodyPr/>
           <a:lstStyle/>
           <a:p>
-            <a:endParaRPr lang="zh-CN" altLang="en-US" dirty="0"/>
+            <a:r>
+              <a:rPr lang="en-US" altLang="zh-CN" smtClean="0"/>
+              <a:t>2015-10-23</a:t>
+            </a:r>
+            <a:endParaRPr lang="zh-CN" altLang="en-US"/>
+          </a:p>
+        </p:txBody>
+      </p:sp>
+      <p:sp>
+        <p:nvSpPr>
+          <p:cNvPr id="5" name="页脚占位符 4"/>
+          <p:cNvSpPr>
+            <a:spLocks noGrp="1"/>
+          </p:cNvSpPr>
+          <p:nvPr>
+            <p:ph type="ftr" sz="quarter" idx="11"/>
+          </p:nvPr>
+        </p:nvSpPr>
+        <p:spPr/>
+        <p:txBody>
+          <a:bodyPr/>
+          <a:lstStyle/>
+          <a:p>
+            <a:r>
+              <a:rPr lang="zh-CN" altLang="en-US" smtClean="0"/>
+              <a:t>平安万里通基础产品研发部</a:t>
+            </a:r>
+            <a:endParaRPr lang="zh-CN" altLang="en-US"/>
+          </a:p>
+        </p:txBody>
+      </p:sp>
+      <p:sp>
+        <p:nvSpPr>
+          <p:cNvPr id="6" name="灯片编号占位符 5"/>
+          <p:cNvSpPr>
+            <a:spLocks noGrp="1"/>
+          </p:cNvSpPr>
+          <p:nvPr>
+            <p:ph type="sldNum" sz="quarter" idx="12"/>
+          </p:nvPr>
+        </p:nvSpPr>
+        <p:spPr/>
+        <p:txBody>
+          <a:bodyPr/>
+          <a:lstStyle/>
+          <a:p>
+            <a:fld id="{2AF3E8BF-BB52-455C-853D-8557085D08F8}" type="slidenum">
+              <a:rPr lang="zh-CN" altLang="en-US" smtClean="0"/>
+              <a:t>18</a:t>
+            </a:fld>
+            <a:endParaRPr lang="zh-CN" altLang="en-US"/>
           </a:p>
         </p:txBody>
       </p:sp>
@@ -14429,6 +16966,75 @@
           </a:p>
         </p:txBody>
       </p:sp>
+      <p:sp>
+        <p:nvSpPr>
+          <p:cNvPr id="14" name="日期占位符 13"/>
+          <p:cNvSpPr>
+            <a:spLocks noGrp="1"/>
+          </p:cNvSpPr>
+          <p:nvPr>
+            <p:ph type="dt" sz="half" idx="10"/>
+          </p:nvPr>
+        </p:nvSpPr>
+        <p:spPr/>
+        <p:txBody>
+          <a:bodyPr/>
+          <a:lstStyle/>
+          <a:p>
+            <a:r>
+              <a:rPr lang="en-US" altLang="zh-CN" smtClean="0"/>
+              <a:t>2015-10-23</a:t>
+            </a:r>
+            <a:endParaRPr lang="zh-CN" altLang="en-US"/>
+          </a:p>
+        </p:txBody>
+      </p:sp>
+      <p:sp>
+        <p:nvSpPr>
+          <p:cNvPr id="15" name="页脚占位符 14"/>
+          <p:cNvSpPr>
+            <a:spLocks noGrp="1"/>
+          </p:cNvSpPr>
+          <p:nvPr>
+            <p:ph type="ftr" sz="quarter" idx="11"/>
+          </p:nvPr>
+        </p:nvSpPr>
+        <p:spPr/>
+        <p:txBody>
+          <a:bodyPr/>
+          <a:lstStyle/>
+          <a:p>
+            <a:r>
+              <a:rPr lang="zh-CN" altLang="en-US" smtClean="0"/>
+              <a:t>平安万里通基础产品研发部</a:t>
+            </a:r>
+            <a:endParaRPr lang="zh-CN" altLang="en-US"/>
+          </a:p>
+        </p:txBody>
+      </p:sp>
+      <p:sp>
+        <p:nvSpPr>
+          <p:cNvPr id="16" name="灯片编号占位符 15"/>
+          <p:cNvSpPr>
+            <a:spLocks noGrp="1"/>
+          </p:cNvSpPr>
+          <p:nvPr>
+            <p:ph type="sldNum" sz="quarter" idx="12"/>
+          </p:nvPr>
+        </p:nvSpPr>
+        <p:spPr/>
+        <p:txBody>
+          <a:bodyPr/>
+          <a:lstStyle/>
+          <a:p>
+            <a:fld id="{2AF3E8BF-BB52-455C-853D-8557085D08F8}" type="slidenum">
+              <a:rPr lang="zh-CN" altLang="en-US" smtClean="0"/>
+              <a:t>19</a:t>
+            </a:fld>
+            <a:endParaRPr lang="zh-CN" altLang="en-US"/>
+          </a:p>
+        </p:txBody>
+      </p:sp>
     </p:spTree>
     <p:extLst>
       <p:ext uri="{BB962C8B-B14F-4D97-AF65-F5344CB8AC3E}">
@@ -14578,7 +17184,7 @@
           <a:p>
             <a:r>
               <a:rPr lang="en-US" altLang="zh-CN" smtClean="0"/>
-              <a:t>2015-09-23</a:t>
+              <a:t>2015-10-23</a:t>
             </a:r>
             <a:endParaRPr lang="zh-CN" altLang="en-US"/>
           </a:p>
@@ -14680,7 +17286,7 @@
         </p:nvSpPr>
         <p:spPr>
           <a:xfrm>
-            <a:off x="838200" y="3338512"/>
+            <a:off x="838200" y="2476363"/>
             <a:ext cx="10515600" cy="1325563"/>
           </a:xfrm>
         </p:spPr>
@@ -14690,21 +17296,27 @@
           <a:p>
             <a:pPr algn="ctr"/>
             <a:r>
-              <a:rPr lang="zh-CN" altLang="en-US" dirty="0" smtClean="0"/>
+              <a:rPr lang="zh-CN" altLang="en-US" b="1" dirty="0" smtClean="0">
+                <a:latin typeface="幼圆" panose="02010509060101010101" pitchFamily="49" charset="-122"/>
+                <a:ea typeface="幼圆" panose="02010509060101010101" pitchFamily="49" charset="-122"/>
+              </a:rPr>
               <a:t>实践篇</a:t>
             </a:r>
-            <a:endParaRPr lang="zh-CN" altLang="en-US" dirty="0"/>
-          </a:p>
-        </p:txBody>
-      </p:sp>
-      <p:sp>
-        <p:nvSpPr>
-          <p:cNvPr id="3" name="内容占位符 2"/>
-          <p:cNvSpPr>
-            <a:spLocks noGrp="1"/>
-          </p:cNvSpPr>
-          <p:nvPr>
-            <p:ph idx="1"/>
+            <a:endParaRPr lang="zh-CN" altLang="en-US" b="1" dirty="0">
+              <a:latin typeface="幼圆" panose="02010509060101010101" pitchFamily="49" charset="-122"/>
+              <a:ea typeface="幼圆" panose="02010509060101010101" pitchFamily="49" charset="-122"/>
+            </a:endParaRPr>
+          </a:p>
+        </p:txBody>
+      </p:sp>
+      <p:sp>
+        <p:nvSpPr>
+          <p:cNvPr id="4" name="日期占位符 3"/>
+          <p:cNvSpPr>
+            <a:spLocks noGrp="1"/>
+          </p:cNvSpPr>
+          <p:nvPr>
+            <p:ph type="dt" sz="half" idx="10"/>
           </p:nvPr>
         </p:nvSpPr>
         <p:spPr/>
@@ -14712,6 +17324,56 @@
           <a:bodyPr/>
           <a:lstStyle/>
           <a:p>
+            <a:r>
+              <a:rPr lang="en-US" altLang="zh-CN" smtClean="0"/>
+              <a:t>2015-10-23</a:t>
+            </a:r>
+            <a:endParaRPr lang="zh-CN" altLang="en-US"/>
+          </a:p>
+        </p:txBody>
+      </p:sp>
+      <p:sp>
+        <p:nvSpPr>
+          <p:cNvPr id="5" name="页脚占位符 4"/>
+          <p:cNvSpPr>
+            <a:spLocks noGrp="1"/>
+          </p:cNvSpPr>
+          <p:nvPr>
+            <p:ph type="ftr" sz="quarter" idx="11"/>
+          </p:nvPr>
+        </p:nvSpPr>
+        <p:spPr/>
+        <p:txBody>
+          <a:bodyPr/>
+          <a:lstStyle/>
+          <a:p>
+            <a:r>
+              <a:rPr lang="zh-CN" altLang="en-US" smtClean="0"/>
+              <a:t>平安万里通基础产品研发部</a:t>
+            </a:r>
+            <a:endParaRPr lang="zh-CN" altLang="en-US"/>
+          </a:p>
+        </p:txBody>
+      </p:sp>
+      <p:sp>
+        <p:nvSpPr>
+          <p:cNvPr id="6" name="灯片编号占位符 5"/>
+          <p:cNvSpPr>
+            <a:spLocks noGrp="1"/>
+          </p:cNvSpPr>
+          <p:nvPr>
+            <p:ph type="sldNum" sz="quarter" idx="12"/>
+          </p:nvPr>
+        </p:nvSpPr>
+        <p:spPr/>
+        <p:txBody>
+          <a:bodyPr/>
+          <a:lstStyle/>
+          <a:p>
+            <a:fld id="{2AF3E8BF-BB52-455C-853D-8557085D08F8}" type="slidenum">
+              <a:rPr lang="zh-CN" altLang="en-US" smtClean="0"/>
+              <a:t>20</a:t>
+            </a:fld>
             <a:endParaRPr lang="zh-CN" altLang="en-US"/>
           </a:p>
         </p:txBody>
@@ -14890,6 +17552,75 @@
           </a:p>
         </p:txBody>
       </p:sp>
+      <p:sp>
+        <p:nvSpPr>
+          <p:cNvPr id="4" name="日期占位符 3"/>
+          <p:cNvSpPr>
+            <a:spLocks noGrp="1"/>
+          </p:cNvSpPr>
+          <p:nvPr>
+            <p:ph type="dt" sz="half" idx="10"/>
+          </p:nvPr>
+        </p:nvSpPr>
+        <p:spPr/>
+        <p:txBody>
+          <a:bodyPr/>
+          <a:lstStyle/>
+          <a:p>
+            <a:r>
+              <a:rPr lang="en-US" altLang="zh-CN" smtClean="0"/>
+              <a:t>2015-10-23</a:t>
+            </a:r>
+            <a:endParaRPr lang="zh-CN" altLang="en-US"/>
+          </a:p>
+        </p:txBody>
+      </p:sp>
+      <p:sp>
+        <p:nvSpPr>
+          <p:cNvPr id="5" name="页脚占位符 4"/>
+          <p:cNvSpPr>
+            <a:spLocks noGrp="1"/>
+          </p:cNvSpPr>
+          <p:nvPr>
+            <p:ph type="ftr" sz="quarter" idx="11"/>
+          </p:nvPr>
+        </p:nvSpPr>
+        <p:spPr/>
+        <p:txBody>
+          <a:bodyPr/>
+          <a:lstStyle/>
+          <a:p>
+            <a:r>
+              <a:rPr lang="zh-CN" altLang="en-US" smtClean="0"/>
+              <a:t>平安万里通基础产品研发部</a:t>
+            </a:r>
+            <a:endParaRPr lang="zh-CN" altLang="en-US"/>
+          </a:p>
+        </p:txBody>
+      </p:sp>
+      <p:sp>
+        <p:nvSpPr>
+          <p:cNvPr id="6" name="灯片编号占位符 5"/>
+          <p:cNvSpPr>
+            <a:spLocks noGrp="1"/>
+          </p:cNvSpPr>
+          <p:nvPr>
+            <p:ph type="sldNum" sz="quarter" idx="12"/>
+          </p:nvPr>
+        </p:nvSpPr>
+        <p:spPr/>
+        <p:txBody>
+          <a:bodyPr/>
+          <a:lstStyle/>
+          <a:p>
+            <a:fld id="{2AF3E8BF-BB52-455C-853D-8557085D08F8}" type="slidenum">
+              <a:rPr lang="zh-CN" altLang="en-US" smtClean="0"/>
+              <a:t>21</a:t>
+            </a:fld>
+            <a:endParaRPr lang="zh-CN" altLang="en-US"/>
+          </a:p>
+        </p:txBody>
+      </p:sp>
     </p:spTree>
     <p:extLst>
       <p:ext uri="{BB962C8B-B14F-4D97-AF65-F5344CB8AC3E}">
@@ -15108,6 +17839,75 @@
               <a:t>。</a:t>
             </a:r>
             <a:endParaRPr lang="en-US" altLang="zh-CN" dirty="0" smtClean="0"/>
+          </a:p>
+        </p:txBody>
+      </p:sp>
+      <p:sp>
+        <p:nvSpPr>
+          <p:cNvPr id="4" name="日期占位符 3"/>
+          <p:cNvSpPr>
+            <a:spLocks noGrp="1"/>
+          </p:cNvSpPr>
+          <p:nvPr>
+            <p:ph type="dt" sz="half" idx="10"/>
+          </p:nvPr>
+        </p:nvSpPr>
+        <p:spPr/>
+        <p:txBody>
+          <a:bodyPr/>
+          <a:lstStyle/>
+          <a:p>
+            <a:r>
+              <a:rPr lang="en-US" altLang="zh-CN" smtClean="0"/>
+              <a:t>2015-10-23</a:t>
+            </a:r>
+            <a:endParaRPr lang="zh-CN" altLang="en-US"/>
+          </a:p>
+        </p:txBody>
+      </p:sp>
+      <p:sp>
+        <p:nvSpPr>
+          <p:cNvPr id="5" name="页脚占位符 4"/>
+          <p:cNvSpPr>
+            <a:spLocks noGrp="1"/>
+          </p:cNvSpPr>
+          <p:nvPr>
+            <p:ph type="ftr" sz="quarter" idx="11"/>
+          </p:nvPr>
+        </p:nvSpPr>
+        <p:spPr/>
+        <p:txBody>
+          <a:bodyPr/>
+          <a:lstStyle/>
+          <a:p>
+            <a:r>
+              <a:rPr lang="zh-CN" altLang="en-US" smtClean="0"/>
+              <a:t>平安万里通基础产品研发部</a:t>
+            </a:r>
+            <a:endParaRPr lang="zh-CN" altLang="en-US"/>
+          </a:p>
+        </p:txBody>
+      </p:sp>
+      <p:sp>
+        <p:nvSpPr>
+          <p:cNvPr id="6" name="灯片编号占位符 5"/>
+          <p:cNvSpPr>
+            <a:spLocks noGrp="1"/>
+          </p:cNvSpPr>
+          <p:nvPr>
+            <p:ph type="sldNum" sz="quarter" idx="12"/>
+          </p:nvPr>
+        </p:nvSpPr>
+        <p:spPr/>
+        <p:txBody>
+          <a:bodyPr/>
+          <a:lstStyle/>
+          <a:p>
+            <a:fld id="{2AF3E8BF-BB52-455C-853D-8557085D08F8}" type="slidenum">
+              <a:rPr lang="zh-CN" altLang="en-US" smtClean="0"/>
+              <a:t>22</a:t>
+            </a:fld>
+            <a:endParaRPr lang="zh-CN" altLang="en-US"/>
           </a:p>
         </p:txBody>
       </p:sp>
@@ -15379,6 +18179,75 @@
           </a:prstGeom>
         </p:spPr>
       </p:pic>
+      <p:sp>
+        <p:nvSpPr>
+          <p:cNvPr id="4" name="日期占位符 3"/>
+          <p:cNvSpPr>
+            <a:spLocks noGrp="1"/>
+          </p:cNvSpPr>
+          <p:nvPr>
+            <p:ph type="dt" sz="half" idx="10"/>
+          </p:nvPr>
+        </p:nvSpPr>
+        <p:spPr/>
+        <p:txBody>
+          <a:bodyPr/>
+          <a:lstStyle/>
+          <a:p>
+            <a:r>
+              <a:rPr lang="en-US" altLang="zh-CN" smtClean="0"/>
+              <a:t>2015-10-23</a:t>
+            </a:r>
+            <a:endParaRPr lang="zh-CN" altLang="en-US"/>
+          </a:p>
+        </p:txBody>
+      </p:sp>
+      <p:sp>
+        <p:nvSpPr>
+          <p:cNvPr id="6" name="页脚占位符 5"/>
+          <p:cNvSpPr>
+            <a:spLocks noGrp="1"/>
+          </p:cNvSpPr>
+          <p:nvPr>
+            <p:ph type="ftr" sz="quarter" idx="11"/>
+          </p:nvPr>
+        </p:nvSpPr>
+        <p:spPr/>
+        <p:txBody>
+          <a:bodyPr/>
+          <a:lstStyle/>
+          <a:p>
+            <a:r>
+              <a:rPr lang="zh-CN" altLang="en-US" smtClean="0"/>
+              <a:t>平安万里通基础产品研发部</a:t>
+            </a:r>
+            <a:endParaRPr lang="zh-CN" altLang="en-US"/>
+          </a:p>
+        </p:txBody>
+      </p:sp>
+      <p:sp>
+        <p:nvSpPr>
+          <p:cNvPr id="7" name="灯片编号占位符 6"/>
+          <p:cNvSpPr>
+            <a:spLocks noGrp="1"/>
+          </p:cNvSpPr>
+          <p:nvPr>
+            <p:ph type="sldNum" sz="quarter" idx="12"/>
+          </p:nvPr>
+        </p:nvSpPr>
+        <p:spPr/>
+        <p:txBody>
+          <a:bodyPr/>
+          <a:lstStyle/>
+          <a:p>
+            <a:fld id="{2AF3E8BF-BB52-455C-853D-8557085D08F8}" type="slidenum">
+              <a:rPr lang="zh-CN" altLang="en-US" smtClean="0"/>
+              <a:t>23</a:t>
+            </a:fld>
+            <a:endParaRPr lang="zh-CN" altLang="en-US"/>
+          </a:p>
+        </p:txBody>
+      </p:sp>
     </p:spTree>
     <p:extLst>
       <p:ext uri="{BB962C8B-B14F-4D97-AF65-F5344CB8AC3E}">
@@ -15554,6 +18423,75 @@
           </a:p>
         </p:txBody>
       </p:sp>
+      <p:sp>
+        <p:nvSpPr>
+          <p:cNvPr id="4" name="日期占位符 3"/>
+          <p:cNvSpPr>
+            <a:spLocks noGrp="1"/>
+          </p:cNvSpPr>
+          <p:nvPr>
+            <p:ph type="dt" sz="half" idx="10"/>
+          </p:nvPr>
+        </p:nvSpPr>
+        <p:spPr/>
+        <p:txBody>
+          <a:bodyPr/>
+          <a:lstStyle/>
+          <a:p>
+            <a:r>
+              <a:rPr lang="en-US" altLang="zh-CN" smtClean="0"/>
+              <a:t>2015-10-23</a:t>
+            </a:r>
+            <a:endParaRPr lang="zh-CN" altLang="en-US"/>
+          </a:p>
+        </p:txBody>
+      </p:sp>
+      <p:sp>
+        <p:nvSpPr>
+          <p:cNvPr id="5" name="页脚占位符 4"/>
+          <p:cNvSpPr>
+            <a:spLocks noGrp="1"/>
+          </p:cNvSpPr>
+          <p:nvPr>
+            <p:ph type="ftr" sz="quarter" idx="11"/>
+          </p:nvPr>
+        </p:nvSpPr>
+        <p:spPr/>
+        <p:txBody>
+          <a:bodyPr/>
+          <a:lstStyle/>
+          <a:p>
+            <a:r>
+              <a:rPr lang="zh-CN" altLang="en-US" smtClean="0"/>
+              <a:t>平安万里通基础产品研发部</a:t>
+            </a:r>
+            <a:endParaRPr lang="zh-CN" altLang="en-US"/>
+          </a:p>
+        </p:txBody>
+      </p:sp>
+      <p:sp>
+        <p:nvSpPr>
+          <p:cNvPr id="6" name="灯片编号占位符 5"/>
+          <p:cNvSpPr>
+            <a:spLocks noGrp="1"/>
+          </p:cNvSpPr>
+          <p:nvPr>
+            <p:ph type="sldNum" sz="quarter" idx="12"/>
+          </p:nvPr>
+        </p:nvSpPr>
+        <p:spPr/>
+        <p:txBody>
+          <a:bodyPr/>
+          <a:lstStyle/>
+          <a:p>
+            <a:fld id="{2AF3E8BF-BB52-455C-853D-8557085D08F8}" type="slidenum">
+              <a:rPr lang="zh-CN" altLang="en-US" smtClean="0"/>
+              <a:t>24</a:t>
+            </a:fld>
+            <a:endParaRPr lang="zh-CN" altLang="en-US"/>
+          </a:p>
+        </p:txBody>
+      </p:sp>
     </p:spTree>
     <p:extLst>
       <p:ext uri="{BB962C8B-B14F-4D97-AF65-F5344CB8AC3E}">
@@ -15842,6 +18780,75 @@
               <a:t>)=3;</a:t>
             </a:r>
             <a:endParaRPr lang="zh-CN" altLang="en-US" dirty="0"/>
+          </a:p>
+        </p:txBody>
+      </p:sp>
+      <p:sp>
+        <p:nvSpPr>
+          <p:cNvPr id="6" name="日期占位符 5"/>
+          <p:cNvSpPr>
+            <a:spLocks noGrp="1"/>
+          </p:cNvSpPr>
+          <p:nvPr>
+            <p:ph type="dt" sz="half" idx="10"/>
+          </p:nvPr>
+        </p:nvSpPr>
+        <p:spPr/>
+        <p:txBody>
+          <a:bodyPr/>
+          <a:lstStyle/>
+          <a:p>
+            <a:r>
+              <a:rPr lang="en-US" altLang="zh-CN" smtClean="0"/>
+              <a:t>2015-10-23</a:t>
+            </a:r>
+            <a:endParaRPr lang="zh-CN" altLang="en-US"/>
+          </a:p>
+        </p:txBody>
+      </p:sp>
+      <p:sp>
+        <p:nvSpPr>
+          <p:cNvPr id="7" name="页脚占位符 6"/>
+          <p:cNvSpPr>
+            <a:spLocks noGrp="1"/>
+          </p:cNvSpPr>
+          <p:nvPr>
+            <p:ph type="ftr" sz="quarter" idx="11"/>
+          </p:nvPr>
+        </p:nvSpPr>
+        <p:spPr/>
+        <p:txBody>
+          <a:bodyPr/>
+          <a:lstStyle/>
+          <a:p>
+            <a:r>
+              <a:rPr lang="zh-CN" altLang="en-US" smtClean="0"/>
+              <a:t>平安万里通基础产品研发部</a:t>
+            </a:r>
+            <a:endParaRPr lang="zh-CN" altLang="en-US"/>
+          </a:p>
+        </p:txBody>
+      </p:sp>
+      <p:sp>
+        <p:nvSpPr>
+          <p:cNvPr id="8" name="灯片编号占位符 7"/>
+          <p:cNvSpPr>
+            <a:spLocks noGrp="1"/>
+          </p:cNvSpPr>
+          <p:nvPr>
+            <p:ph type="sldNum" sz="quarter" idx="12"/>
+          </p:nvPr>
+        </p:nvSpPr>
+        <p:spPr/>
+        <p:txBody>
+          <a:bodyPr/>
+          <a:lstStyle/>
+          <a:p>
+            <a:fld id="{2AF3E8BF-BB52-455C-853D-8557085D08F8}" type="slidenum">
+              <a:rPr lang="zh-CN" altLang="en-US" smtClean="0"/>
+              <a:t>25</a:t>
+            </a:fld>
+            <a:endParaRPr lang="zh-CN" altLang="en-US"/>
           </a:p>
         </p:txBody>
       </p:sp>
@@ -16156,6 +19163,75 @@
           </a:extLst>
         </p:spPr>
       </p:pic>
+      <p:sp>
+        <p:nvSpPr>
+          <p:cNvPr id="5" name="日期占位符 4"/>
+          <p:cNvSpPr>
+            <a:spLocks noGrp="1"/>
+          </p:cNvSpPr>
+          <p:nvPr>
+            <p:ph type="dt" sz="half" idx="10"/>
+          </p:nvPr>
+        </p:nvSpPr>
+        <p:spPr/>
+        <p:txBody>
+          <a:bodyPr/>
+          <a:lstStyle/>
+          <a:p>
+            <a:r>
+              <a:rPr lang="en-US" altLang="zh-CN" smtClean="0"/>
+              <a:t>2015-10-23</a:t>
+            </a:r>
+            <a:endParaRPr lang="zh-CN" altLang="en-US"/>
+          </a:p>
+        </p:txBody>
+      </p:sp>
+      <p:sp>
+        <p:nvSpPr>
+          <p:cNvPr id="6" name="页脚占位符 5"/>
+          <p:cNvSpPr>
+            <a:spLocks noGrp="1"/>
+          </p:cNvSpPr>
+          <p:nvPr>
+            <p:ph type="ftr" sz="quarter" idx="11"/>
+          </p:nvPr>
+        </p:nvSpPr>
+        <p:spPr/>
+        <p:txBody>
+          <a:bodyPr/>
+          <a:lstStyle/>
+          <a:p>
+            <a:r>
+              <a:rPr lang="zh-CN" altLang="en-US" smtClean="0"/>
+              <a:t>平安万里通基础产品研发部</a:t>
+            </a:r>
+            <a:endParaRPr lang="zh-CN" altLang="en-US"/>
+          </a:p>
+        </p:txBody>
+      </p:sp>
+      <p:sp>
+        <p:nvSpPr>
+          <p:cNvPr id="7" name="灯片编号占位符 6"/>
+          <p:cNvSpPr>
+            <a:spLocks noGrp="1"/>
+          </p:cNvSpPr>
+          <p:nvPr>
+            <p:ph type="sldNum" sz="quarter" idx="12"/>
+          </p:nvPr>
+        </p:nvSpPr>
+        <p:spPr/>
+        <p:txBody>
+          <a:bodyPr/>
+          <a:lstStyle/>
+          <a:p>
+            <a:fld id="{2AF3E8BF-BB52-455C-853D-8557085D08F8}" type="slidenum">
+              <a:rPr lang="zh-CN" altLang="en-US" smtClean="0"/>
+              <a:t>26</a:t>
+            </a:fld>
+            <a:endParaRPr lang="zh-CN" altLang="en-US"/>
+          </a:p>
+        </p:txBody>
+      </p:sp>
     </p:spTree>
     <p:extLst>
       <p:ext uri="{BB962C8B-B14F-4D97-AF65-F5344CB8AC3E}">
@@ -16351,6 +19427,168 @@
                                   </p:childTnLst>
                                 </p:cTn>
                               </p:par>
+                              <p:par>
+                                <p:cTn id="18" presetID="42" presetClass="entr" presetSubtype="0" fill="hold" nodeType="withEffect">
+                                  <p:stCondLst>
+                                    <p:cond delay="0"/>
+                                  </p:stCondLst>
+                                  <p:childTnLst>
+                                    <p:set>
+                                      <p:cBhvr>
+                                        <p:cTn id="19" dur="1" fill="hold">
+                                          <p:stCondLst>
+                                            <p:cond delay="0"/>
+                                          </p:stCondLst>
+                                        </p:cTn>
+                                        <p:tgtEl>
+                                          <p:spTgt spid="1026"/>
+                                        </p:tgtEl>
+                                        <p:attrNameLst>
+                                          <p:attrName>style.visibility</p:attrName>
+                                        </p:attrNameLst>
+                                      </p:cBhvr>
+                                      <p:to>
+                                        <p:strVal val="visible"/>
+                                      </p:to>
+                                    </p:set>
+                                    <p:animEffect transition="in" filter="fade">
+                                      <p:cBhvr>
+                                        <p:cTn id="20" dur="1000"/>
+                                        <p:tgtEl>
+                                          <p:spTgt spid="1026"/>
+                                        </p:tgtEl>
+                                      </p:cBhvr>
+                                    </p:animEffect>
+                                    <p:anim calcmode="lin" valueType="num">
+                                      <p:cBhvr>
+                                        <p:cTn id="21" dur="1000" fill="hold"/>
+                                        <p:tgtEl>
+                                          <p:spTgt spid="1026"/>
+                                        </p:tgtEl>
+                                        <p:attrNameLst>
+                                          <p:attrName>ppt_x</p:attrName>
+                                        </p:attrNameLst>
+                                      </p:cBhvr>
+                                      <p:tavLst>
+                                        <p:tav tm="0">
+                                          <p:val>
+                                            <p:strVal val="#ppt_x"/>
+                                          </p:val>
+                                        </p:tav>
+                                        <p:tav tm="100000">
+                                          <p:val>
+                                            <p:strVal val="#ppt_x"/>
+                                          </p:val>
+                                        </p:tav>
+                                      </p:tavLst>
+                                    </p:anim>
+                                    <p:anim calcmode="lin" valueType="num">
+                                      <p:cBhvr>
+                                        <p:cTn id="22" dur="1000" fill="hold"/>
+                                        <p:tgtEl>
+                                          <p:spTgt spid="1026"/>
+                                        </p:tgtEl>
+                                        <p:attrNameLst>
+                                          <p:attrName>ppt_y</p:attrName>
+                                        </p:attrNameLst>
+                                      </p:cBhvr>
+                                      <p:tavLst>
+                                        <p:tav tm="0">
+                                          <p:val>
+                                            <p:strVal val="#ppt_y+.1"/>
+                                          </p:val>
+                                        </p:tav>
+                                        <p:tav tm="100000">
+                                          <p:val>
+                                            <p:strVal val="#ppt_y"/>
+                                          </p:val>
+                                        </p:tav>
+                                      </p:tavLst>
+                                    </p:anim>
+                                  </p:childTnLst>
+                                </p:cTn>
+                              </p:par>
+                              <p:par>
+                                <p:cTn id="23" presetID="42" presetClass="entr" presetSubtype="0" fill="hold" nodeType="withEffect">
+                                  <p:stCondLst>
+                                    <p:cond delay="0"/>
+                                  </p:stCondLst>
+                                  <p:childTnLst>
+                                    <p:set>
+                                      <p:cBhvr>
+                                        <p:cTn id="24" dur="1" fill="hold">
+                                          <p:stCondLst>
+                                            <p:cond delay="0"/>
+                                          </p:stCondLst>
+                                        </p:cTn>
+                                        <p:tgtEl>
+                                          <p:spTgt spid="4"/>
+                                        </p:tgtEl>
+                                        <p:attrNameLst>
+                                          <p:attrName>style.visibility</p:attrName>
+                                        </p:attrNameLst>
+                                      </p:cBhvr>
+                                      <p:to>
+                                        <p:strVal val="visible"/>
+                                      </p:to>
+                                    </p:set>
+                                    <p:animEffect transition="in" filter="fade">
+                                      <p:cBhvr>
+                                        <p:cTn id="25" dur="1000"/>
+                                        <p:tgtEl>
+                                          <p:spTgt spid="4"/>
+                                        </p:tgtEl>
+                                      </p:cBhvr>
+                                    </p:animEffect>
+                                    <p:anim calcmode="lin" valueType="num">
+                                      <p:cBhvr>
+                                        <p:cTn id="26" dur="1000" fill="hold"/>
+                                        <p:tgtEl>
+                                          <p:spTgt spid="4"/>
+                                        </p:tgtEl>
+                                        <p:attrNameLst>
+                                          <p:attrName>ppt_x</p:attrName>
+                                        </p:attrNameLst>
+                                      </p:cBhvr>
+                                      <p:tavLst>
+                                        <p:tav tm="0">
+                                          <p:val>
+                                            <p:strVal val="#ppt_x"/>
+                                          </p:val>
+                                        </p:tav>
+                                        <p:tav tm="100000">
+                                          <p:val>
+                                            <p:strVal val="#ppt_x"/>
+                                          </p:val>
+                                        </p:tav>
+                                      </p:tavLst>
+                                    </p:anim>
+                                    <p:anim calcmode="lin" valueType="num">
+                                      <p:cBhvr>
+                                        <p:cTn id="27" dur="1000" fill="hold"/>
+                                        <p:tgtEl>
+                                          <p:spTgt spid="4"/>
+                                        </p:tgtEl>
+                                        <p:attrNameLst>
+                                          <p:attrName>ppt_y</p:attrName>
+                                        </p:attrNameLst>
+                                      </p:cBhvr>
+                                      <p:tavLst>
+                                        <p:tav tm="0">
+                                          <p:val>
+                                            <p:strVal val="#ppt_y+.1"/>
+                                          </p:val>
+                                        </p:tav>
+                                        <p:tav tm="100000">
+                                          <p:val>
+                                            <p:strVal val="#ppt_y"/>
+                                          </p:val>
+                                        </p:tav>
+                                      </p:tavLst>
+                                    </p:anim>
+                                  </p:childTnLst>
+                                </p:cTn>
+                              </p:par>
                             </p:childTnLst>
                           </p:cTn>
                         </p:par>
@@ -16651,6 +19889,75 @@
           </a:p>
         </p:txBody>
       </p:sp>
+      <p:sp>
+        <p:nvSpPr>
+          <p:cNvPr id="5" name="日期占位符 4"/>
+          <p:cNvSpPr>
+            <a:spLocks noGrp="1"/>
+          </p:cNvSpPr>
+          <p:nvPr>
+            <p:ph type="dt" sz="half" idx="10"/>
+          </p:nvPr>
+        </p:nvSpPr>
+        <p:spPr/>
+        <p:txBody>
+          <a:bodyPr/>
+          <a:lstStyle/>
+          <a:p>
+            <a:r>
+              <a:rPr lang="en-US" altLang="zh-CN" smtClean="0"/>
+              <a:t>2015-10-23</a:t>
+            </a:r>
+            <a:endParaRPr lang="zh-CN" altLang="en-US"/>
+          </a:p>
+        </p:txBody>
+      </p:sp>
+      <p:sp>
+        <p:nvSpPr>
+          <p:cNvPr id="6" name="页脚占位符 5"/>
+          <p:cNvSpPr>
+            <a:spLocks noGrp="1"/>
+          </p:cNvSpPr>
+          <p:nvPr>
+            <p:ph type="ftr" sz="quarter" idx="11"/>
+          </p:nvPr>
+        </p:nvSpPr>
+        <p:spPr/>
+        <p:txBody>
+          <a:bodyPr/>
+          <a:lstStyle/>
+          <a:p>
+            <a:r>
+              <a:rPr lang="zh-CN" altLang="en-US" smtClean="0"/>
+              <a:t>平安万里通基础产品研发部</a:t>
+            </a:r>
+            <a:endParaRPr lang="zh-CN" altLang="en-US"/>
+          </a:p>
+        </p:txBody>
+      </p:sp>
+      <p:sp>
+        <p:nvSpPr>
+          <p:cNvPr id="7" name="灯片编号占位符 6"/>
+          <p:cNvSpPr>
+            <a:spLocks noGrp="1"/>
+          </p:cNvSpPr>
+          <p:nvPr>
+            <p:ph type="sldNum" sz="quarter" idx="12"/>
+          </p:nvPr>
+        </p:nvSpPr>
+        <p:spPr/>
+        <p:txBody>
+          <a:bodyPr/>
+          <a:lstStyle/>
+          <a:p>
+            <a:fld id="{2AF3E8BF-BB52-455C-853D-8557085D08F8}" type="slidenum">
+              <a:rPr lang="zh-CN" altLang="en-US" smtClean="0"/>
+              <a:t>27</a:t>
+            </a:fld>
+            <a:endParaRPr lang="zh-CN" altLang="en-US"/>
+          </a:p>
+        </p:txBody>
+      </p:sp>
     </p:spTree>
     <p:extLst>
       <p:ext uri="{BB962C8B-B14F-4D97-AF65-F5344CB8AC3E}">
@@ -17051,6 +20358,75 @@
               <a:t>"2"</a:t>
             </a:r>
             <a:endParaRPr lang="zh-CN" altLang="en-US" dirty="0"/>
+          </a:p>
+        </p:txBody>
+      </p:sp>
+      <p:sp>
+        <p:nvSpPr>
+          <p:cNvPr id="5" name="日期占位符 4"/>
+          <p:cNvSpPr>
+            <a:spLocks noGrp="1"/>
+          </p:cNvSpPr>
+          <p:nvPr>
+            <p:ph type="dt" sz="half" idx="10"/>
+          </p:nvPr>
+        </p:nvSpPr>
+        <p:spPr/>
+        <p:txBody>
+          <a:bodyPr/>
+          <a:lstStyle/>
+          <a:p>
+            <a:r>
+              <a:rPr lang="en-US" altLang="zh-CN" smtClean="0"/>
+              <a:t>2015-10-23</a:t>
+            </a:r>
+            <a:endParaRPr lang="zh-CN" altLang="en-US"/>
+          </a:p>
+        </p:txBody>
+      </p:sp>
+      <p:sp>
+        <p:nvSpPr>
+          <p:cNvPr id="6" name="页脚占位符 5"/>
+          <p:cNvSpPr>
+            <a:spLocks noGrp="1"/>
+          </p:cNvSpPr>
+          <p:nvPr>
+            <p:ph type="ftr" sz="quarter" idx="11"/>
+          </p:nvPr>
+        </p:nvSpPr>
+        <p:spPr/>
+        <p:txBody>
+          <a:bodyPr/>
+          <a:lstStyle/>
+          <a:p>
+            <a:r>
+              <a:rPr lang="zh-CN" altLang="en-US" smtClean="0"/>
+              <a:t>平安万里通基础产品研发部</a:t>
+            </a:r>
+            <a:endParaRPr lang="zh-CN" altLang="en-US"/>
+          </a:p>
+        </p:txBody>
+      </p:sp>
+      <p:sp>
+        <p:nvSpPr>
+          <p:cNvPr id="7" name="灯片编号占位符 6"/>
+          <p:cNvSpPr>
+            <a:spLocks noGrp="1"/>
+          </p:cNvSpPr>
+          <p:nvPr>
+            <p:ph type="sldNum" sz="quarter" idx="12"/>
+          </p:nvPr>
+        </p:nvSpPr>
+        <p:spPr/>
+        <p:txBody>
+          <a:bodyPr/>
+          <a:lstStyle/>
+          <a:p>
+            <a:fld id="{2AF3E8BF-BB52-455C-853D-8557085D08F8}" type="slidenum">
+              <a:rPr lang="zh-CN" altLang="en-US" smtClean="0"/>
+              <a:t>28</a:t>
+            </a:fld>
+            <a:endParaRPr lang="zh-CN" altLang="en-US"/>
           </a:p>
         </p:txBody>
       </p:sp>
@@ -18498,6 +21874,75 @@
                 <a:schemeClr val="accent2"/>
               </a:solidFill>
             </a:endParaRPr>
+          </a:p>
+        </p:txBody>
+      </p:sp>
+      <p:sp>
+        <p:nvSpPr>
+          <p:cNvPr id="7" name="日期占位符 6"/>
+          <p:cNvSpPr>
+            <a:spLocks noGrp="1"/>
+          </p:cNvSpPr>
+          <p:nvPr>
+            <p:ph type="dt" sz="half" idx="10"/>
+          </p:nvPr>
+        </p:nvSpPr>
+        <p:spPr/>
+        <p:txBody>
+          <a:bodyPr/>
+          <a:lstStyle/>
+          <a:p>
+            <a:r>
+              <a:rPr lang="en-US" altLang="zh-CN" smtClean="0"/>
+              <a:t>2015-10-23</a:t>
+            </a:r>
+            <a:endParaRPr lang="zh-CN" altLang="en-US"/>
+          </a:p>
+        </p:txBody>
+      </p:sp>
+      <p:sp>
+        <p:nvSpPr>
+          <p:cNvPr id="8" name="页脚占位符 7"/>
+          <p:cNvSpPr>
+            <a:spLocks noGrp="1"/>
+          </p:cNvSpPr>
+          <p:nvPr>
+            <p:ph type="ftr" sz="quarter" idx="11"/>
+          </p:nvPr>
+        </p:nvSpPr>
+        <p:spPr/>
+        <p:txBody>
+          <a:bodyPr/>
+          <a:lstStyle/>
+          <a:p>
+            <a:r>
+              <a:rPr lang="zh-CN" altLang="en-US" smtClean="0"/>
+              <a:t>平安万里通基础产品研发部</a:t>
+            </a:r>
+            <a:endParaRPr lang="zh-CN" altLang="en-US"/>
+          </a:p>
+        </p:txBody>
+      </p:sp>
+      <p:sp>
+        <p:nvSpPr>
+          <p:cNvPr id="9" name="灯片编号占位符 8"/>
+          <p:cNvSpPr>
+            <a:spLocks noGrp="1"/>
+          </p:cNvSpPr>
+          <p:nvPr>
+            <p:ph type="sldNum" sz="quarter" idx="12"/>
+          </p:nvPr>
+        </p:nvSpPr>
+        <p:spPr/>
+        <p:txBody>
+          <a:bodyPr/>
+          <a:lstStyle/>
+          <a:p>
+            <a:fld id="{2AF3E8BF-BB52-455C-853D-8557085D08F8}" type="slidenum">
+              <a:rPr lang="zh-CN" altLang="en-US" smtClean="0"/>
+              <a:t>29</a:t>
+            </a:fld>
+            <a:endParaRPr lang="zh-CN" altLang="en-US"/>
           </a:p>
         </p:txBody>
       </p:sp>
@@ -18737,7 +22182,7 @@
         </p:nvSpPr>
         <p:spPr>
           <a:xfrm>
-            <a:off x="838200" y="3338512"/>
+            <a:off x="838200" y="2450233"/>
             <a:ext cx="10515600" cy="1325563"/>
           </a:xfrm>
         </p:spPr>
@@ -18747,21 +22192,27 @@
           <a:p>
             <a:pPr algn="ctr"/>
             <a:r>
-              <a:rPr lang="zh-CN" altLang="en-US" dirty="0" smtClean="0"/>
+              <a:rPr lang="zh-CN" altLang="en-US" b="1" dirty="0" smtClean="0">
+                <a:latin typeface="幼圆" panose="02010509060101010101" pitchFamily="49" charset="-122"/>
+                <a:ea typeface="幼圆" panose="02010509060101010101" pitchFamily="49" charset="-122"/>
+              </a:rPr>
               <a:t>简介篇</a:t>
             </a:r>
-            <a:endParaRPr lang="zh-CN" altLang="en-US" dirty="0"/>
-          </a:p>
-        </p:txBody>
-      </p:sp>
-      <p:sp>
-        <p:nvSpPr>
-          <p:cNvPr id="3" name="内容占位符 2"/>
-          <p:cNvSpPr>
-            <a:spLocks noGrp="1"/>
-          </p:cNvSpPr>
-          <p:nvPr>
-            <p:ph idx="1"/>
+            <a:endParaRPr lang="zh-CN" altLang="en-US" b="1" dirty="0">
+              <a:latin typeface="幼圆" panose="02010509060101010101" pitchFamily="49" charset="-122"/>
+              <a:ea typeface="幼圆" panose="02010509060101010101" pitchFamily="49" charset="-122"/>
+            </a:endParaRPr>
+          </a:p>
+        </p:txBody>
+      </p:sp>
+      <p:sp>
+        <p:nvSpPr>
+          <p:cNvPr id="4" name="日期占位符 3"/>
+          <p:cNvSpPr>
+            <a:spLocks noGrp="1"/>
+          </p:cNvSpPr>
+          <p:nvPr>
+            <p:ph type="dt" sz="half" idx="10"/>
           </p:nvPr>
         </p:nvSpPr>
         <p:spPr/>
@@ -18769,7 +22220,57 @@
           <a:bodyPr/>
           <a:lstStyle/>
           <a:p>
-            <a:endParaRPr lang="zh-CN" altLang="en-US" dirty="0"/>
+            <a:r>
+              <a:rPr lang="en-US" altLang="zh-CN" smtClean="0"/>
+              <a:t>2015-10-23</a:t>
+            </a:r>
+            <a:endParaRPr lang="zh-CN" altLang="en-US"/>
+          </a:p>
+        </p:txBody>
+      </p:sp>
+      <p:sp>
+        <p:nvSpPr>
+          <p:cNvPr id="5" name="页脚占位符 4"/>
+          <p:cNvSpPr>
+            <a:spLocks noGrp="1"/>
+          </p:cNvSpPr>
+          <p:nvPr>
+            <p:ph type="ftr" sz="quarter" idx="11"/>
+          </p:nvPr>
+        </p:nvSpPr>
+        <p:spPr/>
+        <p:txBody>
+          <a:bodyPr/>
+          <a:lstStyle/>
+          <a:p>
+            <a:r>
+              <a:rPr lang="zh-CN" altLang="en-US" smtClean="0"/>
+              <a:t>平安万里通基础产品研发部</a:t>
+            </a:r>
+            <a:endParaRPr lang="zh-CN" altLang="en-US"/>
+          </a:p>
+        </p:txBody>
+      </p:sp>
+      <p:sp>
+        <p:nvSpPr>
+          <p:cNvPr id="6" name="灯片编号占位符 5"/>
+          <p:cNvSpPr>
+            <a:spLocks noGrp="1"/>
+          </p:cNvSpPr>
+          <p:nvPr>
+            <p:ph type="sldNum" sz="quarter" idx="12"/>
+          </p:nvPr>
+        </p:nvSpPr>
+        <p:spPr/>
+        <p:txBody>
+          <a:bodyPr/>
+          <a:lstStyle/>
+          <a:p>
+            <a:fld id="{2AF3E8BF-BB52-455C-853D-8557085D08F8}" type="slidenum">
+              <a:rPr lang="zh-CN" altLang="en-US" smtClean="0"/>
+              <a:t>3</a:t>
+            </a:fld>
+            <a:endParaRPr lang="zh-CN" altLang="en-US"/>
           </a:p>
         </p:txBody>
       </p:sp>
@@ -19160,6 +22661,75 @@
           </a:prstGeom>
         </p:spPr>
       </p:pic>
+      <p:sp>
+        <p:nvSpPr>
+          <p:cNvPr id="6" name="日期占位符 5"/>
+          <p:cNvSpPr>
+            <a:spLocks noGrp="1"/>
+          </p:cNvSpPr>
+          <p:nvPr>
+            <p:ph type="dt" sz="half" idx="10"/>
+          </p:nvPr>
+        </p:nvSpPr>
+        <p:spPr/>
+        <p:txBody>
+          <a:bodyPr/>
+          <a:lstStyle/>
+          <a:p>
+            <a:r>
+              <a:rPr lang="en-US" altLang="zh-CN" smtClean="0"/>
+              <a:t>2015-10-23</a:t>
+            </a:r>
+            <a:endParaRPr lang="zh-CN" altLang="en-US"/>
+          </a:p>
+        </p:txBody>
+      </p:sp>
+      <p:sp>
+        <p:nvSpPr>
+          <p:cNvPr id="7" name="页脚占位符 6"/>
+          <p:cNvSpPr>
+            <a:spLocks noGrp="1"/>
+          </p:cNvSpPr>
+          <p:nvPr>
+            <p:ph type="ftr" sz="quarter" idx="11"/>
+          </p:nvPr>
+        </p:nvSpPr>
+        <p:spPr/>
+        <p:txBody>
+          <a:bodyPr/>
+          <a:lstStyle/>
+          <a:p>
+            <a:r>
+              <a:rPr lang="zh-CN" altLang="en-US" smtClean="0"/>
+              <a:t>平安万里通基础产品研发部</a:t>
+            </a:r>
+            <a:endParaRPr lang="zh-CN" altLang="en-US"/>
+          </a:p>
+        </p:txBody>
+      </p:sp>
+      <p:sp>
+        <p:nvSpPr>
+          <p:cNvPr id="8" name="灯片编号占位符 7"/>
+          <p:cNvSpPr>
+            <a:spLocks noGrp="1"/>
+          </p:cNvSpPr>
+          <p:nvPr>
+            <p:ph type="sldNum" sz="quarter" idx="12"/>
+          </p:nvPr>
+        </p:nvSpPr>
+        <p:spPr/>
+        <p:txBody>
+          <a:bodyPr/>
+          <a:lstStyle/>
+          <a:p>
+            <a:fld id="{2AF3E8BF-BB52-455C-853D-8557085D08F8}" type="slidenum">
+              <a:rPr lang="zh-CN" altLang="en-US" smtClean="0"/>
+              <a:t>30</a:t>
+            </a:fld>
+            <a:endParaRPr lang="zh-CN" altLang="en-US"/>
+          </a:p>
+        </p:txBody>
+      </p:sp>
     </p:spTree>
     <p:extLst>
       <p:ext uri="{BB962C8B-B14F-4D97-AF65-F5344CB8AC3E}">
@@ -19375,6 +22945,75 @@
           </a:p>
         </p:txBody>
       </p:sp>
+      <p:sp>
+        <p:nvSpPr>
+          <p:cNvPr id="4" name="日期占位符 3"/>
+          <p:cNvSpPr>
+            <a:spLocks noGrp="1"/>
+          </p:cNvSpPr>
+          <p:nvPr>
+            <p:ph type="dt" sz="half" idx="10"/>
+          </p:nvPr>
+        </p:nvSpPr>
+        <p:spPr/>
+        <p:txBody>
+          <a:bodyPr/>
+          <a:lstStyle/>
+          <a:p>
+            <a:r>
+              <a:rPr lang="en-US" altLang="zh-CN" smtClean="0"/>
+              <a:t>2015-10-23</a:t>
+            </a:r>
+            <a:endParaRPr lang="zh-CN" altLang="en-US"/>
+          </a:p>
+        </p:txBody>
+      </p:sp>
+      <p:sp>
+        <p:nvSpPr>
+          <p:cNvPr id="6" name="页脚占位符 5"/>
+          <p:cNvSpPr>
+            <a:spLocks noGrp="1"/>
+          </p:cNvSpPr>
+          <p:nvPr>
+            <p:ph type="ftr" sz="quarter" idx="11"/>
+          </p:nvPr>
+        </p:nvSpPr>
+        <p:spPr/>
+        <p:txBody>
+          <a:bodyPr/>
+          <a:lstStyle/>
+          <a:p>
+            <a:r>
+              <a:rPr lang="zh-CN" altLang="en-US" smtClean="0"/>
+              <a:t>平安万里通基础产品研发部</a:t>
+            </a:r>
+            <a:endParaRPr lang="zh-CN" altLang="en-US"/>
+          </a:p>
+        </p:txBody>
+      </p:sp>
+      <p:sp>
+        <p:nvSpPr>
+          <p:cNvPr id="7" name="灯片编号占位符 6"/>
+          <p:cNvSpPr>
+            <a:spLocks noGrp="1"/>
+          </p:cNvSpPr>
+          <p:nvPr>
+            <p:ph type="sldNum" sz="quarter" idx="12"/>
+          </p:nvPr>
+        </p:nvSpPr>
+        <p:spPr/>
+        <p:txBody>
+          <a:bodyPr/>
+          <a:lstStyle/>
+          <a:p>
+            <a:fld id="{2AF3E8BF-BB52-455C-853D-8557085D08F8}" type="slidenum">
+              <a:rPr lang="zh-CN" altLang="en-US" smtClean="0"/>
+              <a:t>31</a:t>
+            </a:fld>
+            <a:endParaRPr lang="zh-CN" altLang="en-US"/>
+          </a:p>
+        </p:txBody>
+      </p:sp>
     </p:spTree>
     <p:extLst>
       <p:ext uri="{BB962C8B-B14F-4D97-AF65-F5344CB8AC3E}">
@@ -19534,6 +23173,75 @@
           </a:p>
         </p:txBody>
       </p:sp>
+      <p:sp>
+        <p:nvSpPr>
+          <p:cNvPr id="4" name="日期占位符 3"/>
+          <p:cNvSpPr>
+            <a:spLocks noGrp="1"/>
+          </p:cNvSpPr>
+          <p:nvPr>
+            <p:ph type="dt" sz="half" idx="10"/>
+          </p:nvPr>
+        </p:nvSpPr>
+        <p:spPr/>
+        <p:txBody>
+          <a:bodyPr/>
+          <a:lstStyle/>
+          <a:p>
+            <a:r>
+              <a:rPr lang="en-US" altLang="zh-CN" smtClean="0"/>
+              <a:t>2015-10-23</a:t>
+            </a:r>
+            <a:endParaRPr lang="zh-CN" altLang="en-US"/>
+          </a:p>
+        </p:txBody>
+      </p:sp>
+      <p:sp>
+        <p:nvSpPr>
+          <p:cNvPr id="5" name="页脚占位符 4"/>
+          <p:cNvSpPr>
+            <a:spLocks noGrp="1"/>
+          </p:cNvSpPr>
+          <p:nvPr>
+            <p:ph type="ftr" sz="quarter" idx="11"/>
+          </p:nvPr>
+        </p:nvSpPr>
+        <p:spPr/>
+        <p:txBody>
+          <a:bodyPr/>
+          <a:lstStyle/>
+          <a:p>
+            <a:r>
+              <a:rPr lang="zh-CN" altLang="en-US" smtClean="0"/>
+              <a:t>平安万里通基础产品研发部</a:t>
+            </a:r>
+            <a:endParaRPr lang="zh-CN" altLang="en-US"/>
+          </a:p>
+        </p:txBody>
+      </p:sp>
+      <p:sp>
+        <p:nvSpPr>
+          <p:cNvPr id="6" name="灯片编号占位符 5"/>
+          <p:cNvSpPr>
+            <a:spLocks noGrp="1"/>
+          </p:cNvSpPr>
+          <p:nvPr>
+            <p:ph type="sldNum" sz="quarter" idx="12"/>
+          </p:nvPr>
+        </p:nvSpPr>
+        <p:spPr/>
+        <p:txBody>
+          <a:bodyPr/>
+          <a:lstStyle/>
+          <a:p>
+            <a:fld id="{2AF3E8BF-BB52-455C-853D-8557085D08F8}" type="slidenum">
+              <a:rPr lang="zh-CN" altLang="en-US" smtClean="0"/>
+              <a:t>32</a:t>
+            </a:fld>
+            <a:endParaRPr lang="zh-CN" altLang="en-US"/>
+          </a:p>
+        </p:txBody>
+      </p:sp>
     </p:spTree>
     <p:extLst>
       <p:ext uri="{BB962C8B-B14F-4D97-AF65-F5344CB8AC3E}">
@@ -19583,7 +23291,7 @@
         </p:nvSpPr>
         <p:spPr>
           <a:xfrm>
-            <a:off x="838200" y="3338512"/>
+            <a:off x="838200" y="2424112"/>
             <a:ext cx="10515600" cy="1325563"/>
           </a:xfrm>
         </p:spPr>
@@ -19593,21 +23301,27 @@
           <a:p>
             <a:pPr algn="ctr"/>
             <a:r>
-              <a:rPr lang="zh-CN" altLang="en-US" dirty="0" smtClean="0"/>
+              <a:rPr lang="zh-CN" altLang="en-US" b="1" dirty="0" smtClean="0">
+                <a:latin typeface="幼圆" panose="02010509060101010101" pitchFamily="49" charset="-122"/>
+                <a:ea typeface="幼圆" panose="02010509060101010101" pitchFamily="49" charset="-122"/>
+              </a:rPr>
               <a:t>管理篇</a:t>
             </a:r>
-            <a:endParaRPr lang="zh-CN" altLang="en-US" dirty="0"/>
-          </a:p>
-        </p:txBody>
-      </p:sp>
-      <p:sp>
-        <p:nvSpPr>
-          <p:cNvPr id="3" name="内容占位符 2"/>
-          <p:cNvSpPr>
-            <a:spLocks noGrp="1"/>
-          </p:cNvSpPr>
-          <p:nvPr>
-            <p:ph idx="1"/>
+            <a:endParaRPr lang="zh-CN" altLang="en-US" b="1" dirty="0">
+              <a:latin typeface="幼圆" panose="02010509060101010101" pitchFamily="49" charset="-122"/>
+              <a:ea typeface="幼圆" panose="02010509060101010101" pitchFamily="49" charset="-122"/>
+            </a:endParaRPr>
+          </a:p>
+        </p:txBody>
+      </p:sp>
+      <p:sp>
+        <p:nvSpPr>
+          <p:cNvPr id="4" name="日期占位符 3"/>
+          <p:cNvSpPr>
+            <a:spLocks noGrp="1"/>
+          </p:cNvSpPr>
+          <p:nvPr>
+            <p:ph type="dt" sz="half" idx="10"/>
           </p:nvPr>
         </p:nvSpPr>
         <p:spPr/>
@@ -19615,6 +23329,56 @@
           <a:bodyPr/>
           <a:lstStyle/>
           <a:p>
+            <a:r>
+              <a:rPr lang="en-US" altLang="zh-CN" smtClean="0"/>
+              <a:t>2015-10-23</a:t>
+            </a:r>
+            <a:endParaRPr lang="zh-CN" altLang="en-US"/>
+          </a:p>
+        </p:txBody>
+      </p:sp>
+      <p:sp>
+        <p:nvSpPr>
+          <p:cNvPr id="5" name="页脚占位符 4"/>
+          <p:cNvSpPr>
+            <a:spLocks noGrp="1"/>
+          </p:cNvSpPr>
+          <p:nvPr>
+            <p:ph type="ftr" sz="quarter" idx="11"/>
+          </p:nvPr>
+        </p:nvSpPr>
+        <p:spPr/>
+        <p:txBody>
+          <a:bodyPr/>
+          <a:lstStyle/>
+          <a:p>
+            <a:r>
+              <a:rPr lang="zh-CN" altLang="en-US" smtClean="0"/>
+              <a:t>平安万里通基础产品研发部</a:t>
+            </a:r>
+            <a:endParaRPr lang="zh-CN" altLang="en-US"/>
+          </a:p>
+        </p:txBody>
+      </p:sp>
+      <p:sp>
+        <p:nvSpPr>
+          <p:cNvPr id="6" name="灯片编号占位符 5"/>
+          <p:cNvSpPr>
+            <a:spLocks noGrp="1"/>
+          </p:cNvSpPr>
+          <p:nvPr>
+            <p:ph type="sldNum" sz="quarter" idx="12"/>
+          </p:nvPr>
+        </p:nvSpPr>
+        <p:spPr/>
+        <p:txBody>
+          <a:bodyPr/>
+          <a:lstStyle/>
+          <a:p>
+            <a:fld id="{2AF3E8BF-BB52-455C-853D-8557085D08F8}" type="slidenum">
+              <a:rPr lang="zh-CN" altLang="en-US" smtClean="0"/>
+              <a:t>33</a:t>
+            </a:fld>
             <a:endParaRPr lang="zh-CN" altLang="en-US"/>
           </a:p>
         </p:txBody>
@@ -19750,6 +23514,75 @@
           </a:p>
         </p:txBody>
       </p:sp>
+      <p:sp>
+        <p:nvSpPr>
+          <p:cNvPr id="4" name="日期占位符 3"/>
+          <p:cNvSpPr>
+            <a:spLocks noGrp="1"/>
+          </p:cNvSpPr>
+          <p:nvPr>
+            <p:ph type="dt" sz="half" idx="10"/>
+          </p:nvPr>
+        </p:nvSpPr>
+        <p:spPr/>
+        <p:txBody>
+          <a:bodyPr/>
+          <a:lstStyle/>
+          <a:p>
+            <a:r>
+              <a:rPr lang="en-US" altLang="zh-CN" smtClean="0"/>
+              <a:t>2015-10-23</a:t>
+            </a:r>
+            <a:endParaRPr lang="zh-CN" altLang="en-US"/>
+          </a:p>
+        </p:txBody>
+      </p:sp>
+      <p:sp>
+        <p:nvSpPr>
+          <p:cNvPr id="5" name="页脚占位符 4"/>
+          <p:cNvSpPr>
+            <a:spLocks noGrp="1"/>
+          </p:cNvSpPr>
+          <p:nvPr>
+            <p:ph type="ftr" sz="quarter" idx="11"/>
+          </p:nvPr>
+        </p:nvSpPr>
+        <p:spPr/>
+        <p:txBody>
+          <a:bodyPr/>
+          <a:lstStyle/>
+          <a:p>
+            <a:r>
+              <a:rPr lang="zh-CN" altLang="en-US" smtClean="0"/>
+              <a:t>平安万里通基础产品研发部</a:t>
+            </a:r>
+            <a:endParaRPr lang="zh-CN" altLang="en-US"/>
+          </a:p>
+        </p:txBody>
+      </p:sp>
+      <p:sp>
+        <p:nvSpPr>
+          <p:cNvPr id="6" name="灯片编号占位符 5"/>
+          <p:cNvSpPr>
+            <a:spLocks noGrp="1"/>
+          </p:cNvSpPr>
+          <p:nvPr>
+            <p:ph type="sldNum" sz="quarter" idx="12"/>
+          </p:nvPr>
+        </p:nvSpPr>
+        <p:spPr/>
+        <p:txBody>
+          <a:bodyPr/>
+          <a:lstStyle/>
+          <a:p>
+            <a:fld id="{2AF3E8BF-BB52-455C-853D-8557085D08F8}" type="slidenum">
+              <a:rPr lang="zh-CN" altLang="en-US" smtClean="0"/>
+              <a:t>34</a:t>
+            </a:fld>
+            <a:endParaRPr lang="zh-CN" altLang="en-US"/>
+          </a:p>
+        </p:txBody>
+      </p:sp>
     </p:spTree>
     <p:extLst>
       <p:ext uri="{BB962C8B-B14F-4D97-AF65-F5344CB8AC3E}">
@@ -20152,6 +23985,75 @@
           </a:p>
         </p:txBody>
       </p:sp>
+      <p:sp>
+        <p:nvSpPr>
+          <p:cNvPr id="5" name="日期占位符 4"/>
+          <p:cNvSpPr>
+            <a:spLocks noGrp="1"/>
+          </p:cNvSpPr>
+          <p:nvPr>
+            <p:ph type="dt" sz="half" idx="10"/>
+          </p:nvPr>
+        </p:nvSpPr>
+        <p:spPr/>
+        <p:txBody>
+          <a:bodyPr/>
+          <a:lstStyle/>
+          <a:p>
+            <a:r>
+              <a:rPr lang="en-US" altLang="zh-CN" smtClean="0"/>
+              <a:t>2015-10-23</a:t>
+            </a:r>
+            <a:endParaRPr lang="zh-CN" altLang="en-US"/>
+          </a:p>
+        </p:txBody>
+      </p:sp>
+      <p:sp>
+        <p:nvSpPr>
+          <p:cNvPr id="6" name="页脚占位符 5"/>
+          <p:cNvSpPr>
+            <a:spLocks noGrp="1"/>
+          </p:cNvSpPr>
+          <p:nvPr>
+            <p:ph type="ftr" sz="quarter" idx="11"/>
+          </p:nvPr>
+        </p:nvSpPr>
+        <p:spPr/>
+        <p:txBody>
+          <a:bodyPr/>
+          <a:lstStyle/>
+          <a:p>
+            <a:r>
+              <a:rPr lang="zh-CN" altLang="en-US" smtClean="0"/>
+              <a:t>平安万里通基础产品研发部</a:t>
+            </a:r>
+            <a:endParaRPr lang="zh-CN" altLang="en-US"/>
+          </a:p>
+        </p:txBody>
+      </p:sp>
+      <p:sp>
+        <p:nvSpPr>
+          <p:cNvPr id="7" name="灯片编号占位符 6"/>
+          <p:cNvSpPr>
+            <a:spLocks noGrp="1"/>
+          </p:cNvSpPr>
+          <p:nvPr>
+            <p:ph type="sldNum" sz="quarter" idx="12"/>
+          </p:nvPr>
+        </p:nvSpPr>
+        <p:spPr/>
+        <p:txBody>
+          <a:bodyPr/>
+          <a:lstStyle/>
+          <a:p>
+            <a:fld id="{2AF3E8BF-BB52-455C-853D-8557085D08F8}" type="slidenum">
+              <a:rPr lang="zh-CN" altLang="en-US" smtClean="0"/>
+              <a:t>35</a:t>
+            </a:fld>
+            <a:endParaRPr lang="zh-CN" altLang="en-US"/>
+          </a:p>
+        </p:txBody>
+      </p:sp>
     </p:spTree>
     <p:extLst>
       <p:ext uri="{BB962C8B-B14F-4D97-AF65-F5344CB8AC3E}">
@@ -20508,6 +24410,75 @@
           </a:p>
         </p:txBody>
       </p:sp>
+      <p:sp>
+        <p:nvSpPr>
+          <p:cNvPr id="5" name="日期占位符 4"/>
+          <p:cNvSpPr>
+            <a:spLocks noGrp="1"/>
+          </p:cNvSpPr>
+          <p:nvPr>
+            <p:ph type="dt" sz="half" idx="10"/>
+          </p:nvPr>
+        </p:nvSpPr>
+        <p:spPr/>
+        <p:txBody>
+          <a:bodyPr/>
+          <a:lstStyle/>
+          <a:p>
+            <a:r>
+              <a:rPr lang="en-US" altLang="zh-CN" smtClean="0"/>
+              <a:t>2015-10-23</a:t>
+            </a:r>
+            <a:endParaRPr lang="zh-CN" altLang="en-US"/>
+          </a:p>
+        </p:txBody>
+      </p:sp>
+      <p:sp>
+        <p:nvSpPr>
+          <p:cNvPr id="6" name="页脚占位符 5"/>
+          <p:cNvSpPr>
+            <a:spLocks noGrp="1"/>
+          </p:cNvSpPr>
+          <p:nvPr>
+            <p:ph type="ftr" sz="quarter" idx="11"/>
+          </p:nvPr>
+        </p:nvSpPr>
+        <p:spPr/>
+        <p:txBody>
+          <a:bodyPr/>
+          <a:lstStyle/>
+          <a:p>
+            <a:r>
+              <a:rPr lang="zh-CN" altLang="en-US" smtClean="0"/>
+              <a:t>平安万里通基础产品研发部</a:t>
+            </a:r>
+            <a:endParaRPr lang="zh-CN" altLang="en-US"/>
+          </a:p>
+        </p:txBody>
+      </p:sp>
+      <p:sp>
+        <p:nvSpPr>
+          <p:cNvPr id="7" name="灯片编号占位符 6"/>
+          <p:cNvSpPr>
+            <a:spLocks noGrp="1"/>
+          </p:cNvSpPr>
+          <p:nvPr>
+            <p:ph type="sldNum" sz="quarter" idx="12"/>
+          </p:nvPr>
+        </p:nvSpPr>
+        <p:spPr/>
+        <p:txBody>
+          <a:bodyPr/>
+          <a:lstStyle/>
+          <a:p>
+            <a:fld id="{2AF3E8BF-BB52-455C-853D-8557085D08F8}" type="slidenum">
+              <a:rPr lang="zh-CN" altLang="en-US" smtClean="0"/>
+              <a:t>36</a:t>
+            </a:fld>
+            <a:endParaRPr lang="zh-CN" altLang="en-US"/>
+          </a:p>
+        </p:txBody>
+      </p:sp>
     </p:spTree>
     <p:extLst>
       <p:ext uri="{BB962C8B-B14F-4D97-AF65-F5344CB8AC3E}">
@@ -20835,6 +24806,75 @@
           </a:p>
         </p:txBody>
       </p:sp>
+      <p:sp>
+        <p:nvSpPr>
+          <p:cNvPr id="6" name="日期占位符 5"/>
+          <p:cNvSpPr>
+            <a:spLocks noGrp="1"/>
+          </p:cNvSpPr>
+          <p:nvPr>
+            <p:ph type="dt" sz="half" idx="10"/>
+          </p:nvPr>
+        </p:nvSpPr>
+        <p:spPr/>
+        <p:txBody>
+          <a:bodyPr/>
+          <a:lstStyle/>
+          <a:p>
+            <a:r>
+              <a:rPr lang="en-US" altLang="zh-CN" smtClean="0"/>
+              <a:t>2015-10-23</a:t>
+            </a:r>
+            <a:endParaRPr lang="zh-CN" altLang="en-US"/>
+          </a:p>
+        </p:txBody>
+      </p:sp>
+      <p:sp>
+        <p:nvSpPr>
+          <p:cNvPr id="7" name="页脚占位符 6"/>
+          <p:cNvSpPr>
+            <a:spLocks noGrp="1"/>
+          </p:cNvSpPr>
+          <p:nvPr>
+            <p:ph type="ftr" sz="quarter" idx="11"/>
+          </p:nvPr>
+        </p:nvSpPr>
+        <p:spPr/>
+        <p:txBody>
+          <a:bodyPr/>
+          <a:lstStyle/>
+          <a:p>
+            <a:r>
+              <a:rPr lang="zh-CN" altLang="en-US" smtClean="0"/>
+              <a:t>平安万里通基础产品研发部</a:t>
+            </a:r>
+            <a:endParaRPr lang="zh-CN" altLang="en-US"/>
+          </a:p>
+        </p:txBody>
+      </p:sp>
+      <p:sp>
+        <p:nvSpPr>
+          <p:cNvPr id="8" name="灯片编号占位符 7"/>
+          <p:cNvSpPr>
+            <a:spLocks noGrp="1"/>
+          </p:cNvSpPr>
+          <p:nvPr>
+            <p:ph type="sldNum" sz="quarter" idx="12"/>
+          </p:nvPr>
+        </p:nvSpPr>
+        <p:spPr/>
+        <p:txBody>
+          <a:bodyPr/>
+          <a:lstStyle/>
+          <a:p>
+            <a:fld id="{2AF3E8BF-BB52-455C-853D-8557085D08F8}" type="slidenum">
+              <a:rPr lang="zh-CN" altLang="en-US" smtClean="0"/>
+              <a:t>37</a:t>
+            </a:fld>
+            <a:endParaRPr lang="zh-CN" altLang="en-US"/>
+          </a:p>
+        </p:txBody>
+      </p:sp>
     </p:spTree>
     <p:extLst>
       <p:ext uri="{BB962C8B-B14F-4D97-AF65-F5344CB8AC3E}">
@@ -21038,6 +25078,75 @@
           </a:p>
         </p:txBody>
       </p:sp>
+      <p:sp>
+        <p:nvSpPr>
+          <p:cNvPr id="4" name="日期占位符 3"/>
+          <p:cNvSpPr>
+            <a:spLocks noGrp="1"/>
+          </p:cNvSpPr>
+          <p:nvPr>
+            <p:ph type="dt" sz="half" idx="10"/>
+          </p:nvPr>
+        </p:nvSpPr>
+        <p:spPr/>
+        <p:txBody>
+          <a:bodyPr/>
+          <a:lstStyle/>
+          <a:p>
+            <a:r>
+              <a:rPr lang="en-US" altLang="zh-CN" smtClean="0"/>
+              <a:t>2015-10-23</a:t>
+            </a:r>
+            <a:endParaRPr lang="zh-CN" altLang="en-US"/>
+          </a:p>
+        </p:txBody>
+      </p:sp>
+      <p:sp>
+        <p:nvSpPr>
+          <p:cNvPr id="5" name="页脚占位符 4"/>
+          <p:cNvSpPr>
+            <a:spLocks noGrp="1"/>
+          </p:cNvSpPr>
+          <p:nvPr>
+            <p:ph type="ftr" sz="quarter" idx="11"/>
+          </p:nvPr>
+        </p:nvSpPr>
+        <p:spPr/>
+        <p:txBody>
+          <a:bodyPr/>
+          <a:lstStyle/>
+          <a:p>
+            <a:r>
+              <a:rPr lang="zh-CN" altLang="en-US" smtClean="0"/>
+              <a:t>平安万里通基础产品研发部</a:t>
+            </a:r>
+            <a:endParaRPr lang="zh-CN" altLang="en-US"/>
+          </a:p>
+        </p:txBody>
+      </p:sp>
+      <p:sp>
+        <p:nvSpPr>
+          <p:cNvPr id="6" name="灯片编号占位符 5"/>
+          <p:cNvSpPr>
+            <a:spLocks noGrp="1"/>
+          </p:cNvSpPr>
+          <p:nvPr>
+            <p:ph type="sldNum" sz="quarter" idx="12"/>
+          </p:nvPr>
+        </p:nvSpPr>
+        <p:spPr/>
+        <p:txBody>
+          <a:bodyPr/>
+          <a:lstStyle/>
+          <a:p>
+            <a:fld id="{2AF3E8BF-BB52-455C-853D-8557085D08F8}" type="slidenum">
+              <a:rPr lang="zh-CN" altLang="en-US" smtClean="0"/>
+              <a:t>38</a:t>
+            </a:fld>
+            <a:endParaRPr lang="zh-CN" altLang="en-US"/>
+          </a:p>
+        </p:txBody>
+      </p:sp>
     </p:spTree>
     <p:extLst>
       <p:ext uri="{BB962C8B-B14F-4D97-AF65-F5344CB8AC3E}">
@@ -21455,6 +25564,75 @@
           </a:p>
         </p:txBody>
       </p:sp>
+      <p:sp>
+        <p:nvSpPr>
+          <p:cNvPr id="5" name="日期占位符 4"/>
+          <p:cNvSpPr>
+            <a:spLocks noGrp="1"/>
+          </p:cNvSpPr>
+          <p:nvPr>
+            <p:ph type="dt" sz="half" idx="10"/>
+          </p:nvPr>
+        </p:nvSpPr>
+        <p:spPr/>
+        <p:txBody>
+          <a:bodyPr/>
+          <a:lstStyle/>
+          <a:p>
+            <a:r>
+              <a:rPr lang="en-US" altLang="zh-CN" smtClean="0"/>
+              <a:t>2015-10-23</a:t>
+            </a:r>
+            <a:endParaRPr lang="zh-CN" altLang="en-US"/>
+          </a:p>
+        </p:txBody>
+      </p:sp>
+      <p:sp>
+        <p:nvSpPr>
+          <p:cNvPr id="6" name="页脚占位符 5"/>
+          <p:cNvSpPr>
+            <a:spLocks noGrp="1"/>
+          </p:cNvSpPr>
+          <p:nvPr>
+            <p:ph type="ftr" sz="quarter" idx="11"/>
+          </p:nvPr>
+        </p:nvSpPr>
+        <p:spPr/>
+        <p:txBody>
+          <a:bodyPr/>
+          <a:lstStyle/>
+          <a:p>
+            <a:r>
+              <a:rPr lang="zh-CN" altLang="en-US" smtClean="0"/>
+              <a:t>平安万里通基础产品研发部</a:t>
+            </a:r>
+            <a:endParaRPr lang="zh-CN" altLang="en-US"/>
+          </a:p>
+        </p:txBody>
+      </p:sp>
+      <p:sp>
+        <p:nvSpPr>
+          <p:cNvPr id="7" name="灯片编号占位符 6"/>
+          <p:cNvSpPr>
+            <a:spLocks noGrp="1"/>
+          </p:cNvSpPr>
+          <p:nvPr>
+            <p:ph type="sldNum" sz="quarter" idx="12"/>
+          </p:nvPr>
+        </p:nvSpPr>
+        <p:spPr/>
+        <p:txBody>
+          <a:bodyPr/>
+          <a:lstStyle/>
+          <a:p>
+            <a:fld id="{2AF3E8BF-BB52-455C-853D-8557085D08F8}" type="slidenum">
+              <a:rPr lang="zh-CN" altLang="en-US" smtClean="0"/>
+              <a:t>39</a:t>
+            </a:fld>
+            <a:endParaRPr lang="zh-CN" altLang="en-US"/>
+          </a:p>
+        </p:txBody>
+      </p:sp>
     </p:spTree>
     <p:extLst>
       <p:ext uri="{BB962C8B-B14F-4D97-AF65-F5344CB8AC3E}">
@@ -21465,6 +25643,13 @@
   <p:clrMapOvr>
     <a:masterClrMapping/>
   </p:clrMapOvr>
+  <p:timing>
+    <p:tnLst>
+      <p:par>
+        <p:cTn id="1" dur="indefinite" restart="never" nodeType="tmRoot"/>
+      </p:par>
+    </p:tnLst>
+  </p:timing>
 </p:sld>
 </file>
 
@@ -21539,6 +25724,75 @@
               <a:t>。</a:t>
             </a:r>
             <a:endParaRPr lang="zh-CN" altLang="en-US" dirty="0"/>
+          </a:p>
+        </p:txBody>
+      </p:sp>
+      <p:sp>
+        <p:nvSpPr>
+          <p:cNvPr id="4" name="日期占位符 3"/>
+          <p:cNvSpPr>
+            <a:spLocks noGrp="1"/>
+          </p:cNvSpPr>
+          <p:nvPr>
+            <p:ph type="dt" sz="half" idx="10"/>
+          </p:nvPr>
+        </p:nvSpPr>
+        <p:spPr/>
+        <p:txBody>
+          <a:bodyPr/>
+          <a:lstStyle/>
+          <a:p>
+            <a:r>
+              <a:rPr lang="en-US" altLang="zh-CN" smtClean="0"/>
+              <a:t>2015-10-23</a:t>
+            </a:r>
+            <a:endParaRPr lang="zh-CN" altLang="en-US"/>
+          </a:p>
+        </p:txBody>
+      </p:sp>
+      <p:sp>
+        <p:nvSpPr>
+          <p:cNvPr id="5" name="页脚占位符 4"/>
+          <p:cNvSpPr>
+            <a:spLocks noGrp="1"/>
+          </p:cNvSpPr>
+          <p:nvPr>
+            <p:ph type="ftr" sz="quarter" idx="11"/>
+          </p:nvPr>
+        </p:nvSpPr>
+        <p:spPr/>
+        <p:txBody>
+          <a:bodyPr/>
+          <a:lstStyle/>
+          <a:p>
+            <a:r>
+              <a:rPr lang="zh-CN" altLang="en-US" smtClean="0"/>
+              <a:t>平安万里通基础产品研发部</a:t>
+            </a:r>
+            <a:endParaRPr lang="zh-CN" altLang="en-US"/>
+          </a:p>
+        </p:txBody>
+      </p:sp>
+      <p:sp>
+        <p:nvSpPr>
+          <p:cNvPr id="6" name="灯片编号占位符 5"/>
+          <p:cNvSpPr>
+            <a:spLocks noGrp="1"/>
+          </p:cNvSpPr>
+          <p:nvPr>
+            <p:ph type="sldNum" sz="quarter" idx="12"/>
+          </p:nvPr>
+        </p:nvSpPr>
+        <p:spPr/>
+        <p:txBody>
+          <a:bodyPr/>
+          <a:lstStyle/>
+          <a:p>
+            <a:fld id="{2AF3E8BF-BB52-455C-853D-8557085D08F8}" type="slidenum">
+              <a:rPr lang="zh-CN" altLang="en-US" smtClean="0"/>
+              <a:t>4</a:t>
+            </a:fld>
+            <a:endParaRPr lang="zh-CN" altLang="en-US"/>
           </a:p>
         </p:txBody>
       </p:sp>
@@ -21803,6 +26057,75 @@
           </a:p>
         </p:txBody>
       </p:sp>
+      <p:sp>
+        <p:nvSpPr>
+          <p:cNvPr id="4" name="日期占位符 3"/>
+          <p:cNvSpPr>
+            <a:spLocks noGrp="1"/>
+          </p:cNvSpPr>
+          <p:nvPr>
+            <p:ph type="dt" sz="half" idx="10"/>
+          </p:nvPr>
+        </p:nvSpPr>
+        <p:spPr/>
+        <p:txBody>
+          <a:bodyPr/>
+          <a:lstStyle/>
+          <a:p>
+            <a:r>
+              <a:rPr lang="en-US" altLang="zh-CN" smtClean="0"/>
+              <a:t>2015-10-23</a:t>
+            </a:r>
+            <a:endParaRPr lang="zh-CN" altLang="en-US"/>
+          </a:p>
+        </p:txBody>
+      </p:sp>
+      <p:sp>
+        <p:nvSpPr>
+          <p:cNvPr id="5" name="页脚占位符 4"/>
+          <p:cNvSpPr>
+            <a:spLocks noGrp="1"/>
+          </p:cNvSpPr>
+          <p:nvPr>
+            <p:ph type="ftr" sz="quarter" idx="11"/>
+          </p:nvPr>
+        </p:nvSpPr>
+        <p:spPr/>
+        <p:txBody>
+          <a:bodyPr/>
+          <a:lstStyle/>
+          <a:p>
+            <a:r>
+              <a:rPr lang="zh-CN" altLang="en-US" smtClean="0"/>
+              <a:t>平安万里通基础产品研发部</a:t>
+            </a:r>
+            <a:endParaRPr lang="zh-CN" altLang="en-US"/>
+          </a:p>
+        </p:txBody>
+      </p:sp>
+      <p:sp>
+        <p:nvSpPr>
+          <p:cNvPr id="6" name="灯片编号占位符 5"/>
+          <p:cNvSpPr>
+            <a:spLocks noGrp="1"/>
+          </p:cNvSpPr>
+          <p:nvPr>
+            <p:ph type="sldNum" sz="quarter" idx="12"/>
+          </p:nvPr>
+        </p:nvSpPr>
+        <p:spPr/>
+        <p:txBody>
+          <a:bodyPr/>
+          <a:lstStyle/>
+          <a:p>
+            <a:fld id="{2AF3E8BF-BB52-455C-853D-8557085D08F8}" type="slidenum">
+              <a:rPr lang="zh-CN" altLang="en-US" smtClean="0"/>
+              <a:t>40</a:t>
+            </a:fld>
+            <a:endParaRPr lang="zh-CN" altLang="en-US"/>
+          </a:p>
+        </p:txBody>
+      </p:sp>
     </p:spTree>
     <p:extLst>
       <p:ext uri="{BB962C8B-B14F-4D97-AF65-F5344CB8AC3E}">
@@ -21890,7 +26213,7 @@
             </a:r>
             <a:r>
               <a:rPr lang="en-US" altLang="zh-CN" dirty="0" smtClean="0">
-                <a:hlinkClick r:id="rId2"/>
+                <a:hlinkClick r:id="rId3"/>
               </a:rPr>
               <a:t>http://redis.io</a:t>
             </a:r>
@@ -22042,9 +26365,9 @@
           <a:p>
             <a:r>
               <a:rPr lang="en-US" altLang="zh-CN" smtClean="0"/>
-              <a:t>2015-09-23</a:t>
-            </a:r>
-            <a:endParaRPr lang="zh-CN" altLang="en-US"/>
+              <a:t>2015-10-23</a:t>
+            </a:r>
+            <a:endParaRPr lang="zh-CN" altLang="en-US" dirty="0"/>
           </a:p>
         </p:txBody>
       </p:sp>
@@ -22064,10 +26387,10 @@
           <a:lstStyle/>
           <a:p>
             <a:r>
-              <a:rPr lang="zh-CN" altLang="en-US" smtClean="0"/>
+              <a:rPr lang="zh-CN" altLang="en-US" dirty="0" smtClean="0"/>
               <a:t>平安万里通基础产品研发部</a:t>
             </a:r>
-            <a:endParaRPr lang="zh-CN" altLang="en-US"/>
+            <a:endParaRPr lang="zh-CN" altLang="en-US" dirty="0"/>
           </a:p>
         </p:txBody>
       </p:sp>
@@ -22246,6 +26569,75 @@
           </a:p>
         </p:txBody>
       </p:sp>
+      <p:sp>
+        <p:nvSpPr>
+          <p:cNvPr id="4" name="日期占位符 3"/>
+          <p:cNvSpPr>
+            <a:spLocks noGrp="1"/>
+          </p:cNvSpPr>
+          <p:nvPr>
+            <p:ph type="dt" sz="half" idx="10"/>
+          </p:nvPr>
+        </p:nvSpPr>
+        <p:spPr/>
+        <p:txBody>
+          <a:bodyPr/>
+          <a:lstStyle/>
+          <a:p>
+            <a:r>
+              <a:rPr lang="en-US" altLang="zh-CN" smtClean="0"/>
+              <a:t>2015-10-23</a:t>
+            </a:r>
+            <a:endParaRPr lang="zh-CN" altLang="en-US"/>
+          </a:p>
+        </p:txBody>
+      </p:sp>
+      <p:sp>
+        <p:nvSpPr>
+          <p:cNvPr id="5" name="页脚占位符 4"/>
+          <p:cNvSpPr>
+            <a:spLocks noGrp="1"/>
+          </p:cNvSpPr>
+          <p:nvPr>
+            <p:ph type="ftr" sz="quarter" idx="11"/>
+          </p:nvPr>
+        </p:nvSpPr>
+        <p:spPr/>
+        <p:txBody>
+          <a:bodyPr/>
+          <a:lstStyle/>
+          <a:p>
+            <a:r>
+              <a:rPr lang="zh-CN" altLang="en-US" smtClean="0"/>
+              <a:t>平安万里通基础产品研发部</a:t>
+            </a:r>
+            <a:endParaRPr lang="zh-CN" altLang="en-US"/>
+          </a:p>
+        </p:txBody>
+      </p:sp>
+      <p:sp>
+        <p:nvSpPr>
+          <p:cNvPr id="6" name="灯片编号占位符 5"/>
+          <p:cNvSpPr>
+            <a:spLocks noGrp="1"/>
+          </p:cNvSpPr>
+          <p:nvPr>
+            <p:ph type="sldNum" sz="quarter" idx="12"/>
+          </p:nvPr>
+        </p:nvSpPr>
+        <p:spPr/>
+        <p:txBody>
+          <a:bodyPr/>
+          <a:lstStyle/>
+          <a:p>
+            <a:fld id="{2AF3E8BF-BB52-455C-853D-8557085D08F8}" type="slidenum">
+              <a:rPr lang="zh-CN" altLang="en-US" smtClean="0"/>
+              <a:t>5</a:t>
+            </a:fld>
+            <a:endParaRPr lang="zh-CN" altLang="en-US"/>
+          </a:p>
+        </p:txBody>
+      </p:sp>
     </p:spTree>
     <p:extLst>
       <p:ext uri="{BB962C8B-B14F-4D97-AF65-F5344CB8AC3E}">
@@ -22331,6 +26723,75 @@
           </a:graphicData>
         </a:graphic>
       </p:graphicFrame>
+      <p:sp>
+        <p:nvSpPr>
+          <p:cNvPr id="3" name="日期占位符 2"/>
+          <p:cNvSpPr>
+            <a:spLocks noGrp="1"/>
+          </p:cNvSpPr>
+          <p:nvPr>
+            <p:ph type="dt" sz="half" idx="10"/>
+          </p:nvPr>
+        </p:nvSpPr>
+        <p:spPr/>
+        <p:txBody>
+          <a:bodyPr/>
+          <a:lstStyle/>
+          <a:p>
+            <a:r>
+              <a:rPr lang="en-US" altLang="zh-CN" smtClean="0"/>
+              <a:t>2015-10-23</a:t>
+            </a:r>
+            <a:endParaRPr lang="zh-CN" altLang="en-US"/>
+          </a:p>
+        </p:txBody>
+      </p:sp>
+      <p:sp>
+        <p:nvSpPr>
+          <p:cNvPr id="4" name="页脚占位符 3"/>
+          <p:cNvSpPr>
+            <a:spLocks noGrp="1"/>
+          </p:cNvSpPr>
+          <p:nvPr>
+            <p:ph type="ftr" sz="quarter" idx="11"/>
+          </p:nvPr>
+        </p:nvSpPr>
+        <p:spPr/>
+        <p:txBody>
+          <a:bodyPr/>
+          <a:lstStyle/>
+          <a:p>
+            <a:r>
+              <a:rPr lang="zh-CN" altLang="en-US" smtClean="0"/>
+              <a:t>平安万里通基础产品研发部</a:t>
+            </a:r>
+            <a:endParaRPr lang="zh-CN" altLang="en-US"/>
+          </a:p>
+        </p:txBody>
+      </p:sp>
+      <p:sp>
+        <p:nvSpPr>
+          <p:cNvPr id="6" name="灯片编号占位符 5"/>
+          <p:cNvSpPr>
+            <a:spLocks noGrp="1"/>
+          </p:cNvSpPr>
+          <p:nvPr>
+            <p:ph type="sldNum" sz="quarter" idx="12"/>
+          </p:nvPr>
+        </p:nvSpPr>
+        <p:spPr/>
+        <p:txBody>
+          <a:bodyPr/>
+          <a:lstStyle/>
+          <a:p>
+            <a:fld id="{2AF3E8BF-BB52-455C-853D-8557085D08F8}" type="slidenum">
+              <a:rPr lang="zh-CN" altLang="en-US" smtClean="0"/>
+              <a:t>6</a:t>
+            </a:fld>
+            <a:endParaRPr lang="zh-CN" altLang="en-US"/>
+          </a:p>
+        </p:txBody>
+      </p:sp>
     </p:spTree>
     <p:extLst>
       <p:ext uri="{BB962C8B-B14F-4D97-AF65-F5344CB8AC3E}">
@@ -22380,7 +26841,7 @@
         </p:nvSpPr>
         <p:spPr>
           <a:xfrm>
-            <a:off x="838200" y="3338512"/>
+            <a:off x="838200" y="2310899"/>
             <a:ext cx="10515600" cy="1325563"/>
           </a:xfrm>
         </p:spPr>
@@ -22390,21 +26851,27 @@
           <a:p>
             <a:pPr algn="ctr"/>
             <a:r>
-              <a:rPr lang="zh-CN" altLang="en-US" dirty="0" smtClean="0"/>
+              <a:rPr lang="zh-CN" altLang="en-US" b="1" dirty="0" smtClean="0">
+                <a:latin typeface="幼圆" panose="02010509060101010101" pitchFamily="49" charset="-122"/>
+                <a:ea typeface="幼圆" panose="02010509060101010101" pitchFamily="49" charset="-122"/>
+              </a:rPr>
               <a:t>数据类型篇</a:t>
             </a:r>
-            <a:endParaRPr lang="zh-CN" altLang="en-US" dirty="0"/>
-          </a:p>
-        </p:txBody>
-      </p:sp>
-      <p:sp>
-        <p:nvSpPr>
-          <p:cNvPr id="3" name="内容占位符 2"/>
-          <p:cNvSpPr>
-            <a:spLocks noGrp="1"/>
-          </p:cNvSpPr>
-          <p:nvPr>
-            <p:ph idx="1"/>
+            <a:endParaRPr lang="zh-CN" altLang="en-US" b="1" dirty="0">
+              <a:latin typeface="幼圆" panose="02010509060101010101" pitchFamily="49" charset="-122"/>
+              <a:ea typeface="幼圆" panose="02010509060101010101" pitchFamily="49" charset="-122"/>
+            </a:endParaRPr>
+          </a:p>
+        </p:txBody>
+      </p:sp>
+      <p:sp>
+        <p:nvSpPr>
+          <p:cNvPr id="4" name="日期占位符 3"/>
+          <p:cNvSpPr>
+            <a:spLocks noGrp="1"/>
+          </p:cNvSpPr>
+          <p:nvPr>
+            <p:ph type="dt" sz="half" idx="10"/>
           </p:nvPr>
         </p:nvSpPr>
         <p:spPr/>
@@ -22412,6 +26879,56 @@
           <a:bodyPr/>
           <a:lstStyle/>
           <a:p>
+            <a:r>
+              <a:rPr lang="en-US" altLang="zh-CN" smtClean="0"/>
+              <a:t>2015-10-23</a:t>
+            </a:r>
+            <a:endParaRPr lang="zh-CN" altLang="en-US"/>
+          </a:p>
+        </p:txBody>
+      </p:sp>
+      <p:sp>
+        <p:nvSpPr>
+          <p:cNvPr id="5" name="页脚占位符 4"/>
+          <p:cNvSpPr>
+            <a:spLocks noGrp="1"/>
+          </p:cNvSpPr>
+          <p:nvPr>
+            <p:ph type="ftr" sz="quarter" idx="11"/>
+          </p:nvPr>
+        </p:nvSpPr>
+        <p:spPr/>
+        <p:txBody>
+          <a:bodyPr/>
+          <a:lstStyle/>
+          <a:p>
+            <a:r>
+              <a:rPr lang="zh-CN" altLang="en-US" smtClean="0"/>
+              <a:t>平安万里通基础产品研发部</a:t>
+            </a:r>
+            <a:endParaRPr lang="zh-CN" altLang="en-US"/>
+          </a:p>
+        </p:txBody>
+      </p:sp>
+      <p:sp>
+        <p:nvSpPr>
+          <p:cNvPr id="6" name="灯片编号占位符 5"/>
+          <p:cNvSpPr>
+            <a:spLocks noGrp="1"/>
+          </p:cNvSpPr>
+          <p:nvPr>
+            <p:ph type="sldNum" sz="quarter" idx="12"/>
+          </p:nvPr>
+        </p:nvSpPr>
+        <p:spPr/>
+        <p:txBody>
+          <a:bodyPr/>
+          <a:lstStyle/>
+          <a:p>
+            <a:fld id="{2AF3E8BF-BB52-455C-853D-8557085D08F8}" type="slidenum">
+              <a:rPr lang="zh-CN" altLang="en-US" smtClean="0"/>
+              <a:t>7</a:t>
+            </a:fld>
             <a:endParaRPr lang="zh-CN" altLang="en-US"/>
           </a:p>
         </p:txBody>
@@ -22527,6 +27044,75 @@
           </a:p>
         </p:txBody>
       </p:sp>
+      <p:sp>
+        <p:nvSpPr>
+          <p:cNvPr id="4" name="日期占位符 3"/>
+          <p:cNvSpPr>
+            <a:spLocks noGrp="1"/>
+          </p:cNvSpPr>
+          <p:nvPr>
+            <p:ph type="dt" sz="half" idx="10"/>
+          </p:nvPr>
+        </p:nvSpPr>
+        <p:spPr/>
+        <p:txBody>
+          <a:bodyPr/>
+          <a:lstStyle/>
+          <a:p>
+            <a:r>
+              <a:rPr lang="en-US" altLang="zh-CN" smtClean="0"/>
+              <a:t>2015-10-23</a:t>
+            </a:r>
+            <a:endParaRPr lang="zh-CN" altLang="en-US"/>
+          </a:p>
+        </p:txBody>
+      </p:sp>
+      <p:sp>
+        <p:nvSpPr>
+          <p:cNvPr id="5" name="页脚占位符 4"/>
+          <p:cNvSpPr>
+            <a:spLocks noGrp="1"/>
+          </p:cNvSpPr>
+          <p:nvPr>
+            <p:ph type="ftr" sz="quarter" idx="11"/>
+          </p:nvPr>
+        </p:nvSpPr>
+        <p:spPr/>
+        <p:txBody>
+          <a:bodyPr/>
+          <a:lstStyle/>
+          <a:p>
+            <a:r>
+              <a:rPr lang="zh-CN" altLang="en-US" smtClean="0"/>
+              <a:t>平安万里通基础产品研发部</a:t>
+            </a:r>
+            <a:endParaRPr lang="zh-CN" altLang="en-US"/>
+          </a:p>
+        </p:txBody>
+      </p:sp>
+      <p:sp>
+        <p:nvSpPr>
+          <p:cNvPr id="6" name="灯片编号占位符 5"/>
+          <p:cNvSpPr>
+            <a:spLocks noGrp="1"/>
+          </p:cNvSpPr>
+          <p:nvPr>
+            <p:ph type="sldNum" sz="quarter" idx="12"/>
+          </p:nvPr>
+        </p:nvSpPr>
+        <p:spPr/>
+        <p:txBody>
+          <a:bodyPr/>
+          <a:lstStyle/>
+          <a:p>
+            <a:fld id="{2AF3E8BF-BB52-455C-853D-8557085D08F8}" type="slidenum">
+              <a:rPr lang="zh-CN" altLang="en-US" smtClean="0"/>
+              <a:t>8</a:t>
+            </a:fld>
+            <a:endParaRPr lang="zh-CN" altLang="en-US"/>
+          </a:p>
+        </p:txBody>
+      </p:sp>
     </p:spTree>
     <p:extLst>
       <p:ext uri="{BB962C8B-B14F-4D97-AF65-F5344CB8AC3E}">
@@ -22626,6 +27212,75 @@
               <a:t>。</a:t>
             </a:r>
             <a:endParaRPr lang="en-US" altLang="zh-CN" dirty="0" smtClean="0"/>
+          </a:p>
+        </p:txBody>
+      </p:sp>
+      <p:sp>
+        <p:nvSpPr>
+          <p:cNvPr id="4" name="日期占位符 3"/>
+          <p:cNvSpPr>
+            <a:spLocks noGrp="1"/>
+          </p:cNvSpPr>
+          <p:nvPr>
+            <p:ph type="dt" sz="half" idx="10"/>
+          </p:nvPr>
+        </p:nvSpPr>
+        <p:spPr/>
+        <p:txBody>
+          <a:bodyPr/>
+          <a:lstStyle/>
+          <a:p>
+            <a:r>
+              <a:rPr lang="en-US" altLang="zh-CN" smtClean="0"/>
+              <a:t>2015-10-23</a:t>
+            </a:r>
+            <a:endParaRPr lang="zh-CN" altLang="en-US"/>
+          </a:p>
+        </p:txBody>
+      </p:sp>
+      <p:sp>
+        <p:nvSpPr>
+          <p:cNvPr id="5" name="页脚占位符 4"/>
+          <p:cNvSpPr>
+            <a:spLocks noGrp="1"/>
+          </p:cNvSpPr>
+          <p:nvPr>
+            <p:ph type="ftr" sz="quarter" idx="11"/>
+          </p:nvPr>
+        </p:nvSpPr>
+        <p:spPr/>
+        <p:txBody>
+          <a:bodyPr/>
+          <a:lstStyle/>
+          <a:p>
+            <a:r>
+              <a:rPr lang="zh-CN" altLang="en-US" smtClean="0"/>
+              <a:t>平安万里通基础产品研发部</a:t>
+            </a:r>
+            <a:endParaRPr lang="zh-CN" altLang="en-US"/>
+          </a:p>
+        </p:txBody>
+      </p:sp>
+      <p:sp>
+        <p:nvSpPr>
+          <p:cNvPr id="6" name="灯片编号占位符 5"/>
+          <p:cNvSpPr>
+            <a:spLocks noGrp="1"/>
+          </p:cNvSpPr>
+          <p:nvPr>
+            <p:ph type="sldNum" sz="quarter" idx="12"/>
+          </p:nvPr>
+        </p:nvSpPr>
+        <p:spPr/>
+        <p:txBody>
+          <a:bodyPr/>
+          <a:lstStyle/>
+          <a:p>
+            <a:fld id="{2AF3E8BF-BB52-455C-853D-8557085D08F8}" type="slidenum">
+              <a:rPr lang="zh-CN" altLang="en-US" smtClean="0"/>
+              <a:t>9</a:t>
+            </a:fld>
+            <a:endParaRPr lang="zh-CN" altLang="en-US"/>
           </a:p>
         </p:txBody>
       </p:sp>

--- a/Redis技术分享——by顾汉杰.pptx
+++ b/Redis技术分享——by顾汉杰.pptx
@@ -2999,931 +2999,6 @@
       <dsp:cNvGrpSpPr/>
     </dsp:nvGrpSpPr>
     <dsp:grpSpPr/>
-    <dsp:sp modelId="{0EAE7577-A6E1-42A3-937E-E80DE6BDC5FF}">
-      <dsp:nvSpPr>
-        <dsp:cNvPr id="0" name=""/>
-        <dsp:cNvSpPr/>
-      </dsp:nvSpPr>
-      <dsp:spPr>
-        <a:xfrm>
-          <a:off x="4803908" y="1974710"/>
-          <a:ext cx="1406349" cy="1406349"/>
-        </a:xfrm>
-        <a:prstGeom prst="ellipse">
-          <a:avLst/>
-        </a:prstGeom>
-        <a:solidFill>
-          <a:schemeClr val="accent1">
-            <a:hueOff val="0"/>
-            <a:satOff val="0"/>
-            <a:lumOff val="0"/>
-            <a:alphaOff val="0"/>
-          </a:schemeClr>
-        </a:solidFill>
-        <a:ln>
-          <a:noFill/>
-        </a:ln>
-        <a:effectLst/>
-        <a:sp3d extrusionH="152250" prstMaterial="matte">
-          <a:bevelT w="165100" prst="coolSlant"/>
-        </a:sp3d>
-      </dsp:spPr>
-      <dsp:style>
-        <a:lnRef idx="0">
-          <a:scrgbClr r="0" g="0" b="0"/>
-        </a:lnRef>
-        <a:fillRef idx="1">
-          <a:scrgbClr r="0" g="0" b="0"/>
-        </a:fillRef>
-        <a:effectRef idx="2">
-          <a:scrgbClr r="0" g="0" b="0"/>
-        </a:effectRef>
-        <a:fontRef idx="minor">
-          <a:schemeClr val="lt1"/>
-        </a:fontRef>
-      </dsp:style>
-      <dsp:txBody>
-        <a:bodyPr spcFirstLastPara="0" vert="horz" wrap="square" lIns="34290" tIns="34290" rIns="34290" bIns="34290" numCol="1" spcCol="1270" anchor="ctr" anchorCtr="0">
-          <a:noAutofit/>
-          <a:sp3d extrusionH="28000" prstMaterial="matte"/>
-        </a:bodyPr>
-        <a:lstStyle/>
-        <a:p>
-          <a:pPr lvl="0" algn="ctr" defTabSz="1200150">
-            <a:lnSpc>
-              <a:spcPct val="90000"/>
-            </a:lnSpc>
-            <a:spcBef>
-              <a:spcPct val="0"/>
-            </a:spcBef>
-            <a:spcAft>
-              <a:spcPct val="35000"/>
-            </a:spcAft>
-          </a:pPr>
-          <a:r>
-            <a:rPr lang="en-US" altLang="zh-CN" sz="2700" kern="1200" dirty="0" err="1" smtClean="0"/>
-            <a:t>Redis</a:t>
-          </a:r>
-          <a:r>
-            <a:rPr lang="en-US" altLang="zh-CN" sz="2700" kern="1200" dirty="0" smtClean="0"/>
-            <a:t> Server</a:t>
-          </a:r>
-          <a:endParaRPr lang="zh-CN" altLang="en-US" sz="2700" kern="1200" dirty="0"/>
-        </a:p>
-      </dsp:txBody>
-      <dsp:txXfrm>
-        <a:off x="5009863" y="2180665"/>
-        <a:ext cx="994439" cy="994439"/>
-      </dsp:txXfrm>
-    </dsp:sp>
-    <dsp:sp modelId="{7AA54442-0824-4F12-B500-703D9D157866}">
-      <dsp:nvSpPr>
-        <dsp:cNvPr id="0" name=""/>
-        <dsp:cNvSpPr/>
-      </dsp:nvSpPr>
-      <dsp:spPr>
-        <a:xfrm rot="16200000">
-          <a:off x="5357185" y="1461290"/>
-          <a:ext cx="299794" cy="478158"/>
-        </a:xfrm>
-        <a:prstGeom prst="rightArrow">
-          <a:avLst>
-            <a:gd name="adj1" fmla="val 60000"/>
-            <a:gd name="adj2" fmla="val 50000"/>
-          </a:avLst>
-        </a:prstGeom>
-        <a:solidFill>
-          <a:schemeClr val="accent2">
-            <a:hueOff val="0"/>
-            <a:satOff val="0"/>
-            <a:lumOff val="0"/>
-            <a:alphaOff val="0"/>
-          </a:schemeClr>
-        </a:solidFill>
-        <a:ln>
-          <a:noFill/>
-        </a:ln>
-        <a:effectLst/>
-        <a:sp3d z="-227350" prstMaterial="matte"/>
-      </dsp:spPr>
-      <dsp:style>
-        <a:lnRef idx="0">
-          <a:scrgbClr r="0" g="0" b="0"/>
-        </a:lnRef>
-        <a:fillRef idx="1">
-          <a:scrgbClr r="0" g="0" b="0"/>
-        </a:fillRef>
-        <a:effectRef idx="0">
-          <a:scrgbClr r="0" g="0" b="0"/>
-        </a:effectRef>
-        <a:fontRef idx="minor">
-          <a:schemeClr val="lt1"/>
-        </a:fontRef>
-      </dsp:style>
-      <dsp:txBody>
-        <a:bodyPr spcFirstLastPara="0" vert="horz" wrap="square" lIns="0" tIns="0" rIns="0" bIns="0" numCol="1" spcCol="1270" anchor="ctr" anchorCtr="0">
-          <a:noAutofit/>
-        </a:bodyPr>
-        <a:lstStyle/>
-        <a:p>
-          <a:pPr lvl="0" algn="ctr" defTabSz="800100">
-            <a:lnSpc>
-              <a:spcPct val="90000"/>
-            </a:lnSpc>
-            <a:spcBef>
-              <a:spcPct val="0"/>
-            </a:spcBef>
-            <a:spcAft>
-              <a:spcPct val="35000"/>
-            </a:spcAft>
-          </a:pPr>
-          <a:endParaRPr lang="zh-CN" altLang="en-US" sz="1800" kern="1200"/>
-        </a:p>
-      </dsp:txBody>
-      <dsp:txXfrm>
-        <a:off x="5402154" y="1601891"/>
-        <a:ext cx="209856" cy="286894"/>
-      </dsp:txXfrm>
-    </dsp:sp>
-    <dsp:sp modelId="{EF316A87-B0A5-4A4A-8E98-8712B075E41E}">
-      <dsp:nvSpPr>
-        <dsp:cNvPr id="0" name=""/>
-        <dsp:cNvSpPr/>
-      </dsp:nvSpPr>
-      <dsp:spPr>
-        <a:xfrm>
-          <a:off x="4803908" y="2710"/>
-          <a:ext cx="1406349" cy="1406349"/>
-        </a:xfrm>
-        <a:prstGeom prst="ellipse">
-          <a:avLst/>
-        </a:prstGeom>
-        <a:solidFill>
-          <a:schemeClr val="accent2">
-            <a:hueOff val="0"/>
-            <a:satOff val="0"/>
-            <a:lumOff val="0"/>
-            <a:alphaOff val="0"/>
-          </a:schemeClr>
-        </a:solidFill>
-        <a:ln>
-          <a:noFill/>
-        </a:ln>
-        <a:effectLst/>
-        <a:sp3d extrusionH="152250" prstMaterial="matte">
-          <a:bevelT w="165100" prst="coolSlant"/>
-        </a:sp3d>
-      </dsp:spPr>
-      <dsp:style>
-        <a:lnRef idx="0">
-          <a:scrgbClr r="0" g="0" b="0"/>
-        </a:lnRef>
-        <a:fillRef idx="1">
-          <a:scrgbClr r="0" g="0" b="0"/>
-        </a:fillRef>
-        <a:effectRef idx="2">
-          <a:scrgbClr r="0" g="0" b="0"/>
-        </a:effectRef>
-        <a:fontRef idx="minor">
-          <a:schemeClr val="lt1"/>
-        </a:fontRef>
-      </dsp:style>
-      <dsp:txBody>
-        <a:bodyPr spcFirstLastPara="0" vert="horz" wrap="square" lIns="22860" tIns="22860" rIns="22860" bIns="22860" numCol="1" spcCol="1270" anchor="ctr" anchorCtr="0">
-          <a:noAutofit/>
-          <a:sp3d extrusionH="28000" prstMaterial="matte"/>
-        </a:bodyPr>
-        <a:lstStyle/>
-        <a:p>
-          <a:pPr lvl="0" algn="ctr" defTabSz="800100">
-            <a:lnSpc>
-              <a:spcPct val="90000"/>
-            </a:lnSpc>
-            <a:spcBef>
-              <a:spcPct val="0"/>
-            </a:spcBef>
-            <a:spcAft>
-              <a:spcPct val="35000"/>
-            </a:spcAft>
-          </a:pPr>
-          <a:r>
-            <a:rPr lang="en-US" altLang="zh-CN" sz="1800" kern="1200" dirty="0" smtClean="0"/>
-            <a:t>Java</a:t>
-          </a:r>
-          <a:endParaRPr lang="zh-CN" altLang="en-US" sz="1800" kern="1200" dirty="0"/>
-        </a:p>
-      </dsp:txBody>
-      <dsp:txXfrm>
-        <a:off x="5009863" y="208665"/>
-        <a:ext cx="994439" cy="994439"/>
-      </dsp:txXfrm>
-    </dsp:sp>
-    <dsp:sp modelId="{9F327213-2229-42A3-A037-6B36A144979C}">
-      <dsp:nvSpPr>
-        <dsp:cNvPr id="0" name=""/>
-        <dsp:cNvSpPr/>
-      </dsp:nvSpPr>
-      <dsp:spPr>
-        <a:xfrm rot="19800000">
-          <a:off x="6203738" y="1950048"/>
-          <a:ext cx="299794" cy="478158"/>
-        </a:xfrm>
-        <a:prstGeom prst="rightArrow">
-          <a:avLst>
-            <a:gd name="adj1" fmla="val 60000"/>
-            <a:gd name="adj2" fmla="val 50000"/>
-          </a:avLst>
-        </a:prstGeom>
-        <a:solidFill>
-          <a:schemeClr val="accent3">
-            <a:hueOff val="0"/>
-            <a:satOff val="0"/>
-            <a:lumOff val="0"/>
-            <a:alphaOff val="0"/>
-          </a:schemeClr>
-        </a:solidFill>
-        <a:ln>
-          <a:noFill/>
-        </a:ln>
-        <a:effectLst/>
-        <a:sp3d z="-227350" prstMaterial="matte"/>
-      </dsp:spPr>
-      <dsp:style>
-        <a:lnRef idx="0">
-          <a:scrgbClr r="0" g="0" b="0"/>
-        </a:lnRef>
-        <a:fillRef idx="1">
-          <a:scrgbClr r="0" g="0" b="0"/>
-        </a:fillRef>
-        <a:effectRef idx="0">
-          <a:scrgbClr r="0" g="0" b="0"/>
-        </a:effectRef>
-        <a:fontRef idx="minor">
-          <a:schemeClr val="lt1"/>
-        </a:fontRef>
-      </dsp:style>
-      <dsp:txBody>
-        <a:bodyPr spcFirstLastPara="0" vert="horz" wrap="square" lIns="0" tIns="0" rIns="0" bIns="0" numCol="1" spcCol="1270" anchor="ctr" anchorCtr="0">
-          <a:noAutofit/>
-        </a:bodyPr>
-        <a:lstStyle/>
-        <a:p>
-          <a:pPr lvl="0" algn="ctr" defTabSz="800100">
-            <a:lnSpc>
-              <a:spcPct val="90000"/>
-            </a:lnSpc>
-            <a:spcBef>
-              <a:spcPct val="0"/>
-            </a:spcBef>
-            <a:spcAft>
-              <a:spcPct val="35000"/>
-            </a:spcAft>
-          </a:pPr>
-          <a:endParaRPr lang="zh-CN" altLang="en-US" sz="1800" kern="1200"/>
-        </a:p>
-      </dsp:txBody>
-      <dsp:txXfrm>
-        <a:off x="6209763" y="2068165"/>
-        <a:ext cx="209856" cy="286894"/>
-      </dsp:txXfrm>
-    </dsp:sp>
-    <dsp:sp modelId="{555269E8-4B16-40B6-9E4E-14613EC4FA01}">
-      <dsp:nvSpPr>
-        <dsp:cNvPr id="0" name=""/>
-        <dsp:cNvSpPr/>
-      </dsp:nvSpPr>
-      <dsp:spPr>
-        <a:xfrm>
-          <a:off x="6511710" y="988710"/>
-          <a:ext cx="1406349" cy="1406349"/>
-        </a:xfrm>
-        <a:prstGeom prst="ellipse">
-          <a:avLst/>
-        </a:prstGeom>
-        <a:solidFill>
-          <a:schemeClr val="accent3">
-            <a:hueOff val="0"/>
-            <a:satOff val="0"/>
-            <a:lumOff val="0"/>
-            <a:alphaOff val="0"/>
-          </a:schemeClr>
-        </a:solidFill>
-        <a:ln>
-          <a:noFill/>
-        </a:ln>
-        <a:effectLst/>
-        <a:sp3d extrusionH="152250" prstMaterial="matte">
-          <a:bevelT w="165100" prst="coolSlant"/>
-        </a:sp3d>
-      </dsp:spPr>
-      <dsp:style>
-        <a:lnRef idx="0">
-          <a:scrgbClr r="0" g="0" b="0"/>
-        </a:lnRef>
-        <a:fillRef idx="1">
-          <a:scrgbClr r="0" g="0" b="0"/>
-        </a:fillRef>
-        <a:effectRef idx="2">
-          <a:scrgbClr r="0" g="0" b="0"/>
-        </a:effectRef>
-        <a:fontRef idx="minor">
-          <a:schemeClr val="lt1"/>
-        </a:fontRef>
-      </dsp:style>
-      <dsp:txBody>
-        <a:bodyPr spcFirstLastPara="0" vert="horz" wrap="square" lIns="22860" tIns="22860" rIns="22860" bIns="22860" numCol="1" spcCol="1270" anchor="ctr" anchorCtr="0">
-          <a:noAutofit/>
-          <a:sp3d extrusionH="28000" prstMaterial="matte"/>
-        </a:bodyPr>
-        <a:lstStyle/>
-        <a:p>
-          <a:pPr lvl="0" algn="ctr" defTabSz="800100">
-            <a:lnSpc>
-              <a:spcPct val="90000"/>
-            </a:lnSpc>
-            <a:spcBef>
-              <a:spcPct val="0"/>
-            </a:spcBef>
-            <a:spcAft>
-              <a:spcPct val="35000"/>
-            </a:spcAft>
-          </a:pPr>
-          <a:r>
-            <a:rPr lang="en-US" altLang="zh-CN" sz="1800" kern="1200" dirty="0" smtClean="0"/>
-            <a:t>Python</a:t>
-          </a:r>
-          <a:endParaRPr lang="zh-CN" altLang="en-US" sz="1800" kern="1200" dirty="0"/>
-        </a:p>
-      </dsp:txBody>
-      <dsp:txXfrm>
-        <a:off x="6717665" y="1194665"/>
-        <a:ext cx="994439" cy="994439"/>
-      </dsp:txXfrm>
-    </dsp:sp>
-    <dsp:sp modelId="{67A43855-2F11-42A7-A36C-58562ACABCAB}">
-      <dsp:nvSpPr>
-        <dsp:cNvPr id="0" name=""/>
-        <dsp:cNvSpPr/>
-      </dsp:nvSpPr>
-      <dsp:spPr>
-        <a:xfrm rot="1800000">
-          <a:off x="6203738" y="2927563"/>
-          <a:ext cx="299794" cy="478158"/>
-        </a:xfrm>
-        <a:prstGeom prst="rightArrow">
-          <a:avLst>
-            <a:gd name="adj1" fmla="val 60000"/>
-            <a:gd name="adj2" fmla="val 50000"/>
-          </a:avLst>
-        </a:prstGeom>
-        <a:solidFill>
-          <a:schemeClr val="accent4">
-            <a:hueOff val="0"/>
-            <a:satOff val="0"/>
-            <a:lumOff val="0"/>
-            <a:alphaOff val="0"/>
-          </a:schemeClr>
-        </a:solidFill>
-        <a:ln>
-          <a:noFill/>
-        </a:ln>
-        <a:effectLst/>
-        <a:sp3d z="-227350" prstMaterial="matte"/>
-      </dsp:spPr>
-      <dsp:style>
-        <a:lnRef idx="0">
-          <a:scrgbClr r="0" g="0" b="0"/>
-        </a:lnRef>
-        <a:fillRef idx="1">
-          <a:scrgbClr r="0" g="0" b="0"/>
-        </a:fillRef>
-        <a:effectRef idx="0">
-          <a:scrgbClr r="0" g="0" b="0"/>
-        </a:effectRef>
-        <a:fontRef idx="minor">
-          <a:schemeClr val="lt1"/>
-        </a:fontRef>
-      </dsp:style>
-      <dsp:txBody>
-        <a:bodyPr spcFirstLastPara="0" vert="horz" wrap="square" lIns="0" tIns="0" rIns="0" bIns="0" numCol="1" spcCol="1270" anchor="ctr" anchorCtr="0">
-          <a:noAutofit/>
-        </a:bodyPr>
-        <a:lstStyle/>
-        <a:p>
-          <a:pPr lvl="0" algn="ctr" defTabSz="800100">
-            <a:lnSpc>
-              <a:spcPct val="90000"/>
-            </a:lnSpc>
-            <a:spcBef>
-              <a:spcPct val="0"/>
-            </a:spcBef>
-            <a:spcAft>
-              <a:spcPct val="35000"/>
-            </a:spcAft>
-          </a:pPr>
-          <a:endParaRPr lang="zh-CN" altLang="en-US" sz="1800" kern="1200"/>
-        </a:p>
-      </dsp:txBody>
-      <dsp:txXfrm>
-        <a:off x="6209763" y="3000711"/>
-        <a:ext cx="209856" cy="286894"/>
-      </dsp:txXfrm>
-    </dsp:sp>
-    <dsp:sp modelId="{DD5E7832-BC9F-438C-8B6C-9E44FD4E1FED}">
-      <dsp:nvSpPr>
-        <dsp:cNvPr id="0" name=""/>
-        <dsp:cNvSpPr/>
-      </dsp:nvSpPr>
-      <dsp:spPr>
-        <a:xfrm>
-          <a:off x="6511710" y="2960710"/>
-          <a:ext cx="1406349" cy="1406349"/>
-        </a:xfrm>
-        <a:prstGeom prst="ellipse">
-          <a:avLst/>
-        </a:prstGeom>
-        <a:solidFill>
-          <a:schemeClr val="accent4">
-            <a:hueOff val="0"/>
-            <a:satOff val="0"/>
-            <a:lumOff val="0"/>
-            <a:alphaOff val="0"/>
-          </a:schemeClr>
-        </a:solidFill>
-        <a:ln>
-          <a:noFill/>
-        </a:ln>
-        <a:effectLst/>
-        <a:sp3d extrusionH="152250" prstMaterial="matte">
-          <a:bevelT w="165100" prst="coolSlant"/>
-        </a:sp3d>
-      </dsp:spPr>
-      <dsp:style>
-        <a:lnRef idx="0">
-          <a:scrgbClr r="0" g="0" b="0"/>
-        </a:lnRef>
-        <a:fillRef idx="1">
-          <a:scrgbClr r="0" g="0" b="0"/>
-        </a:fillRef>
-        <a:effectRef idx="2">
-          <a:scrgbClr r="0" g="0" b="0"/>
-        </a:effectRef>
-        <a:fontRef idx="minor">
-          <a:schemeClr val="lt1"/>
-        </a:fontRef>
-      </dsp:style>
-      <dsp:txBody>
-        <a:bodyPr spcFirstLastPara="0" vert="horz" wrap="square" lIns="22860" tIns="22860" rIns="22860" bIns="22860" numCol="1" spcCol="1270" anchor="ctr" anchorCtr="0">
-          <a:noAutofit/>
-          <a:sp3d extrusionH="28000" prstMaterial="matte"/>
-        </a:bodyPr>
-        <a:lstStyle/>
-        <a:p>
-          <a:pPr lvl="0" algn="ctr" defTabSz="800100">
-            <a:lnSpc>
-              <a:spcPct val="90000"/>
-            </a:lnSpc>
-            <a:spcBef>
-              <a:spcPct val="0"/>
-            </a:spcBef>
-            <a:spcAft>
-              <a:spcPct val="35000"/>
-            </a:spcAft>
-          </a:pPr>
-          <a:r>
-            <a:rPr lang="en-US" altLang="zh-CN" sz="1800" kern="1200" dirty="0" smtClean="0"/>
-            <a:t>….</a:t>
-          </a:r>
-          <a:endParaRPr lang="zh-CN" altLang="en-US" sz="1800" kern="1200" dirty="0"/>
-        </a:p>
-      </dsp:txBody>
-      <dsp:txXfrm>
-        <a:off x="6717665" y="3166665"/>
-        <a:ext cx="994439" cy="994439"/>
-      </dsp:txXfrm>
-    </dsp:sp>
-    <dsp:sp modelId="{64C4DCA4-7314-472C-9E37-8E484F13C357}">
-      <dsp:nvSpPr>
-        <dsp:cNvPr id="0" name=""/>
-        <dsp:cNvSpPr/>
-      </dsp:nvSpPr>
-      <dsp:spPr>
-        <a:xfrm rot="5400000">
-          <a:off x="5357185" y="3416321"/>
-          <a:ext cx="299794" cy="478158"/>
-        </a:xfrm>
-        <a:prstGeom prst="rightArrow">
-          <a:avLst>
-            <a:gd name="adj1" fmla="val 60000"/>
-            <a:gd name="adj2" fmla="val 50000"/>
-          </a:avLst>
-        </a:prstGeom>
-        <a:solidFill>
-          <a:schemeClr val="accent5">
-            <a:hueOff val="0"/>
-            <a:satOff val="0"/>
-            <a:lumOff val="0"/>
-            <a:alphaOff val="0"/>
-          </a:schemeClr>
-        </a:solidFill>
-        <a:ln>
-          <a:noFill/>
-        </a:ln>
-        <a:effectLst/>
-        <a:sp3d z="-227350" prstMaterial="matte"/>
-      </dsp:spPr>
-      <dsp:style>
-        <a:lnRef idx="0">
-          <a:scrgbClr r="0" g="0" b="0"/>
-        </a:lnRef>
-        <a:fillRef idx="1">
-          <a:scrgbClr r="0" g="0" b="0"/>
-        </a:fillRef>
-        <a:effectRef idx="0">
-          <a:scrgbClr r="0" g="0" b="0"/>
-        </a:effectRef>
-        <a:fontRef idx="minor">
-          <a:schemeClr val="lt1"/>
-        </a:fontRef>
-      </dsp:style>
-      <dsp:txBody>
-        <a:bodyPr spcFirstLastPara="0" vert="horz" wrap="square" lIns="0" tIns="0" rIns="0" bIns="0" numCol="1" spcCol="1270" anchor="ctr" anchorCtr="0">
-          <a:noAutofit/>
-        </a:bodyPr>
-        <a:lstStyle/>
-        <a:p>
-          <a:pPr lvl="0" algn="ctr" defTabSz="800100">
-            <a:lnSpc>
-              <a:spcPct val="90000"/>
-            </a:lnSpc>
-            <a:spcBef>
-              <a:spcPct val="0"/>
-            </a:spcBef>
-            <a:spcAft>
-              <a:spcPct val="35000"/>
-            </a:spcAft>
-          </a:pPr>
-          <a:endParaRPr lang="zh-CN" altLang="en-US" sz="1800" kern="1200"/>
-        </a:p>
-      </dsp:txBody>
-      <dsp:txXfrm>
-        <a:off x="5402154" y="3466984"/>
-        <a:ext cx="209856" cy="286894"/>
-      </dsp:txXfrm>
-    </dsp:sp>
-    <dsp:sp modelId="{FFC3FFE9-E981-4AC7-9807-59E0394988CF}">
-      <dsp:nvSpPr>
-        <dsp:cNvPr id="0" name=""/>
-        <dsp:cNvSpPr/>
-      </dsp:nvSpPr>
-      <dsp:spPr>
-        <a:xfrm>
-          <a:off x="4803908" y="3946710"/>
-          <a:ext cx="1406349" cy="1406349"/>
-        </a:xfrm>
-        <a:prstGeom prst="ellipse">
-          <a:avLst/>
-        </a:prstGeom>
-        <a:solidFill>
-          <a:schemeClr val="accent5">
-            <a:hueOff val="0"/>
-            <a:satOff val="0"/>
-            <a:lumOff val="0"/>
-            <a:alphaOff val="0"/>
-          </a:schemeClr>
-        </a:solidFill>
-        <a:ln>
-          <a:noFill/>
-        </a:ln>
-        <a:effectLst/>
-        <a:sp3d extrusionH="152250" prstMaterial="matte">
-          <a:bevelT w="165100" prst="coolSlant"/>
-        </a:sp3d>
-      </dsp:spPr>
-      <dsp:style>
-        <a:lnRef idx="0">
-          <a:scrgbClr r="0" g="0" b="0"/>
-        </a:lnRef>
-        <a:fillRef idx="1">
-          <a:scrgbClr r="0" g="0" b="0"/>
-        </a:fillRef>
-        <a:effectRef idx="2">
-          <a:scrgbClr r="0" g="0" b="0"/>
-        </a:effectRef>
-        <a:fontRef idx="minor">
-          <a:schemeClr val="lt1"/>
-        </a:fontRef>
-      </dsp:style>
-      <dsp:txBody>
-        <a:bodyPr spcFirstLastPara="0" vert="horz" wrap="square" lIns="22860" tIns="22860" rIns="22860" bIns="22860" numCol="1" spcCol="1270" anchor="ctr" anchorCtr="0">
-          <a:noAutofit/>
-          <a:sp3d extrusionH="28000" prstMaterial="matte"/>
-        </a:bodyPr>
-        <a:lstStyle/>
-        <a:p>
-          <a:pPr lvl="0" algn="ctr" defTabSz="800100">
-            <a:lnSpc>
-              <a:spcPct val="90000"/>
-            </a:lnSpc>
-            <a:spcBef>
-              <a:spcPct val="0"/>
-            </a:spcBef>
-            <a:spcAft>
-              <a:spcPct val="35000"/>
-            </a:spcAft>
-          </a:pPr>
-          <a:r>
-            <a:rPr lang="en-US" altLang="zh-CN" sz="1800" kern="1200" dirty="0" err="1" smtClean="0"/>
-            <a:t>Redis-Cli</a:t>
-          </a:r>
-          <a:endParaRPr lang="zh-CN" altLang="en-US" sz="1800" kern="1200" dirty="0"/>
-        </a:p>
-      </dsp:txBody>
-      <dsp:txXfrm>
-        <a:off x="5009863" y="4152665"/>
-        <a:ext cx="994439" cy="994439"/>
-      </dsp:txXfrm>
-    </dsp:sp>
-    <dsp:sp modelId="{8BF1CC65-F180-4DD9-BB53-98C744322E4F}">
-      <dsp:nvSpPr>
-        <dsp:cNvPr id="0" name=""/>
-        <dsp:cNvSpPr/>
-      </dsp:nvSpPr>
-      <dsp:spPr>
-        <a:xfrm rot="9000000">
-          <a:off x="4510632" y="2927563"/>
-          <a:ext cx="299794" cy="478158"/>
-        </a:xfrm>
-        <a:prstGeom prst="rightArrow">
-          <a:avLst>
-            <a:gd name="adj1" fmla="val 60000"/>
-            <a:gd name="adj2" fmla="val 50000"/>
-          </a:avLst>
-        </a:prstGeom>
-        <a:solidFill>
-          <a:schemeClr val="accent6">
-            <a:hueOff val="0"/>
-            <a:satOff val="0"/>
-            <a:lumOff val="0"/>
-            <a:alphaOff val="0"/>
-          </a:schemeClr>
-        </a:solidFill>
-        <a:ln>
-          <a:noFill/>
-        </a:ln>
-        <a:effectLst/>
-        <a:sp3d z="-227350" prstMaterial="matte"/>
-      </dsp:spPr>
-      <dsp:style>
-        <a:lnRef idx="0">
-          <a:scrgbClr r="0" g="0" b="0"/>
-        </a:lnRef>
-        <a:fillRef idx="1">
-          <a:scrgbClr r="0" g="0" b="0"/>
-        </a:fillRef>
-        <a:effectRef idx="0">
-          <a:scrgbClr r="0" g="0" b="0"/>
-        </a:effectRef>
-        <a:fontRef idx="minor">
-          <a:schemeClr val="lt1"/>
-        </a:fontRef>
-      </dsp:style>
-      <dsp:txBody>
-        <a:bodyPr spcFirstLastPara="0" vert="horz" wrap="square" lIns="0" tIns="0" rIns="0" bIns="0" numCol="1" spcCol="1270" anchor="ctr" anchorCtr="0">
-          <a:noAutofit/>
-        </a:bodyPr>
-        <a:lstStyle/>
-        <a:p>
-          <a:pPr lvl="0" algn="ctr" defTabSz="800100">
-            <a:lnSpc>
-              <a:spcPct val="90000"/>
-            </a:lnSpc>
-            <a:spcBef>
-              <a:spcPct val="0"/>
-            </a:spcBef>
-            <a:spcAft>
-              <a:spcPct val="35000"/>
-            </a:spcAft>
-          </a:pPr>
-          <a:endParaRPr lang="zh-CN" altLang="en-US" sz="1800" kern="1200"/>
-        </a:p>
-      </dsp:txBody>
-      <dsp:txXfrm rot="10800000">
-        <a:off x="4594545" y="3000711"/>
-        <a:ext cx="209856" cy="286894"/>
-      </dsp:txXfrm>
-    </dsp:sp>
-    <dsp:sp modelId="{145D976C-6194-47D4-AC17-A29F202ED7F6}">
-      <dsp:nvSpPr>
-        <dsp:cNvPr id="0" name=""/>
-        <dsp:cNvSpPr/>
-      </dsp:nvSpPr>
-      <dsp:spPr>
-        <a:xfrm>
-          <a:off x="3096106" y="2960710"/>
-          <a:ext cx="1406349" cy="1406349"/>
-        </a:xfrm>
-        <a:prstGeom prst="ellipse">
-          <a:avLst/>
-        </a:prstGeom>
-        <a:solidFill>
-          <a:schemeClr val="accent6">
-            <a:hueOff val="0"/>
-            <a:satOff val="0"/>
-            <a:lumOff val="0"/>
-            <a:alphaOff val="0"/>
-          </a:schemeClr>
-        </a:solidFill>
-        <a:ln>
-          <a:noFill/>
-        </a:ln>
-        <a:effectLst/>
-        <a:sp3d extrusionH="152250" prstMaterial="matte">
-          <a:bevelT w="165100" prst="coolSlant"/>
-        </a:sp3d>
-      </dsp:spPr>
-      <dsp:style>
-        <a:lnRef idx="0">
-          <a:scrgbClr r="0" g="0" b="0"/>
-        </a:lnRef>
-        <a:fillRef idx="1">
-          <a:scrgbClr r="0" g="0" b="0"/>
-        </a:fillRef>
-        <a:effectRef idx="2">
-          <a:scrgbClr r="0" g="0" b="0"/>
-        </a:effectRef>
-        <a:fontRef idx="minor">
-          <a:schemeClr val="lt1"/>
-        </a:fontRef>
-      </dsp:style>
-      <dsp:txBody>
-        <a:bodyPr spcFirstLastPara="0" vert="horz" wrap="square" lIns="22860" tIns="22860" rIns="22860" bIns="22860" numCol="1" spcCol="1270" anchor="ctr" anchorCtr="0">
-          <a:noAutofit/>
-          <a:sp3d extrusionH="28000" prstMaterial="matte"/>
-        </a:bodyPr>
-        <a:lstStyle/>
-        <a:p>
-          <a:pPr lvl="0" algn="ctr" defTabSz="800100">
-            <a:lnSpc>
-              <a:spcPct val="90000"/>
-            </a:lnSpc>
-            <a:spcBef>
-              <a:spcPct val="0"/>
-            </a:spcBef>
-            <a:spcAft>
-              <a:spcPct val="35000"/>
-            </a:spcAft>
-          </a:pPr>
-          <a:r>
-            <a:rPr lang="en-US" altLang="zh-CN" sz="1800" kern="1200" dirty="0" smtClean="0"/>
-            <a:t>JavaScript</a:t>
-          </a:r>
-          <a:endParaRPr lang="zh-CN" altLang="en-US" sz="1800" kern="1200" dirty="0"/>
-        </a:p>
-      </dsp:txBody>
-      <dsp:txXfrm>
-        <a:off x="3302061" y="3166665"/>
-        <a:ext cx="994439" cy="994439"/>
-      </dsp:txXfrm>
-    </dsp:sp>
-    <dsp:sp modelId="{F343BF18-59E4-430E-B292-493F0285F293}">
-      <dsp:nvSpPr>
-        <dsp:cNvPr id="0" name=""/>
-        <dsp:cNvSpPr/>
-      </dsp:nvSpPr>
-      <dsp:spPr>
-        <a:xfrm rot="12600000">
-          <a:off x="4510632" y="1950048"/>
-          <a:ext cx="299794" cy="478158"/>
-        </a:xfrm>
-        <a:prstGeom prst="rightArrow">
-          <a:avLst>
-            <a:gd name="adj1" fmla="val 60000"/>
-            <a:gd name="adj2" fmla="val 50000"/>
-          </a:avLst>
-        </a:prstGeom>
-        <a:solidFill>
-          <a:schemeClr val="tx2">
-            <a:lumMod val="60000"/>
-            <a:lumOff val="40000"/>
-          </a:schemeClr>
-        </a:solidFill>
-        <a:ln>
-          <a:noFill/>
-        </a:ln>
-        <a:effectLst/>
-        <a:sp3d z="-227350" prstMaterial="matte"/>
-      </dsp:spPr>
-      <dsp:style>
-        <a:lnRef idx="0">
-          <a:scrgbClr r="0" g="0" b="0"/>
-        </a:lnRef>
-        <a:fillRef idx="1">
-          <a:scrgbClr r="0" g="0" b="0"/>
-        </a:fillRef>
-        <a:effectRef idx="0">
-          <a:scrgbClr r="0" g="0" b="0"/>
-        </a:effectRef>
-        <a:fontRef idx="minor">
-          <a:schemeClr val="lt1"/>
-        </a:fontRef>
-      </dsp:style>
-      <dsp:txBody>
-        <a:bodyPr spcFirstLastPara="0" vert="horz" wrap="square" lIns="0" tIns="0" rIns="0" bIns="0" numCol="1" spcCol="1270" anchor="ctr" anchorCtr="0">
-          <a:noAutofit/>
-        </a:bodyPr>
-        <a:lstStyle/>
-        <a:p>
-          <a:pPr lvl="0" algn="ctr" defTabSz="800100">
-            <a:lnSpc>
-              <a:spcPct val="90000"/>
-            </a:lnSpc>
-            <a:spcBef>
-              <a:spcPct val="0"/>
-            </a:spcBef>
-            <a:spcAft>
-              <a:spcPct val="35000"/>
-            </a:spcAft>
-          </a:pPr>
-          <a:endParaRPr lang="zh-CN" altLang="en-US" sz="1800" kern="1200"/>
-        </a:p>
-      </dsp:txBody>
-      <dsp:txXfrm rot="10800000">
-        <a:off x="4594545" y="2068165"/>
-        <a:ext cx="209856" cy="286894"/>
-      </dsp:txXfrm>
-    </dsp:sp>
-    <dsp:sp modelId="{28D03AD1-DD82-4BF5-A36E-9295213AD4E9}">
-      <dsp:nvSpPr>
-        <dsp:cNvPr id="0" name=""/>
-        <dsp:cNvSpPr/>
-      </dsp:nvSpPr>
-      <dsp:spPr>
-        <a:xfrm>
-          <a:off x="3096106" y="988710"/>
-          <a:ext cx="1406349" cy="1406349"/>
-        </a:xfrm>
-        <a:prstGeom prst="ellipse">
-          <a:avLst/>
-        </a:prstGeom>
-        <a:solidFill>
-          <a:schemeClr val="tx2">
-            <a:lumMod val="60000"/>
-            <a:lumOff val="40000"/>
-          </a:schemeClr>
-        </a:solidFill>
-        <a:ln>
-          <a:noFill/>
-        </a:ln>
-        <a:effectLst/>
-        <a:sp3d extrusionH="152250" prstMaterial="matte">
-          <a:bevelT w="165100" prst="coolSlant"/>
-        </a:sp3d>
-      </dsp:spPr>
-      <dsp:style>
-        <a:lnRef idx="0">
-          <a:scrgbClr r="0" g="0" b="0"/>
-        </a:lnRef>
-        <a:fillRef idx="1">
-          <a:scrgbClr r="0" g="0" b="0"/>
-        </a:fillRef>
-        <a:effectRef idx="2">
-          <a:scrgbClr r="0" g="0" b="0"/>
-        </a:effectRef>
-        <a:fontRef idx="minor">
-          <a:schemeClr val="lt1"/>
-        </a:fontRef>
-      </dsp:style>
-      <dsp:txBody>
-        <a:bodyPr spcFirstLastPara="0" vert="horz" wrap="square" lIns="22860" tIns="22860" rIns="22860" bIns="22860" numCol="1" spcCol="1270" anchor="ctr" anchorCtr="0">
-          <a:noAutofit/>
-          <a:sp3d extrusionH="28000" prstMaterial="matte"/>
-        </a:bodyPr>
-        <a:lstStyle/>
-        <a:p>
-          <a:pPr lvl="0" algn="ctr" defTabSz="800100">
-            <a:lnSpc>
-              <a:spcPct val="90000"/>
-            </a:lnSpc>
-            <a:spcBef>
-              <a:spcPct val="0"/>
-            </a:spcBef>
-            <a:spcAft>
-              <a:spcPct val="35000"/>
-            </a:spcAft>
-          </a:pPr>
-          <a:r>
-            <a:rPr lang="en-US" altLang="zh-CN" sz="1800" kern="1200" dirty="0" smtClean="0"/>
-            <a:t>PHP</a:t>
-          </a:r>
-          <a:endParaRPr lang="zh-CN" altLang="en-US" sz="1800" kern="1200" dirty="0"/>
-        </a:p>
-      </dsp:txBody>
-      <dsp:txXfrm>
-        <a:off x="3302061" y="1194665"/>
-        <a:ext cx="994439" cy="994439"/>
-      </dsp:txXfrm>
-    </dsp:sp>
   </dsp:spTree>
 </dsp:drawing>
 </file>
@@ -15626,22 +14701,18 @@
             <a:endParaRPr lang="en-US" altLang="zh-CN" dirty="0" smtClean="0"/>
           </a:p>
           <a:p>
-            <a:pPr marL="0" marR="0" lvl="0" indent="0" algn="l" defTabSz="914400" rtl="0" eaLnBrk="0" fontAlgn="base" latinLnBrk="0" hangingPunct="0">
-              <a:lnSpc>
-                <a:spcPct val="100000"/>
-              </a:lnSpc>
+            <a:pPr eaLnBrk="0" fontAlgn="base" hangingPunct="0">
               <a:spcBef>
                 <a:spcPct val="0"/>
               </a:spcBef>
               <a:spcAft>
                 <a:spcPct val="0"/>
               </a:spcAft>
-              <a:buClrTx/>
-              <a:buSzTx/>
-              <a:buFontTx/>
-              <a:buNone/>
-              <a:tabLst/>
             </a:pPr>
+            <a:r>
+              <a:rPr lang="en-US" altLang="zh-CN" dirty="0" smtClean="0"/>
+              <a:t>   </a:t>
+            </a:r>
             <a:r>
               <a:rPr lang="zh-CN" altLang="zh-CN" dirty="0" smtClean="0"/>
               <a:t>hash</a:t>
@@ -15653,94 +14724,94 @@
             <a:endParaRPr lang="en-US" altLang="zh-CN" dirty="0"/>
           </a:p>
           <a:p>
-            <a:pPr marL="0" marR="0" lvl="0" indent="0" algn="l" defTabSz="914400" rtl="0" eaLnBrk="0" fontAlgn="base" latinLnBrk="0" hangingPunct="0">
-              <a:lnSpc>
-                <a:spcPct val="100000"/>
-              </a:lnSpc>
+            <a:pPr eaLnBrk="0" fontAlgn="base" hangingPunct="0">
               <a:spcBef>
                 <a:spcPct val="0"/>
               </a:spcBef>
               <a:spcAft>
                 <a:spcPct val="0"/>
               </a:spcAft>
-              <a:buClrTx/>
-              <a:buSzTx/>
-              <a:buFontTx/>
-              <a:buNone/>
-              <a:tabLst/>
             </a:pPr>
             <a:r>
+              <a:rPr lang="en-US" altLang="zh-CN" dirty="0" smtClean="0"/>
+              <a:t>   </a:t>
+            </a:r>
+            <a:r>
+              <a:rPr lang="zh-CN" altLang="zh-CN" dirty="0" smtClean="0"/>
+              <a:t>hash</a:t>
+            </a:r>
+            <a:r>
               <a:rPr lang="zh-CN" altLang="zh-CN" dirty="0"/>
-              <a:t>hash-max-zipmap-value 512 </a:t>
+              <a:t>-max-zipmap-value 512 </a:t>
             </a:r>
             <a:endParaRPr lang="en-US" altLang="zh-CN" dirty="0"/>
           </a:p>
           <a:p>
-            <a:pPr marL="0" marR="0" lvl="0" indent="0" algn="l" defTabSz="914400" rtl="0" eaLnBrk="0" fontAlgn="base" latinLnBrk="0" hangingPunct="0">
-              <a:lnSpc>
-                <a:spcPct val="100000"/>
-              </a:lnSpc>
+            <a:pPr eaLnBrk="0" fontAlgn="base" hangingPunct="0">
               <a:spcBef>
                 <a:spcPct val="0"/>
               </a:spcBef>
               <a:spcAft>
                 <a:spcPct val="0"/>
               </a:spcAft>
-              <a:buClrTx/>
-              <a:buSzTx/>
-              <a:buFontTx/>
-              <a:buNone/>
-              <a:tabLst/>
             </a:pPr>
             <a:r>
+              <a:rPr lang="en-US" altLang="zh-CN" dirty="0" smtClean="0"/>
+              <a:t>   </a:t>
+            </a:r>
+            <a:r>
+              <a:rPr lang="zh-CN" altLang="zh-CN" dirty="0" smtClean="0"/>
+              <a:t>list</a:t>
+            </a:r>
+            <a:r>
               <a:rPr lang="zh-CN" altLang="zh-CN" dirty="0"/>
-              <a:t>list-max-ziplist-entries 512 </a:t>
+              <a:t>-max-ziplist-entries 512 </a:t>
             </a:r>
             <a:endParaRPr lang="en-US" altLang="zh-CN" dirty="0"/>
           </a:p>
           <a:p>
-            <a:pPr marL="0" marR="0" lvl="0" indent="0" algn="l" defTabSz="914400" rtl="0" eaLnBrk="0" fontAlgn="base" latinLnBrk="0" hangingPunct="0">
-              <a:lnSpc>
-                <a:spcPct val="100000"/>
-              </a:lnSpc>
+            <a:pPr eaLnBrk="0" fontAlgn="base" hangingPunct="0">
               <a:spcBef>
                 <a:spcPct val="0"/>
               </a:spcBef>
               <a:spcAft>
                 <a:spcPct val="0"/>
               </a:spcAft>
-              <a:buClrTx/>
-              <a:buSzTx/>
-              <a:buFontTx/>
-              <a:buNone/>
-              <a:tabLst/>
             </a:pPr>
             <a:r>
+              <a:rPr lang="en-US" altLang="zh-CN" dirty="0" smtClean="0"/>
+              <a:t>   </a:t>
+            </a:r>
+            <a:r>
+              <a:rPr lang="zh-CN" altLang="zh-CN" dirty="0" smtClean="0"/>
+              <a:t>list</a:t>
+            </a:r>
+            <a:r>
               <a:rPr lang="zh-CN" altLang="zh-CN" dirty="0"/>
-              <a:t>list-max-ziplist-value 64 </a:t>
+              <a:t>-max-ziplist-value 64 </a:t>
             </a:r>
             <a:endParaRPr lang="en-US" altLang="zh-CN" dirty="0"/>
           </a:p>
           <a:p>
-            <a:pPr marL="0" marR="0" lvl="0" indent="0" algn="l" defTabSz="914400" rtl="0" eaLnBrk="0" fontAlgn="base" latinLnBrk="0" hangingPunct="0">
-              <a:lnSpc>
-                <a:spcPct val="100000"/>
-              </a:lnSpc>
+            <a:pPr eaLnBrk="0" fontAlgn="base" hangingPunct="0">
               <a:spcBef>
                 <a:spcPct val="0"/>
               </a:spcBef>
               <a:spcAft>
                 <a:spcPct val="0"/>
               </a:spcAft>
-              <a:buClrTx/>
-              <a:buSzTx/>
-              <a:buFontTx/>
-              <a:buNone/>
-              <a:tabLst/>
             </a:pPr>
             <a:r>
+              <a:rPr lang="en-US" altLang="zh-CN" dirty="0" smtClean="0"/>
+              <a:t>   </a:t>
+            </a:r>
+            <a:r>
+              <a:rPr lang="zh-CN" altLang="zh-CN" dirty="0" smtClean="0"/>
+              <a:t>set</a:t>
+            </a:r>
+            <a:r>
               <a:rPr lang="zh-CN" altLang="zh-CN" dirty="0"/>
-              <a:t>set-max-intset-entries </a:t>
+              <a:t>-max-intset-entries </a:t>
             </a:r>
             <a:r>
               <a:rPr lang="zh-CN" altLang="zh-CN" dirty="0" smtClean="0"/>
@@ -15922,8 +14993,8 @@
         </p:blipFill>
         <p:spPr>
           <a:xfrm>
-            <a:off x="838200" y="1796256"/>
-            <a:ext cx="5886450" cy="4733925"/>
+            <a:off x="838200" y="1728790"/>
+            <a:ext cx="5754189" cy="4627560"/>
           </a:xfrm>
           <a:prstGeom prst="rect">
             <a:avLst/>
@@ -15946,7 +15017,7 @@
         </p:blipFill>
         <p:spPr>
           <a:xfrm>
-            <a:off x="6724650" y="1796256"/>
+            <a:off x="6592389" y="1946275"/>
             <a:ext cx="4991100" cy="4410075"/>
           </a:xfrm>
           <a:prstGeom prst="rect">
@@ -18618,7 +17689,7 @@
         </p:blipFill>
         <p:spPr>
           <a:xfrm>
-            <a:off x="5950754" y="2760343"/>
+            <a:off x="5950754" y="2494413"/>
             <a:ext cx="5737997" cy="3861937"/>
           </a:xfrm>
           <a:prstGeom prst="rect">
@@ -19104,7 +18175,7 @@
         </p:blipFill>
         <p:spPr bwMode="auto">
           <a:xfrm>
-            <a:off x="4623072" y="3205706"/>
+            <a:off x="5118372" y="3223123"/>
             <a:ext cx="1152525" cy="1152526"/>
           </a:xfrm>
           <a:prstGeom prst="rect">
@@ -19145,7 +18216,7 @@
         </p:blipFill>
         <p:spPr bwMode="auto">
           <a:xfrm>
-            <a:off x="6688183" y="2913214"/>
+            <a:off x="7332618" y="2643266"/>
             <a:ext cx="2227851" cy="3713084"/>
           </a:xfrm>
           <a:prstGeom prst="rect">
